--- a/Courses/Software-Sciences/IT-Module-3-Web-Design/04-Website-Design/04-Website-Design.pptx
+++ b/Courses/Software-Sciences/IT-Module-3-Web-Design/04-Website-Design/04-Website-Design.pptx
@@ -350,7 +350,7 @@
           <a:p>
             <a:fld id="{4E087215-0C8F-4762-A664-737A353EC9A4}" type="datetimeFigureOut">
               <a:rPr lang="bg-BG" smtClean="0"/>
-              <a:t>27.10.25 г.</a:t>
+              <a:t>31.10.25 г.</a:t>
             </a:fld>
             <a:endParaRPr lang="bg-BG"/>
           </a:p>
@@ -546,7 +546,7 @@
           <a:p>
             <a:fld id="{72D84649-876A-46C9-8472-14CB09C070D8}" type="datetimeFigureOut">
               <a:rPr lang="en-US" smtClean="0"/>
-              <a:t>10/27/25</a:t>
+              <a:t>10/31/25</a:t>
             </a:fld>
             <a:endParaRPr lang="en-US"/>
           </a:p>
@@ -12105,11 +12105,11 @@
   <p:clrMapOvr>
     <a:masterClrMapping/>
   </p:clrMapOvr>
-  <mc:AlternateContent xmlns:mc="http://schemas.openxmlformats.org/markup-compatibility/2006">
-    <mc:Choice xmlns:p14="http://schemas.microsoft.com/office/powerpoint/2010/main" Requires="p14">
+  <mc:AlternateContent xmlns:mc="http://schemas.openxmlformats.org/markup-compatibility/2006" xmlns:p14="http://schemas.microsoft.com/office/powerpoint/2010/main">
+    <mc:Choice Requires="p14">
       <p:transition spd="slow" p14:dur="2000" advTm="2597"/>
     </mc:Choice>
-    <mc:Fallback>
+    <mc:Fallback xmlns="">
       <p:transition spd="slow" advTm="2597"/>
     </mc:Fallback>
   </mc:AlternateContent>
@@ -13504,11 +13504,11 @@
   <p:clrMapOvr>
     <a:masterClrMapping/>
   </p:clrMapOvr>
-  <mc:AlternateContent xmlns:mc="http://schemas.openxmlformats.org/markup-compatibility/2006">
-    <mc:Choice xmlns:p14="http://schemas.microsoft.com/office/powerpoint/2010/main" Requires="p14">
+  <mc:AlternateContent xmlns:mc="http://schemas.openxmlformats.org/markup-compatibility/2006" xmlns:p14="http://schemas.microsoft.com/office/powerpoint/2010/main">
+    <mc:Choice Requires="p14">
       <p:transition spd="slow" p14:dur="2000" advClick="0" advTm="5000"/>
     </mc:Choice>
-    <mc:Fallback>
+    <mc:Fallback xmlns="">
       <p:transition spd="slow" advClick="0" advTm="5000"/>
     </mc:Fallback>
   </mc:AlternateContent>
@@ -15039,11 +15039,11 @@
   <p:clrMapOvr>
     <a:masterClrMapping/>
   </p:clrMapOvr>
-  <mc:AlternateContent xmlns:mc="http://schemas.openxmlformats.org/markup-compatibility/2006">
-    <mc:Choice xmlns:p14="http://schemas.microsoft.com/office/powerpoint/2010/main" Requires="p14">
+  <mc:AlternateContent xmlns:mc="http://schemas.openxmlformats.org/markup-compatibility/2006" xmlns:p14="http://schemas.microsoft.com/office/powerpoint/2010/main">
+    <mc:Choice Requires="p14">
       <p:transition spd="slow" p14:dur="2000" advClick="0" advTm="5000"/>
     </mc:Choice>
-    <mc:Fallback>
+    <mc:Fallback xmlns="">
       <p:transition spd="slow" advClick="0" advTm="5000"/>
     </mc:Fallback>
   </mc:AlternateContent>
@@ -15582,11 +15582,11 @@
   <p:clrMapOvr>
     <a:masterClrMapping/>
   </p:clrMapOvr>
-  <mc:AlternateContent xmlns:mc="http://schemas.openxmlformats.org/markup-compatibility/2006">
-    <mc:Choice xmlns:p14="http://schemas.microsoft.com/office/powerpoint/2010/main" Requires="p14">
+  <mc:AlternateContent xmlns:mc="http://schemas.openxmlformats.org/markup-compatibility/2006" xmlns:p14="http://schemas.microsoft.com/office/powerpoint/2010/main">
+    <mc:Choice Requires="p14">
       <p:transition spd="slow" p14:dur="2000" advClick="0" advTm="5000"/>
     </mc:Choice>
-    <mc:Fallback>
+    <mc:Fallback xmlns="">
       <p:transition spd="slow" advClick="0" advTm="5000"/>
     </mc:Fallback>
   </mc:AlternateContent>
@@ -16153,11 +16153,11 @@
   <p:clrMapOvr>
     <a:masterClrMapping/>
   </p:clrMapOvr>
-  <mc:AlternateContent xmlns:mc="http://schemas.openxmlformats.org/markup-compatibility/2006">
-    <mc:Choice xmlns:p14="http://schemas.microsoft.com/office/powerpoint/2010/main" Requires="p14">
+  <mc:AlternateContent xmlns:mc="http://schemas.openxmlformats.org/markup-compatibility/2006" xmlns:p14="http://schemas.microsoft.com/office/powerpoint/2010/main">
+    <mc:Choice Requires="p14">
       <p:transition spd="slow" p14:dur="2000" advClick="0" advTm="5000"/>
     </mc:Choice>
-    <mc:Fallback>
+    <mc:Fallback xmlns="">
       <p:transition spd="slow" advClick="0" advTm="5000"/>
     </mc:Fallback>
   </mc:AlternateContent>
@@ -16984,11 +16984,11 @@
   <p:clrMapOvr>
     <a:masterClrMapping/>
   </p:clrMapOvr>
-  <mc:AlternateContent xmlns:mc="http://schemas.openxmlformats.org/markup-compatibility/2006">
-    <mc:Choice xmlns:p14="http://schemas.microsoft.com/office/powerpoint/2010/main" Requires="p14">
+  <mc:AlternateContent xmlns:mc="http://schemas.openxmlformats.org/markup-compatibility/2006" xmlns:p14="http://schemas.microsoft.com/office/powerpoint/2010/main">
+    <mc:Choice Requires="p14">
       <p:transition spd="slow" p14:dur="2000" advClick="0" advTm="6605"/>
     </mc:Choice>
-    <mc:Fallback>
+    <mc:Fallback xmlns="">
       <p:transition spd="slow" advClick="0" advTm="6605"/>
     </mc:Fallback>
   </mc:AlternateContent>
@@ -18947,11 +18947,11 @@
   <p:clrMapOvr>
     <a:masterClrMapping/>
   </p:clrMapOvr>
-  <mc:AlternateContent xmlns:mc="http://schemas.openxmlformats.org/markup-compatibility/2006">
-    <mc:Choice xmlns:p14="http://schemas.microsoft.com/office/powerpoint/2010/main" Requires="p14">
+  <mc:AlternateContent xmlns:mc="http://schemas.openxmlformats.org/markup-compatibility/2006" xmlns:p14="http://schemas.microsoft.com/office/powerpoint/2010/main">
+    <mc:Choice Requires="p14">
       <p:transition spd="slow" p14:dur="2000" advClick="0" advTm="5000"/>
     </mc:Choice>
-    <mc:Fallback>
+    <mc:Fallback xmlns="">
       <p:transition spd="slow" advClick="0" advTm="5000"/>
     </mc:Fallback>
   </mc:AlternateContent>
@@ -19468,11 +19468,11 @@
   <p:clrMapOvr>
     <a:masterClrMapping/>
   </p:clrMapOvr>
-  <mc:AlternateContent xmlns:mc="http://schemas.openxmlformats.org/markup-compatibility/2006">
-    <mc:Choice xmlns:p14="http://schemas.microsoft.com/office/powerpoint/2010/main" Requires="p14">
+  <mc:AlternateContent xmlns:mc="http://schemas.openxmlformats.org/markup-compatibility/2006" xmlns:p14="http://schemas.microsoft.com/office/powerpoint/2010/main">
+    <mc:Choice Requires="p14">
       <p:transition spd="slow" p14:dur="2000" advClick="0" advTm="5000"/>
     </mc:Choice>
-    <mc:Fallback>
+    <mc:Fallback xmlns="">
       <p:transition spd="slow" advClick="0" advTm="5000"/>
     </mc:Fallback>
   </mc:AlternateContent>
@@ -20174,11 +20174,11 @@
   <p:clrMapOvr>
     <a:masterClrMapping/>
   </p:clrMapOvr>
-  <mc:AlternateContent xmlns:mc="http://schemas.openxmlformats.org/markup-compatibility/2006">
-    <mc:Choice xmlns:p14="http://schemas.microsoft.com/office/powerpoint/2010/main" Requires="p14">
+  <mc:AlternateContent xmlns:mc="http://schemas.openxmlformats.org/markup-compatibility/2006" xmlns:p14="http://schemas.microsoft.com/office/powerpoint/2010/main">
+    <mc:Choice Requires="p14">
       <p:transition spd="slow" p14:dur="2000" advClick="0" advTm="5000"/>
     </mc:Choice>
-    <mc:Fallback>
+    <mc:Fallback xmlns="">
       <p:transition spd="slow" advClick="0" advTm="5000"/>
     </mc:Fallback>
   </mc:AlternateContent>
@@ -20878,11 +20878,11 @@
   <p:clrMapOvr>
     <a:masterClrMapping/>
   </p:clrMapOvr>
-  <mc:AlternateContent xmlns:mc="http://schemas.openxmlformats.org/markup-compatibility/2006">
-    <mc:Choice xmlns:p14="http://schemas.microsoft.com/office/powerpoint/2010/main" Requires="p14">
+  <mc:AlternateContent xmlns:mc="http://schemas.openxmlformats.org/markup-compatibility/2006" xmlns:p14="http://schemas.microsoft.com/office/powerpoint/2010/main">
+    <mc:Choice Requires="p14">
       <p:transition spd="slow" p14:dur="2000" advClick="0" advTm="5000"/>
     </mc:Choice>
-    <mc:Fallback>
+    <mc:Fallback xmlns="">
       <p:transition spd="slow" advClick="0" advTm="5000"/>
     </mc:Fallback>
   </mc:AlternateContent>
@@ -23137,11 +23137,11 @@
   <p:clrMapOvr>
     <a:masterClrMapping/>
   </p:clrMapOvr>
-  <mc:AlternateContent xmlns:mc="http://schemas.openxmlformats.org/markup-compatibility/2006">
-    <mc:Choice xmlns:p14="http://schemas.microsoft.com/office/powerpoint/2010/main" Requires="p14">
+  <mc:AlternateContent xmlns:mc="http://schemas.openxmlformats.org/markup-compatibility/2006" xmlns:p14="http://schemas.microsoft.com/office/powerpoint/2010/main">
+    <mc:Choice Requires="p14">
       <p:transition spd="slow" p14:dur="2000" advClick="0" advTm="5000"/>
     </mc:Choice>
-    <mc:Fallback>
+    <mc:Fallback xmlns="">
       <p:transition spd="slow" advClick="0" advTm="5000"/>
     </mc:Fallback>
   </mc:AlternateContent>
@@ -23942,11 +23942,11 @@
   <p:clrMapOvr>
     <a:masterClrMapping/>
   </p:clrMapOvr>
-  <mc:AlternateContent xmlns:mc="http://schemas.openxmlformats.org/markup-compatibility/2006">
-    <mc:Choice xmlns:p14="http://schemas.microsoft.com/office/powerpoint/2010/main" Requires="p14">
+  <mc:AlternateContent xmlns:mc="http://schemas.openxmlformats.org/markup-compatibility/2006" xmlns:p14="http://schemas.microsoft.com/office/powerpoint/2010/main">
+    <mc:Choice Requires="p14">
       <p:transition spd="slow" p14:dur="2000" advClick="0" advTm="5000"/>
     </mc:Choice>
-    <mc:Fallback>
+    <mc:Fallback xmlns="">
       <p:transition spd="slow" advClick="0" advTm="5000"/>
     </mc:Fallback>
   </mc:AlternateContent>
@@ -24583,11 +24583,11 @@
   <p:clrMapOvr>
     <a:masterClrMapping/>
   </p:clrMapOvr>
-  <mc:AlternateContent xmlns:mc="http://schemas.openxmlformats.org/markup-compatibility/2006">
-    <mc:Choice xmlns:p14="http://schemas.microsoft.com/office/powerpoint/2010/main" Requires="p14">
+  <mc:AlternateContent xmlns:mc="http://schemas.openxmlformats.org/markup-compatibility/2006" xmlns:p14="http://schemas.microsoft.com/office/powerpoint/2010/main">
+    <mc:Choice Requires="p14">
       <p:transition spd="slow" p14:dur="2000" advClick="0" advTm="5000"/>
     </mc:Choice>
-    <mc:Fallback>
+    <mc:Fallback xmlns="">
       <p:transition spd="slow" advClick="0" advTm="5000"/>
     </mc:Fallback>
   </mc:AlternateContent>
@@ -25015,11 +25015,11 @@
           <a:p>
             <a:r>
               <a:rPr lang="bg-BG" dirty="0"/>
-              <a:t>Създаване на блок-схема</a:t>
-            </a:r>
-            <a:r>
-              <a:rPr lang="en-US" dirty="0"/>
-              <a:t> (4)</a:t>
+              <a:t>Запазване </a:t>
+            </a:r>
+            <a:r>
+              <a:rPr lang="bg-BG"/>
+              <a:t>на блок-схема</a:t>
             </a:r>
             <a:endParaRPr lang="en-BG" dirty="0"/>
           </a:p>
@@ -25078,11 +25078,11 @@
   <p:clrMapOvr>
     <a:masterClrMapping/>
   </p:clrMapOvr>
-  <mc:AlternateContent xmlns:mc="http://schemas.openxmlformats.org/markup-compatibility/2006">
-    <mc:Choice xmlns:p14="http://schemas.microsoft.com/office/powerpoint/2010/main" Requires="p14">
+  <mc:AlternateContent xmlns:mc="http://schemas.openxmlformats.org/markup-compatibility/2006" xmlns:p14="http://schemas.microsoft.com/office/powerpoint/2010/main">
+    <mc:Choice Requires="p14">
       <p:transition spd="slow" p14:dur="2000" advClick="0" advTm="5000"/>
     </mc:Choice>
-    <mc:Fallback>
+    <mc:Fallback xmlns="">
       <p:transition spd="slow" advClick="0" advTm="5000"/>
     </mc:Fallback>
   </mc:AlternateContent>
@@ -25446,11 +25446,11 @@
   <p:clrMapOvr>
     <a:masterClrMapping/>
   </p:clrMapOvr>
-  <mc:AlternateContent xmlns:mc="http://schemas.openxmlformats.org/markup-compatibility/2006">
-    <mc:Choice xmlns:p14="http://schemas.microsoft.com/office/powerpoint/2010/main" Requires="p14">
+  <mc:AlternateContent xmlns:mc="http://schemas.openxmlformats.org/markup-compatibility/2006" xmlns:p14="http://schemas.microsoft.com/office/powerpoint/2010/main">
+    <mc:Choice Requires="p14">
       <p:transition spd="slow" p14:dur="2000" advClick="0" advTm="5000"/>
     </mc:Choice>
-    <mc:Fallback>
+    <mc:Fallback xmlns="">
       <p:transition spd="slow" advClick="0" advTm="5000"/>
     </mc:Fallback>
   </mc:AlternateContent>

--- a/Courses/Software-Sciences/IT-Module-3-Web-Design/04-Website-Design/04-Website-Design.pptx
+++ b/Courses/Software-Sciences/IT-Module-3-Web-Design/04-Website-Design/04-Website-Design.pptx
@@ -24870,6 +24870,8 @@
                 <a:solidFill>
                   <a:schemeClr val="bg1"/>
                 </a:solidFill>
+                <a:latin typeface="Consolas" panose="020B0609020204030204" pitchFamily="49" charset="0"/>
+                <a:cs typeface="Consolas" panose="020B0609020204030204" pitchFamily="49" charset="0"/>
               </a:rPr>
               <a:t>File</a:t>
             </a:r>
@@ -24894,6 +24896,8 @@
                 <a:solidFill>
                   <a:schemeClr val="bg1"/>
                 </a:solidFill>
+                <a:latin typeface="Consolas" panose="020B0609020204030204" pitchFamily="49" charset="0"/>
+                <a:cs typeface="Consolas" panose="020B0609020204030204" pitchFamily="49" charset="0"/>
               </a:rPr>
               <a:t>Save as...</a:t>
             </a:r>
@@ -24976,6 +24980,8 @@
                 <a:solidFill>
                   <a:schemeClr val="bg1"/>
                 </a:solidFill>
+                <a:latin typeface="Consolas" panose="020B0609020204030204" pitchFamily="49" charset="0"/>
+                <a:cs typeface="Consolas" panose="020B0609020204030204" pitchFamily="49" charset="0"/>
               </a:rPr>
               <a:t>OK</a:t>
             </a:r>

--- a/Courses/Software-Sciences/IT-Module-3-Web-Design/04-Website-Design/04-Website-Design.pptx
+++ b/Courses/Software-Sciences/IT-Module-3-Web-Design/04-Website-Design/04-Website-Design.pptx
@@ -350,7 +350,7 @@
           <a:p>
             <a:fld id="{4E087215-0C8F-4762-A664-737A353EC9A4}" type="datetimeFigureOut">
               <a:rPr lang="bg-BG" smtClean="0"/>
-              <a:t>31.10.25 г.</a:t>
+              <a:t>4.11.25 г.</a:t>
             </a:fld>
             <a:endParaRPr lang="bg-BG"/>
           </a:p>
@@ -546,7 +546,7 @@
           <a:p>
             <a:fld id="{72D84649-876A-46C9-8472-14CB09C070D8}" type="datetimeFigureOut">
               <a:rPr lang="en-US" smtClean="0"/>
-              <a:t>10/31/25</a:t>
+              <a:t>11/4/25</a:t>
             </a:fld>
             <a:endParaRPr lang="en-US"/>
           </a:p>
@@ -22906,7 +22906,7 @@
                   <a:schemeClr val="bg1"/>
                 </a:solidFill>
               </a:rPr>
-              <a:t>симетрично</a:t>
+              <a:t>йерархично</a:t>
             </a:r>
           </a:p>
           <a:p>

--- a/Courses/Software-Sciences/IT-Module-3-Web-Design/04-Website-Design/04-Website-Design.pptx
+++ b/Courses/Software-Sciences/IT-Module-3-Web-Design/04-Website-Design/04-Website-Design.pptx
@@ -5,10 +5,10 @@
     <p:sldMasterId id="2147483675" r:id="rId1"/>
   </p:sldMasterIdLst>
   <p:notesMasterIdLst>
-    <p:notesMasterId r:id="rId39"/>
+    <p:notesMasterId r:id="rId40"/>
   </p:notesMasterIdLst>
   <p:handoutMasterIdLst>
-    <p:handoutMasterId r:id="rId40"/>
+    <p:handoutMasterId r:id="rId41"/>
   </p:handoutMasterIdLst>
   <p:sldIdLst>
     <p:sldId id="503" r:id="rId2"/>
@@ -23,31 +23,32 @@
     <p:sldId id="819" r:id="rId11"/>
     <p:sldId id="616" r:id="rId12"/>
     <p:sldId id="823" r:id="rId13"/>
-    <p:sldId id="830" r:id="rId14"/>
-    <p:sldId id="820" r:id="rId15"/>
-    <p:sldId id="826" r:id="rId16"/>
-    <p:sldId id="850" r:id="rId17"/>
-    <p:sldId id="851" r:id="rId18"/>
-    <p:sldId id="852" r:id="rId19"/>
-    <p:sldId id="827" r:id="rId20"/>
-    <p:sldId id="828" r:id="rId21"/>
-    <p:sldId id="838" r:id="rId22"/>
-    <p:sldId id="844" r:id="rId23"/>
-    <p:sldId id="845" r:id="rId24"/>
-    <p:sldId id="846" r:id="rId25"/>
-    <p:sldId id="849" r:id="rId26"/>
-    <p:sldId id="848" r:id="rId27"/>
-    <p:sldId id="847" r:id="rId28"/>
-    <p:sldId id="654" r:id="rId29"/>
-    <p:sldId id="817" r:id="rId30"/>
-    <p:sldId id="832" r:id="rId31"/>
-    <p:sldId id="837" r:id="rId32"/>
-    <p:sldId id="833" r:id="rId33"/>
-    <p:sldId id="835" r:id="rId34"/>
-    <p:sldId id="836" r:id="rId35"/>
-    <p:sldId id="633" r:id="rId36"/>
-    <p:sldId id="504" r:id="rId37"/>
-    <p:sldId id="505" r:id="rId38"/>
+    <p:sldId id="827" r:id="rId14"/>
+    <p:sldId id="830" r:id="rId15"/>
+    <p:sldId id="820" r:id="rId16"/>
+    <p:sldId id="826" r:id="rId17"/>
+    <p:sldId id="850" r:id="rId18"/>
+    <p:sldId id="851" r:id="rId19"/>
+    <p:sldId id="853" r:id="rId20"/>
+    <p:sldId id="852" r:id="rId21"/>
+    <p:sldId id="828" r:id="rId22"/>
+    <p:sldId id="838" r:id="rId23"/>
+    <p:sldId id="844" r:id="rId24"/>
+    <p:sldId id="845" r:id="rId25"/>
+    <p:sldId id="846" r:id="rId26"/>
+    <p:sldId id="849" r:id="rId27"/>
+    <p:sldId id="848" r:id="rId28"/>
+    <p:sldId id="847" r:id="rId29"/>
+    <p:sldId id="654" r:id="rId30"/>
+    <p:sldId id="817" r:id="rId31"/>
+    <p:sldId id="832" r:id="rId32"/>
+    <p:sldId id="837" r:id="rId33"/>
+    <p:sldId id="833" r:id="rId34"/>
+    <p:sldId id="835" r:id="rId35"/>
+    <p:sldId id="836" r:id="rId36"/>
+    <p:sldId id="633" r:id="rId37"/>
+    <p:sldId id="504" r:id="rId38"/>
+    <p:sldId id="505" r:id="rId39"/>
   </p:sldIdLst>
   <p:sldSz cx="12192000" cy="6858000"/>
   <p:notesSz cx="6858000" cy="9144000"/>
@@ -175,13 +176,14 @@
           <p14:sldIdLst>
             <p14:sldId id="616"/>
             <p14:sldId id="823"/>
+            <p14:sldId id="827"/>
             <p14:sldId id="830"/>
             <p14:sldId id="820"/>
             <p14:sldId id="826"/>
             <p14:sldId id="850"/>
             <p14:sldId id="851"/>
+            <p14:sldId id="853"/>
             <p14:sldId id="852"/>
-            <p14:sldId id="827"/>
             <p14:sldId id="828"/>
           </p14:sldIdLst>
         </p14:section>
@@ -237,6 +239,12 @@
 </p:presentation>
 </file>
 
+<file path=ppt/authors.xml><?xml version="1.0" encoding="utf-8"?>
+<p188:authorLst xmlns:a="http://schemas.openxmlformats.org/drawingml/2006/main" xmlns:r="http://schemas.openxmlformats.org/officeDocument/2006/relationships" xmlns:p188="http://schemas.microsoft.com/office/powerpoint/2018/8/main">
+  <p188:author id="{CB4BF2F8-D32F-9387-A6CE-368ED6EFDCF0}" name="Zaraliev" initials="KZ" userId="S::Zaraliev@students.softuni.bg::e1c6524a-140e-4108-9ad5-216363431969" providerId="AD"/>
+</p188:authorLst>
+</file>
+
 <file path=ppt/commentAuthors.xml><?xml version="1.0" encoding="utf-8"?>
 <p:cmAuthorLst xmlns:a="http://schemas.openxmlformats.org/drawingml/2006/main" xmlns:r="http://schemas.openxmlformats.org/officeDocument/2006/relationships" xmlns:p="http://schemas.openxmlformats.org/presentationml/2006/main">
   <p:cmAuthor id="1" name="PC" initials="P" lastIdx="8" clrIdx="0">
@@ -254,6 +262,119 @@
     </p:extLst>
   </p:cmAuthor>
 </p:cmAuthorLst>
+</file>
+
+<file path=ppt/comments/modernComment_332_A817F391.xml><?xml version="1.0" encoding="utf-8"?>
+<p188:cmLst xmlns:a="http://schemas.openxmlformats.org/drawingml/2006/main" xmlns:r="http://schemas.openxmlformats.org/officeDocument/2006/relationships" xmlns:p188="http://schemas.microsoft.com/office/powerpoint/2018/8/main">
+  <p188:cm id="{F00539E7-CC29-4E55-B08F-0C100A74BC89}" authorId="{CB4BF2F8-D32F-9387-A6CE-368ED6EFDCF0}" created="2025-11-21T10:04:55.984">
+    <ac:txMkLst xmlns:ac="http://schemas.microsoft.com/office/drawing/2013/main/command">
+      <pc:docMk xmlns:pc="http://schemas.microsoft.com/office/powerpoint/2013/main/command"/>
+      <pc:sldMk xmlns:pc="http://schemas.microsoft.com/office/powerpoint/2013/main/command" cId="2820141969" sldId="818"/>
+      <ac:spMk id="7" creationId="{320B2856-CE5E-4934-BD1C-1D81E68E529A}"/>
+      <ac:txMk cp="85" len="77">
+        <ac:context len="298" hash="3519757379"/>
+      </ac:txMk>
+    </ac:txMkLst>
+    <p188:pos x="8441969" y="2026046"/>
+    <p188:txBody>
+      <a:bodyPr/>
+      <a:lstStyle/>
+      <a:p>
+        <a:r>
+          <a:rPr lang="en-GB"/>
+          <a:t>Тука се припокрива с планирането на уебсайт. Трябва да се разграничат двата етапа</a:t>
+        </a:r>
+      </a:p>
+    </p188:txBody>
+  </p188:cm>
+</p188:cmLst>
+</file>
+
+<file path=ppt/comments/modernComment_33A_811F273E.xml><?xml version="1.0" encoding="utf-8"?>
+<p188:cmLst xmlns:a="http://schemas.openxmlformats.org/drawingml/2006/main" xmlns:r="http://schemas.openxmlformats.org/officeDocument/2006/relationships" xmlns:p188="http://schemas.microsoft.com/office/powerpoint/2018/8/main">
+  <p188:cm id="{4202DDCB-48FE-4670-972E-BFF6CFC8AF6F}" authorId="{CB4BF2F8-D32F-9387-A6CE-368ED6EFDCF0}" created="2025-11-21T10:12:35.684">
+    <ac:deMkLst xmlns:ac="http://schemas.microsoft.com/office/drawing/2013/main/command">
+      <pc:docMk xmlns:pc="http://schemas.microsoft.com/office/powerpoint/2013/main/command"/>
+      <pc:sldMk xmlns:pc="http://schemas.microsoft.com/office/powerpoint/2013/main/command" cId="2166302526" sldId="826"/>
+      <ac:picMk id="5" creationId="{58F914B5-5838-A7E6-2EDF-750F91A46A28}"/>
+    </ac:deMkLst>
+    <p188:txBody>
+      <a:bodyPr/>
+      <a:lstStyle/>
+      <a:p>
+        <a:r>
+          <a:rPr lang="en-GB"/>
+          <a:t>Ако използваме термина "пирамидална", нека снимката да бъде подходяща</a:t>
+        </a:r>
+      </a:p>
+    </p188:txBody>
+  </p188:cm>
+  <p188:cm id="{357E359F-E37A-44FB-9B1E-DAC0E89904D7}" authorId="{CB4BF2F8-D32F-9387-A6CE-368ED6EFDCF0}" created="2025-11-21T10:14:03.627">
+    <ac:txMkLst xmlns:ac="http://schemas.microsoft.com/office/drawing/2013/main/command">
+      <pc:docMk xmlns:pc="http://schemas.microsoft.com/office/powerpoint/2013/main/command"/>
+      <pc:sldMk xmlns:pc="http://schemas.microsoft.com/office/powerpoint/2013/main/command" cId="2166302526" sldId="826"/>
+      <ac:spMk id="8" creationId="{9CA50BB8-C95B-C726-A00E-EFF2B734CC77}"/>
+      <ac:txMk cp="182" len="31">
+        <ac:context len="214" hash="2834821172"/>
+      </ac:txMk>
+    </ac:txMkLst>
+    <p188:pos x="7693758" y="4869395"/>
+    <p188:txBody>
+      <a:bodyPr/>
+      <a:lstStyle/>
+      <a:p>
+        <a:r>
+          <a:rPr lang="en-GB"/>
+          <a:t>Да се направи йерархичен примера</a:t>
+        </a:r>
+      </a:p>
+    </p188:txBody>
+  </p188:cm>
+</p188:cmLst>
+</file>
+
+<file path=ppt/comments/modernComment_341_B721B6DE.xml><?xml version="1.0" encoding="utf-8"?>
+<p188:cmLst xmlns:a="http://schemas.openxmlformats.org/drawingml/2006/main" xmlns:r="http://schemas.openxmlformats.org/officeDocument/2006/relationships" xmlns:p188="http://schemas.microsoft.com/office/powerpoint/2018/8/main">
+  <p188:cm id="{298A081B-FAF1-4B7D-8DD3-F501AA85F60B}" authorId="{CB4BF2F8-D32F-9387-A6CE-368ED6EFDCF0}" created="2025-11-21T10:28:37.990">
+    <ac:deMkLst xmlns:ac="http://schemas.microsoft.com/office/drawing/2013/main/command">
+      <pc:docMk xmlns:pc="http://schemas.microsoft.com/office/powerpoint/2013/main/command"/>
+      <pc:sldMk xmlns:pc="http://schemas.microsoft.com/office/powerpoint/2013/main/command" cId="3072440030" sldId="833"/>
+      <ac:picMk id="5" creationId="{C7DFA9A7-DC63-1D3C-5F5F-24B8B33C97FE}"/>
+    </ac:deMkLst>
+    <p188:txBody>
+      <a:bodyPr/>
+      <a:lstStyle/>
+      <a:p>
+        <a:r>
+          <a:rPr lang="en-GB"/>
+          <a:t>Вместо да използваме отделни text boxes, може да кликнем в кутийките и да напишем текста вътре</a:t>
+        </a:r>
+      </a:p>
+    </p188:txBody>
+  </p188:cm>
+</p188:cmLst>
+</file>
+
+<file path=ppt/comments/modernComment_34E_1C49200C.xml><?xml version="1.0" encoding="utf-8"?>
+<p188:cmLst xmlns:a="http://schemas.openxmlformats.org/drawingml/2006/main" xmlns:r="http://schemas.openxmlformats.org/officeDocument/2006/relationships" xmlns:p188="http://schemas.microsoft.com/office/powerpoint/2018/8/main">
+  <p188:cm id="{4DE9618C-B1C5-41CD-BC8E-5CF8A5B1DBCA}" authorId="{CB4BF2F8-D32F-9387-A6CE-368ED6EFDCF0}" created="2025-11-21T10:22:19.607">
+    <ac:deMkLst xmlns:ac="http://schemas.microsoft.com/office/drawing/2013/main/command">
+      <pc:docMk xmlns:pc="http://schemas.microsoft.com/office/powerpoint/2013/main/command"/>
+      <pc:sldMk xmlns:pc="http://schemas.microsoft.com/office/powerpoint/2013/main/command" cId="474554380" sldId="846"/>
+      <ac:spMk id="7" creationId="{320B2856-CE5E-4934-BD1C-1D81E68E529A}"/>
+    </ac:deMkLst>
+    <p188:txBody>
+      <a:bodyPr/>
+      <a:lstStyle/>
+      <a:p>
+        <a:r>
+          <a:rPr lang="en-GB"/>
+          <a:t>Да се добавят снимки за отделните видове навигации</a:t>
+        </a:r>
+      </a:p>
+    </p188:txBody>
+  </p188:cm>
+</p188:cmLst>
 </file>
 
 <file path=ppt/handoutMasters/handoutMaster1.xml><?xml version="1.0" encoding="utf-8"?>
@@ -350,7 +471,7 @@
           <a:p>
             <a:fld id="{4E087215-0C8F-4762-A664-737A353EC9A4}" type="datetimeFigureOut">
               <a:rPr lang="bg-BG" smtClean="0"/>
-              <a:t>4.11.25 г.</a:t>
+              <a:t>21.11.2025 г.</a:t>
             </a:fld>
             <a:endParaRPr lang="bg-BG"/>
           </a:p>
@@ -546,7 +667,7 @@
           <a:p>
             <a:fld id="{72D84649-876A-46C9-8472-14CB09C070D8}" type="datetimeFigureOut">
               <a:rPr lang="en-US" smtClean="0"/>
-              <a:t>11/4/25</a:t>
+              <a:t>11/21/2025</a:t>
             </a:fld>
             <a:endParaRPr lang="en-US"/>
           </a:p>
@@ -1146,7 +1267,7 @@
             <a:fld id="{3EBA5BD7-F043-4D1B-AA17-CD412FC534DE}" type="slidenum">
               <a:rPr lang="en-US" smtClean="0"/>
               <a:pPr/>
-              <a:t>19</a:t>
+              <a:t>15</a:t>
             </a:fld>
             <a:endParaRPr lang="en-US" dirty="0"/>
           </a:p>
@@ -1194,7 +1315,7 @@
     </p:spTree>
     <p:extLst>
       <p:ext uri="{BB962C8B-B14F-4D97-AF65-F5344CB8AC3E}">
-        <p14:creationId xmlns:p14="http://schemas.microsoft.com/office/powerpoint/2010/main" val="2170338942"/>
+        <p14:creationId xmlns:p14="http://schemas.microsoft.com/office/powerpoint/2010/main" val="810519043"/>
       </p:ext>
     </p:extLst>
   </p:cSld>
@@ -1248,135 +1369,28 @@
           <a:bodyPr/>
           <a:lstStyle/>
           <a:p>
-            <a:endParaRPr lang="en-US"/>
+            <a:endParaRPr lang="en-GB" dirty="0"/>
           </a:p>
         </p:txBody>
       </p:sp>
       <p:sp>
         <p:nvSpPr>
-          <p:cNvPr id="7" name="Slide Number Placeholder 5">
-            <a:extLst>
-              <a:ext uri="{FF2B5EF4-FFF2-40B4-BE49-F238E27FC236}">
-                <a16:creationId xmlns:a16="http://schemas.microsoft.com/office/drawing/2014/main" id="{BD88B0D8-949C-482D-990A-2DAB14AD4AD1}"/>
-              </a:ext>
-            </a:extLst>
-          </p:cNvPr>
-          <p:cNvSpPr txBox="1">
-            <a:spLocks/>
+          <p:cNvPr id="4" name="Slide Number Placeholder 3"/>
+          <p:cNvSpPr>
+            <a:spLocks noGrp="1"/>
           </p:cNvSpPr>
-          <p:nvPr/>
+          <p:nvPr>
+            <p:ph type="sldNum" sz="quarter" idx="5"/>
+          </p:nvPr>
         </p:nvSpPr>
-        <p:spPr>
-          <a:xfrm>
-            <a:off x="6488999" y="8847000"/>
-            <a:ext cx="367414" cy="297000"/>
-          </a:xfrm>
-          <a:prstGeom prst="rect">
-            <a:avLst/>
-          </a:prstGeom>
-        </p:spPr>
+        <p:spPr/>
         <p:txBody>
-          <a:bodyPr vert="horz" lIns="91440" tIns="45720" rIns="91440" bIns="45720" rtlCol="0" anchor="b"/>
-          <a:lstStyle>
-            <a:defPPr>
-              <a:defRPr lang="en-US"/>
-            </a:defPPr>
-            <a:lvl1pPr marL="0" algn="r" defTabSz="914400" rtl="0" eaLnBrk="1" latinLnBrk="0" hangingPunct="1">
-              <a:defRPr sz="1200" kern="1200">
-                <a:solidFill>
-                  <a:schemeClr val="tx1"/>
-                </a:solidFill>
-                <a:latin typeface="+mn-lt"/>
-                <a:ea typeface="+mn-ea"/>
-                <a:cs typeface="+mn-cs"/>
-              </a:defRPr>
-            </a:lvl1pPr>
-            <a:lvl2pPr marL="457200" algn="l" defTabSz="914400" rtl="0" eaLnBrk="1" latinLnBrk="0" hangingPunct="1">
-              <a:defRPr sz="1800" kern="1200">
-                <a:solidFill>
-                  <a:schemeClr val="tx1"/>
-                </a:solidFill>
-                <a:latin typeface="+mn-lt"/>
-                <a:ea typeface="+mn-ea"/>
-                <a:cs typeface="+mn-cs"/>
-              </a:defRPr>
-            </a:lvl2pPr>
-            <a:lvl3pPr marL="914400" algn="l" defTabSz="914400" rtl="0" eaLnBrk="1" latinLnBrk="0" hangingPunct="1">
-              <a:defRPr sz="1800" kern="1200">
-                <a:solidFill>
-                  <a:schemeClr val="tx1"/>
-                </a:solidFill>
-                <a:latin typeface="+mn-lt"/>
-                <a:ea typeface="+mn-ea"/>
-                <a:cs typeface="+mn-cs"/>
-              </a:defRPr>
-            </a:lvl3pPr>
-            <a:lvl4pPr marL="1371600" algn="l" defTabSz="914400" rtl="0" eaLnBrk="1" latinLnBrk="0" hangingPunct="1">
-              <a:defRPr sz="1800" kern="1200">
-                <a:solidFill>
-                  <a:schemeClr val="tx1"/>
-                </a:solidFill>
-                <a:latin typeface="+mn-lt"/>
-                <a:ea typeface="+mn-ea"/>
-                <a:cs typeface="+mn-cs"/>
-              </a:defRPr>
-            </a:lvl4pPr>
-            <a:lvl5pPr marL="1828800" algn="l" defTabSz="914400" rtl="0" eaLnBrk="1" latinLnBrk="0" hangingPunct="1">
-              <a:defRPr sz="1800" kern="1200">
-                <a:solidFill>
-                  <a:schemeClr val="tx1"/>
-                </a:solidFill>
-                <a:latin typeface="+mn-lt"/>
-                <a:ea typeface="+mn-ea"/>
-                <a:cs typeface="+mn-cs"/>
-              </a:defRPr>
-            </a:lvl5pPr>
-            <a:lvl6pPr marL="2286000" algn="l" defTabSz="914400" rtl="0" eaLnBrk="1" latinLnBrk="0" hangingPunct="1">
-              <a:defRPr sz="1800" kern="1200">
-                <a:solidFill>
-                  <a:schemeClr val="tx1"/>
-                </a:solidFill>
-                <a:latin typeface="+mn-lt"/>
-                <a:ea typeface="+mn-ea"/>
-                <a:cs typeface="+mn-cs"/>
-              </a:defRPr>
-            </a:lvl6pPr>
-            <a:lvl7pPr marL="2743200" algn="l" defTabSz="914400" rtl="0" eaLnBrk="1" latinLnBrk="0" hangingPunct="1">
-              <a:defRPr sz="1800" kern="1200">
-                <a:solidFill>
-                  <a:schemeClr val="tx1"/>
-                </a:solidFill>
-                <a:latin typeface="+mn-lt"/>
-                <a:ea typeface="+mn-ea"/>
-                <a:cs typeface="+mn-cs"/>
-              </a:defRPr>
-            </a:lvl7pPr>
-            <a:lvl8pPr marL="3200400" algn="l" defTabSz="914400" rtl="0" eaLnBrk="1" latinLnBrk="0" hangingPunct="1">
-              <a:defRPr sz="1800" kern="1200">
-                <a:solidFill>
-                  <a:schemeClr val="tx1"/>
-                </a:solidFill>
-                <a:latin typeface="+mn-lt"/>
-                <a:ea typeface="+mn-ea"/>
-                <a:cs typeface="+mn-cs"/>
-              </a:defRPr>
-            </a:lvl8pPr>
-            <a:lvl9pPr marL="3657600" algn="l" defTabSz="914400" rtl="0" eaLnBrk="1" latinLnBrk="0" hangingPunct="1">
-              <a:defRPr sz="1800" kern="1200">
-                <a:solidFill>
-                  <a:schemeClr val="tx1"/>
-                </a:solidFill>
-                <a:latin typeface="+mn-lt"/>
-                <a:ea typeface="+mn-ea"/>
-                <a:cs typeface="+mn-cs"/>
-              </a:defRPr>
-            </a:lvl9pPr>
-          </a:lstStyle>
-          <a:p>
-            <a:fld id="{3EBA5BD7-F043-4D1B-AA17-CD412FC534DE}" type="slidenum">
+          <a:bodyPr/>
+          <a:lstStyle/>
+          <a:p>
+            <a:fld id="{2BF067CD-8E6B-4360-9AA8-C5DF2A48A6D1}" type="slidenum">
               <a:rPr lang="en-US" smtClean="0"/>
-              <a:pPr/>
-              <a:t>21</a:t>
+              <a:t>16</a:t>
             </a:fld>
             <a:endParaRPr lang="en-US" dirty="0"/>
           </a:p>
@@ -1384,13 +1398,7 @@
       </p:sp>
       <p:sp>
         <p:nvSpPr>
-          <p:cNvPr id="4" name="Footer Placeholder 3">
-            <a:extLst>
-              <a:ext uri="{FF2B5EF4-FFF2-40B4-BE49-F238E27FC236}">
-                <a16:creationId xmlns:a16="http://schemas.microsoft.com/office/drawing/2014/main" id="{58474633-D38D-4432-867B-70F325FA7016}"/>
-              </a:ext>
-            </a:extLst>
-          </p:cNvPr>
+          <p:cNvPr id="5" name="Footer Placeholder 4"/>
           <p:cNvSpPr>
             <a:spLocks noGrp="1"/>
           </p:cNvSpPr>
@@ -1404,27 +1412,31 @@
           <a:lstStyle/>
           <a:p>
             <a:r>
-              <a:rPr lang="en-US"/>
-              <a:t>© SoftUni – </a:t>
-            </a:r>
-            <a:r>
-              <a:rPr lang="en-US" u="sng">
+              <a:rPr lang="bg-BG" sz="1100"/>
+              <a:t>Работна група </a:t>
+            </a:r>
+            <a:r>
+              <a:rPr lang="bg-BG"/>
+              <a:t>"Образование по програмиране и ИТ"</a:t>
+            </a:r>
+            <a:r>
+              <a:rPr lang="bg-BG" sz="1100"/>
+              <a:t>, с подкрепата на </a:t>
+            </a:r>
+            <a:r>
+              <a:rPr lang="en-US" sz="1100">
                 <a:hlinkClick r:id="rId3"/>
               </a:rPr>
-              <a:t>https://softuni.org</a:t>
-            </a:r>
-            <a:r>
-              <a:rPr lang="en-US"/>
-              <a:t>. Copyrighted document. Unauthorized copy or reproduction is not permitted.</a:t>
-            </a:r>
-            <a:endParaRPr lang="en-US" dirty="0"/>
+              <a:t>SoftUni</a:t>
+            </a:r>
+            <a:endParaRPr lang="en-US" sz="1100" dirty="0"/>
           </a:p>
         </p:txBody>
       </p:sp>
     </p:spTree>
     <p:extLst>
       <p:ext uri="{BB962C8B-B14F-4D97-AF65-F5344CB8AC3E}">
-        <p14:creationId xmlns:p14="http://schemas.microsoft.com/office/powerpoint/2010/main" val="3954947769"/>
+        <p14:creationId xmlns:p14="http://schemas.microsoft.com/office/powerpoint/2010/main" val="1161513198"/>
       </p:ext>
     </p:extLst>
   </p:cSld>
@@ -1484,10 +1496,10 @@
       </p:sp>
       <p:sp>
         <p:nvSpPr>
-          <p:cNvPr id="6" name="Slide Number Placeholder 5">
+          <p:cNvPr id="7" name="Slide Number Placeholder 5">
             <a:extLst>
               <a:ext uri="{FF2B5EF4-FFF2-40B4-BE49-F238E27FC236}">
-                <a16:creationId xmlns:a16="http://schemas.microsoft.com/office/drawing/2014/main" id="{973EF363-177A-44DE-80E9-FC9248B7DCA2}"/>
+                <a16:creationId xmlns:a16="http://schemas.microsoft.com/office/drawing/2014/main" id="{BD88B0D8-949C-482D-990A-2DAB14AD4AD1}"/>
               </a:ext>
             </a:extLst>
           </p:cNvPr>
@@ -1617,7 +1629,7 @@
           <p:cNvPr id="4" name="Footer Placeholder 3">
             <a:extLst>
               <a:ext uri="{FF2B5EF4-FFF2-40B4-BE49-F238E27FC236}">
-                <a16:creationId xmlns:a16="http://schemas.microsoft.com/office/drawing/2014/main" id="{8EE613EE-6697-4964-A067-C2136C00C834}"/>
+                <a16:creationId xmlns:a16="http://schemas.microsoft.com/office/drawing/2014/main" id="{58474633-D38D-4432-867B-70F325FA7016}"/>
               </a:ext>
             </a:extLst>
           </p:cNvPr>
@@ -1654,7 +1666,7 @@
     </p:spTree>
     <p:extLst>
       <p:ext uri="{BB962C8B-B14F-4D97-AF65-F5344CB8AC3E}">
-        <p14:creationId xmlns:p14="http://schemas.microsoft.com/office/powerpoint/2010/main" val="246584978"/>
+        <p14:creationId xmlns:p14="http://schemas.microsoft.com/office/powerpoint/2010/main" val="3954947769"/>
       </p:ext>
     </p:extLst>
   </p:cSld>
@@ -1884,7 +1896,7 @@
     </p:spTree>
     <p:extLst>
       <p:ext uri="{BB962C8B-B14F-4D97-AF65-F5344CB8AC3E}">
-        <p14:creationId xmlns:p14="http://schemas.microsoft.com/office/powerpoint/2010/main" val="1619484241"/>
+        <p14:creationId xmlns:p14="http://schemas.microsoft.com/office/powerpoint/2010/main" val="246584978"/>
       </p:ext>
     </p:extLst>
   </p:cSld>
@@ -2114,7 +2126,7 @@
     </p:spTree>
     <p:extLst>
       <p:ext uri="{BB962C8B-B14F-4D97-AF65-F5344CB8AC3E}">
-        <p14:creationId xmlns:p14="http://schemas.microsoft.com/office/powerpoint/2010/main" val="3690340620"/>
+        <p14:creationId xmlns:p14="http://schemas.microsoft.com/office/powerpoint/2010/main" val="1619484241"/>
       </p:ext>
     </p:extLst>
   </p:cSld>
@@ -2344,7 +2356,7 @@
     </p:spTree>
     <p:extLst>
       <p:ext uri="{BB962C8B-B14F-4D97-AF65-F5344CB8AC3E}">
-        <p14:creationId xmlns:p14="http://schemas.microsoft.com/office/powerpoint/2010/main" val="1542719767"/>
+        <p14:creationId xmlns:p14="http://schemas.microsoft.com/office/powerpoint/2010/main" val="3690340620"/>
       </p:ext>
     </p:extLst>
   </p:cSld>
@@ -2574,7 +2586,7 @@
     </p:spTree>
     <p:extLst>
       <p:ext uri="{BB962C8B-B14F-4D97-AF65-F5344CB8AC3E}">
-        <p14:creationId xmlns:p14="http://schemas.microsoft.com/office/powerpoint/2010/main" val="1409926127"/>
+        <p14:creationId xmlns:p14="http://schemas.microsoft.com/office/powerpoint/2010/main" val="1542719767"/>
       </p:ext>
     </p:extLst>
   </p:cSld>
@@ -2634,10 +2646,10 @@
       </p:sp>
       <p:sp>
         <p:nvSpPr>
-          <p:cNvPr id="7" name="Slide Number Placeholder 5">
+          <p:cNvPr id="6" name="Slide Number Placeholder 5">
             <a:extLst>
               <a:ext uri="{FF2B5EF4-FFF2-40B4-BE49-F238E27FC236}">
-                <a16:creationId xmlns:a16="http://schemas.microsoft.com/office/drawing/2014/main" id="{BD88B0D8-949C-482D-990A-2DAB14AD4AD1}"/>
+                <a16:creationId xmlns:a16="http://schemas.microsoft.com/office/drawing/2014/main" id="{973EF363-177A-44DE-80E9-FC9248B7DCA2}"/>
               </a:ext>
             </a:extLst>
           </p:cNvPr>
@@ -2756,7 +2768,7 @@
             <a:fld id="{3EBA5BD7-F043-4D1B-AA17-CD412FC534DE}" type="slidenum">
               <a:rPr lang="en-US" smtClean="0"/>
               <a:pPr/>
-              <a:t>28</a:t>
+              <a:t>27</a:t>
             </a:fld>
             <a:endParaRPr lang="en-US" dirty="0"/>
           </a:p>
@@ -2767,7 +2779,7 @@
           <p:cNvPr id="4" name="Footer Placeholder 3">
             <a:extLst>
               <a:ext uri="{FF2B5EF4-FFF2-40B4-BE49-F238E27FC236}">
-                <a16:creationId xmlns:a16="http://schemas.microsoft.com/office/drawing/2014/main" id="{58474633-D38D-4432-867B-70F325FA7016}"/>
+                <a16:creationId xmlns:a16="http://schemas.microsoft.com/office/drawing/2014/main" id="{8EE613EE-6697-4964-A067-C2136C00C834}"/>
               </a:ext>
             </a:extLst>
           </p:cNvPr>
@@ -2804,7 +2816,7 @@
     </p:spTree>
     <p:extLst>
       <p:ext uri="{BB962C8B-B14F-4D97-AF65-F5344CB8AC3E}">
-        <p14:creationId xmlns:p14="http://schemas.microsoft.com/office/powerpoint/2010/main" val="1274994190"/>
+        <p14:creationId xmlns:p14="http://schemas.microsoft.com/office/powerpoint/2010/main" val="1409926127"/>
       </p:ext>
     </p:extLst>
   </p:cSld>
@@ -2864,10 +2876,10 @@
       </p:sp>
       <p:sp>
         <p:nvSpPr>
-          <p:cNvPr id="6" name="Slide Number Placeholder 5">
+          <p:cNvPr id="7" name="Slide Number Placeholder 5">
             <a:extLst>
               <a:ext uri="{FF2B5EF4-FFF2-40B4-BE49-F238E27FC236}">
-                <a16:creationId xmlns:a16="http://schemas.microsoft.com/office/drawing/2014/main" id="{973EF363-177A-44DE-80E9-FC9248B7DCA2}"/>
+                <a16:creationId xmlns:a16="http://schemas.microsoft.com/office/drawing/2014/main" id="{BD88B0D8-949C-482D-990A-2DAB14AD4AD1}"/>
               </a:ext>
             </a:extLst>
           </p:cNvPr>
@@ -2997,7 +3009,7 @@
           <p:cNvPr id="4" name="Footer Placeholder 3">
             <a:extLst>
               <a:ext uri="{FF2B5EF4-FFF2-40B4-BE49-F238E27FC236}">
-                <a16:creationId xmlns:a16="http://schemas.microsoft.com/office/drawing/2014/main" id="{8EE613EE-6697-4964-A067-C2136C00C834}"/>
+                <a16:creationId xmlns:a16="http://schemas.microsoft.com/office/drawing/2014/main" id="{58474633-D38D-4432-867B-70F325FA7016}"/>
               </a:ext>
             </a:extLst>
           </p:cNvPr>
@@ -3034,7 +3046,7 @@
     </p:spTree>
     <p:extLst>
       <p:ext uri="{BB962C8B-B14F-4D97-AF65-F5344CB8AC3E}">
-        <p14:creationId xmlns:p14="http://schemas.microsoft.com/office/powerpoint/2010/main" val="1270801476"/>
+        <p14:creationId xmlns:p14="http://schemas.microsoft.com/office/powerpoint/2010/main" val="1274994190"/>
       </p:ext>
     </p:extLst>
   </p:cSld>
@@ -3264,7 +3276,7 @@
     </p:spTree>
     <p:extLst>
       <p:ext uri="{BB962C8B-B14F-4D97-AF65-F5344CB8AC3E}">
-        <p14:creationId xmlns:p14="http://schemas.microsoft.com/office/powerpoint/2010/main" val="2757080012"/>
+        <p14:creationId xmlns:p14="http://schemas.microsoft.com/office/powerpoint/2010/main" val="1270801476"/>
       </p:ext>
     </p:extLst>
   </p:cSld>
@@ -3736,7 +3748,7 @@
     </p:spTree>
     <p:extLst>
       <p:ext uri="{BB962C8B-B14F-4D97-AF65-F5344CB8AC3E}">
-        <p14:creationId xmlns:p14="http://schemas.microsoft.com/office/powerpoint/2010/main" val="1330332555"/>
+        <p14:creationId xmlns:p14="http://schemas.microsoft.com/office/powerpoint/2010/main" val="2757080012"/>
       </p:ext>
     </p:extLst>
   </p:cSld>
@@ -3966,7 +3978,7 @@
     </p:spTree>
     <p:extLst>
       <p:ext uri="{BB962C8B-B14F-4D97-AF65-F5344CB8AC3E}">
-        <p14:creationId xmlns:p14="http://schemas.microsoft.com/office/powerpoint/2010/main" val="1817797267"/>
+        <p14:creationId xmlns:p14="http://schemas.microsoft.com/office/powerpoint/2010/main" val="1330332555"/>
       </p:ext>
     </p:extLst>
   </p:cSld>
@@ -4196,7 +4208,7 @@
     </p:spTree>
     <p:extLst>
       <p:ext uri="{BB962C8B-B14F-4D97-AF65-F5344CB8AC3E}">
-        <p14:creationId xmlns:p14="http://schemas.microsoft.com/office/powerpoint/2010/main" val="1553863914"/>
+        <p14:creationId xmlns:p14="http://schemas.microsoft.com/office/powerpoint/2010/main" val="1817797267"/>
       </p:ext>
     </p:extLst>
   </p:cSld>
@@ -4426,7 +4438,7 @@
     </p:spTree>
     <p:extLst>
       <p:ext uri="{BB962C8B-B14F-4D97-AF65-F5344CB8AC3E}">
-        <p14:creationId xmlns:p14="http://schemas.microsoft.com/office/powerpoint/2010/main" val="2202156503"/>
+        <p14:creationId xmlns:p14="http://schemas.microsoft.com/office/powerpoint/2010/main" val="1553863914"/>
       </p:ext>
     </p:extLst>
   </p:cSld>
@@ -4480,16 +4492,16 @@
           <a:bodyPr/>
           <a:lstStyle/>
           <a:p>
-            <a:endParaRPr lang="en-US" dirty="0"/>
+            <a:endParaRPr lang="en-US"/>
           </a:p>
         </p:txBody>
       </p:sp>
       <p:sp>
         <p:nvSpPr>
-          <p:cNvPr id="7" name="Slide Number Placeholder 5">
+          <p:cNvPr id="6" name="Slide Number Placeholder 5">
             <a:extLst>
               <a:ext uri="{FF2B5EF4-FFF2-40B4-BE49-F238E27FC236}">
-                <a16:creationId xmlns:a16="http://schemas.microsoft.com/office/drawing/2014/main" id="{E65F1CA9-65DC-416B-8882-B3A5E415CE67}"/>
+                <a16:creationId xmlns:a16="http://schemas.microsoft.com/office/drawing/2014/main" id="{973EF363-177A-44DE-80E9-FC9248B7DCA2}"/>
               </a:ext>
             </a:extLst>
           </p:cNvPr>
@@ -4616,10 +4628,10 @@
       </p:sp>
       <p:sp>
         <p:nvSpPr>
-          <p:cNvPr id="5" name="Footer Placeholder 7">
+          <p:cNvPr id="4" name="Footer Placeholder 3">
             <a:extLst>
               <a:ext uri="{FF2B5EF4-FFF2-40B4-BE49-F238E27FC236}">
-                <a16:creationId xmlns:a16="http://schemas.microsoft.com/office/drawing/2014/main" id="{43FAF785-0C8D-730E-8E59-68198DC82CE0}"/>
+                <a16:creationId xmlns:a16="http://schemas.microsoft.com/office/drawing/2014/main" id="{8EE613EE-6697-4964-A067-C2136C00C834}"/>
               </a:ext>
             </a:extLst>
           </p:cNvPr>
@@ -4630,49 +4642,33 @@
             <p:ph type="ftr" sz="quarter" idx="4"/>
           </p:nvPr>
         </p:nvSpPr>
-        <p:spPr>
-          <a:xfrm>
-            <a:off x="-1" y="8892000"/>
-            <a:ext cx="6488999" cy="252000"/>
-          </a:xfrm>
-          <a:prstGeom prst="rect">
-            <a:avLst/>
-          </a:prstGeom>
-        </p:spPr>
+        <p:spPr/>
         <p:txBody>
-          <a:bodyPr vert="horz" lIns="91440" tIns="45720" rIns="91440" bIns="45720" rtlCol="0" anchor="b"/>
-          <a:lstStyle>
-            <a:lvl1pPr algn="l">
-              <a:defRPr sz="1100"/>
-            </a:lvl1pPr>
-          </a:lstStyle>
-          <a:p>
-            <a:r>
-              <a:rPr lang="bg-BG" sz="1100" dirty="0"/>
-              <a:t>Работна група </a:t>
-            </a:r>
-            <a:r>
-              <a:rPr lang="bg-BG" dirty="0"/>
-              <a:t>"Образование по програмиране и ИТ"</a:t>
-            </a:r>
-            <a:r>
-              <a:rPr lang="bg-BG" sz="1100" dirty="0"/>
-              <a:t>, с подкрепата на </a:t>
-            </a:r>
-            <a:r>
-              <a:rPr lang="en-US" sz="1100" dirty="0">
+          <a:bodyPr/>
+          <a:lstStyle/>
+          <a:p>
+            <a:r>
+              <a:rPr lang="en-US"/>
+              <a:t>© SoftUni – </a:t>
+            </a:r>
+            <a:r>
+              <a:rPr lang="en-US" u="sng">
                 <a:hlinkClick r:id="rId3"/>
               </a:rPr>
-              <a:t>SoftUni</a:t>
-            </a:r>
-            <a:endParaRPr lang="en-US" sz="1100" dirty="0"/>
+              <a:t>https://softuni.org</a:t>
+            </a:r>
+            <a:r>
+              <a:rPr lang="en-US"/>
+              <a:t>. Copyrighted document. Unauthorized copy or reproduction is not permitted.</a:t>
+            </a:r>
+            <a:endParaRPr lang="en-US" dirty="0"/>
           </a:p>
         </p:txBody>
       </p:sp>
     </p:spTree>
     <p:extLst>
       <p:ext uri="{BB962C8B-B14F-4D97-AF65-F5344CB8AC3E}">
-        <p14:creationId xmlns:p14="http://schemas.microsoft.com/office/powerpoint/2010/main" val="2689344733"/>
+        <p14:creationId xmlns:p14="http://schemas.microsoft.com/office/powerpoint/2010/main" val="2202156503"/>
       </p:ext>
     </p:extLst>
   </p:cSld>
@@ -4735,7 +4731,7 @@
           <p:cNvPr id="7" name="Slide Number Placeholder 5">
             <a:extLst>
               <a:ext uri="{FF2B5EF4-FFF2-40B4-BE49-F238E27FC236}">
-                <a16:creationId xmlns:a16="http://schemas.microsoft.com/office/drawing/2014/main" id="{5049B984-F964-47FF-8179-0A3007CE21CD}"/>
+                <a16:creationId xmlns:a16="http://schemas.microsoft.com/office/drawing/2014/main" id="{E65F1CA9-65DC-416B-8882-B3A5E415CE67}"/>
               </a:ext>
             </a:extLst>
           </p:cNvPr>
@@ -4862,10 +4858,10 @@
       </p:sp>
       <p:sp>
         <p:nvSpPr>
-          <p:cNvPr id="4" name="Footer Placeholder 3">
+          <p:cNvPr id="5" name="Footer Placeholder 7">
             <a:extLst>
               <a:ext uri="{FF2B5EF4-FFF2-40B4-BE49-F238E27FC236}">
-                <a16:creationId xmlns:a16="http://schemas.microsoft.com/office/drawing/2014/main" id="{8E059BE0-D868-413B-AAA1-1CC88D1F52C5}"/>
+                <a16:creationId xmlns:a16="http://schemas.microsoft.com/office/drawing/2014/main" id="{43FAF785-0C8D-730E-8E59-68198DC82CE0}"/>
               </a:ext>
             </a:extLst>
           </p:cNvPr>
@@ -4876,33 +4872,49 @@
             <p:ph type="ftr" sz="quarter" idx="4"/>
           </p:nvPr>
         </p:nvSpPr>
-        <p:spPr/>
+        <p:spPr>
+          <a:xfrm>
+            <a:off x="-1" y="8892000"/>
+            <a:ext cx="6488999" cy="252000"/>
+          </a:xfrm>
+          <a:prstGeom prst="rect">
+            <a:avLst/>
+          </a:prstGeom>
+        </p:spPr>
         <p:txBody>
-          <a:bodyPr/>
-          <a:lstStyle/>
-          <a:p>
-            <a:r>
-              <a:rPr lang="en-US"/>
-              <a:t>© SoftUni – </a:t>
-            </a:r>
-            <a:r>
-              <a:rPr lang="en-US" u="sng">
+          <a:bodyPr vert="horz" lIns="91440" tIns="45720" rIns="91440" bIns="45720" rtlCol="0" anchor="b"/>
+          <a:lstStyle>
+            <a:lvl1pPr algn="l">
+              <a:defRPr sz="1100"/>
+            </a:lvl1pPr>
+          </a:lstStyle>
+          <a:p>
+            <a:r>
+              <a:rPr lang="bg-BG" sz="1100" dirty="0"/>
+              <a:t>Работна група </a:t>
+            </a:r>
+            <a:r>
+              <a:rPr lang="bg-BG" dirty="0"/>
+              <a:t>"Образование по програмиране и ИТ"</a:t>
+            </a:r>
+            <a:r>
+              <a:rPr lang="bg-BG" sz="1100" dirty="0"/>
+              <a:t>, с подкрепата на </a:t>
+            </a:r>
+            <a:r>
+              <a:rPr lang="en-US" sz="1100" dirty="0">
                 <a:hlinkClick r:id="rId3"/>
               </a:rPr>
-              <a:t>https://softuni.org</a:t>
-            </a:r>
-            <a:r>
-              <a:rPr lang="en-US"/>
-              <a:t>. Copyrighted document. Unauthorized copy or reproduction is not permitted.</a:t>
-            </a:r>
-            <a:endParaRPr lang="en-US" dirty="0"/>
+              <a:t>SoftUni</a:t>
+            </a:r>
+            <a:endParaRPr lang="en-US" sz="1100" dirty="0"/>
           </a:p>
         </p:txBody>
       </p:sp>
     </p:spTree>
     <p:extLst>
       <p:ext uri="{BB962C8B-B14F-4D97-AF65-F5344CB8AC3E}">
-        <p14:creationId xmlns:p14="http://schemas.microsoft.com/office/powerpoint/2010/main" val="3466590374"/>
+        <p14:creationId xmlns:p14="http://schemas.microsoft.com/office/powerpoint/2010/main" val="2689344733"/>
       </p:ext>
     </p:extLst>
   </p:cSld>
@@ -4956,6 +4968,236 @@
           <a:bodyPr/>
           <a:lstStyle/>
           <a:p>
+            <a:endParaRPr lang="en-US" dirty="0"/>
+          </a:p>
+        </p:txBody>
+      </p:sp>
+      <p:sp>
+        <p:nvSpPr>
+          <p:cNvPr id="7" name="Slide Number Placeholder 5">
+            <a:extLst>
+              <a:ext uri="{FF2B5EF4-FFF2-40B4-BE49-F238E27FC236}">
+                <a16:creationId xmlns:a16="http://schemas.microsoft.com/office/drawing/2014/main" id="{5049B984-F964-47FF-8179-0A3007CE21CD}"/>
+              </a:ext>
+            </a:extLst>
+          </p:cNvPr>
+          <p:cNvSpPr txBox="1">
+            <a:spLocks/>
+          </p:cNvSpPr>
+          <p:nvPr/>
+        </p:nvSpPr>
+        <p:spPr>
+          <a:xfrm>
+            <a:off x="6488999" y="8847000"/>
+            <a:ext cx="367414" cy="297000"/>
+          </a:xfrm>
+          <a:prstGeom prst="rect">
+            <a:avLst/>
+          </a:prstGeom>
+        </p:spPr>
+        <p:txBody>
+          <a:bodyPr vert="horz" lIns="91440" tIns="45720" rIns="91440" bIns="45720" rtlCol="0" anchor="b"/>
+          <a:lstStyle>
+            <a:defPPr>
+              <a:defRPr lang="en-US"/>
+            </a:defPPr>
+            <a:lvl1pPr marL="0" algn="r" defTabSz="914400" rtl="0" eaLnBrk="1" latinLnBrk="0" hangingPunct="1">
+              <a:defRPr sz="1200" kern="1200">
+                <a:solidFill>
+                  <a:schemeClr val="tx1"/>
+                </a:solidFill>
+                <a:latin typeface="+mn-lt"/>
+                <a:ea typeface="+mn-ea"/>
+                <a:cs typeface="+mn-cs"/>
+              </a:defRPr>
+            </a:lvl1pPr>
+            <a:lvl2pPr marL="457200" algn="l" defTabSz="914400" rtl="0" eaLnBrk="1" latinLnBrk="0" hangingPunct="1">
+              <a:defRPr sz="1800" kern="1200">
+                <a:solidFill>
+                  <a:schemeClr val="tx1"/>
+                </a:solidFill>
+                <a:latin typeface="+mn-lt"/>
+                <a:ea typeface="+mn-ea"/>
+                <a:cs typeface="+mn-cs"/>
+              </a:defRPr>
+            </a:lvl2pPr>
+            <a:lvl3pPr marL="914400" algn="l" defTabSz="914400" rtl="0" eaLnBrk="1" latinLnBrk="0" hangingPunct="1">
+              <a:defRPr sz="1800" kern="1200">
+                <a:solidFill>
+                  <a:schemeClr val="tx1"/>
+                </a:solidFill>
+                <a:latin typeface="+mn-lt"/>
+                <a:ea typeface="+mn-ea"/>
+                <a:cs typeface="+mn-cs"/>
+              </a:defRPr>
+            </a:lvl3pPr>
+            <a:lvl4pPr marL="1371600" algn="l" defTabSz="914400" rtl="0" eaLnBrk="1" latinLnBrk="0" hangingPunct="1">
+              <a:defRPr sz="1800" kern="1200">
+                <a:solidFill>
+                  <a:schemeClr val="tx1"/>
+                </a:solidFill>
+                <a:latin typeface="+mn-lt"/>
+                <a:ea typeface="+mn-ea"/>
+                <a:cs typeface="+mn-cs"/>
+              </a:defRPr>
+            </a:lvl4pPr>
+            <a:lvl5pPr marL="1828800" algn="l" defTabSz="914400" rtl="0" eaLnBrk="1" latinLnBrk="0" hangingPunct="1">
+              <a:defRPr sz="1800" kern="1200">
+                <a:solidFill>
+                  <a:schemeClr val="tx1"/>
+                </a:solidFill>
+                <a:latin typeface="+mn-lt"/>
+                <a:ea typeface="+mn-ea"/>
+                <a:cs typeface="+mn-cs"/>
+              </a:defRPr>
+            </a:lvl5pPr>
+            <a:lvl6pPr marL="2286000" algn="l" defTabSz="914400" rtl="0" eaLnBrk="1" latinLnBrk="0" hangingPunct="1">
+              <a:defRPr sz="1800" kern="1200">
+                <a:solidFill>
+                  <a:schemeClr val="tx1"/>
+                </a:solidFill>
+                <a:latin typeface="+mn-lt"/>
+                <a:ea typeface="+mn-ea"/>
+                <a:cs typeface="+mn-cs"/>
+              </a:defRPr>
+            </a:lvl6pPr>
+            <a:lvl7pPr marL="2743200" algn="l" defTabSz="914400" rtl="0" eaLnBrk="1" latinLnBrk="0" hangingPunct="1">
+              <a:defRPr sz="1800" kern="1200">
+                <a:solidFill>
+                  <a:schemeClr val="tx1"/>
+                </a:solidFill>
+                <a:latin typeface="+mn-lt"/>
+                <a:ea typeface="+mn-ea"/>
+                <a:cs typeface="+mn-cs"/>
+              </a:defRPr>
+            </a:lvl7pPr>
+            <a:lvl8pPr marL="3200400" algn="l" defTabSz="914400" rtl="0" eaLnBrk="1" latinLnBrk="0" hangingPunct="1">
+              <a:defRPr sz="1800" kern="1200">
+                <a:solidFill>
+                  <a:schemeClr val="tx1"/>
+                </a:solidFill>
+                <a:latin typeface="+mn-lt"/>
+                <a:ea typeface="+mn-ea"/>
+                <a:cs typeface="+mn-cs"/>
+              </a:defRPr>
+            </a:lvl8pPr>
+            <a:lvl9pPr marL="3657600" algn="l" defTabSz="914400" rtl="0" eaLnBrk="1" latinLnBrk="0" hangingPunct="1">
+              <a:defRPr sz="1800" kern="1200">
+                <a:solidFill>
+                  <a:schemeClr val="tx1"/>
+                </a:solidFill>
+                <a:latin typeface="+mn-lt"/>
+                <a:ea typeface="+mn-ea"/>
+                <a:cs typeface="+mn-cs"/>
+              </a:defRPr>
+            </a:lvl9pPr>
+          </a:lstStyle>
+          <a:p>
+            <a:fld id="{3EBA5BD7-F043-4D1B-AA17-CD412FC534DE}" type="slidenum">
+              <a:rPr lang="en-US" smtClean="0"/>
+              <a:pPr/>
+              <a:t>37</a:t>
+            </a:fld>
+            <a:endParaRPr lang="en-US" dirty="0"/>
+          </a:p>
+        </p:txBody>
+      </p:sp>
+      <p:sp>
+        <p:nvSpPr>
+          <p:cNvPr id="4" name="Footer Placeholder 3">
+            <a:extLst>
+              <a:ext uri="{FF2B5EF4-FFF2-40B4-BE49-F238E27FC236}">
+                <a16:creationId xmlns:a16="http://schemas.microsoft.com/office/drawing/2014/main" id="{8E059BE0-D868-413B-AAA1-1CC88D1F52C5}"/>
+              </a:ext>
+            </a:extLst>
+          </p:cNvPr>
+          <p:cNvSpPr>
+            <a:spLocks noGrp="1"/>
+          </p:cNvSpPr>
+          <p:nvPr>
+            <p:ph type="ftr" sz="quarter" idx="4"/>
+          </p:nvPr>
+        </p:nvSpPr>
+        <p:spPr/>
+        <p:txBody>
+          <a:bodyPr/>
+          <a:lstStyle/>
+          <a:p>
+            <a:r>
+              <a:rPr lang="en-US"/>
+              <a:t>© SoftUni – </a:t>
+            </a:r>
+            <a:r>
+              <a:rPr lang="en-US" u="sng">
+                <a:hlinkClick r:id="rId3"/>
+              </a:rPr>
+              <a:t>https://softuni.org</a:t>
+            </a:r>
+            <a:r>
+              <a:rPr lang="en-US"/>
+              <a:t>. Copyrighted document. Unauthorized copy or reproduction is not permitted.</a:t>
+            </a:r>
+            <a:endParaRPr lang="en-US" dirty="0"/>
+          </a:p>
+        </p:txBody>
+      </p:sp>
+    </p:spTree>
+    <p:extLst>
+      <p:ext uri="{BB962C8B-B14F-4D97-AF65-F5344CB8AC3E}">
+        <p14:creationId xmlns:p14="http://schemas.microsoft.com/office/powerpoint/2010/main" val="3466590374"/>
+      </p:ext>
+    </p:extLst>
+  </p:cSld>
+  <p:clrMapOvr>
+    <a:masterClrMapping/>
+  </p:clrMapOvr>
+</p:notes>
+</file>
+
+<file path=ppt/notesSlides/notesSlide27.xml><?xml version="1.0" encoding="utf-8"?>
+<p:notes xmlns:a="http://schemas.openxmlformats.org/drawingml/2006/main" xmlns:r="http://schemas.openxmlformats.org/officeDocument/2006/relationships" xmlns:p="http://schemas.openxmlformats.org/presentationml/2006/main">
+  <p:cSld>
+    <p:spTree>
+      <p:nvGrpSpPr>
+        <p:cNvPr id="1" name=""/>
+        <p:cNvGrpSpPr/>
+        <p:nvPr/>
+      </p:nvGrpSpPr>
+      <p:grpSpPr>
+        <a:xfrm>
+          <a:off x="0" y="0"/>
+          <a:ext cx="0" cy="0"/>
+          <a:chOff x="0" y="0"/>
+          <a:chExt cx="0" cy="0"/>
+        </a:xfrm>
+      </p:grpSpPr>
+      <p:sp>
+        <p:nvSpPr>
+          <p:cNvPr id="2" name="Slide Image Placeholder 1"/>
+          <p:cNvSpPr>
+            <a:spLocks noGrp="1" noRot="1" noChangeAspect="1"/>
+          </p:cNvSpPr>
+          <p:nvPr>
+            <p:ph type="sldImg"/>
+          </p:nvPr>
+        </p:nvSpPr>
+        <p:spPr/>
+      </p:sp>
+      <p:sp>
+        <p:nvSpPr>
+          <p:cNvPr id="3" name="Notes Placeholder 2"/>
+          <p:cNvSpPr>
+            <a:spLocks noGrp="1"/>
+          </p:cNvSpPr>
+          <p:nvPr>
+            <p:ph type="body" idx="1"/>
+          </p:nvPr>
+        </p:nvSpPr>
+        <p:spPr/>
+        <p:txBody>
+          <a:bodyPr/>
+          <a:lstStyle/>
+          <a:p>
             <a:endParaRPr lang="en-US"/>
           </a:p>
         </p:txBody>
@@ -5084,7 +5326,7 @@
             <a:fld id="{3EBA5BD7-F043-4D1B-AA17-CD412FC534DE}" type="slidenum">
               <a:rPr lang="en-US" smtClean="0"/>
               <a:pPr/>
-              <a:t>37</a:t>
+              <a:t>38</a:t>
             </a:fld>
             <a:endParaRPr lang="en-US" dirty="0"/>
           </a:p>
@@ -6694,7 +6936,7 @@
             <a:fld id="{3EBA5BD7-F043-4D1B-AA17-CD412FC534DE}" type="slidenum">
               <a:rPr lang="en-US" smtClean="0"/>
               <a:pPr/>
-              <a:t>14</a:t>
+              <a:t>13</a:t>
             </a:fld>
             <a:endParaRPr lang="en-US" dirty="0"/>
           </a:p>
@@ -6742,7 +6984,7 @@
     </p:spTree>
     <p:extLst>
       <p:ext uri="{BB962C8B-B14F-4D97-AF65-F5344CB8AC3E}">
-        <p14:creationId xmlns:p14="http://schemas.microsoft.com/office/powerpoint/2010/main" val="810519043"/>
+        <p14:creationId xmlns:p14="http://schemas.microsoft.com/office/powerpoint/2010/main" val="2170338942"/>
       </p:ext>
     </p:extLst>
   </p:cSld>
@@ -13245,6 +13487,148 @@
       </p:grpSpPr>
       <p:sp>
         <p:nvSpPr>
+          <p:cNvPr id="9" name="Slide Number">
+            <a:extLst>
+              <a:ext uri="{FF2B5EF4-FFF2-40B4-BE49-F238E27FC236}">
+                <a16:creationId xmlns:a16="http://schemas.microsoft.com/office/drawing/2014/main" id="{8891F045-A272-4231-985A-53063F832AC8}"/>
+              </a:ext>
+            </a:extLst>
+          </p:cNvPr>
+          <p:cNvSpPr>
+            <a:spLocks noGrp="1"/>
+          </p:cNvSpPr>
+          <p:nvPr>
+            <p:ph type="sldNum" sz="quarter" idx="5"/>
+          </p:nvPr>
+        </p:nvSpPr>
+        <p:spPr>
+          <a:xfrm>
+            <a:off x="11753030" y="6507000"/>
+            <a:ext cx="367414" cy="297000"/>
+          </a:xfrm>
+        </p:spPr>
+        <p:txBody>
+          <a:bodyPr vert="horz" lIns="91440" tIns="45720" rIns="91440" bIns="45720" rtlCol="0" anchor="b"/>
+          <a:lstStyle>
+            <a:lvl1pPr algn="r">
+              <a:defRPr sz="1000"/>
+            </a:lvl1pPr>
+          </a:lstStyle>
+          <a:p>
+            <a:fld id="{2BF067CD-8E6B-4360-9AA8-C5DF2A48A6D1}" type="slidenum">
+              <a:rPr lang="en-US" smtClean="0"/>
+              <a:pPr/>
+              <a:t>13</a:t>
+            </a:fld>
+            <a:endParaRPr lang="en-US" dirty="0"/>
+          </a:p>
+        </p:txBody>
+      </p:sp>
+      <p:sp>
+        <p:nvSpPr>
+          <p:cNvPr id="4" name="Slide Title"/>
+          <p:cNvSpPr>
+            <a:spLocks noGrp="1"/>
+          </p:cNvSpPr>
+          <p:nvPr>
+            <p:ph type="title"/>
+          </p:nvPr>
+        </p:nvSpPr>
+        <p:spPr>
+          <a:xfrm>
+            <a:off x="190406" y="100750"/>
+            <a:ext cx="10270594" cy="882654"/>
+          </a:xfrm>
+        </p:spPr>
+        <p:txBody>
+          <a:bodyPr>
+            <a:normAutofit/>
+          </a:bodyPr>
+          <a:lstStyle/>
+          <a:p>
+            <a:r>
+              <a:rPr lang="bg-BG" dirty="0"/>
+              <a:t>Примерна структура на уеб сайт</a:t>
+            </a:r>
+            <a:endParaRPr lang="en-US" dirty="0"/>
+          </a:p>
+        </p:txBody>
+      </p:sp>
+      <p:pic>
+        <p:nvPicPr>
+          <p:cNvPr id="2" name="Picture 1">
+            <a:extLst>
+              <a:ext uri="{FF2B5EF4-FFF2-40B4-BE49-F238E27FC236}">
+                <a16:creationId xmlns:a16="http://schemas.microsoft.com/office/drawing/2014/main" id="{2C7472DB-0049-2CA5-8342-96CD8D3FAF2A}"/>
+              </a:ext>
+            </a:extLst>
+          </p:cNvPr>
+          <p:cNvPicPr>
+            <a:picLocks noChangeAspect="1"/>
+          </p:cNvPicPr>
+          <p:nvPr/>
+        </p:nvPicPr>
+        <p:blipFill>
+          <a:blip r:embed="rId3">
+            <a:extLst>
+              <a:ext uri="{28A0092B-C50C-407E-A947-70E740481C1C}">
+                <a14:useLocalDpi xmlns:a14="http://schemas.microsoft.com/office/drawing/2010/main" val="0"/>
+              </a:ext>
+            </a:extLst>
+          </a:blip>
+          <a:srcRect/>
+          <a:stretch/>
+        </p:blipFill>
+        <p:spPr>
+          <a:xfrm>
+            <a:off x="659860" y="1854000"/>
+            <a:ext cx="10872280" cy="3991852"/>
+          </a:xfrm>
+          <a:prstGeom prst="rect">
+            <a:avLst/>
+          </a:prstGeom>
+        </p:spPr>
+      </p:pic>
+    </p:spTree>
+    <p:extLst>
+      <p:ext uri="{BB962C8B-B14F-4D97-AF65-F5344CB8AC3E}">
+        <p14:creationId xmlns:p14="http://schemas.microsoft.com/office/powerpoint/2010/main" val="1511364822"/>
+      </p:ext>
+    </p:extLst>
+  </p:cSld>
+  <p:clrMapOvr>
+    <a:masterClrMapping/>
+  </p:clrMapOvr>
+  <mc:AlternateContent xmlns:mc="http://schemas.openxmlformats.org/markup-compatibility/2006" xmlns:p14="http://schemas.microsoft.com/office/powerpoint/2010/main">
+    <mc:Choice Requires="p14">
+      <p:transition spd="slow" p14:dur="2000" advClick="0" advTm="5000"/>
+    </mc:Choice>
+    <mc:Fallback xmlns="">
+      <p:transition spd="slow" advClick="0" advTm="5000"/>
+    </mc:Fallback>
+  </mc:AlternateContent>
+</p:sld>
+</file>
+
+<file path=ppt/slides/slide14.xml><?xml version="1.0" encoding="utf-8"?>
+<p:sld xmlns:a="http://schemas.openxmlformats.org/drawingml/2006/main" xmlns:r="http://schemas.openxmlformats.org/officeDocument/2006/relationships" xmlns:p="http://schemas.openxmlformats.org/presentationml/2006/main">
+  <p:cSld>
+    <p:spTree>
+      <p:nvGrpSpPr>
+        <p:cNvPr id="1" name=""/>
+        <p:cNvGrpSpPr/>
+        <p:nvPr/>
+      </p:nvGrpSpPr>
+      <p:grpSpPr>
+        <a:xfrm>
+          <a:off x="0" y="0"/>
+          <a:ext cx="0" cy="0"/>
+          <a:chOff x="0" y="0"/>
+          <a:chExt cx="0" cy="0"/>
+        </a:xfrm>
+      </p:grpSpPr>
+      <p:sp>
+        <p:nvSpPr>
           <p:cNvPr id="2" name="Slide Number Placeholder 1">
             <a:extLst>
               <a:ext uri="{FF2B5EF4-FFF2-40B4-BE49-F238E27FC236}">
@@ -13267,7 +13651,7 @@
             <a:fld id="{2BF067CD-8E6B-4360-9AA8-C5DF2A48A6D1}" type="slidenum">
               <a:rPr lang="en-US" noProof="0" smtClean="0"/>
               <a:pPr/>
-              <a:t>13</a:t>
+              <a:t>14</a:t>
             </a:fld>
             <a:endParaRPr lang="en-US" noProof="0" dirty="0"/>
           </a:p>
@@ -13643,7 +14027,7 @@
 </p:sld>
 </file>
 
-<file path=ppt/slides/slide14.xml><?xml version="1.0" encoding="utf-8"?>
+<file path=ppt/slides/slide15.xml><?xml version="1.0" encoding="utf-8"?>
 <p:sld xmlns:a="http://schemas.openxmlformats.org/drawingml/2006/main" xmlns:r="http://schemas.openxmlformats.org/officeDocument/2006/relationships" xmlns:p="http://schemas.openxmlformats.org/presentationml/2006/main">
   <p:cSld>
     <p:spTree>
@@ -13693,7 +14077,7 @@
             <a:fld id="{2BF067CD-8E6B-4360-9AA8-C5DF2A48A6D1}" type="slidenum">
               <a:rPr lang="en-US" smtClean="0"/>
               <a:pPr/>
-              <a:t>14</a:t>
+              <a:t>15</a:t>
             </a:fld>
             <a:endParaRPr lang="en-US" dirty="0"/>
           </a:p>
@@ -14179,7 +14563,7 @@
 </p:sld>
 </file>
 
-<file path=ppt/slides/slide15.xml><?xml version="1.0" encoding="utf-8"?>
+<file path=ppt/slides/slide16.xml><?xml version="1.0" encoding="utf-8"?>
 <p:sld xmlns:a="http://schemas.openxmlformats.org/drawingml/2006/main" xmlns:r="http://schemas.openxmlformats.org/officeDocument/2006/relationships" xmlns:p="http://schemas.openxmlformats.org/presentationml/2006/main">
   <p:cSld>
     <p:spTree>
@@ -14220,7 +14604,7 @@
             <a:fld id="{2BF067CD-8E6B-4360-9AA8-C5DF2A48A6D1}" type="slidenum">
               <a:rPr lang="en-US" noProof="0" smtClean="0"/>
               <a:pPr/>
-              <a:t>15</a:t>
+              <a:t>16</a:t>
             </a:fld>
             <a:endParaRPr lang="en-US" noProof="0" dirty="0"/>
           </a:p>
@@ -14464,7 +14848,7 @@
           <p:nvPr/>
         </p:nvPicPr>
         <p:blipFill>
-          <a:blip r:embed="rId2">
+          <a:blip r:embed="rId4">
             <a:extLst>
               <a:ext uri="{28A0092B-C50C-407E-A947-70E740481C1C}">
                 <a14:useLocalDpi xmlns:a14="http://schemas.microsoft.com/office/drawing/2010/main" val="0"/>
@@ -14778,10 +15162,15 @@
       </p:par>
     </p:tnLst>
   </p:timing>
+  <p:extLst>
+    <p:ext uri="{6950BFC3-D8DA-4A85-94F7-54DA5524770B}">
+      <p188:commentRel xmlns:p188="http://schemas.microsoft.com/office/powerpoint/2018/8/main" r:id="rId3"/>
+    </p:ext>
+  </p:extLst>
 </p:sld>
 </file>
 
-<file path=ppt/slides/slide16.xml><?xml version="1.0" encoding="utf-8"?>
+<file path=ppt/slides/slide17.xml><?xml version="1.0" encoding="utf-8"?>
 <p:sld xmlns:a="http://schemas.openxmlformats.org/drawingml/2006/main" xmlns:r="http://schemas.openxmlformats.org/officeDocument/2006/relationships" xmlns:p="http://schemas.openxmlformats.org/presentationml/2006/main">
   <p:cSld>
     <p:spTree>
@@ -14822,7 +15211,7 @@
             <a:fld id="{2BF067CD-8E6B-4360-9AA8-C5DF2A48A6D1}" type="slidenum">
               <a:rPr lang="en-US" noProof="0" smtClean="0"/>
               <a:pPr/>
-              <a:t>16</a:t>
+              <a:t>17</a:t>
             </a:fld>
             <a:endParaRPr lang="en-US" noProof="0" dirty="0"/>
           </a:p>
@@ -15021,7 +15410,7 @@
         </p:blipFill>
         <p:spPr>
           <a:xfrm>
-            <a:off x="8879784" y="1116526"/>
+            <a:off x="8882293" y="1116526"/>
             <a:ext cx="2870737" cy="5741474"/>
           </a:xfrm>
           <a:prstGeom prst="rect">
@@ -15276,7 +15665,7 @@
 </p:sld>
 </file>
 
-<file path=ppt/slides/slide17.xml><?xml version="1.0" encoding="utf-8"?>
+<file path=ppt/slides/slide18.xml><?xml version="1.0" encoding="utf-8"?>
 <p:sld xmlns:a="http://schemas.openxmlformats.org/drawingml/2006/main" xmlns:r="http://schemas.openxmlformats.org/officeDocument/2006/relationships" xmlns:p="http://schemas.openxmlformats.org/presentationml/2006/main">
   <p:cSld>
     <p:spTree>
@@ -15317,7 +15706,7 @@
             <a:fld id="{2BF067CD-8E6B-4360-9AA8-C5DF2A48A6D1}" type="slidenum">
               <a:rPr lang="en-US" noProof="0" smtClean="0"/>
               <a:pPr/>
-              <a:t>17</a:t>
+              <a:t>18</a:t>
             </a:fld>
             <a:endParaRPr lang="en-US" noProof="0" dirty="0"/>
           </a:p>
@@ -15868,7 +16257,7 @@
 </p:sld>
 </file>
 
-<file path=ppt/slides/slide18.xml><?xml version="1.0" encoding="utf-8"?>
+<file path=ppt/slides/slide19.xml><?xml version="1.0" encoding="utf-8"?>
 <p:sld xmlns:a="http://schemas.openxmlformats.org/drawingml/2006/main" xmlns:r="http://schemas.openxmlformats.org/officeDocument/2006/relationships" xmlns:p="http://schemas.openxmlformats.org/presentationml/2006/main">
   <p:cSld>
     <p:spTree>
@@ -15890,7 +16279,7 @@
           <p:cNvPr id="2" name="Slide Number Placeholder 1">
             <a:extLst>
               <a:ext uri="{FF2B5EF4-FFF2-40B4-BE49-F238E27FC236}">
-                <a16:creationId xmlns:a16="http://schemas.microsoft.com/office/drawing/2014/main" id="{CCAABC86-82E0-F099-701A-D4347B605385}"/>
+                <a16:creationId xmlns:a16="http://schemas.microsoft.com/office/drawing/2014/main" id="{622D7724-C1C9-5046-2099-4F78FC94767D}"/>
               </a:ext>
             </a:extLst>
           </p:cNvPr>
@@ -15909,9 +16298,34 @@
             <a:fld id="{2BF067CD-8E6B-4360-9AA8-C5DF2A48A6D1}" type="slidenum">
               <a:rPr lang="en-US" noProof="0" smtClean="0"/>
               <a:pPr/>
-              <a:t>18</a:t>
+              <a:t>19</a:t>
             </a:fld>
             <a:endParaRPr lang="en-US" noProof="0" dirty="0"/>
+          </a:p>
+        </p:txBody>
+      </p:sp>
+      <p:sp>
+        <p:nvSpPr>
+          <p:cNvPr id="3" name="Text Placeholder 2">
+            <a:extLst>
+              <a:ext uri="{FF2B5EF4-FFF2-40B4-BE49-F238E27FC236}">
+                <a16:creationId xmlns:a16="http://schemas.microsoft.com/office/drawing/2014/main" id="{015C4C76-1916-B121-5956-412255BAA74F}"/>
+              </a:ext>
+            </a:extLst>
+          </p:cNvPr>
+          <p:cNvSpPr>
+            <a:spLocks noGrp="1"/>
+          </p:cNvSpPr>
+          <p:nvPr>
+            <p:ph type="body" sz="quarter" idx="10"/>
+          </p:nvPr>
+        </p:nvSpPr>
+        <p:spPr/>
+        <p:txBody>
+          <a:bodyPr/>
+          <a:lstStyle/>
+          <a:p>
+            <a:endParaRPr lang="en-GB" dirty="0"/>
           </a:p>
         </p:txBody>
       </p:sp>
@@ -15920,7 +16334,7 @@
           <p:cNvPr id="4" name="Title 3">
             <a:extLst>
               <a:ext uri="{FF2B5EF4-FFF2-40B4-BE49-F238E27FC236}">
-                <a16:creationId xmlns:a16="http://schemas.microsoft.com/office/drawing/2014/main" id="{67B6A643-676D-3506-B008-B24B36AA34F1}"/>
+                <a16:creationId xmlns:a16="http://schemas.microsoft.com/office/drawing/2014/main" id="{8042A756-213B-5235-3351-8D6C63A93DD8}"/>
               </a:ext>
             </a:extLst>
           </p:cNvPr>
@@ -15933,686 +16347,529 @@
         </p:nvSpPr>
         <p:spPr/>
         <p:txBody>
-          <a:bodyPr>
-            <a:normAutofit/>
-          </a:bodyPr>
+          <a:bodyPr/>
           <a:lstStyle/>
           <a:p>
             <a:r>
               <a:rPr lang="bg-BG" dirty="0"/>
-              <a:t>Видове структури на уеб сайт</a:t>
-            </a:r>
-            <a:r>
-              <a:rPr lang="en-US" dirty="0"/>
-              <a:t> (</a:t>
-            </a:r>
-            <a:r>
-              <a:rPr lang="bg-BG" dirty="0"/>
-              <a:t>4</a:t>
-            </a:r>
-            <a:r>
-              <a:rPr lang="en-US" dirty="0"/>
-              <a:t>)</a:t>
-            </a:r>
-            <a:endParaRPr lang="en-BG" dirty="0"/>
+              <a:t>Пример</a:t>
+            </a:r>
+            <a:endParaRPr lang="en-GB" dirty="0"/>
           </a:p>
         </p:txBody>
       </p:sp>
       <p:sp>
         <p:nvSpPr>
-          <p:cNvPr id="8" name="Text Placeholder 4">
+          <p:cNvPr id="5" name="Oval 4">
             <a:extLst>
               <a:ext uri="{FF2B5EF4-FFF2-40B4-BE49-F238E27FC236}">
-                <a16:creationId xmlns:a16="http://schemas.microsoft.com/office/drawing/2014/main" id="{9CA50BB8-C95B-C726-A00E-EFF2B734CC77}"/>
+                <a16:creationId xmlns:a16="http://schemas.microsoft.com/office/drawing/2014/main" id="{41E7FC48-B60E-9DB4-894D-BC3DA7C5FA2F}"/>
               </a:ext>
             </a:extLst>
           </p:cNvPr>
-          <p:cNvSpPr>
-            <a:spLocks noGrp="1"/>
-          </p:cNvSpPr>
-          <p:nvPr>
-            <p:ph type="body" sz="quarter" idx="10"/>
-          </p:nvPr>
+          <p:cNvSpPr/>
+          <p:nvPr/>
         </p:nvSpPr>
-        <p:spPr>
+        <p:spPr bwMode="auto">
           <a:xfrm>
-            <a:off x="190402" y="1196125"/>
-            <a:ext cx="9505598" cy="5528766"/>
+            <a:off x="3621000" y="4004778"/>
+            <a:ext cx="1260000" cy="1278000"/>
           </a:xfrm>
+          <a:prstGeom prst="ellipse">
+            <a:avLst/>
+          </a:prstGeom>
+          <a:solidFill>
+            <a:schemeClr val="dk2">
+              <a:alpha val="80000"/>
+            </a:schemeClr>
+          </a:solidFill>
+          <a:ln w="19050">
+            <a:solidFill>
+              <a:schemeClr val="tx1">
+                <a:lumMod val="75000"/>
+                <a:alpha val="80000"/>
+              </a:schemeClr>
+            </a:solidFill>
+          </a:ln>
+          <a:effectLst/>
         </p:spPr>
+        <p:style>
+          <a:lnRef idx="2">
+            <a:schemeClr val="accent1">
+              <a:shade val="50000"/>
+            </a:schemeClr>
+          </a:lnRef>
+          <a:fillRef idx="1001">
+            <a:schemeClr val="dk2"/>
+          </a:fillRef>
+          <a:effectRef idx="0">
+            <a:schemeClr val="accent1"/>
+          </a:effectRef>
+          <a:fontRef idx="minor">
+            <a:schemeClr val="lt1"/>
+          </a:fontRef>
+        </p:style>
         <p:txBody>
-          <a:bodyPr>
-            <a:normAutofit/>
+          <a:bodyPr rot="0" spcFirstLastPara="0" vertOverflow="overflow" horzOverflow="overflow" vert="horz" wrap="square" lIns="91440" tIns="45720" rIns="91440" bIns="45720" numCol="1" spcCol="0" rtlCol="0" fromWordArt="0" anchor="ctr" anchorCtr="0" forceAA="0" compatLnSpc="1">
+            <a:prstTxWarp prst="textNoShape">
+              <a:avLst/>
+            </a:prstTxWarp>
+            <a:noAutofit/>
           </a:bodyPr>
           <a:lstStyle/>
           <a:p>
-            <a:pPr>
-              <a:buClr>
-                <a:schemeClr val="tx2"/>
-              </a:buClr>
-            </a:pPr>
-            <a:r>
-              <a:rPr lang="bg-BG" sz="3800" b="1" dirty="0">
-                <a:solidFill>
-                  <a:schemeClr val="bg1"/>
-                </a:solidFill>
-              </a:rPr>
-              <a:t>Хибридна структура</a:t>
-            </a:r>
-          </a:p>
-          <a:p>
-            <a:pPr lvl="1">
-              <a:buClr>
-                <a:schemeClr val="tx2"/>
-              </a:buClr>
-            </a:pPr>
-            <a:r>
-              <a:rPr lang="bg-BG" sz="3600" b="1" dirty="0"/>
-              <a:t>Комбинира елементи </a:t>
-            </a:r>
-            <a:r>
-              <a:rPr lang="bg-BG" sz="3600" dirty="0"/>
-              <a:t>от другите </a:t>
-            </a:r>
-          </a:p>
-          <a:p>
-            <a:pPr marL="442912" lvl="1" indent="0">
-              <a:buClr>
-                <a:schemeClr val="tx2"/>
-              </a:buClr>
-              <a:buNone/>
-            </a:pPr>
-            <a:r>
-              <a:rPr lang="bg-BG" sz="3600" b="1" dirty="0"/>
-              <a:t>    видове</a:t>
-            </a:r>
-            <a:r>
-              <a:rPr lang="bg-BG" sz="3600" dirty="0"/>
-              <a:t> </a:t>
-            </a:r>
-            <a:r>
-              <a:rPr lang="bg-BG" sz="3600" b="1" dirty="0"/>
-              <a:t>структури</a:t>
-            </a:r>
-          </a:p>
-          <a:p>
-            <a:pPr lvl="1">
-              <a:buClr>
-                <a:schemeClr val="tx2"/>
-              </a:buClr>
-            </a:pPr>
-            <a:r>
-              <a:rPr lang="bg-BG" sz="3600" dirty="0"/>
-              <a:t>Подходяща за </a:t>
-            </a:r>
-            <a:r>
-              <a:rPr lang="bg-BG" sz="3600" b="1" dirty="0"/>
-              <a:t>големи проекти</a:t>
-            </a:r>
-            <a:r>
-              <a:rPr lang="bg-BG" sz="3600" dirty="0"/>
-              <a:t>, </a:t>
-            </a:r>
-          </a:p>
-          <a:p>
-            <a:pPr marL="442912" lvl="1" indent="0">
-              <a:buClr>
-                <a:schemeClr val="tx2"/>
-              </a:buClr>
-              <a:buNone/>
-            </a:pPr>
-            <a:r>
-              <a:rPr lang="bg-BG" sz="3600" dirty="0"/>
-              <a:t>    които имат </a:t>
-            </a:r>
-            <a:r>
-              <a:rPr lang="bg-BG" sz="3600" b="1" dirty="0"/>
-              <a:t>много различни раздели</a:t>
-            </a:r>
-          </a:p>
-          <a:p>
-            <a:pPr lvl="1">
-              <a:buClr>
-                <a:schemeClr val="tx2"/>
-              </a:buClr>
-            </a:pPr>
-            <a:r>
-              <a:rPr lang="bg-BG" sz="3600" b="1" dirty="0"/>
-              <a:t>Пример</a:t>
-            </a:r>
-            <a:r>
-              <a:rPr lang="en-US" sz="3600" b="1" dirty="0"/>
-              <a:t>: </a:t>
-            </a:r>
-          </a:p>
-          <a:p>
-            <a:pPr lvl="2">
-              <a:buClr>
-                <a:schemeClr val="tx2"/>
-              </a:buClr>
-            </a:pPr>
-            <a:r>
-              <a:rPr lang="bg-BG" sz="3400" dirty="0"/>
-              <a:t>Начало → Учебен процес </a:t>
-            </a:r>
-            <a:r>
-              <a:rPr lang="en-BG" sz="3400" dirty="0"/>
-              <a:t>↔</a:t>
-            </a:r>
-            <a:r>
-              <a:rPr lang="bg-BG" sz="3400" dirty="0"/>
-              <a:t> Новини</a:t>
-            </a:r>
-            <a:endParaRPr lang="bg-BG" sz="3400" b="1" dirty="0"/>
-          </a:p>
-        </p:txBody>
-      </p:sp>
-      <p:pic>
-        <p:nvPicPr>
-          <p:cNvPr id="6" name="Picture 5">
-            <a:extLst>
-              <a:ext uri="{FF2B5EF4-FFF2-40B4-BE49-F238E27FC236}">
-                <a16:creationId xmlns:a16="http://schemas.microsoft.com/office/drawing/2014/main" id="{7F7BEC63-1CB5-B526-EEC6-20F9523DFAC8}"/>
-              </a:ext>
-            </a:extLst>
-          </p:cNvPr>
-          <p:cNvPicPr>
-            <a:picLocks noChangeAspect="1"/>
-          </p:cNvPicPr>
-          <p:nvPr/>
-        </p:nvPicPr>
-        <p:blipFill>
-          <a:blip r:embed="rId2">
-            <a:extLst>
-              <a:ext uri="{28A0092B-C50C-407E-A947-70E740481C1C}">
-                <a14:useLocalDpi xmlns:a14="http://schemas.microsoft.com/office/drawing/2010/main" val="0"/>
-              </a:ext>
-            </a:extLst>
-          </a:blip>
-          <a:stretch>
-            <a:fillRect/>
-          </a:stretch>
-        </p:blipFill>
-        <p:spPr>
-          <a:xfrm>
-            <a:off x="8421239" y="1196124"/>
-            <a:ext cx="3325845" cy="5676111"/>
-          </a:xfrm>
-          <a:prstGeom prst="rect">
-            <a:avLst/>
-          </a:prstGeom>
-        </p:spPr>
-      </p:pic>
-    </p:spTree>
-    <p:extLst>
-      <p:ext uri="{BB962C8B-B14F-4D97-AF65-F5344CB8AC3E}">
-        <p14:creationId xmlns:p14="http://schemas.microsoft.com/office/powerpoint/2010/main" val="139915101"/>
-      </p:ext>
-    </p:extLst>
-  </p:cSld>
-  <p:clrMapOvr>
-    <a:masterClrMapping/>
-  </p:clrMapOvr>
-  <mc:AlternateContent xmlns:mc="http://schemas.openxmlformats.org/markup-compatibility/2006" xmlns:p14="http://schemas.microsoft.com/office/powerpoint/2010/main">
-    <mc:Choice Requires="p14">
-      <p:transition spd="slow" p14:dur="2000" advClick="0" advTm="5000"/>
-    </mc:Choice>
-    <mc:Fallback xmlns="">
-      <p:transition spd="slow" advClick="0" advTm="5000"/>
-    </mc:Fallback>
-  </mc:AlternateContent>
-  <p:timing>
-    <p:tnLst>
-      <p:par>
-        <p:cTn id="1" dur="indefinite" restart="never" nodeType="tmRoot">
-          <p:childTnLst>
-            <p:seq concurrent="1" nextAc="seek">
-              <p:cTn id="2" dur="indefinite" nodeType="mainSeq">
-                <p:childTnLst>
-                  <p:par>
-                    <p:cTn id="3" fill="hold">
-                      <p:stCondLst>
-                        <p:cond delay="indefinite"/>
-                      </p:stCondLst>
-                      <p:childTnLst>
-                        <p:par>
-                          <p:cTn id="4" fill="hold">
-                            <p:stCondLst>
-                              <p:cond delay="0"/>
-                            </p:stCondLst>
-                            <p:childTnLst>
-                              <p:par>
-                                <p:cTn id="5" presetID="1" presetClass="entr" presetSubtype="0" fill="hold" nodeType="clickEffect">
-                                  <p:stCondLst>
-                                    <p:cond delay="0"/>
-                                  </p:stCondLst>
-                                  <p:childTnLst>
-                                    <p:set>
-                                      <p:cBhvr>
-                                        <p:cTn id="6" dur="1" fill="hold">
-                                          <p:stCondLst>
-                                            <p:cond delay="0"/>
-                                          </p:stCondLst>
-                                        </p:cTn>
-                                        <p:tgtEl>
-                                          <p:spTgt spid="8">
-                                            <p:txEl>
-                                              <p:pRg st="1" end="1"/>
-                                            </p:txEl>
-                                          </p:spTgt>
-                                        </p:tgtEl>
-                                        <p:attrNameLst>
-                                          <p:attrName>style.visibility</p:attrName>
-                                        </p:attrNameLst>
-                                      </p:cBhvr>
-                                      <p:to>
-                                        <p:strVal val="visible"/>
-                                      </p:to>
-                                    </p:set>
-                                  </p:childTnLst>
-                                </p:cTn>
-                              </p:par>
-                            </p:childTnLst>
-                          </p:cTn>
-                        </p:par>
-                      </p:childTnLst>
-                    </p:cTn>
-                  </p:par>
-                  <p:par>
-                    <p:cTn id="7" fill="hold">
-                      <p:stCondLst>
-                        <p:cond delay="indefinite"/>
-                      </p:stCondLst>
-                      <p:childTnLst>
-                        <p:par>
-                          <p:cTn id="8" fill="hold">
-                            <p:stCondLst>
-                              <p:cond delay="0"/>
-                            </p:stCondLst>
-                            <p:childTnLst>
-                              <p:par>
-                                <p:cTn id="9" presetID="1" presetClass="entr" presetSubtype="0" fill="hold" nodeType="clickEffect">
-                                  <p:stCondLst>
-                                    <p:cond delay="0"/>
-                                  </p:stCondLst>
-                                  <p:childTnLst>
-                                    <p:set>
-                                      <p:cBhvr>
-                                        <p:cTn id="10" dur="1" fill="hold">
-                                          <p:stCondLst>
-                                            <p:cond delay="0"/>
-                                          </p:stCondLst>
-                                        </p:cTn>
-                                        <p:tgtEl>
-                                          <p:spTgt spid="8">
-                                            <p:txEl>
-                                              <p:pRg st="2" end="2"/>
-                                            </p:txEl>
-                                          </p:spTgt>
-                                        </p:tgtEl>
-                                        <p:attrNameLst>
-                                          <p:attrName>style.visibility</p:attrName>
-                                        </p:attrNameLst>
-                                      </p:cBhvr>
-                                      <p:to>
-                                        <p:strVal val="visible"/>
-                                      </p:to>
-                                    </p:set>
-                                  </p:childTnLst>
-                                </p:cTn>
-                              </p:par>
-                            </p:childTnLst>
-                          </p:cTn>
-                        </p:par>
-                      </p:childTnLst>
-                    </p:cTn>
-                  </p:par>
-                  <p:par>
-                    <p:cTn id="11" fill="hold">
-                      <p:stCondLst>
-                        <p:cond delay="indefinite"/>
-                      </p:stCondLst>
-                      <p:childTnLst>
-                        <p:par>
-                          <p:cTn id="12" fill="hold">
-                            <p:stCondLst>
-                              <p:cond delay="0"/>
-                            </p:stCondLst>
-                            <p:childTnLst>
-                              <p:par>
-                                <p:cTn id="13" presetID="1" presetClass="entr" presetSubtype="0" fill="hold" nodeType="clickEffect">
-                                  <p:stCondLst>
-                                    <p:cond delay="0"/>
-                                  </p:stCondLst>
-                                  <p:childTnLst>
-                                    <p:set>
-                                      <p:cBhvr>
-                                        <p:cTn id="14" dur="1" fill="hold">
-                                          <p:stCondLst>
-                                            <p:cond delay="0"/>
-                                          </p:stCondLst>
-                                        </p:cTn>
-                                        <p:tgtEl>
-                                          <p:spTgt spid="8">
-                                            <p:txEl>
-                                              <p:pRg st="3" end="3"/>
-                                            </p:txEl>
-                                          </p:spTgt>
-                                        </p:tgtEl>
-                                        <p:attrNameLst>
-                                          <p:attrName>style.visibility</p:attrName>
-                                        </p:attrNameLst>
-                                      </p:cBhvr>
-                                      <p:to>
-                                        <p:strVal val="visible"/>
-                                      </p:to>
-                                    </p:set>
-                                  </p:childTnLst>
-                                </p:cTn>
-                              </p:par>
-                            </p:childTnLst>
-                          </p:cTn>
-                        </p:par>
-                      </p:childTnLst>
-                    </p:cTn>
-                  </p:par>
-                  <p:par>
-                    <p:cTn id="15" fill="hold">
-                      <p:stCondLst>
-                        <p:cond delay="indefinite"/>
-                      </p:stCondLst>
-                      <p:childTnLst>
-                        <p:par>
-                          <p:cTn id="16" fill="hold">
-                            <p:stCondLst>
-                              <p:cond delay="0"/>
-                            </p:stCondLst>
-                            <p:childTnLst>
-                              <p:par>
-                                <p:cTn id="17" presetID="1" presetClass="entr" presetSubtype="0" fill="hold" nodeType="clickEffect">
-                                  <p:stCondLst>
-                                    <p:cond delay="0"/>
-                                  </p:stCondLst>
-                                  <p:childTnLst>
-                                    <p:set>
-                                      <p:cBhvr>
-                                        <p:cTn id="18" dur="1" fill="hold">
-                                          <p:stCondLst>
-                                            <p:cond delay="0"/>
-                                          </p:stCondLst>
-                                        </p:cTn>
-                                        <p:tgtEl>
-                                          <p:spTgt spid="8">
-                                            <p:txEl>
-                                              <p:pRg st="4" end="4"/>
-                                            </p:txEl>
-                                          </p:spTgt>
-                                        </p:tgtEl>
-                                        <p:attrNameLst>
-                                          <p:attrName>style.visibility</p:attrName>
-                                        </p:attrNameLst>
-                                      </p:cBhvr>
-                                      <p:to>
-                                        <p:strVal val="visible"/>
-                                      </p:to>
-                                    </p:set>
-                                  </p:childTnLst>
-                                </p:cTn>
-                              </p:par>
-                            </p:childTnLst>
-                          </p:cTn>
-                        </p:par>
-                      </p:childTnLst>
-                    </p:cTn>
-                  </p:par>
-                  <p:par>
-                    <p:cTn id="19" fill="hold">
-                      <p:stCondLst>
-                        <p:cond delay="indefinite"/>
-                      </p:stCondLst>
-                      <p:childTnLst>
-                        <p:par>
-                          <p:cTn id="20" fill="hold">
-                            <p:stCondLst>
-                              <p:cond delay="0"/>
-                            </p:stCondLst>
-                            <p:childTnLst>
-                              <p:par>
-                                <p:cTn id="21" presetID="1" presetClass="entr" presetSubtype="0" fill="hold" nodeType="clickEffect">
-                                  <p:stCondLst>
-                                    <p:cond delay="0"/>
-                                  </p:stCondLst>
-                                  <p:childTnLst>
-                                    <p:set>
-                                      <p:cBhvr>
-                                        <p:cTn id="22" dur="1" fill="hold">
-                                          <p:stCondLst>
-                                            <p:cond delay="0"/>
-                                          </p:stCondLst>
-                                        </p:cTn>
-                                        <p:tgtEl>
-                                          <p:spTgt spid="8">
-                                            <p:txEl>
-                                              <p:pRg st="5" end="5"/>
-                                            </p:txEl>
-                                          </p:spTgt>
-                                        </p:tgtEl>
-                                        <p:attrNameLst>
-                                          <p:attrName>style.visibility</p:attrName>
-                                        </p:attrNameLst>
-                                      </p:cBhvr>
-                                      <p:to>
-                                        <p:strVal val="visible"/>
-                                      </p:to>
-                                    </p:set>
-                                  </p:childTnLst>
-                                </p:cTn>
-                              </p:par>
-                            </p:childTnLst>
-                          </p:cTn>
-                        </p:par>
-                      </p:childTnLst>
-                    </p:cTn>
-                  </p:par>
-                  <p:par>
-                    <p:cTn id="23" fill="hold">
-                      <p:stCondLst>
-                        <p:cond delay="indefinite"/>
-                      </p:stCondLst>
-                      <p:childTnLst>
-                        <p:par>
-                          <p:cTn id="24" fill="hold">
-                            <p:stCondLst>
-                              <p:cond delay="0"/>
-                            </p:stCondLst>
-                            <p:childTnLst>
-                              <p:par>
-                                <p:cTn id="25" presetID="1" presetClass="entr" presetSubtype="0" fill="hold" nodeType="clickEffect">
-                                  <p:stCondLst>
-                                    <p:cond delay="0"/>
-                                  </p:stCondLst>
-                                  <p:childTnLst>
-                                    <p:set>
-                                      <p:cBhvr>
-                                        <p:cTn id="26" dur="1" fill="hold">
-                                          <p:stCondLst>
-                                            <p:cond delay="0"/>
-                                          </p:stCondLst>
-                                        </p:cTn>
-                                        <p:tgtEl>
-                                          <p:spTgt spid="8">
-                                            <p:txEl>
-                                              <p:pRg st="6" end="6"/>
-                                            </p:txEl>
-                                          </p:spTgt>
-                                        </p:tgtEl>
-                                        <p:attrNameLst>
-                                          <p:attrName>style.visibility</p:attrName>
-                                        </p:attrNameLst>
-                                      </p:cBhvr>
-                                      <p:to>
-                                        <p:strVal val="visible"/>
-                                      </p:to>
-                                    </p:set>
-                                  </p:childTnLst>
-                                </p:cTn>
-                              </p:par>
-                            </p:childTnLst>
-                          </p:cTn>
-                        </p:par>
-                      </p:childTnLst>
-                    </p:cTn>
-                  </p:par>
-                </p:childTnLst>
-              </p:cTn>
-              <p:prevCondLst>
-                <p:cond evt="onPrev" delay="0">
-                  <p:tgtEl>
-                    <p:sldTgt/>
-                  </p:tgtEl>
-                </p:cond>
-              </p:prevCondLst>
-              <p:nextCondLst>
-                <p:cond evt="onNext" delay="0">
-                  <p:tgtEl>
-                    <p:sldTgt/>
-                  </p:tgtEl>
-                </p:cond>
-              </p:nextCondLst>
-            </p:seq>
-          </p:childTnLst>
-        </p:cTn>
-      </p:par>
-    </p:tnLst>
-  </p:timing>
-</p:sld>
-</file>
-
-<file path=ppt/slides/slide19.xml><?xml version="1.0" encoding="utf-8"?>
-<p:sld xmlns:a="http://schemas.openxmlformats.org/drawingml/2006/main" xmlns:r="http://schemas.openxmlformats.org/officeDocument/2006/relationships" xmlns:p="http://schemas.openxmlformats.org/presentationml/2006/main">
-  <p:cSld>
-    <p:spTree>
-      <p:nvGrpSpPr>
-        <p:cNvPr id="1" name=""/>
-        <p:cNvGrpSpPr/>
-        <p:nvPr/>
-      </p:nvGrpSpPr>
-      <p:grpSpPr>
-        <a:xfrm>
-          <a:off x="0" y="0"/>
-          <a:ext cx="0" cy="0"/>
-          <a:chOff x="0" y="0"/>
-          <a:chExt cx="0" cy="0"/>
-        </a:xfrm>
-      </p:grpSpPr>
-      <p:sp>
-        <p:nvSpPr>
-          <p:cNvPr id="9" name="Slide Number">
-            <a:extLst>
-              <a:ext uri="{FF2B5EF4-FFF2-40B4-BE49-F238E27FC236}">
-                <a16:creationId xmlns:a16="http://schemas.microsoft.com/office/drawing/2014/main" id="{8891F045-A272-4231-985A-53063F832AC8}"/>
-              </a:ext>
-            </a:extLst>
-          </p:cNvPr>
-          <p:cNvSpPr>
-            <a:spLocks noGrp="1"/>
-          </p:cNvSpPr>
-          <p:nvPr>
-            <p:ph type="sldNum" sz="quarter" idx="5"/>
-          </p:nvPr>
-        </p:nvSpPr>
-        <p:spPr>
-          <a:xfrm>
-            <a:off x="11753030" y="6507000"/>
-            <a:ext cx="367414" cy="297000"/>
-          </a:xfrm>
-        </p:spPr>
-        <p:txBody>
-          <a:bodyPr vert="horz" lIns="91440" tIns="45720" rIns="91440" bIns="45720" rtlCol="0" anchor="b"/>
-          <a:lstStyle>
-            <a:lvl1pPr algn="r">
-              <a:defRPr sz="1000"/>
-            </a:lvl1pPr>
-          </a:lstStyle>
-          <a:p>
-            <a:fld id="{2BF067CD-8E6B-4360-9AA8-C5DF2A48A6D1}" type="slidenum">
-              <a:rPr lang="en-US" smtClean="0"/>
-              <a:pPr/>
-              <a:t>19</a:t>
-            </a:fld>
-            <a:endParaRPr lang="en-US" dirty="0"/>
+            <a:pPr algn="ctr"/>
+            <a:endParaRPr lang="en-GB" sz="2800" b="1" dirty="0">
+              <a:solidFill>
+                <a:srgbClr val="FFFFFF"/>
+              </a:solidFill>
+              <a:effectLst>
+                <a:outerShdw blurRad="38100" dist="38100" dir="2700000" algn="tl">
+                  <a:srgbClr val="000000">
+                    <a:alpha val="43137"/>
+                  </a:srgbClr>
+                </a:outerShdw>
+              </a:effectLst>
+            </a:endParaRPr>
           </a:p>
         </p:txBody>
       </p:sp>
       <p:sp>
         <p:nvSpPr>
-          <p:cNvPr id="4" name="Slide Title"/>
-          <p:cNvSpPr>
-            <a:spLocks noGrp="1"/>
-          </p:cNvSpPr>
-          <p:nvPr>
-            <p:ph type="title"/>
-          </p:nvPr>
-        </p:nvSpPr>
-        <p:spPr>
-          <a:xfrm>
-            <a:off x="190406" y="100750"/>
-            <a:ext cx="10270594" cy="882654"/>
-          </a:xfrm>
-        </p:spPr>
-        <p:txBody>
-          <a:bodyPr>
-            <a:normAutofit/>
-          </a:bodyPr>
-          <a:lstStyle/>
-          <a:p>
-            <a:r>
-              <a:rPr lang="bg-BG" dirty="0"/>
-              <a:t>Примерна структура на уеб сайт</a:t>
-            </a:r>
-            <a:endParaRPr lang="en-US" dirty="0"/>
-          </a:p>
-        </p:txBody>
-      </p:sp>
-      <p:pic>
-        <p:nvPicPr>
-          <p:cNvPr id="2" name="Picture 1">
+          <p:cNvPr id="6" name="Oval 5">
             <a:extLst>
               <a:ext uri="{FF2B5EF4-FFF2-40B4-BE49-F238E27FC236}">
-                <a16:creationId xmlns:a16="http://schemas.microsoft.com/office/drawing/2014/main" id="{2C7472DB-0049-2CA5-8342-96CD8D3FAF2A}"/>
+                <a16:creationId xmlns:a16="http://schemas.microsoft.com/office/drawing/2014/main" id="{E566DBD4-75D5-45C0-3364-8E0FBCC3104C}"/>
               </a:ext>
             </a:extLst>
           </p:cNvPr>
-          <p:cNvPicPr>
-            <a:picLocks noChangeAspect="1"/>
-          </p:cNvPicPr>
+          <p:cNvSpPr/>
           <p:nvPr/>
-        </p:nvPicPr>
-        <p:blipFill>
-          <a:blip r:embed="rId3">
+        </p:nvSpPr>
+        <p:spPr bwMode="auto">
+          <a:xfrm>
+            <a:off x="6611306" y="4936408"/>
+            <a:ext cx="2229694" cy="1278000"/>
+          </a:xfrm>
+          <a:prstGeom prst="ellipse">
+            <a:avLst/>
+          </a:prstGeom>
+          <a:solidFill>
+            <a:schemeClr val="dk2">
+              <a:alpha val="80000"/>
+            </a:schemeClr>
+          </a:solidFill>
+          <a:ln w="19050">
+            <a:solidFill>
+              <a:schemeClr val="tx1">
+                <a:lumMod val="75000"/>
+                <a:alpha val="80000"/>
+              </a:schemeClr>
+            </a:solidFill>
+          </a:ln>
+          <a:effectLst/>
+        </p:spPr>
+        <p:style>
+          <a:lnRef idx="2">
+            <a:schemeClr val="accent1">
+              <a:shade val="50000"/>
+            </a:schemeClr>
+          </a:lnRef>
+          <a:fillRef idx="1001">
+            <a:schemeClr val="dk2"/>
+          </a:fillRef>
+          <a:effectRef idx="0">
+            <a:schemeClr val="accent1"/>
+          </a:effectRef>
+          <a:fontRef idx="minor">
+            <a:schemeClr val="lt1"/>
+          </a:fontRef>
+        </p:style>
+        <p:txBody>
+          <a:bodyPr rot="0" spcFirstLastPara="0" vertOverflow="overflow" horzOverflow="overflow" vert="horz" wrap="square" lIns="91440" tIns="45720" rIns="91440" bIns="45720" numCol="1" spcCol="0" rtlCol="0" fromWordArt="0" anchor="ctr" anchorCtr="0" forceAA="0" compatLnSpc="1">
+            <a:prstTxWarp prst="textNoShape">
+              <a:avLst/>
+            </a:prstTxWarp>
+            <a:noAutofit/>
+          </a:bodyPr>
+          <a:lstStyle/>
+          <a:p>
+            <a:pPr algn="ctr"/>
+            <a:r>
+              <a:rPr lang="bg-BG" sz="2800" b="1" dirty="0">
+                <a:solidFill>
+                  <a:srgbClr val="FFFFFF"/>
+                </a:solidFill>
+                <a:effectLst>
+                  <a:outerShdw blurRad="38100" dist="38100" dir="2700000" algn="tl">
+                    <a:srgbClr val="000000">
+                      <a:alpha val="43137"/>
+                    </a:srgbClr>
+                  </a:outerShdw>
+                </a:effectLst>
+              </a:rPr>
+              <a:t>Статии</a:t>
+            </a:r>
+            <a:endParaRPr lang="en-GB" sz="2800" b="1" dirty="0">
+              <a:solidFill>
+                <a:srgbClr val="FFFFFF"/>
+              </a:solidFill>
+              <a:effectLst>
+                <a:outerShdw blurRad="38100" dist="38100" dir="2700000" algn="tl">
+                  <a:srgbClr val="000000">
+                    <a:alpha val="43137"/>
+                  </a:srgbClr>
+                </a:outerShdw>
+              </a:effectLst>
+            </a:endParaRPr>
+          </a:p>
+        </p:txBody>
+      </p:sp>
+      <p:sp>
+        <p:nvSpPr>
+          <p:cNvPr id="7" name="Oval 6">
             <a:extLst>
-              <a:ext uri="{28A0092B-C50C-407E-A947-70E740481C1C}">
-                <a14:useLocalDpi xmlns:a14="http://schemas.microsoft.com/office/drawing/2010/main" val="0"/>
+              <a:ext uri="{FF2B5EF4-FFF2-40B4-BE49-F238E27FC236}">
+                <a16:creationId xmlns:a16="http://schemas.microsoft.com/office/drawing/2014/main" id="{80E79A1A-B475-30EF-BDD0-B089C22209B9}"/>
               </a:ext>
             </a:extLst>
-          </a:blip>
-          <a:srcRect/>
-          <a:stretch/>
-        </p:blipFill>
+          </p:cNvPr>
+          <p:cNvSpPr/>
+          <p:nvPr/>
+        </p:nvSpPr>
+        <p:spPr bwMode="auto">
+          <a:xfrm>
+            <a:off x="4881000" y="1973073"/>
+            <a:ext cx="1260000" cy="1278000"/>
+          </a:xfrm>
+          <a:prstGeom prst="ellipse">
+            <a:avLst/>
+          </a:prstGeom>
+          <a:solidFill>
+            <a:schemeClr val="dk2">
+              <a:alpha val="80000"/>
+            </a:schemeClr>
+          </a:solidFill>
+          <a:ln w="19050">
+            <a:solidFill>
+              <a:schemeClr val="tx1">
+                <a:lumMod val="75000"/>
+                <a:alpha val="80000"/>
+              </a:schemeClr>
+            </a:solidFill>
+          </a:ln>
+          <a:effectLst/>
+        </p:spPr>
+        <p:style>
+          <a:lnRef idx="2">
+            <a:schemeClr val="accent1">
+              <a:shade val="50000"/>
+            </a:schemeClr>
+          </a:lnRef>
+          <a:fillRef idx="1001">
+            <a:schemeClr val="dk2"/>
+          </a:fillRef>
+          <a:effectRef idx="0">
+            <a:schemeClr val="accent1"/>
+          </a:effectRef>
+          <a:fontRef idx="minor">
+            <a:schemeClr val="lt1"/>
+          </a:fontRef>
+        </p:style>
+        <p:txBody>
+          <a:bodyPr rot="0" spcFirstLastPara="0" vertOverflow="overflow" horzOverflow="overflow" vert="horz" wrap="square" lIns="91440" tIns="45720" rIns="91440" bIns="45720" numCol="1" spcCol="0" rtlCol="0" fromWordArt="0" anchor="ctr" anchorCtr="0" forceAA="0" compatLnSpc="1">
+            <a:prstTxWarp prst="textNoShape">
+              <a:avLst/>
+            </a:prstTxWarp>
+            <a:noAutofit/>
+          </a:bodyPr>
+          <a:lstStyle/>
+          <a:p>
+            <a:pPr algn="ctr"/>
+            <a:endParaRPr lang="en-GB" sz="2800" b="1" dirty="0">
+              <a:solidFill>
+                <a:srgbClr val="FFFFFF"/>
+              </a:solidFill>
+              <a:effectLst>
+                <a:outerShdw blurRad="38100" dist="38100" dir="2700000" algn="tl">
+                  <a:srgbClr val="000000">
+                    <a:alpha val="43137"/>
+                  </a:srgbClr>
+                </a:outerShdw>
+              </a:effectLst>
+            </a:endParaRPr>
+          </a:p>
+        </p:txBody>
+      </p:sp>
+      <p:sp>
+        <p:nvSpPr>
+          <p:cNvPr id="9" name="Oval 8">
+            <a:extLst>
+              <a:ext uri="{FF2B5EF4-FFF2-40B4-BE49-F238E27FC236}">
+                <a16:creationId xmlns:a16="http://schemas.microsoft.com/office/drawing/2014/main" id="{0D6D81F9-DD9B-068A-0B65-D1C2E3C57CD9}"/>
+              </a:ext>
+            </a:extLst>
+          </p:cNvPr>
+          <p:cNvSpPr/>
+          <p:nvPr/>
+        </p:nvSpPr>
+        <p:spPr bwMode="auto">
+          <a:xfrm>
+            <a:off x="7261368" y="3156345"/>
+            <a:ext cx="2310230" cy="1278000"/>
+          </a:xfrm>
+          <a:prstGeom prst="ellipse">
+            <a:avLst/>
+          </a:prstGeom>
+          <a:solidFill>
+            <a:schemeClr val="dk2">
+              <a:alpha val="80000"/>
+            </a:schemeClr>
+          </a:solidFill>
+          <a:ln w="19050">
+            <a:solidFill>
+              <a:schemeClr val="tx1">
+                <a:lumMod val="75000"/>
+                <a:alpha val="80000"/>
+              </a:schemeClr>
+            </a:solidFill>
+          </a:ln>
+          <a:effectLst/>
+        </p:spPr>
+        <p:style>
+          <a:lnRef idx="2">
+            <a:schemeClr val="accent1">
+              <a:shade val="50000"/>
+            </a:schemeClr>
+          </a:lnRef>
+          <a:fillRef idx="1001">
+            <a:schemeClr val="dk2"/>
+          </a:fillRef>
+          <a:effectRef idx="0">
+            <a:schemeClr val="accent1"/>
+          </a:effectRef>
+          <a:fontRef idx="minor">
+            <a:schemeClr val="lt1"/>
+          </a:fontRef>
+        </p:style>
+        <p:txBody>
+          <a:bodyPr rot="0" spcFirstLastPara="0" vertOverflow="overflow" horzOverflow="overflow" vert="horz" wrap="square" lIns="91440" tIns="45720" rIns="91440" bIns="45720" numCol="1" spcCol="0" rtlCol="0" fromWordArt="0" anchor="ctr" anchorCtr="0" forceAA="0" compatLnSpc="1">
+            <a:prstTxWarp prst="textNoShape">
+              <a:avLst/>
+            </a:prstTxWarp>
+            <a:noAutofit/>
+          </a:bodyPr>
+          <a:lstStyle/>
+          <a:p>
+            <a:pPr algn="ctr"/>
+            <a:r>
+              <a:rPr lang="bg-BG" sz="2800" b="1" dirty="0">
+                <a:solidFill>
+                  <a:srgbClr val="FFFFFF"/>
+                </a:solidFill>
+                <a:effectLst>
+                  <a:outerShdw blurRad="38100" dist="38100" dir="2700000" algn="tl">
+                    <a:srgbClr val="000000">
+                      <a:alpha val="43137"/>
+                    </a:srgbClr>
+                  </a:outerShdw>
+                </a:effectLst>
+              </a:rPr>
+              <a:t>Начало</a:t>
+            </a:r>
+            <a:endParaRPr lang="en-GB" sz="2800" b="1" dirty="0">
+              <a:solidFill>
+                <a:srgbClr val="FFFFFF"/>
+              </a:solidFill>
+              <a:effectLst>
+                <a:outerShdw blurRad="38100" dist="38100" dir="2700000" algn="tl">
+                  <a:srgbClr val="000000">
+                    <a:alpha val="43137"/>
+                  </a:srgbClr>
+                </a:outerShdw>
+              </a:effectLst>
+            </a:endParaRPr>
+          </a:p>
+        </p:txBody>
+      </p:sp>
+      <p:cxnSp>
+        <p:nvCxnSpPr>
+          <p:cNvPr id="10" name="Straight Arrow Connector 9">
+            <a:extLst>
+              <a:ext uri="{FF2B5EF4-FFF2-40B4-BE49-F238E27FC236}">
+                <a16:creationId xmlns:a16="http://schemas.microsoft.com/office/drawing/2014/main" id="{9C1FB92A-8D4A-3092-909A-B287F8367955}"/>
+              </a:ext>
+            </a:extLst>
+          </p:cNvPr>
+          <p:cNvCxnSpPr>
+            <a:endCxn id="7" idx="3"/>
+          </p:cNvCxnSpPr>
+          <p:nvPr/>
+        </p:nvCxnSpPr>
+        <p:spPr>
+          <a:xfrm flipV="1">
+            <a:off x="4251000" y="3063914"/>
+            <a:ext cx="814523" cy="905086"/>
+          </a:xfrm>
+          <a:prstGeom prst="straightConnector1">
+            <a:avLst/>
+          </a:prstGeom>
+          <a:ln>
+            <a:headEnd type="triangle"/>
+            <a:tailEnd type="triangle"/>
+          </a:ln>
+        </p:spPr>
+        <p:style>
+          <a:lnRef idx="1">
+            <a:schemeClr val="accent1"/>
+          </a:lnRef>
+          <a:fillRef idx="0">
+            <a:schemeClr val="accent1"/>
+          </a:fillRef>
+          <a:effectRef idx="0">
+            <a:schemeClr val="accent1"/>
+          </a:effectRef>
+          <a:fontRef idx="minor">
+            <a:schemeClr val="tx1"/>
+          </a:fontRef>
+        </p:style>
+      </p:cxnSp>
+      <p:cxnSp>
+        <p:nvCxnSpPr>
+          <p:cNvPr id="11" name="Straight Arrow Connector 10">
+            <a:extLst>
+              <a:ext uri="{FF2B5EF4-FFF2-40B4-BE49-F238E27FC236}">
+                <a16:creationId xmlns:a16="http://schemas.microsoft.com/office/drawing/2014/main" id="{2102E129-DDFB-9898-3C49-13681086C411}"/>
+              </a:ext>
+            </a:extLst>
+          </p:cNvPr>
+          <p:cNvCxnSpPr>
+            <a:cxnSpLocks/>
+            <a:stCxn id="6" idx="7"/>
+            <a:endCxn id="9" idx="4"/>
+          </p:cNvCxnSpPr>
+          <p:nvPr/>
+        </p:nvCxnSpPr>
+        <p:spPr>
+          <a:xfrm flipH="1" flipV="1">
+            <a:off x="8416483" y="4434345"/>
+            <a:ext cx="97986" cy="689222"/>
+          </a:xfrm>
+          <a:prstGeom prst="straightConnector1">
+            <a:avLst/>
+          </a:prstGeom>
+          <a:ln>
+            <a:headEnd type="triangle"/>
+            <a:tailEnd type="triangle"/>
+          </a:ln>
+        </p:spPr>
+        <p:style>
+          <a:lnRef idx="1">
+            <a:schemeClr val="accent1"/>
+          </a:lnRef>
+          <a:fillRef idx="0">
+            <a:schemeClr val="accent1"/>
+          </a:fillRef>
+          <a:effectRef idx="0">
+            <a:schemeClr val="accent1"/>
+          </a:effectRef>
+          <a:fontRef idx="minor">
+            <a:schemeClr val="tx1"/>
+          </a:fontRef>
+        </p:style>
+      </p:cxnSp>
+      <p:cxnSp>
+        <p:nvCxnSpPr>
+          <p:cNvPr id="12" name="Straight Arrow Connector 11">
+            <a:extLst>
+              <a:ext uri="{FF2B5EF4-FFF2-40B4-BE49-F238E27FC236}">
+                <a16:creationId xmlns:a16="http://schemas.microsoft.com/office/drawing/2014/main" id="{206318B2-9903-B715-8FC1-DC118DADF520}"/>
+              </a:ext>
+            </a:extLst>
+          </p:cNvPr>
+          <p:cNvCxnSpPr>
+            <a:cxnSpLocks/>
+            <a:stCxn id="9" idx="2"/>
+            <a:endCxn id="7" idx="5"/>
+          </p:cNvCxnSpPr>
+          <p:nvPr/>
+        </p:nvCxnSpPr>
+        <p:spPr>
+          <a:xfrm flipH="1" flipV="1">
+            <a:off x="5956477" y="3063914"/>
+            <a:ext cx="1304891" cy="731431"/>
+          </a:xfrm>
+          <a:prstGeom prst="straightConnector1">
+            <a:avLst/>
+          </a:prstGeom>
+          <a:ln>
+            <a:headEnd type="triangle"/>
+            <a:tailEnd type="triangle"/>
+          </a:ln>
+        </p:spPr>
+        <p:style>
+          <a:lnRef idx="1">
+            <a:schemeClr val="accent1"/>
+          </a:lnRef>
+          <a:fillRef idx="0">
+            <a:schemeClr val="accent1"/>
+          </a:fillRef>
+          <a:effectRef idx="0">
+            <a:schemeClr val="accent1"/>
+          </a:effectRef>
+          <a:fontRef idx="minor">
+            <a:schemeClr val="tx1"/>
+          </a:fontRef>
+        </p:style>
+      </p:cxnSp>
+      <p:cxnSp>
+        <p:nvCxnSpPr>
+          <p:cNvPr id="16" name="Straight Arrow Connector 15">
+            <a:extLst>
+              <a:ext uri="{FF2B5EF4-FFF2-40B4-BE49-F238E27FC236}">
+                <a16:creationId xmlns:a16="http://schemas.microsoft.com/office/drawing/2014/main" id="{81360D3F-89F4-57E6-65CE-AF85EE652DBD}"/>
+              </a:ext>
+            </a:extLst>
+          </p:cNvPr>
+          <p:cNvCxnSpPr>
+            <a:cxnSpLocks/>
+            <a:stCxn id="5" idx="5"/>
+            <a:endCxn id="6" idx="2"/>
+          </p:cNvCxnSpPr>
+          <p:nvPr/>
+        </p:nvCxnSpPr>
         <p:spPr>
           <a:xfrm>
-            <a:off x="659860" y="1854000"/>
-            <a:ext cx="10872280" cy="3991852"/>
+            <a:off x="4696477" y="5095619"/>
+            <a:ext cx="1914829" cy="479789"/>
           </a:xfrm>
-          <a:prstGeom prst="rect">
+          <a:prstGeom prst="straightConnector1">
             <a:avLst/>
           </a:prstGeom>
+          <a:ln>
+            <a:headEnd type="triangle"/>
+            <a:tailEnd type="triangle"/>
+          </a:ln>
         </p:spPr>
-      </p:pic>
+        <p:style>
+          <a:lnRef idx="1">
+            <a:schemeClr val="accent1"/>
+          </a:lnRef>
+          <a:fillRef idx="0">
+            <a:schemeClr val="accent1"/>
+          </a:fillRef>
+          <a:effectRef idx="0">
+            <a:schemeClr val="accent1"/>
+          </a:effectRef>
+          <a:fontRef idx="minor">
+            <a:schemeClr val="tx1"/>
+          </a:fontRef>
+        </p:style>
+      </p:cxnSp>
     </p:spTree>
     <p:extLst>
       <p:ext uri="{BB962C8B-B14F-4D97-AF65-F5344CB8AC3E}">
-        <p14:creationId xmlns:p14="http://schemas.microsoft.com/office/powerpoint/2010/main" val="1511364822"/>
+        <p14:creationId xmlns:p14="http://schemas.microsoft.com/office/powerpoint/2010/main" val="1819383803"/>
       </p:ext>
     </p:extLst>
   </p:cSld>
@@ -17439,6 +17696,626 @@
           <p:cNvPr id="2" name="Slide Number Placeholder 1">
             <a:extLst>
               <a:ext uri="{FF2B5EF4-FFF2-40B4-BE49-F238E27FC236}">
+                <a16:creationId xmlns:a16="http://schemas.microsoft.com/office/drawing/2014/main" id="{CCAABC86-82E0-F099-701A-D4347B605385}"/>
+              </a:ext>
+            </a:extLst>
+          </p:cNvPr>
+          <p:cNvSpPr>
+            <a:spLocks noGrp="1"/>
+          </p:cNvSpPr>
+          <p:nvPr>
+            <p:ph type="sldNum" sz="quarter" idx="5"/>
+          </p:nvPr>
+        </p:nvSpPr>
+        <p:spPr/>
+        <p:txBody>
+          <a:bodyPr/>
+          <a:lstStyle/>
+          <a:p>
+            <a:fld id="{2BF067CD-8E6B-4360-9AA8-C5DF2A48A6D1}" type="slidenum">
+              <a:rPr lang="en-US" noProof="0" smtClean="0"/>
+              <a:pPr/>
+              <a:t>20</a:t>
+            </a:fld>
+            <a:endParaRPr lang="en-US" noProof="0" dirty="0"/>
+          </a:p>
+        </p:txBody>
+      </p:sp>
+      <p:sp>
+        <p:nvSpPr>
+          <p:cNvPr id="4" name="Title 3">
+            <a:extLst>
+              <a:ext uri="{FF2B5EF4-FFF2-40B4-BE49-F238E27FC236}">
+                <a16:creationId xmlns:a16="http://schemas.microsoft.com/office/drawing/2014/main" id="{67B6A643-676D-3506-B008-B24B36AA34F1}"/>
+              </a:ext>
+            </a:extLst>
+          </p:cNvPr>
+          <p:cNvSpPr>
+            <a:spLocks noGrp="1"/>
+          </p:cNvSpPr>
+          <p:nvPr>
+            <p:ph type="title"/>
+          </p:nvPr>
+        </p:nvSpPr>
+        <p:spPr/>
+        <p:txBody>
+          <a:bodyPr>
+            <a:normAutofit/>
+          </a:bodyPr>
+          <a:lstStyle/>
+          <a:p>
+            <a:r>
+              <a:rPr lang="bg-BG" dirty="0"/>
+              <a:t>Видове структури на уеб сайт</a:t>
+            </a:r>
+            <a:r>
+              <a:rPr lang="en-US" dirty="0"/>
+              <a:t> (</a:t>
+            </a:r>
+            <a:r>
+              <a:rPr lang="bg-BG" dirty="0"/>
+              <a:t>4</a:t>
+            </a:r>
+            <a:r>
+              <a:rPr lang="en-US" dirty="0"/>
+              <a:t>)</a:t>
+            </a:r>
+            <a:endParaRPr lang="en-BG" dirty="0"/>
+          </a:p>
+        </p:txBody>
+      </p:sp>
+      <p:sp>
+        <p:nvSpPr>
+          <p:cNvPr id="8" name="Text Placeholder 4">
+            <a:extLst>
+              <a:ext uri="{FF2B5EF4-FFF2-40B4-BE49-F238E27FC236}">
+                <a16:creationId xmlns:a16="http://schemas.microsoft.com/office/drawing/2014/main" id="{9CA50BB8-C95B-C726-A00E-EFF2B734CC77}"/>
+              </a:ext>
+            </a:extLst>
+          </p:cNvPr>
+          <p:cNvSpPr>
+            <a:spLocks noGrp="1"/>
+          </p:cNvSpPr>
+          <p:nvPr>
+            <p:ph type="body" sz="quarter" idx="10"/>
+          </p:nvPr>
+        </p:nvSpPr>
+        <p:spPr>
+          <a:xfrm>
+            <a:off x="190402" y="1196125"/>
+            <a:ext cx="9505598" cy="5528766"/>
+          </a:xfrm>
+        </p:spPr>
+        <p:txBody>
+          <a:bodyPr>
+            <a:normAutofit/>
+          </a:bodyPr>
+          <a:lstStyle/>
+          <a:p>
+            <a:pPr>
+              <a:buClr>
+                <a:schemeClr val="tx2"/>
+              </a:buClr>
+            </a:pPr>
+            <a:r>
+              <a:rPr lang="bg-BG" sz="3800" b="1" dirty="0">
+                <a:solidFill>
+                  <a:schemeClr val="bg1"/>
+                </a:solidFill>
+              </a:rPr>
+              <a:t>Хибридна структура</a:t>
+            </a:r>
+          </a:p>
+          <a:p>
+            <a:pPr lvl="1">
+              <a:buClr>
+                <a:schemeClr val="tx2"/>
+              </a:buClr>
+            </a:pPr>
+            <a:r>
+              <a:rPr lang="bg-BG" sz="3600" b="1" dirty="0"/>
+              <a:t>Комбинира елементи </a:t>
+            </a:r>
+            <a:r>
+              <a:rPr lang="bg-BG" sz="3600" dirty="0"/>
+              <a:t>от другите </a:t>
+            </a:r>
+          </a:p>
+          <a:p>
+            <a:pPr marL="442912" lvl="1" indent="0">
+              <a:buClr>
+                <a:schemeClr val="tx2"/>
+              </a:buClr>
+              <a:buNone/>
+            </a:pPr>
+            <a:r>
+              <a:rPr lang="bg-BG" sz="3600" b="1" dirty="0"/>
+              <a:t>    видове</a:t>
+            </a:r>
+            <a:r>
+              <a:rPr lang="bg-BG" sz="3600" dirty="0"/>
+              <a:t> </a:t>
+            </a:r>
+            <a:r>
+              <a:rPr lang="bg-BG" sz="3600" b="1" dirty="0"/>
+              <a:t>структури</a:t>
+            </a:r>
+          </a:p>
+          <a:p>
+            <a:pPr lvl="1">
+              <a:buClr>
+                <a:schemeClr val="tx2"/>
+              </a:buClr>
+            </a:pPr>
+            <a:r>
+              <a:rPr lang="bg-BG" sz="3600" dirty="0"/>
+              <a:t>Подходяща за </a:t>
+            </a:r>
+            <a:r>
+              <a:rPr lang="bg-BG" sz="3600" b="1" dirty="0"/>
+              <a:t>големи проекти</a:t>
+            </a:r>
+            <a:r>
+              <a:rPr lang="bg-BG" sz="3600" dirty="0"/>
+              <a:t>, </a:t>
+            </a:r>
+          </a:p>
+          <a:p>
+            <a:pPr marL="442912" lvl="1" indent="0">
+              <a:buClr>
+                <a:schemeClr val="tx2"/>
+              </a:buClr>
+              <a:buNone/>
+            </a:pPr>
+            <a:r>
+              <a:rPr lang="bg-BG" sz="3600" dirty="0"/>
+              <a:t>    които имат </a:t>
+            </a:r>
+            <a:r>
+              <a:rPr lang="bg-BG" sz="3600" b="1" dirty="0"/>
+              <a:t>много различни раздели</a:t>
+            </a:r>
+          </a:p>
+          <a:p>
+            <a:pPr lvl="1">
+              <a:buClr>
+                <a:schemeClr val="tx2"/>
+              </a:buClr>
+            </a:pPr>
+            <a:r>
+              <a:rPr lang="bg-BG" sz="3600" b="1" dirty="0"/>
+              <a:t>Пример</a:t>
+            </a:r>
+            <a:r>
+              <a:rPr lang="en-US" sz="3600" b="1" dirty="0"/>
+              <a:t>: </a:t>
+            </a:r>
+          </a:p>
+          <a:p>
+            <a:pPr lvl="2">
+              <a:buClr>
+                <a:schemeClr val="tx2"/>
+              </a:buClr>
+            </a:pPr>
+            <a:r>
+              <a:rPr lang="bg-BG" sz="3400" dirty="0"/>
+              <a:t>Начало → Учебен процес </a:t>
+            </a:r>
+            <a:r>
+              <a:rPr lang="en-BG" sz="3400" dirty="0"/>
+              <a:t>↔</a:t>
+            </a:r>
+            <a:r>
+              <a:rPr lang="bg-BG" sz="3400" dirty="0"/>
+              <a:t> Новини</a:t>
+            </a:r>
+            <a:endParaRPr lang="bg-BG" sz="3400" b="1" dirty="0"/>
+          </a:p>
+        </p:txBody>
+      </p:sp>
+      <p:pic>
+        <p:nvPicPr>
+          <p:cNvPr id="6" name="Picture 5">
+            <a:extLst>
+              <a:ext uri="{FF2B5EF4-FFF2-40B4-BE49-F238E27FC236}">
+                <a16:creationId xmlns:a16="http://schemas.microsoft.com/office/drawing/2014/main" id="{7F7BEC63-1CB5-B526-EEC6-20F9523DFAC8}"/>
+              </a:ext>
+            </a:extLst>
+          </p:cNvPr>
+          <p:cNvPicPr>
+            <a:picLocks noChangeAspect="1"/>
+          </p:cNvPicPr>
+          <p:nvPr/>
+        </p:nvPicPr>
+        <p:blipFill>
+          <a:blip r:embed="rId2">
+            <a:extLst>
+              <a:ext uri="{28A0092B-C50C-407E-A947-70E740481C1C}">
+                <a14:useLocalDpi xmlns:a14="http://schemas.microsoft.com/office/drawing/2010/main" val="0"/>
+              </a:ext>
+            </a:extLst>
+          </a:blip>
+          <a:stretch>
+            <a:fillRect/>
+          </a:stretch>
+        </p:blipFill>
+        <p:spPr>
+          <a:xfrm>
+            <a:off x="8421239" y="1196124"/>
+            <a:ext cx="3325845" cy="5676111"/>
+          </a:xfrm>
+          <a:prstGeom prst="rect">
+            <a:avLst/>
+          </a:prstGeom>
+        </p:spPr>
+      </p:pic>
+    </p:spTree>
+    <p:extLst>
+      <p:ext uri="{BB962C8B-B14F-4D97-AF65-F5344CB8AC3E}">
+        <p14:creationId xmlns:p14="http://schemas.microsoft.com/office/powerpoint/2010/main" val="139915101"/>
+      </p:ext>
+    </p:extLst>
+  </p:cSld>
+  <p:clrMapOvr>
+    <a:masterClrMapping/>
+  </p:clrMapOvr>
+  <mc:AlternateContent xmlns:mc="http://schemas.openxmlformats.org/markup-compatibility/2006" xmlns:p14="http://schemas.microsoft.com/office/powerpoint/2010/main">
+    <mc:Choice Requires="p14">
+      <p:transition spd="slow" p14:dur="2000" advClick="0" advTm="5000"/>
+    </mc:Choice>
+    <mc:Fallback xmlns="">
+      <p:transition spd="slow" advClick="0" advTm="5000"/>
+    </mc:Fallback>
+  </mc:AlternateContent>
+  <p:timing>
+    <p:tnLst>
+      <p:par>
+        <p:cTn id="1" dur="indefinite" restart="never" nodeType="tmRoot">
+          <p:childTnLst>
+            <p:seq concurrent="1" nextAc="seek">
+              <p:cTn id="2" dur="indefinite" nodeType="mainSeq">
+                <p:childTnLst>
+                  <p:par>
+                    <p:cTn id="3" fill="hold">
+                      <p:stCondLst>
+                        <p:cond delay="indefinite"/>
+                      </p:stCondLst>
+                      <p:childTnLst>
+                        <p:par>
+                          <p:cTn id="4" fill="hold">
+                            <p:stCondLst>
+                              <p:cond delay="0"/>
+                            </p:stCondLst>
+                            <p:childTnLst>
+                              <p:par>
+                                <p:cTn id="5" presetID="1" presetClass="entr" presetSubtype="0" fill="hold" nodeType="clickEffect">
+                                  <p:stCondLst>
+                                    <p:cond delay="0"/>
+                                  </p:stCondLst>
+                                  <p:childTnLst>
+                                    <p:set>
+                                      <p:cBhvr>
+                                        <p:cTn id="6" dur="1" fill="hold">
+                                          <p:stCondLst>
+                                            <p:cond delay="0"/>
+                                          </p:stCondLst>
+                                        </p:cTn>
+                                        <p:tgtEl>
+                                          <p:spTgt spid="8">
+                                            <p:txEl>
+                                              <p:pRg st="1" end="1"/>
+                                            </p:txEl>
+                                          </p:spTgt>
+                                        </p:tgtEl>
+                                        <p:attrNameLst>
+                                          <p:attrName>style.visibility</p:attrName>
+                                        </p:attrNameLst>
+                                      </p:cBhvr>
+                                      <p:to>
+                                        <p:strVal val="visible"/>
+                                      </p:to>
+                                    </p:set>
+                                  </p:childTnLst>
+                                </p:cTn>
+                              </p:par>
+                            </p:childTnLst>
+                          </p:cTn>
+                        </p:par>
+                      </p:childTnLst>
+                    </p:cTn>
+                  </p:par>
+                  <p:par>
+                    <p:cTn id="7" fill="hold">
+                      <p:stCondLst>
+                        <p:cond delay="indefinite"/>
+                      </p:stCondLst>
+                      <p:childTnLst>
+                        <p:par>
+                          <p:cTn id="8" fill="hold">
+                            <p:stCondLst>
+                              <p:cond delay="0"/>
+                            </p:stCondLst>
+                            <p:childTnLst>
+                              <p:par>
+                                <p:cTn id="9" presetID="1" presetClass="entr" presetSubtype="0" fill="hold" nodeType="clickEffect">
+                                  <p:stCondLst>
+                                    <p:cond delay="0"/>
+                                  </p:stCondLst>
+                                  <p:childTnLst>
+                                    <p:set>
+                                      <p:cBhvr>
+                                        <p:cTn id="10" dur="1" fill="hold">
+                                          <p:stCondLst>
+                                            <p:cond delay="0"/>
+                                          </p:stCondLst>
+                                        </p:cTn>
+                                        <p:tgtEl>
+                                          <p:spTgt spid="8">
+                                            <p:txEl>
+                                              <p:pRg st="2" end="2"/>
+                                            </p:txEl>
+                                          </p:spTgt>
+                                        </p:tgtEl>
+                                        <p:attrNameLst>
+                                          <p:attrName>style.visibility</p:attrName>
+                                        </p:attrNameLst>
+                                      </p:cBhvr>
+                                      <p:to>
+                                        <p:strVal val="visible"/>
+                                      </p:to>
+                                    </p:set>
+                                  </p:childTnLst>
+                                </p:cTn>
+                              </p:par>
+                            </p:childTnLst>
+                          </p:cTn>
+                        </p:par>
+                      </p:childTnLst>
+                    </p:cTn>
+                  </p:par>
+                  <p:par>
+                    <p:cTn id="11" fill="hold">
+                      <p:stCondLst>
+                        <p:cond delay="indefinite"/>
+                      </p:stCondLst>
+                      <p:childTnLst>
+                        <p:par>
+                          <p:cTn id="12" fill="hold">
+                            <p:stCondLst>
+                              <p:cond delay="0"/>
+                            </p:stCondLst>
+                            <p:childTnLst>
+                              <p:par>
+                                <p:cTn id="13" presetID="1" presetClass="entr" presetSubtype="0" fill="hold" nodeType="clickEffect">
+                                  <p:stCondLst>
+                                    <p:cond delay="0"/>
+                                  </p:stCondLst>
+                                  <p:childTnLst>
+                                    <p:set>
+                                      <p:cBhvr>
+                                        <p:cTn id="14" dur="1" fill="hold">
+                                          <p:stCondLst>
+                                            <p:cond delay="0"/>
+                                          </p:stCondLst>
+                                        </p:cTn>
+                                        <p:tgtEl>
+                                          <p:spTgt spid="8">
+                                            <p:txEl>
+                                              <p:pRg st="3" end="3"/>
+                                            </p:txEl>
+                                          </p:spTgt>
+                                        </p:tgtEl>
+                                        <p:attrNameLst>
+                                          <p:attrName>style.visibility</p:attrName>
+                                        </p:attrNameLst>
+                                      </p:cBhvr>
+                                      <p:to>
+                                        <p:strVal val="visible"/>
+                                      </p:to>
+                                    </p:set>
+                                  </p:childTnLst>
+                                </p:cTn>
+                              </p:par>
+                            </p:childTnLst>
+                          </p:cTn>
+                        </p:par>
+                      </p:childTnLst>
+                    </p:cTn>
+                  </p:par>
+                  <p:par>
+                    <p:cTn id="15" fill="hold">
+                      <p:stCondLst>
+                        <p:cond delay="indefinite"/>
+                      </p:stCondLst>
+                      <p:childTnLst>
+                        <p:par>
+                          <p:cTn id="16" fill="hold">
+                            <p:stCondLst>
+                              <p:cond delay="0"/>
+                            </p:stCondLst>
+                            <p:childTnLst>
+                              <p:par>
+                                <p:cTn id="17" presetID="1" presetClass="entr" presetSubtype="0" fill="hold" nodeType="clickEffect">
+                                  <p:stCondLst>
+                                    <p:cond delay="0"/>
+                                  </p:stCondLst>
+                                  <p:childTnLst>
+                                    <p:set>
+                                      <p:cBhvr>
+                                        <p:cTn id="18" dur="1" fill="hold">
+                                          <p:stCondLst>
+                                            <p:cond delay="0"/>
+                                          </p:stCondLst>
+                                        </p:cTn>
+                                        <p:tgtEl>
+                                          <p:spTgt spid="8">
+                                            <p:txEl>
+                                              <p:pRg st="4" end="4"/>
+                                            </p:txEl>
+                                          </p:spTgt>
+                                        </p:tgtEl>
+                                        <p:attrNameLst>
+                                          <p:attrName>style.visibility</p:attrName>
+                                        </p:attrNameLst>
+                                      </p:cBhvr>
+                                      <p:to>
+                                        <p:strVal val="visible"/>
+                                      </p:to>
+                                    </p:set>
+                                  </p:childTnLst>
+                                </p:cTn>
+                              </p:par>
+                            </p:childTnLst>
+                          </p:cTn>
+                        </p:par>
+                      </p:childTnLst>
+                    </p:cTn>
+                  </p:par>
+                  <p:par>
+                    <p:cTn id="19" fill="hold">
+                      <p:stCondLst>
+                        <p:cond delay="indefinite"/>
+                      </p:stCondLst>
+                      <p:childTnLst>
+                        <p:par>
+                          <p:cTn id="20" fill="hold">
+                            <p:stCondLst>
+                              <p:cond delay="0"/>
+                            </p:stCondLst>
+                            <p:childTnLst>
+                              <p:par>
+                                <p:cTn id="21" presetID="1" presetClass="entr" presetSubtype="0" fill="hold" nodeType="clickEffect">
+                                  <p:stCondLst>
+                                    <p:cond delay="0"/>
+                                  </p:stCondLst>
+                                  <p:childTnLst>
+                                    <p:set>
+                                      <p:cBhvr>
+                                        <p:cTn id="22" dur="1" fill="hold">
+                                          <p:stCondLst>
+                                            <p:cond delay="0"/>
+                                          </p:stCondLst>
+                                        </p:cTn>
+                                        <p:tgtEl>
+                                          <p:spTgt spid="8">
+                                            <p:txEl>
+                                              <p:pRg st="5" end="5"/>
+                                            </p:txEl>
+                                          </p:spTgt>
+                                        </p:tgtEl>
+                                        <p:attrNameLst>
+                                          <p:attrName>style.visibility</p:attrName>
+                                        </p:attrNameLst>
+                                      </p:cBhvr>
+                                      <p:to>
+                                        <p:strVal val="visible"/>
+                                      </p:to>
+                                    </p:set>
+                                  </p:childTnLst>
+                                </p:cTn>
+                              </p:par>
+                            </p:childTnLst>
+                          </p:cTn>
+                        </p:par>
+                      </p:childTnLst>
+                    </p:cTn>
+                  </p:par>
+                  <p:par>
+                    <p:cTn id="23" fill="hold">
+                      <p:stCondLst>
+                        <p:cond delay="indefinite"/>
+                      </p:stCondLst>
+                      <p:childTnLst>
+                        <p:par>
+                          <p:cTn id="24" fill="hold">
+                            <p:stCondLst>
+                              <p:cond delay="0"/>
+                            </p:stCondLst>
+                            <p:childTnLst>
+                              <p:par>
+                                <p:cTn id="25" presetID="1" presetClass="entr" presetSubtype="0" fill="hold" nodeType="clickEffect">
+                                  <p:stCondLst>
+                                    <p:cond delay="0"/>
+                                  </p:stCondLst>
+                                  <p:childTnLst>
+                                    <p:set>
+                                      <p:cBhvr>
+                                        <p:cTn id="26" dur="1" fill="hold">
+                                          <p:stCondLst>
+                                            <p:cond delay="0"/>
+                                          </p:stCondLst>
+                                        </p:cTn>
+                                        <p:tgtEl>
+                                          <p:spTgt spid="8">
+                                            <p:txEl>
+                                              <p:pRg st="6" end="6"/>
+                                            </p:txEl>
+                                          </p:spTgt>
+                                        </p:tgtEl>
+                                        <p:attrNameLst>
+                                          <p:attrName>style.visibility</p:attrName>
+                                        </p:attrNameLst>
+                                      </p:cBhvr>
+                                      <p:to>
+                                        <p:strVal val="visible"/>
+                                      </p:to>
+                                    </p:set>
+                                  </p:childTnLst>
+                                </p:cTn>
+                              </p:par>
+                            </p:childTnLst>
+                          </p:cTn>
+                        </p:par>
+                      </p:childTnLst>
+                    </p:cTn>
+                  </p:par>
+                </p:childTnLst>
+              </p:cTn>
+              <p:prevCondLst>
+                <p:cond evt="onPrev" delay="0">
+                  <p:tgtEl>
+                    <p:sldTgt/>
+                  </p:tgtEl>
+                </p:cond>
+              </p:prevCondLst>
+              <p:nextCondLst>
+                <p:cond evt="onNext" delay="0">
+                  <p:tgtEl>
+                    <p:sldTgt/>
+                  </p:tgtEl>
+                </p:cond>
+              </p:nextCondLst>
+            </p:seq>
+          </p:childTnLst>
+        </p:cTn>
+      </p:par>
+    </p:tnLst>
+  </p:timing>
+</p:sld>
+</file>
+
+<file path=ppt/slides/slide21.xml><?xml version="1.0" encoding="utf-8"?>
+<p:sld xmlns:a="http://schemas.openxmlformats.org/drawingml/2006/main" xmlns:r="http://schemas.openxmlformats.org/officeDocument/2006/relationships" xmlns:p="http://schemas.openxmlformats.org/presentationml/2006/main">
+  <p:cSld>
+    <p:spTree>
+      <p:nvGrpSpPr>
+        <p:cNvPr id="1" name=""/>
+        <p:cNvGrpSpPr/>
+        <p:nvPr/>
+      </p:nvGrpSpPr>
+      <p:grpSpPr>
+        <a:xfrm>
+          <a:off x="0" y="0"/>
+          <a:ext cx="0" cy="0"/>
+          <a:chOff x="0" y="0"/>
+          <a:chExt cx="0" cy="0"/>
+        </a:xfrm>
+      </p:grpSpPr>
+      <p:sp>
+        <p:nvSpPr>
+          <p:cNvPr id="2" name="Slide Number Placeholder 1">
+            <a:extLst>
+              <a:ext uri="{FF2B5EF4-FFF2-40B4-BE49-F238E27FC236}">
                 <a16:creationId xmlns:a16="http://schemas.microsoft.com/office/drawing/2014/main" id="{425B3741-5430-E1F0-3342-CACCE9F40C01}"/>
               </a:ext>
             </a:extLst>
@@ -17458,7 +18335,7 @@
             <a:fld id="{2BF067CD-8E6B-4360-9AA8-C5DF2A48A6D1}" type="slidenum">
               <a:rPr lang="en-US" noProof="0" smtClean="0"/>
               <a:pPr/>
-              <a:t>20</a:t>
+              <a:t>21</a:t>
             </a:fld>
             <a:endParaRPr lang="en-US" noProof="0" dirty="0"/>
           </a:p>
@@ -18167,7 +19044,7 @@
 </p:sld>
 </file>
 
-<file path=ppt/slides/slide21.xml><?xml version="1.0" encoding="utf-8"?>
+<file path=ppt/slides/slide22.xml><?xml version="1.0" encoding="utf-8"?>
 <p:sld xmlns:a="http://schemas.openxmlformats.org/drawingml/2006/main" xmlns:r="http://schemas.openxmlformats.org/officeDocument/2006/relationships" xmlns:p="http://schemas.openxmlformats.org/presentationml/2006/main">
   <p:cSld>
     <p:spTree>
@@ -18297,7 +19174,7 @@
 </p:sld>
 </file>
 
-<file path=ppt/slides/slide22.xml><?xml version="1.0" encoding="utf-8"?>
+<file path=ppt/slides/slide23.xml><?xml version="1.0" encoding="utf-8"?>
 <p:sld xmlns:a="http://schemas.openxmlformats.org/drawingml/2006/main" xmlns:r="http://schemas.openxmlformats.org/officeDocument/2006/relationships" xmlns:p="http://schemas.openxmlformats.org/presentationml/2006/main">
   <p:cSld>
     <p:spTree>
@@ -18347,7 +19224,7 @@
             <a:fld id="{2BF067CD-8E6B-4360-9AA8-C5DF2A48A6D1}" type="slidenum">
               <a:rPr lang="en-US" smtClean="0"/>
               <a:pPr/>
-              <a:t>22</a:t>
+              <a:t>23</a:t>
             </a:fld>
             <a:endParaRPr lang="en-US" dirty="0"/>
           </a:p>
@@ -18646,7 +19523,7 @@
 </p:sld>
 </file>
 
-<file path=ppt/slides/slide23.xml><?xml version="1.0" encoding="utf-8"?>
+<file path=ppt/slides/slide24.xml><?xml version="1.0" encoding="utf-8"?>
 <p:sld xmlns:a="http://schemas.openxmlformats.org/drawingml/2006/main" xmlns:r="http://schemas.openxmlformats.org/officeDocument/2006/relationships" xmlns:p="http://schemas.openxmlformats.org/presentationml/2006/main">
   <p:cSld>
     <p:spTree>
@@ -18696,7 +19573,7 @@
             <a:fld id="{2BF067CD-8E6B-4360-9AA8-C5DF2A48A6D1}" type="slidenum">
               <a:rPr lang="en-US" smtClean="0"/>
               <a:pPr/>
-              <a:t>23</a:t>
+              <a:t>24</a:t>
             </a:fld>
             <a:endParaRPr lang="en-US" dirty="0"/>
           </a:p>
@@ -19135,7 +20012,7 @@
 </p:sld>
 </file>
 
-<file path=ppt/slides/slide24.xml><?xml version="1.0" encoding="utf-8"?>
+<file path=ppt/slides/slide25.xml><?xml version="1.0" encoding="utf-8"?>
 <p:sld xmlns:a="http://schemas.openxmlformats.org/drawingml/2006/main" xmlns:r="http://schemas.openxmlformats.org/officeDocument/2006/relationships" xmlns:p="http://schemas.openxmlformats.org/presentationml/2006/main">
   <p:cSld>
     <p:spTree>
@@ -19185,7 +20062,7 @@
             <a:fld id="{2BF067CD-8E6B-4360-9AA8-C5DF2A48A6D1}" type="slidenum">
               <a:rPr lang="en-US" smtClean="0"/>
               <a:pPr/>
-              <a:t>24</a:t>
+              <a:t>25</a:t>
             </a:fld>
             <a:endParaRPr lang="en-US" dirty="0"/>
           </a:p>
@@ -19849,712 +20726,11 @@
       </p:par>
     </p:tnLst>
   </p:timing>
-</p:sld>
-</file>
-
-<file path=ppt/slides/slide25.xml><?xml version="1.0" encoding="utf-8"?>
-<p:sld xmlns:a="http://schemas.openxmlformats.org/drawingml/2006/main" xmlns:r="http://schemas.openxmlformats.org/officeDocument/2006/relationships" xmlns:p="http://schemas.openxmlformats.org/presentationml/2006/main">
-  <p:cSld>
-    <p:spTree>
-      <p:nvGrpSpPr>
-        <p:cNvPr id="1" name=""/>
-        <p:cNvGrpSpPr/>
-        <p:nvPr/>
-      </p:nvGrpSpPr>
-      <p:grpSpPr>
-        <a:xfrm>
-          <a:off x="0" y="0"/>
-          <a:ext cx="0" cy="0"/>
-          <a:chOff x="0" y="0"/>
-          <a:chExt cx="0" cy="0"/>
-        </a:xfrm>
-      </p:grpSpPr>
-      <p:sp>
-        <p:nvSpPr>
-          <p:cNvPr id="9" name="Slide Number">
-            <a:extLst>
-              <a:ext uri="{FF2B5EF4-FFF2-40B4-BE49-F238E27FC236}">
-                <a16:creationId xmlns:a16="http://schemas.microsoft.com/office/drawing/2014/main" id="{8891F045-A272-4231-985A-53063F832AC8}"/>
-              </a:ext>
-            </a:extLst>
-          </p:cNvPr>
-          <p:cNvSpPr>
-            <a:spLocks noGrp="1"/>
-          </p:cNvSpPr>
-          <p:nvPr>
-            <p:ph type="sldNum" sz="quarter" idx="5"/>
-          </p:nvPr>
-        </p:nvSpPr>
-        <p:spPr>
-          <a:xfrm>
-            <a:off x="11753030" y="6507000"/>
-            <a:ext cx="367414" cy="297000"/>
-          </a:xfrm>
-        </p:spPr>
-        <p:txBody>
-          <a:bodyPr vert="horz" lIns="91440" tIns="45720" rIns="91440" bIns="45720" rtlCol="0" anchor="b"/>
-          <a:lstStyle>
-            <a:lvl1pPr algn="r">
-              <a:defRPr sz="1000"/>
-            </a:lvl1pPr>
-          </a:lstStyle>
-          <a:p>
-            <a:fld id="{2BF067CD-8E6B-4360-9AA8-C5DF2A48A6D1}" type="slidenum">
-              <a:rPr lang="en-US" smtClean="0"/>
-              <a:pPr/>
-              <a:t>25</a:t>
-            </a:fld>
-            <a:endParaRPr lang="en-US" dirty="0"/>
-          </a:p>
-        </p:txBody>
-      </p:sp>
-      <p:sp>
-        <p:nvSpPr>
-          <p:cNvPr id="7" name="Slide Body Text">
-            <a:extLst>
-              <a:ext uri="{FF2B5EF4-FFF2-40B4-BE49-F238E27FC236}">
-                <a16:creationId xmlns:a16="http://schemas.microsoft.com/office/drawing/2014/main" id="{320B2856-CE5E-4934-BD1C-1D81E68E529A}"/>
-              </a:ext>
-            </a:extLst>
-          </p:cNvPr>
-          <p:cNvSpPr>
-            <a:spLocks noGrp="1"/>
-          </p:cNvSpPr>
-          <p:nvPr>
-            <p:ph type="body" sz="quarter" idx="10"/>
-          </p:nvPr>
-        </p:nvSpPr>
-        <p:spPr>
-          <a:xfrm>
-            <a:off x="190402" y="1196125"/>
-            <a:ext cx="11818096" cy="5528766"/>
-          </a:xfrm>
-        </p:spPr>
-        <p:txBody>
-          <a:bodyPr>
-            <a:normAutofit lnSpcReduction="10000"/>
-          </a:bodyPr>
-          <a:lstStyle/>
-          <a:p>
-            <a:pPr>
-              <a:buClr>
-                <a:schemeClr val="tx2"/>
-              </a:buClr>
-            </a:pPr>
-            <a:r>
-              <a:rPr lang="bg-BG" sz="3600" b="1" dirty="0">
-                <a:solidFill>
-                  <a:schemeClr val="bg1"/>
-                </a:solidFill>
-              </a:rPr>
-              <a:t>Странична навигация </a:t>
-            </a:r>
-            <a:r>
-              <a:rPr lang="en-US" sz="3600" b="1" dirty="0"/>
-              <a:t>(Sidebar)</a:t>
-            </a:r>
-            <a:endParaRPr lang="bg-BG" sz="3600" b="1" dirty="0"/>
-          </a:p>
-          <a:p>
-            <a:pPr lvl="1">
-              <a:buClr>
-                <a:schemeClr val="tx2"/>
-              </a:buClr>
-            </a:pPr>
-            <a:r>
-              <a:rPr lang="bg-BG" sz="3400" dirty="0"/>
-              <a:t>Намира се </a:t>
-            </a:r>
-            <a:r>
-              <a:rPr lang="bg-BG" sz="3400" b="1" dirty="0">
-                <a:solidFill>
-                  <a:schemeClr val="bg1"/>
-                </a:solidFill>
-              </a:rPr>
-              <a:t>отстрани</a:t>
-            </a:r>
-            <a:r>
-              <a:rPr lang="bg-BG" sz="3400" dirty="0"/>
-              <a:t> на </a:t>
-            </a:r>
-            <a:r>
-              <a:rPr lang="bg-BG" sz="3400" b="1" dirty="0"/>
-              <a:t>уеб страницата</a:t>
-            </a:r>
-          </a:p>
-          <a:p>
-            <a:pPr lvl="1">
-              <a:buClr>
-                <a:schemeClr val="tx2"/>
-              </a:buClr>
-            </a:pPr>
-            <a:r>
-              <a:rPr lang="bg-BG" sz="3400" dirty="0"/>
-              <a:t>Удобна за </a:t>
-            </a:r>
-            <a:r>
-              <a:rPr lang="bg-BG" sz="3400" b="1" dirty="0"/>
-              <a:t>категории</a:t>
-            </a:r>
-            <a:r>
-              <a:rPr lang="bg-BG" sz="3400" dirty="0"/>
-              <a:t>, </a:t>
-            </a:r>
-            <a:r>
-              <a:rPr lang="bg-BG" sz="3400" b="1" dirty="0"/>
-              <a:t>филтри</a:t>
-            </a:r>
-            <a:r>
-              <a:rPr lang="bg-BG" sz="3400" dirty="0"/>
-              <a:t> или </a:t>
-            </a:r>
-            <a:r>
-              <a:rPr lang="bg-BG" sz="3400" b="1" dirty="0"/>
-              <a:t>бърз достъп</a:t>
-            </a:r>
-          </a:p>
-          <a:p>
-            <a:pPr lvl="1">
-              <a:buClr>
-                <a:schemeClr val="tx2"/>
-              </a:buClr>
-            </a:pPr>
-            <a:r>
-              <a:rPr lang="bg-BG" sz="3400" b="1" dirty="0"/>
-              <a:t>Пример: </a:t>
-            </a:r>
-            <a:r>
-              <a:rPr lang="bg-BG" sz="3400" dirty="0"/>
-              <a:t>Филтриране по вкус → Ванилия </a:t>
-            </a:r>
-            <a:r>
-              <a:rPr lang="en-US" sz="3400" dirty="0"/>
-              <a:t>|</a:t>
-            </a:r>
-            <a:r>
-              <a:rPr lang="bg-BG" sz="3400" dirty="0"/>
-              <a:t> Шоколад</a:t>
-            </a:r>
-          </a:p>
-          <a:p>
-            <a:pPr>
-              <a:buClr>
-                <a:schemeClr val="tx2"/>
-              </a:buClr>
-            </a:pPr>
-            <a:r>
-              <a:rPr lang="bg-BG" sz="3600" b="1" dirty="0">
-                <a:solidFill>
-                  <a:schemeClr val="bg1"/>
-                </a:solidFill>
-              </a:rPr>
-              <a:t>Футър </a:t>
-            </a:r>
-            <a:r>
-              <a:rPr lang="bg-BG" sz="3600" b="1" dirty="0"/>
-              <a:t>(</a:t>
-            </a:r>
-            <a:r>
-              <a:rPr lang="en-US" sz="3600" b="1" dirty="0"/>
-              <a:t>Footer)</a:t>
-            </a:r>
-          </a:p>
-          <a:p>
-            <a:pPr lvl="1">
-              <a:buClr>
-                <a:schemeClr val="tx2"/>
-              </a:buClr>
-            </a:pPr>
-            <a:r>
-              <a:rPr lang="bg-BG" sz="3400" dirty="0"/>
-              <a:t>Намира се в </a:t>
-            </a:r>
-            <a:r>
-              <a:rPr lang="bg-BG" sz="3400" b="1" dirty="0">
-                <a:solidFill>
-                  <a:schemeClr val="bg1"/>
-                </a:solidFill>
-              </a:rPr>
-              <a:t>долната част </a:t>
-            </a:r>
-            <a:r>
-              <a:rPr lang="bg-BG" sz="3400" dirty="0"/>
-              <a:t>на </a:t>
-            </a:r>
-            <a:r>
-              <a:rPr lang="bg-BG" sz="3400" b="1" dirty="0"/>
-              <a:t>уеб сайта</a:t>
-            </a:r>
-          </a:p>
-          <a:p>
-            <a:pPr lvl="1">
-              <a:buClr>
-                <a:schemeClr val="tx2"/>
-              </a:buClr>
-            </a:pPr>
-            <a:r>
-              <a:rPr lang="bg-BG" sz="3400" dirty="0"/>
-              <a:t>Съдържа </a:t>
-            </a:r>
-            <a:r>
-              <a:rPr lang="bg-BG" sz="3400" b="1" dirty="0"/>
-              <a:t>допълнителни връзки</a:t>
-            </a:r>
-          </a:p>
-          <a:p>
-            <a:pPr lvl="1">
-              <a:buClr>
-                <a:schemeClr val="tx2"/>
-              </a:buClr>
-            </a:pPr>
-            <a:r>
-              <a:rPr lang="bg-BG" sz="3400" b="1" dirty="0"/>
-              <a:t>Пример: </a:t>
-            </a:r>
-            <a:r>
-              <a:rPr lang="bg-BG" sz="3400" dirty="0"/>
-              <a:t>Условия за ползване </a:t>
-            </a:r>
-            <a:r>
-              <a:rPr lang="en-US" sz="3400" dirty="0"/>
-              <a:t>|</a:t>
-            </a:r>
-            <a:r>
-              <a:rPr lang="bg-BG" sz="3400" dirty="0"/>
-              <a:t> Социални мрежи</a:t>
-            </a:r>
-          </a:p>
-          <a:p>
-            <a:pPr>
-              <a:buClr>
-                <a:schemeClr val="tx2"/>
-              </a:buClr>
-            </a:pPr>
-            <a:endParaRPr lang="bg-BG" sz="3600" dirty="0"/>
-          </a:p>
-        </p:txBody>
-      </p:sp>
-      <p:sp>
-        <p:nvSpPr>
-          <p:cNvPr id="4" name="Slide Title"/>
-          <p:cNvSpPr>
-            <a:spLocks noGrp="1"/>
-          </p:cNvSpPr>
-          <p:nvPr>
-            <p:ph type="title"/>
-          </p:nvPr>
-        </p:nvSpPr>
-        <p:spPr>
-          <a:xfrm>
-            <a:off x="190406" y="100750"/>
-            <a:ext cx="10270594" cy="882654"/>
-          </a:xfrm>
-        </p:spPr>
-        <p:txBody>
-          <a:bodyPr>
-            <a:normAutofit/>
-          </a:bodyPr>
-          <a:lstStyle/>
-          <a:p>
-            <a:r>
-              <a:rPr lang="bg-BG" dirty="0"/>
-              <a:t>Видове навигационни структури (2)</a:t>
-            </a:r>
-            <a:endParaRPr lang="en-US" dirty="0"/>
-          </a:p>
-        </p:txBody>
-      </p:sp>
-    </p:spTree>
-    <p:extLst>
-      <p:ext uri="{BB962C8B-B14F-4D97-AF65-F5344CB8AC3E}">
-        <p14:creationId xmlns:p14="http://schemas.microsoft.com/office/powerpoint/2010/main" val="3258264810"/>
-      </p:ext>
-    </p:extLst>
-  </p:cSld>
-  <p:clrMapOvr>
-    <a:masterClrMapping/>
-  </p:clrMapOvr>
-  <mc:AlternateContent xmlns:mc="http://schemas.openxmlformats.org/markup-compatibility/2006" xmlns:p14="http://schemas.microsoft.com/office/powerpoint/2010/main">
-    <mc:Choice Requires="p14">
-      <p:transition spd="slow" p14:dur="2000" advClick="0" advTm="5000"/>
-    </mc:Choice>
-    <mc:Fallback xmlns="">
-      <p:transition spd="slow" advClick="0" advTm="5000"/>
-    </mc:Fallback>
-  </mc:AlternateContent>
-  <p:timing>
-    <p:tnLst>
-      <p:par>
-        <p:cTn id="1" dur="indefinite" restart="never" nodeType="tmRoot">
-          <p:childTnLst>
-            <p:seq concurrent="1" nextAc="seek">
-              <p:cTn id="2" dur="indefinite" nodeType="mainSeq">
-                <p:childTnLst>
-                  <p:par>
-                    <p:cTn id="3" fill="hold">
-                      <p:stCondLst>
-                        <p:cond delay="indefinite"/>
-                      </p:stCondLst>
-                      <p:childTnLst>
-                        <p:par>
-                          <p:cTn id="4" fill="hold">
-                            <p:stCondLst>
-                              <p:cond delay="0"/>
-                            </p:stCondLst>
-                            <p:childTnLst>
-                              <p:par>
-                                <p:cTn id="5" presetID="1" presetClass="entr" presetSubtype="0" fill="hold" nodeType="clickEffect">
-                                  <p:stCondLst>
-                                    <p:cond delay="0"/>
-                                  </p:stCondLst>
-                                  <p:childTnLst>
-                                    <p:set>
-                                      <p:cBhvr>
-                                        <p:cTn id="6" dur="1" fill="hold">
-                                          <p:stCondLst>
-                                            <p:cond delay="0"/>
-                                          </p:stCondLst>
-                                        </p:cTn>
-                                        <p:tgtEl>
-                                          <p:spTgt spid="7">
-                                            <p:txEl>
-                                              <p:pRg st="1" end="1"/>
-                                            </p:txEl>
-                                          </p:spTgt>
-                                        </p:tgtEl>
-                                        <p:attrNameLst>
-                                          <p:attrName>style.visibility</p:attrName>
-                                        </p:attrNameLst>
-                                      </p:cBhvr>
-                                      <p:to>
-                                        <p:strVal val="visible"/>
-                                      </p:to>
-                                    </p:set>
-                                  </p:childTnLst>
-                                </p:cTn>
-                              </p:par>
-                            </p:childTnLst>
-                          </p:cTn>
-                        </p:par>
-                      </p:childTnLst>
-                    </p:cTn>
-                  </p:par>
-                  <p:par>
-                    <p:cTn id="7" fill="hold">
-                      <p:stCondLst>
-                        <p:cond delay="indefinite"/>
-                      </p:stCondLst>
-                      <p:childTnLst>
-                        <p:par>
-                          <p:cTn id="8" fill="hold">
-                            <p:stCondLst>
-                              <p:cond delay="0"/>
-                            </p:stCondLst>
-                            <p:childTnLst>
-                              <p:par>
-                                <p:cTn id="9" presetID="1" presetClass="entr" presetSubtype="0" fill="hold" nodeType="clickEffect">
-                                  <p:stCondLst>
-                                    <p:cond delay="0"/>
-                                  </p:stCondLst>
-                                  <p:childTnLst>
-                                    <p:set>
-                                      <p:cBhvr>
-                                        <p:cTn id="10" dur="1" fill="hold">
-                                          <p:stCondLst>
-                                            <p:cond delay="0"/>
-                                          </p:stCondLst>
-                                        </p:cTn>
-                                        <p:tgtEl>
-                                          <p:spTgt spid="7">
-                                            <p:txEl>
-                                              <p:pRg st="2" end="2"/>
-                                            </p:txEl>
-                                          </p:spTgt>
-                                        </p:tgtEl>
-                                        <p:attrNameLst>
-                                          <p:attrName>style.visibility</p:attrName>
-                                        </p:attrNameLst>
-                                      </p:cBhvr>
-                                      <p:to>
-                                        <p:strVal val="visible"/>
-                                      </p:to>
-                                    </p:set>
-                                  </p:childTnLst>
-                                </p:cTn>
-                              </p:par>
-                            </p:childTnLst>
-                          </p:cTn>
-                        </p:par>
-                      </p:childTnLst>
-                    </p:cTn>
-                  </p:par>
-                  <p:par>
-                    <p:cTn id="11" fill="hold">
-                      <p:stCondLst>
-                        <p:cond delay="indefinite"/>
-                      </p:stCondLst>
-                      <p:childTnLst>
-                        <p:par>
-                          <p:cTn id="12" fill="hold">
-                            <p:stCondLst>
-                              <p:cond delay="0"/>
-                            </p:stCondLst>
-                            <p:childTnLst>
-                              <p:par>
-                                <p:cTn id="13" presetID="1" presetClass="entr" presetSubtype="0" fill="hold" nodeType="clickEffect">
-                                  <p:stCondLst>
-                                    <p:cond delay="0"/>
-                                  </p:stCondLst>
-                                  <p:childTnLst>
-                                    <p:set>
-                                      <p:cBhvr>
-                                        <p:cTn id="14" dur="1" fill="hold">
-                                          <p:stCondLst>
-                                            <p:cond delay="0"/>
-                                          </p:stCondLst>
-                                        </p:cTn>
-                                        <p:tgtEl>
-                                          <p:spTgt spid="7">
-                                            <p:txEl>
-                                              <p:pRg st="3" end="3"/>
-                                            </p:txEl>
-                                          </p:spTgt>
-                                        </p:tgtEl>
-                                        <p:attrNameLst>
-                                          <p:attrName>style.visibility</p:attrName>
-                                        </p:attrNameLst>
-                                      </p:cBhvr>
-                                      <p:to>
-                                        <p:strVal val="visible"/>
-                                      </p:to>
-                                    </p:set>
-                                  </p:childTnLst>
-                                </p:cTn>
-                              </p:par>
-                            </p:childTnLst>
-                          </p:cTn>
-                        </p:par>
-                      </p:childTnLst>
-                    </p:cTn>
-                  </p:par>
-                  <p:par>
-                    <p:cTn id="15" fill="hold">
-                      <p:stCondLst>
-                        <p:cond delay="indefinite"/>
-                      </p:stCondLst>
-                      <p:childTnLst>
-                        <p:par>
-                          <p:cTn id="16" fill="hold">
-                            <p:stCondLst>
-                              <p:cond delay="0"/>
-                            </p:stCondLst>
-                            <p:childTnLst>
-                              <p:par>
-                                <p:cTn id="17" presetID="1" presetClass="entr" presetSubtype="0" fill="hold" nodeType="clickEffect">
-                                  <p:stCondLst>
-                                    <p:cond delay="0"/>
-                                  </p:stCondLst>
-                                  <p:childTnLst>
-                                    <p:set>
-                                      <p:cBhvr>
-                                        <p:cTn id="18" dur="1" fill="hold">
-                                          <p:stCondLst>
-                                            <p:cond delay="0"/>
-                                          </p:stCondLst>
-                                        </p:cTn>
-                                        <p:tgtEl>
-                                          <p:spTgt spid="7">
-                                            <p:txEl>
-                                              <p:pRg st="4" end="4"/>
-                                            </p:txEl>
-                                          </p:spTgt>
-                                        </p:tgtEl>
-                                        <p:attrNameLst>
-                                          <p:attrName>style.visibility</p:attrName>
-                                        </p:attrNameLst>
-                                      </p:cBhvr>
-                                      <p:to>
-                                        <p:strVal val="visible"/>
-                                      </p:to>
-                                    </p:set>
-                                  </p:childTnLst>
-                                </p:cTn>
-                              </p:par>
-                            </p:childTnLst>
-                          </p:cTn>
-                        </p:par>
-                      </p:childTnLst>
-                    </p:cTn>
-                  </p:par>
-                  <p:par>
-                    <p:cTn id="19" fill="hold">
-                      <p:stCondLst>
-                        <p:cond delay="indefinite"/>
-                      </p:stCondLst>
-                      <p:childTnLst>
-                        <p:par>
-                          <p:cTn id="20" fill="hold">
-                            <p:stCondLst>
-                              <p:cond delay="0"/>
-                            </p:stCondLst>
-                            <p:childTnLst>
-                              <p:par>
-                                <p:cTn id="21" presetID="1" presetClass="entr" presetSubtype="0" fill="hold" nodeType="clickEffect">
-                                  <p:stCondLst>
-                                    <p:cond delay="0"/>
-                                  </p:stCondLst>
-                                  <p:childTnLst>
-                                    <p:set>
-                                      <p:cBhvr>
-                                        <p:cTn id="22" dur="1" fill="hold">
-                                          <p:stCondLst>
-                                            <p:cond delay="0"/>
-                                          </p:stCondLst>
-                                        </p:cTn>
-                                        <p:tgtEl>
-                                          <p:spTgt spid="7">
-                                            <p:txEl>
-                                              <p:pRg st="5" end="5"/>
-                                            </p:txEl>
-                                          </p:spTgt>
-                                        </p:tgtEl>
-                                        <p:attrNameLst>
-                                          <p:attrName>style.visibility</p:attrName>
-                                        </p:attrNameLst>
-                                      </p:cBhvr>
-                                      <p:to>
-                                        <p:strVal val="visible"/>
-                                      </p:to>
-                                    </p:set>
-                                  </p:childTnLst>
-                                </p:cTn>
-                              </p:par>
-                            </p:childTnLst>
-                          </p:cTn>
-                        </p:par>
-                      </p:childTnLst>
-                    </p:cTn>
-                  </p:par>
-                  <p:par>
-                    <p:cTn id="23" fill="hold">
-                      <p:stCondLst>
-                        <p:cond delay="indefinite"/>
-                      </p:stCondLst>
-                      <p:childTnLst>
-                        <p:par>
-                          <p:cTn id="24" fill="hold">
-                            <p:stCondLst>
-                              <p:cond delay="0"/>
-                            </p:stCondLst>
-                            <p:childTnLst>
-                              <p:par>
-                                <p:cTn id="25" presetID="1" presetClass="entr" presetSubtype="0" fill="hold" nodeType="clickEffect">
-                                  <p:stCondLst>
-                                    <p:cond delay="0"/>
-                                  </p:stCondLst>
-                                  <p:childTnLst>
-                                    <p:set>
-                                      <p:cBhvr>
-                                        <p:cTn id="26" dur="1" fill="hold">
-                                          <p:stCondLst>
-                                            <p:cond delay="0"/>
-                                          </p:stCondLst>
-                                        </p:cTn>
-                                        <p:tgtEl>
-                                          <p:spTgt spid="7">
-                                            <p:txEl>
-                                              <p:pRg st="6" end="6"/>
-                                            </p:txEl>
-                                          </p:spTgt>
-                                        </p:tgtEl>
-                                        <p:attrNameLst>
-                                          <p:attrName>style.visibility</p:attrName>
-                                        </p:attrNameLst>
-                                      </p:cBhvr>
-                                      <p:to>
-                                        <p:strVal val="visible"/>
-                                      </p:to>
-                                    </p:set>
-                                  </p:childTnLst>
-                                </p:cTn>
-                              </p:par>
-                            </p:childTnLst>
-                          </p:cTn>
-                        </p:par>
-                      </p:childTnLst>
-                    </p:cTn>
-                  </p:par>
-                  <p:par>
-                    <p:cTn id="27" fill="hold">
-                      <p:stCondLst>
-                        <p:cond delay="indefinite"/>
-                      </p:stCondLst>
-                      <p:childTnLst>
-                        <p:par>
-                          <p:cTn id="28" fill="hold">
-                            <p:stCondLst>
-                              <p:cond delay="0"/>
-                            </p:stCondLst>
-                            <p:childTnLst>
-                              <p:par>
-                                <p:cTn id="29" presetID="1" presetClass="entr" presetSubtype="0" fill="hold" nodeType="clickEffect">
-                                  <p:stCondLst>
-                                    <p:cond delay="0"/>
-                                  </p:stCondLst>
-                                  <p:childTnLst>
-                                    <p:set>
-                                      <p:cBhvr>
-                                        <p:cTn id="30" dur="1" fill="hold">
-                                          <p:stCondLst>
-                                            <p:cond delay="0"/>
-                                          </p:stCondLst>
-                                        </p:cTn>
-                                        <p:tgtEl>
-                                          <p:spTgt spid="7">
-                                            <p:txEl>
-                                              <p:pRg st="7" end="7"/>
-                                            </p:txEl>
-                                          </p:spTgt>
-                                        </p:tgtEl>
-                                        <p:attrNameLst>
-                                          <p:attrName>style.visibility</p:attrName>
-                                        </p:attrNameLst>
-                                      </p:cBhvr>
-                                      <p:to>
-                                        <p:strVal val="visible"/>
-                                      </p:to>
-                                    </p:set>
-                                  </p:childTnLst>
-                                </p:cTn>
-                              </p:par>
-                            </p:childTnLst>
-                          </p:cTn>
-                        </p:par>
-                      </p:childTnLst>
-                    </p:cTn>
-                  </p:par>
-                </p:childTnLst>
-              </p:cTn>
-              <p:prevCondLst>
-                <p:cond evt="onPrev" delay="0">
-                  <p:tgtEl>
-                    <p:sldTgt/>
-                  </p:tgtEl>
-                </p:cond>
-              </p:prevCondLst>
-              <p:nextCondLst>
-                <p:cond evt="onNext" delay="0">
-                  <p:tgtEl>
-                    <p:sldTgt/>
-                  </p:tgtEl>
-                </p:cond>
-              </p:nextCondLst>
-            </p:seq>
-          </p:childTnLst>
-        </p:cTn>
-      </p:par>
-    </p:tnLst>
-  </p:timing>
+  <p:extLst>
+    <p:ext uri="{6950BFC3-D8DA-4A85-94F7-54DA5524770B}">
+      <p188:commentRel xmlns:p188="http://schemas.microsoft.com/office/powerpoint/2018/8/main" r:id="rId3"/>
+    </p:ext>
+  </p:extLst>
 </p:sld>
 </file>
 
@@ -20638,7 +20814,7 @@
         </p:spPr>
         <p:txBody>
           <a:bodyPr>
-            <a:normAutofit fontScale="92500"/>
+            <a:normAutofit lnSpcReduction="10000"/>
           </a:bodyPr>
           <a:lstStyle/>
           <a:p>
@@ -20653,11 +20829,11 @@
                   <a:schemeClr val="bg1"/>
                 </a:solidFill>
               </a:rPr>
-              <a:t>Хлебни трохи </a:t>
+              <a:t>Странична навигация </a:t>
             </a:r>
             <a:r>
               <a:rPr lang="en-US" sz="3600" b="1" dirty="0"/>
-              <a:t>(Breadcrumbs)</a:t>
+              <a:t>(Sidebar)</a:t>
             </a:r>
             <a:endParaRPr lang="bg-BG" sz="3600" b="1" dirty="0"/>
           </a:p>
@@ -20669,7 +20845,7 @@
             </a:pPr>
             <a:r>
               <a:rPr lang="bg-BG" sz="3400" dirty="0"/>
-              <a:t>Показват </a:t>
+              <a:t>Намира се </a:t>
             </a:r>
             <a:r>
               <a:rPr lang="bg-BG" sz="3400" b="1" dirty="0">
@@ -20677,7 +20853,7 @@
                   <a:schemeClr val="bg1"/>
                 </a:solidFill>
               </a:rPr>
-              <a:t>пътя</a:t>
+              <a:t>отстрани</a:t>
             </a:r>
             <a:r>
               <a:rPr lang="bg-BG" sz="3400" dirty="0"/>
@@ -20685,15 +20861,7 @@
             </a:r>
             <a:r>
               <a:rPr lang="bg-BG" sz="3400" b="1" dirty="0"/>
-              <a:t>потребителя </a:t>
-            </a:r>
-            <a:r>
-              <a:rPr lang="bg-BG" sz="3400" dirty="0"/>
-              <a:t>в </a:t>
-            </a:r>
-            <a:r>
-              <a:rPr lang="bg-BG" sz="3400" b="1" dirty="0"/>
-              <a:t>уеб сайта</a:t>
+              <a:t>уеб страницата</a:t>
             </a:r>
           </a:p>
           <a:p>
@@ -20704,13 +20872,28 @@
             </a:pPr>
             <a:r>
               <a:rPr lang="bg-BG" sz="3400" dirty="0"/>
-              <a:t>Ориентират </a:t>
+              <a:t>Удобна за </a:t>
             </a:r>
             <a:r>
               <a:rPr lang="bg-BG" sz="3400" b="1" dirty="0"/>
-              <a:t>къде се намираме</a:t>
-            </a:r>
-            <a:endParaRPr lang="en-US" sz="3400" b="1" dirty="0"/>
+              <a:t>категории</a:t>
+            </a:r>
+            <a:r>
+              <a:rPr lang="bg-BG" sz="3400" dirty="0"/>
+              <a:t>, </a:t>
+            </a:r>
+            <a:r>
+              <a:rPr lang="bg-BG" sz="3400" b="1" dirty="0"/>
+              <a:t>филтри</a:t>
+            </a:r>
+            <a:r>
+              <a:rPr lang="bg-BG" sz="3400" dirty="0"/>
+              <a:t> или </a:t>
+            </a:r>
+            <a:r>
+              <a:rPr lang="bg-BG" sz="3400" b="1" dirty="0"/>
+              <a:t>бърз достъп</a:t>
+            </a:r>
           </a:p>
           <a:p>
             <a:pPr lvl="1">
@@ -20724,15 +20907,15 @@
             </a:r>
             <a:r>
               <a:rPr lang="bg-BG" sz="3400" dirty="0"/>
-              <a:t>Начало → Продукти → Торти →</a:t>
+              <a:t>Филтриране по вкус → Ванилия </a:t>
             </a:r>
             <a:r>
               <a:rPr lang="en-US" sz="3400" dirty="0"/>
-              <a:t> </a:t>
+              <a:t>|</a:t>
             </a:r>
             <a:r>
               <a:rPr lang="bg-BG" sz="3400" dirty="0"/>
-              <a:t>Шоколадова торта</a:t>
+              <a:t> Шоколад</a:t>
             </a:r>
           </a:p>
           <a:p>
@@ -20747,19 +20930,15 @@
                   <a:schemeClr val="bg1"/>
                 </a:solidFill>
               </a:rPr>
-              <a:t>Бутонна</a:t>
+              <a:t>Футър </a:t>
             </a:r>
             <a:r>
               <a:rPr lang="bg-BG" sz="3600" b="1" dirty="0"/>
-              <a:t>/</a:t>
-            </a:r>
-            <a:r>
-              <a:rPr lang="bg-BG" sz="3600" b="1" dirty="0">
-                <a:solidFill>
-                  <a:schemeClr val="bg1"/>
-                </a:solidFill>
-              </a:rPr>
-              <a:t>линкова</a:t>
+              <a:t>(</a:t>
+            </a:r>
+            <a:r>
+              <a:rPr lang="en-US" sz="3600" b="1" dirty="0"/>
+              <a:t>Footer)</a:t>
             </a:r>
           </a:p>
           <a:p>
@@ -20769,12 +20948,24 @@
               </a:buClr>
             </a:pPr>
             <a:r>
-              <a:rPr lang="bg-BG" sz="3200" b="1" dirty="0">
+              <a:rPr lang="bg-BG" sz="3400" dirty="0"/>
+              <a:t>Намира се в </a:t>
+            </a:r>
+            <a:r>
+              <a:rPr lang="bg-BG" sz="3400" b="1" dirty="0">
                 <a:solidFill>
                   <a:schemeClr val="bg1"/>
                 </a:solidFill>
               </a:rPr>
-              <a:t>Интерактивни елементи</a:t>
+              <a:t>долната част </a:t>
+            </a:r>
+            <a:r>
+              <a:rPr lang="bg-BG" sz="3400" dirty="0"/>
+              <a:t>на </a:t>
+            </a:r>
+            <a:r>
+              <a:rPr lang="bg-BG" sz="3400" b="1" dirty="0"/>
+              <a:t>уеб сайта</a:t>
             </a:r>
           </a:p>
           <a:p>
@@ -20785,19 +20976,11 @@
             </a:pPr>
             <a:r>
               <a:rPr lang="bg-BG" sz="3400" dirty="0"/>
-              <a:t>Насочват към </a:t>
+              <a:t>Съдържа </a:t>
             </a:r>
             <a:r>
               <a:rPr lang="bg-BG" sz="3400" b="1" dirty="0"/>
-              <a:t>действия</a:t>
-            </a:r>
-            <a:r>
-              <a:rPr lang="bg-BG" sz="3400" dirty="0"/>
-              <a:t> и </a:t>
-            </a:r>
-            <a:r>
-              <a:rPr lang="bg-BG" sz="3400" b="1" dirty="0"/>
-              <a:t>свързани теми</a:t>
+              <a:t>допълнителни връзки</a:t>
             </a:r>
           </a:p>
           <a:p>
@@ -20812,21 +20995,16 @@
             </a:r>
             <a:r>
               <a:rPr lang="bg-BG" sz="3400" dirty="0"/>
-              <a:t>Бутон </a:t>
-            </a:r>
-            <a:r>
-              <a:rPr lang="bg-BG" sz="3600" dirty="0"/>
-              <a:t>"</a:t>
+              <a:t>Условия за ползване </a:t>
+            </a:r>
+            <a:r>
+              <a:rPr lang="en-US" sz="3400" dirty="0"/>
+              <a:t>|</a:t>
             </a:r>
             <a:r>
               <a:rPr lang="bg-BG" sz="3400" dirty="0"/>
-              <a:t>Поръчай сега</a:t>
-            </a:r>
-            <a:r>
-              <a:rPr lang="bg-BG" sz="3600" dirty="0"/>
-              <a:t>"</a:t>
-            </a:r>
-            <a:endParaRPr lang="bg-BG" sz="3400" dirty="0"/>
+              <a:t> Социални мрежи</a:t>
+            </a:r>
           </a:p>
           <a:p>
             <a:pPr>
@@ -20862,7 +21040,7 @@
           <a:p>
             <a:r>
               <a:rPr lang="bg-BG" dirty="0"/>
-              <a:t>Видове навигационни структури (3)</a:t>
+              <a:t>Видове навигационни структури (2)</a:t>
             </a:r>
             <a:endParaRPr lang="en-US" dirty="0"/>
           </a:p>
@@ -20871,7 +21049,7 @@
     </p:spTree>
     <p:extLst>
       <p:ext uri="{BB962C8B-B14F-4D97-AF65-F5344CB8AC3E}">
-        <p14:creationId xmlns:p14="http://schemas.microsoft.com/office/powerpoint/2010/main" val="2654285365"/>
+        <p14:creationId xmlns:p14="http://schemas.microsoft.com/office/powerpoint/2010/main" val="3258264810"/>
       </p:ext>
     </p:extLst>
   </p:cSld>
@@ -21281,6 +21459,702 @@
       </p:grpSpPr>
       <p:sp>
         <p:nvSpPr>
+          <p:cNvPr id="9" name="Slide Number">
+            <a:extLst>
+              <a:ext uri="{FF2B5EF4-FFF2-40B4-BE49-F238E27FC236}">
+                <a16:creationId xmlns:a16="http://schemas.microsoft.com/office/drawing/2014/main" id="{8891F045-A272-4231-985A-53063F832AC8}"/>
+              </a:ext>
+            </a:extLst>
+          </p:cNvPr>
+          <p:cNvSpPr>
+            <a:spLocks noGrp="1"/>
+          </p:cNvSpPr>
+          <p:nvPr>
+            <p:ph type="sldNum" sz="quarter" idx="5"/>
+          </p:nvPr>
+        </p:nvSpPr>
+        <p:spPr>
+          <a:xfrm>
+            <a:off x="11753030" y="6507000"/>
+            <a:ext cx="367414" cy="297000"/>
+          </a:xfrm>
+        </p:spPr>
+        <p:txBody>
+          <a:bodyPr vert="horz" lIns="91440" tIns="45720" rIns="91440" bIns="45720" rtlCol="0" anchor="b"/>
+          <a:lstStyle>
+            <a:lvl1pPr algn="r">
+              <a:defRPr sz="1000"/>
+            </a:lvl1pPr>
+          </a:lstStyle>
+          <a:p>
+            <a:fld id="{2BF067CD-8E6B-4360-9AA8-C5DF2A48A6D1}" type="slidenum">
+              <a:rPr lang="en-US" smtClean="0"/>
+              <a:pPr/>
+              <a:t>27</a:t>
+            </a:fld>
+            <a:endParaRPr lang="en-US" dirty="0"/>
+          </a:p>
+        </p:txBody>
+      </p:sp>
+      <p:sp>
+        <p:nvSpPr>
+          <p:cNvPr id="7" name="Slide Body Text">
+            <a:extLst>
+              <a:ext uri="{FF2B5EF4-FFF2-40B4-BE49-F238E27FC236}">
+                <a16:creationId xmlns:a16="http://schemas.microsoft.com/office/drawing/2014/main" id="{320B2856-CE5E-4934-BD1C-1D81E68E529A}"/>
+              </a:ext>
+            </a:extLst>
+          </p:cNvPr>
+          <p:cNvSpPr>
+            <a:spLocks noGrp="1"/>
+          </p:cNvSpPr>
+          <p:nvPr>
+            <p:ph type="body" sz="quarter" idx="10"/>
+          </p:nvPr>
+        </p:nvSpPr>
+        <p:spPr>
+          <a:xfrm>
+            <a:off x="190402" y="1196125"/>
+            <a:ext cx="11818096" cy="5528766"/>
+          </a:xfrm>
+        </p:spPr>
+        <p:txBody>
+          <a:bodyPr>
+            <a:normAutofit fontScale="92500"/>
+          </a:bodyPr>
+          <a:lstStyle/>
+          <a:p>
+            <a:pPr>
+              <a:buClr>
+                <a:schemeClr val="tx2"/>
+              </a:buClr>
+            </a:pPr>
+            <a:r>
+              <a:rPr lang="bg-BG" sz="3600" b="1" dirty="0">
+                <a:solidFill>
+                  <a:schemeClr val="bg1"/>
+                </a:solidFill>
+              </a:rPr>
+              <a:t>Хлебни трохи </a:t>
+            </a:r>
+            <a:r>
+              <a:rPr lang="en-US" sz="3600" b="1" dirty="0"/>
+              <a:t>(Breadcrumbs)</a:t>
+            </a:r>
+            <a:endParaRPr lang="bg-BG" sz="3600" b="1" dirty="0"/>
+          </a:p>
+          <a:p>
+            <a:pPr lvl="1">
+              <a:buClr>
+                <a:schemeClr val="tx2"/>
+              </a:buClr>
+            </a:pPr>
+            <a:r>
+              <a:rPr lang="bg-BG" sz="3400" dirty="0"/>
+              <a:t>Показват </a:t>
+            </a:r>
+            <a:r>
+              <a:rPr lang="bg-BG" sz="3400" b="1" dirty="0">
+                <a:solidFill>
+                  <a:schemeClr val="bg1"/>
+                </a:solidFill>
+              </a:rPr>
+              <a:t>пътя</a:t>
+            </a:r>
+            <a:r>
+              <a:rPr lang="bg-BG" sz="3400" dirty="0"/>
+              <a:t> на </a:t>
+            </a:r>
+            <a:r>
+              <a:rPr lang="bg-BG" sz="3400" b="1" dirty="0"/>
+              <a:t>потребителя </a:t>
+            </a:r>
+            <a:r>
+              <a:rPr lang="bg-BG" sz="3400" dirty="0"/>
+              <a:t>в </a:t>
+            </a:r>
+            <a:r>
+              <a:rPr lang="bg-BG" sz="3400" b="1" dirty="0"/>
+              <a:t>уеб сайта</a:t>
+            </a:r>
+          </a:p>
+          <a:p>
+            <a:pPr lvl="1">
+              <a:buClr>
+                <a:schemeClr val="tx2"/>
+              </a:buClr>
+            </a:pPr>
+            <a:r>
+              <a:rPr lang="bg-BG" sz="3400" dirty="0"/>
+              <a:t>Ориентират </a:t>
+            </a:r>
+            <a:r>
+              <a:rPr lang="bg-BG" sz="3400" b="1" dirty="0"/>
+              <a:t>къде се намираме</a:t>
+            </a:r>
+            <a:endParaRPr lang="en-US" sz="3400" b="1" dirty="0"/>
+          </a:p>
+          <a:p>
+            <a:pPr lvl="1">
+              <a:buClr>
+                <a:schemeClr val="tx2"/>
+              </a:buClr>
+            </a:pPr>
+            <a:r>
+              <a:rPr lang="bg-BG" sz="3400" b="1" dirty="0"/>
+              <a:t>Пример: </a:t>
+            </a:r>
+            <a:r>
+              <a:rPr lang="bg-BG" sz="3400" dirty="0"/>
+              <a:t>Начало → Продукти → Торти →</a:t>
+            </a:r>
+            <a:r>
+              <a:rPr lang="en-US" sz="3400" dirty="0"/>
+              <a:t> </a:t>
+            </a:r>
+            <a:r>
+              <a:rPr lang="bg-BG" sz="3400" dirty="0"/>
+              <a:t>Шоколадова торта</a:t>
+            </a:r>
+          </a:p>
+          <a:p>
+            <a:pPr>
+              <a:buClr>
+                <a:schemeClr val="tx2"/>
+              </a:buClr>
+            </a:pPr>
+            <a:r>
+              <a:rPr lang="bg-BG" sz="3600" b="1" dirty="0">
+                <a:solidFill>
+                  <a:schemeClr val="bg1"/>
+                </a:solidFill>
+              </a:rPr>
+              <a:t>Бутонна</a:t>
+            </a:r>
+            <a:r>
+              <a:rPr lang="bg-BG" sz="3600" b="1" dirty="0"/>
+              <a:t>/</a:t>
+            </a:r>
+            <a:r>
+              <a:rPr lang="bg-BG" sz="3600" b="1" dirty="0">
+                <a:solidFill>
+                  <a:schemeClr val="bg1"/>
+                </a:solidFill>
+              </a:rPr>
+              <a:t>линкова</a:t>
+            </a:r>
+          </a:p>
+          <a:p>
+            <a:pPr lvl="1">
+              <a:buClr>
+                <a:schemeClr val="tx2"/>
+              </a:buClr>
+            </a:pPr>
+            <a:r>
+              <a:rPr lang="bg-BG" sz="3200" b="1" dirty="0">
+                <a:solidFill>
+                  <a:schemeClr val="bg1"/>
+                </a:solidFill>
+              </a:rPr>
+              <a:t>Интерактивни елементи</a:t>
+            </a:r>
+          </a:p>
+          <a:p>
+            <a:pPr lvl="1">
+              <a:buClr>
+                <a:schemeClr val="tx2"/>
+              </a:buClr>
+            </a:pPr>
+            <a:r>
+              <a:rPr lang="bg-BG" sz="3400" dirty="0"/>
+              <a:t>Насочват към </a:t>
+            </a:r>
+            <a:r>
+              <a:rPr lang="bg-BG" sz="3400" b="1" dirty="0"/>
+              <a:t>действия</a:t>
+            </a:r>
+            <a:r>
+              <a:rPr lang="bg-BG" sz="3400" dirty="0"/>
+              <a:t> и </a:t>
+            </a:r>
+            <a:r>
+              <a:rPr lang="bg-BG" sz="3400" b="1" dirty="0"/>
+              <a:t>свързани теми</a:t>
+            </a:r>
+          </a:p>
+          <a:p>
+            <a:pPr lvl="1">
+              <a:buClr>
+                <a:schemeClr val="tx2"/>
+              </a:buClr>
+            </a:pPr>
+            <a:r>
+              <a:rPr lang="bg-BG" sz="3400" b="1" dirty="0"/>
+              <a:t>Пример: </a:t>
+            </a:r>
+            <a:r>
+              <a:rPr lang="bg-BG" sz="3400" dirty="0"/>
+              <a:t>Бутон </a:t>
+            </a:r>
+            <a:r>
+              <a:rPr lang="bg-BG" sz="3600" dirty="0"/>
+              <a:t>"</a:t>
+            </a:r>
+            <a:r>
+              <a:rPr lang="bg-BG" sz="3400" dirty="0"/>
+              <a:t>Поръчай сега</a:t>
+            </a:r>
+            <a:r>
+              <a:rPr lang="bg-BG" sz="3600" dirty="0"/>
+              <a:t>"</a:t>
+            </a:r>
+            <a:endParaRPr lang="bg-BG" sz="3400" dirty="0"/>
+          </a:p>
+        </p:txBody>
+      </p:sp>
+      <p:sp>
+        <p:nvSpPr>
+          <p:cNvPr id="4" name="Slide Title"/>
+          <p:cNvSpPr>
+            <a:spLocks noGrp="1"/>
+          </p:cNvSpPr>
+          <p:nvPr>
+            <p:ph type="title"/>
+          </p:nvPr>
+        </p:nvSpPr>
+        <p:spPr>
+          <a:xfrm>
+            <a:off x="190406" y="100750"/>
+            <a:ext cx="10270594" cy="882654"/>
+          </a:xfrm>
+        </p:spPr>
+        <p:txBody>
+          <a:bodyPr>
+            <a:normAutofit/>
+          </a:bodyPr>
+          <a:lstStyle/>
+          <a:p>
+            <a:r>
+              <a:rPr lang="bg-BG" dirty="0"/>
+              <a:t>Видове навигационни структури (3)</a:t>
+            </a:r>
+            <a:endParaRPr lang="en-US" dirty="0"/>
+          </a:p>
+        </p:txBody>
+      </p:sp>
+    </p:spTree>
+    <p:extLst>
+      <p:ext uri="{BB962C8B-B14F-4D97-AF65-F5344CB8AC3E}">
+        <p14:creationId xmlns:p14="http://schemas.microsoft.com/office/powerpoint/2010/main" val="2654285365"/>
+      </p:ext>
+    </p:extLst>
+  </p:cSld>
+  <p:clrMapOvr>
+    <a:masterClrMapping/>
+  </p:clrMapOvr>
+  <mc:AlternateContent xmlns:mc="http://schemas.openxmlformats.org/markup-compatibility/2006" xmlns:p14="http://schemas.microsoft.com/office/powerpoint/2010/main">
+    <mc:Choice Requires="p14">
+      <p:transition spd="slow" p14:dur="2000" advClick="0" advTm="5000"/>
+    </mc:Choice>
+    <mc:Fallback xmlns="">
+      <p:transition spd="slow" advClick="0" advTm="5000"/>
+    </mc:Fallback>
+  </mc:AlternateContent>
+  <p:timing>
+    <p:tnLst>
+      <p:par>
+        <p:cTn id="1" dur="indefinite" restart="never" nodeType="tmRoot">
+          <p:childTnLst>
+            <p:seq concurrent="1" nextAc="seek">
+              <p:cTn id="2" dur="indefinite" nodeType="mainSeq">
+                <p:childTnLst>
+                  <p:par>
+                    <p:cTn id="3" fill="hold">
+                      <p:stCondLst>
+                        <p:cond delay="indefinite"/>
+                      </p:stCondLst>
+                      <p:childTnLst>
+                        <p:par>
+                          <p:cTn id="4" fill="hold">
+                            <p:stCondLst>
+                              <p:cond delay="0"/>
+                            </p:stCondLst>
+                            <p:childTnLst>
+                              <p:par>
+                                <p:cTn id="5" presetID="1" presetClass="entr" presetSubtype="0" fill="hold" nodeType="clickEffect">
+                                  <p:stCondLst>
+                                    <p:cond delay="0"/>
+                                  </p:stCondLst>
+                                  <p:childTnLst>
+                                    <p:set>
+                                      <p:cBhvr>
+                                        <p:cTn id="6" dur="1" fill="hold">
+                                          <p:stCondLst>
+                                            <p:cond delay="0"/>
+                                          </p:stCondLst>
+                                        </p:cTn>
+                                        <p:tgtEl>
+                                          <p:spTgt spid="7">
+                                            <p:txEl>
+                                              <p:pRg st="1" end="1"/>
+                                            </p:txEl>
+                                          </p:spTgt>
+                                        </p:tgtEl>
+                                        <p:attrNameLst>
+                                          <p:attrName>style.visibility</p:attrName>
+                                        </p:attrNameLst>
+                                      </p:cBhvr>
+                                      <p:to>
+                                        <p:strVal val="visible"/>
+                                      </p:to>
+                                    </p:set>
+                                  </p:childTnLst>
+                                </p:cTn>
+                              </p:par>
+                            </p:childTnLst>
+                          </p:cTn>
+                        </p:par>
+                      </p:childTnLst>
+                    </p:cTn>
+                  </p:par>
+                  <p:par>
+                    <p:cTn id="7" fill="hold">
+                      <p:stCondLst>
+                        <p:cond delay="indefinite"/>
+                      </p:stCondLst>
+                      <p:childTnLst>
+                        <p:par>
+                          <p:cTn id="8" fill="hold">
+                            <p:stCondLst>
+                              <p:cond delay="0"/>
+                            </p:stCondLst>
+                            <p:childTnLst>
+                              <p:par>
+                                <p:cTn id="9" presetID="1" presetClass="entr" presetSubtype="0" fill="hold" nodeType="clickEffect">
+                                  <p:stCondLst>
+                                    <p:cond delay="0"/>
+                                  </p:stCondLst>
+                                  <p:childTnLst>
+                                    <p:set>
+                                      <p:cBhvr>
+                                        <p:cTn id="10" dur="1" fill="hold">
+                                          <p:stCondLst>
+                                            <p:cond delay="0"/>
+                                          </p:stCondLst>
+                                        </p:cTn>
+                                        <p:tgtEl>
+                                          <p:spTgt spid="7">
+                                            <p:txEl>
+                                              <p:pRg st="2" end="2"/>
+                                            </p:txEl>
+                                          </p:spTgt>
+                                        </p:tgtEl>
+                                        <p:attrNameLst>
+                                          <p:attrName>style.visibility</p:attrName>
+                                        </p:attrNameLst>
+                                      </p:cBhvr>
+                                      <p:to>
+                                        <p:strVal val="visible"/>
+                                      </p:to>
+                                    </p:set>
+                                  </p:childTnLst>
+                                </p:cTn>
+                              </p:par>
+                            </p:childTnLst>
+                          </p:cTn>
+                        </p:par>
+                      </p:childTnLst>
+                    </p:cTn>
+                  </p:par>
+                  <p:par>
+                    <p:cTn id="11" fill="hold">
+                      <p:stCondLst>
+                        <p:cond delay="indefinite"/>
+                      </p:stCondLst>
+                      <p:childTnLst>
+                        <p:par>
+                          <p:cTn id="12" fill="hold">
+                            <p:stCondLst>
+                              <p:cond delay="0"/>
+                            </p:stCondLst>
+                            <p:childTnLst>
+                              <p:par>
+                                <p:cTn id="13" presetID="1" presetClass="entr" presetSubtype="0" fill="hold" nodeType="clickEffect">
+                                  <p:stCondLst>
+                                    <p:cond delay="0"/>
+                                  </p:stCondLst>
+                                  <p:childTnLst>
+                                    <p:set>
+                                      <p:cBhvr>
+                                        <p:cTn id="14" dur="1" fill="hold">
+                                          <p:stCondLst>
+                                            <p:cond delay="0"/>
+                                          </p:stCondLst>
+                                        </p:cTn>
+                                        <p:tgtEl>
+                                          <p:spTgt spid="7">
+                                            <p:txEl>
+                                              <p:pRg st="3" end="3"/>
+                                            </p:txEl>
+                                          </p:spTgt>
+                                        </p:tgtEl>
+                                        <p:attrNameLst>
+                                          <p:attrName>style.visibility</p:attrName>
+                                        </p:attrNameLst>
+                                      </p:cBhvr>
+                                      <p:to>
+                                        <p:strVal val="visible"/>
+                                      </p:to>
+                                    </p:set>
+                                  </p:childTnLst>
+                                </p:cTn>
+                              </p:par>
+                            </p:childTnLst>
+                          </p:cTn>
+                        </p:par>
+                      </p:childTnLst>
+                    </p:cTn>
+                  </p:par>
+                  <p:par>
+                    <p:cTn id="15" fill="hold">
+                      <p:stCondLst>
+                        <p:cond delay="indefinite"/>
+                      </p:stCondLst>
+                      <p:childTnLst>
+                        <p:par>
+                          <p:cTn id="16" fill="hold">
+                            <p:stCondLst>
+                              <p:cond delay="0"/>
+                            </p:stCondLst>
+                            <p:childTnLst>
+                              <p:par>
+                                <p:cTn id="17" presetID="1" presetClass="entr" presetSubtype="0" fill="hold" nodeType="clickEffect">
+                                  <p:stCondLst>
+                                    <p:cond delay="0"/>
+                                  </p:stCondLst>
+                                  <p:childTnLst>
+                                    <p:set>
+                                      <p:cBhvr>
+                                        <p:cTn id="18" dur="1" fill="hold">
+                                          <p:stCondLst>
+                                            <p:cond delay="0"/>
+                                          </p:stCondLst>
+                                        </p:cTn>
+                                        <p:tgtEl>
+                                          <p:spTgt spid="7">
+                                            <p:txEl>
+                                              <p:pRg st="4" end="4"/>
+                                            </p:txEl>
+                                          </p:spTgt>
+                                        </p:tgtEl>
+                                        <p:attrNameLst>
+                                          <p:attrName>style.visibility</p:attrName>
+                                        </p:attrNameLst>
+                                      </p:cBhvr>
+                                      <p:to>
+                                        <p:strVal val="visible"/>
+                                      </p:to>
+                                    </p:set>
+                                  </p:childTnLst>
+                                </p:cTn>
+                              </p:par>
+                            </p:childTnLst>
+                          </p:cTn>
+                        </p:par>
+                      </p:childTnLst>
+                    </p:cTn>
+                  </p:par>
+                  <p:par>
+                    <p:cTn id="19" fill="hold">
+                      <p:stCondLst>
+                        <p:cond delay="indefinite"/>
+                      </p:stCondLst>
+                      <p:childTnLst>
+                        <p:par>
+                          <p:cTn id="20" fill="hold">
+                            <p:stCondLst>
+                              <p:cond delay="0"/>
+                            </p:stCondLst>
+                            <p:childTnLst>
+                              <p:par>
+                                <p:cTn id="21" presetID="1" presetClass="entr" presetSubtype="0" fill="hold" nodeType="clickEffect">
+                                  <p:stCondLst>
+                                    <p:cond delay="0"/>
+                                  </p:stCondLst>
+                                  <p:childTnLst>
+                                    <p:set>
+                                      <p:cBhvr>
+                                        <p:cTn id="22" dur="1" fill="hold">
+                                          <p:stCondLst>
+                                            <p:cond delay="0"/>
+                                          </p:stCondLst>
+                                        </p:cTn>
+                                        <p:tgtEl>
+                                          <p:spTgt spid="7">
+                                            <p:txEl>
+                                              <p:pRg st="5" end="5"/>
+                                            </p:txEl>
+                                          </p:spTgt>
+                                        </p:tgtEl>
+                                        <p:attrNameLst>
+                                          <p:attrName>style.visibility</p:attrName>
+                                        </p:attrNameLst>
+                                      </p:cBhvr>
+                                      <p:to>
+                                        <p:strVal val="visible"/>
+                                      </p:to>
+                                    </p:set>
+                                  </p:childTnLst>
+                                </p:cTn>
+                              </p:par>
+                            </p:childTnLst>
+                          </p:cTn>
+                        </p:par>
+                      </p:childTnLst>
+                    </p:cTn>
+                  </p:par>
+                  <p:par>
+                    <p:cTn id="23" fill="hold">
+                      <p:stCondLst>
+                        <p:cond delay="indefinite"/>
+                      </p:stCondLst>
+                      <p:childTnLst>
+                        <p:par>
+                          <p:cTn id="24" fill="hold">
+                            <p:stCondLst>
+                              <p:cond delay="0"/>
+                            </p:stCondLst>
+                            <p:childTnLst>
+                              <p:par>
+                                <p:cTn id="25" presetID="1" presetClass="entr" presetSubtype="0" fill="hold" nodeType="clickEffect">
+                                  <p:stCondLst>
+                                    <p:cond delay="0"/>
+                                  </p:stCondLst>
+                                  <p:childTnLst>
+                                    <p:set>
+                                      <p:cBhvr>
+                                        <p:cTn id="26" dur="1" fill="hold">
+                                          <p:stCondLst>
+                                            <p:cond delay="0"/>
+                                          </p:stCondLst>
+                                        </p:cTn>
+                                        <p:tgtEl>
+                                          <p:spTgt spid="7">
+                                            <p:txEl>
+                                              <p:pRg st="6" end="6"/>
+                                            </p:txEl>
+                                          </p:spTgt>
+                                        </p:tgtEl>
+                                        <p:attrNameLst>
+                                          <p:attrName>style.visibility</p:attrName>
+                                        </p:attrNameLst>
+                                      </p:cBhvr>
+                                      <p:to>
+                                        <p:strVal val="visible"/>
+                                      </p:to>
+                                    </p:set>
+                                  </p:childTnLst>
+                                </p:cTn>
+                              </p:par>
+                            </p:childTnLst>
+                          </p:cTn>
+                        </p:par>
+                      </p:childTnLst>
+                    </p:cTn>
+                  </p:par>
+                  <p:par>
+                    <p:cTn id="27" fill="hold">
+                      <p:stCondLst>
+                        <p:cond delay="indefinite"/>
+                      </p:stCondLst>
+                      <p:childTnLst>
+                        <p:par>
+                          <p:cTn id="28" fill="hold">
+                            <p:stCondLst>
+                              <p:cond delay="0"/>
+                            </p:stCondLst>
+                            <p:childTnLst>
+                              <p:par>
+                                <p:cTn id="29" presetID="1" presetClass="entr" presetSubtype="0" fill="hold" nodeType="clickEffect">
+                                  <p:stCondLst>
+                                    <p:cond delay="0"/>
+                                  </p:stCondLst>
+                                  <p:childTnLst>
+                                    <p:set>
+                                      <p:cBhvr>
+                                        <p:cTn id="30" dur="1" fill="hold">
+                                          <p:stCondLst>
+                                            <p:cond delay="0"/>
+                                          </p:stCondLst>
+                                        </p:cTn>
+                                        <p:tgtEl>
+                                          <p:spTgt spid="7">
+                                            <p:txEl>
+                                              <p:pRg st="7" end="7"/>
+                                            </p:txEl>
+                                          </p:spTgt>
+                                        </p:tgtEl>
+                                        <p:attrNameLst>
+                                          <p:attrName>style.visibility</p:attrName>
+                                        </p:attrNameLst>
+                                      </p:cBhvr>
+                                      <p:to>
+                                        <p:strVal val="visible"/>
+                                      </p:to>
+                                    </p:set>
+                                  </p:childTnLst>
+                                </p:cTn>
+                              </p:par>
+                            </p:childTnLst>
+                          </p:cTn>
+                        </p:par>
+                      </p:childTnLst>
+                    </p:cTn>
+                  </p:par>
+                </p:childTnLst>
+              </p:cTn>
+              <p:prevCondLst>
+                <p:cond evt="onPrev" delay="0">
+                  <p:tgtEl>
+                    <p:sldTgt/>
+                  </p:tgtEl>
+                </p:cond>
+              </p:prevCondLst>
+              <p:nextCondLst>
+                <p:cond evt="onNext" delay="0">
+                  <p:tgtEl>
+                    <p:sldTgt/>
+                  </p:tgtEl>
+                </p:cond>
+              </p:nextCondLst>
+            </p:seq>
+          </p:childTnLst>
+        </p:cTn>
+      </p:par>
+    </p:tnLst>
+  </p:timing>
+</p:sld>
+</file>
+
+<file path=ppt/slides/slide28.xml><?xml version="1.0" encoding="utf-8"?>
+<p:sld xmlns:a="http://schemas.openxmlformats.org/drawingml/2006/main" xmlns:r="http://schemas.openxmlformats.org/officeDocument/2006/relationships" xmlns:p="http://schemas.openxmlformats.org/presentationml/2006/main">
+  <p:cSld>
+    <p:spTree>
+      <p:nvGrpSpPr>
+        <p:cNvPr id="1" name=""/>
+        <p:cNvGrpSpPr/>
+        <p:nvPr/>
+      </p:nvGrpSpPr>
+      <p:grpSpPr>
+        <a:xfrm>
+          <a:off x="0" y="0"/>
+          <a:ext cx="0" cy="0"/>
+          <a:chOff x="0" y="0"/>
+          <a:chExt cx="0" cy="0"/>
+        </a:xfrm>
+      </p:grpSpPr>
+      <p:sp>
+        <p:nvSpPr>
           <p:cNvPr id="2" name="Slide Number Placeholder 1">
             <a:extLst>
               <a:ext uri="{FF2B5EF4-FFF2-40B4-BE49-F238E27FC236}">
@@ -21303,7 +22177,7 @@
             <a:fld id="{2BF067CD-8E6B-4360-9AA8-C5DF2A48A6D1}" type="slidenum">
               <a:rPr lang="en-US" noProof="0" smtClean="0"/>
               <a:pPr/>
-              <a:t>27</a:t>
+              <a:t>28</a:t>
             </a:fld>
             <a:endParaRPr lang="en-US" noProof="0" dirty="0"/>
           </a:p>
@@ -21779,7 +22653,7 @@
 </p:sld>
 </file>
 
-<file path=ppt/slides/slide28.xml><?xml version="1.0" encoding="utf-8"?>
+<file path=ppt/slides/slide29.xml><?xml version="1.0" encoding="utf-8"?>
 <p:sld xmlns:a="http://schemas.openxmlformats.org/drawingml/2006/main" xmlns:r="http://schemas.openxmlformats.org/officeDocument/2006/relationships" xmlns:p="http://schemas.openxmlformats.org/presentationml/2006/main">
   <p:cSld>
     <p:spTree>
@@ -21910,7 +22784,138 @@
 </p:sld>
 </file>
 
-<file path=ppt/slides/slide29.xml><?xml version="1.0" encoding="utf-8"?>
+<file path=ppt/slides/slide3.xml><?xml version="1.0" encoding="utf-8"?>
+<p:sld xmlns:a="http://schemas.openxmlformats.org/drawingml/2006/main" xmlns:r="http://schemas.openxmlformats.org/officeDocument/2006/relationships" xmlns:p="http://schemas.openxmlformats.org/presentationml/2006/main">
+  <p:cSld>
+    <p:spTree>
+      <p:nvGrpSpPr>
+        <p:cNvPr id="1" name=""/>
+        <p:cNvGrpSpPr/>
+        <p:nvPr/>
+      </p:nvGrpSpPr>
+      <p:grpSpPr>
+        <a:xfrm>
+          <a:off x="0" y="0"/>
+          <a:ext cx="0" cy="0"/>
+          <a:chOff x="0" y="0"/>
+          <a:chExt cx="0" cy="0"/>
+        </a:xfrm>
+      </p:grpSpPr>
+      <p:sp>
+        <p:nvSpPr>
+          <p:cNvPr id="4" name="Slide Subtitle">
+            <a:extLst>
+              <a:ext uri="{FF2B5EF4-FFF2-40B4-BE49-F238E27FC236}">
+                <a16:creationId xmlns:a16="http://schemas.microsoft.com/office/drawing/2014/main" id="{BEB5BB41-09D4-4E9F-8C80-EE8709171CB3}"/>
+              </a:ext>
+            </a:extLst>
+          </p:cNvPr>
+          <p:cNvSpPr>
+            <a:spLocks noGrp="1"/>
+          </p:cNvSpPr>
+          <p:nvPr>
+            <p:ph type="subTitle" sz="quarter" idx="11"/>
+          </p:nvPr>
+        </p:nvSpPr>
+        <p:spPr/>
+        <p:txBody>
+          <a:bodyPr/>
+          <a:lstStyle/>
+          <a:p>
+            <a:r>
+              <a:rPr lang="bg-BG" sz="4800" dirty="0"/>
+              <a:t>Основни етапи</a:t>
+            </a:r>
+          </a:p>
+        </p:txBody>
+      </p:sp>
+      <p:sp>
+        <p:nvSpPr>
+          <p:cNvPr id="6" name="Slide Title">
+            <a:extLst>
+              <a:ext uri="{FF2B5EF4-FFF2-40B4-BE49-F238E27FC236}">
+                <a16:creationId xmlns:a16="http://schemas.microsoft.com/office/drawing/2014/main" id="{028D9EA3-B5E0-4F17-9467-4BE3C280DA68}"/>
+              </a:ext>
+            </a:extLst>
+          </p:cNvPr>
+          <p:cNvSpPr>
+            <a:spLocks noGrp="1"/>
+          </p:cNvSpPr>
+          <p:nvPr>
+            <p:ph type="title" sz="quarter" idx="10"/>
+          </p:nvPr>
+        </p:nvSpPr>
+        <p:spPr/>
+        <p:txBody>
+          <a:bodyPr/>
+          <a:lstStyle/>
+          <a:p>
+            <a:r>
+              <a:rPr lang="bg-BG" sz="6000" dirty="0"/>
+              <a:t>Проектиране на уеб сайт</a:t>
+            </a:r>
+            <a:endParaRPr lang="en-US" sz="6000" dirty="0"/>
+          </a:p>
+        </p:txBody>
+      </p:sp>
+      <p:pic>
+        <p:nvPicPr>
+          <p:cNvPr id="3" name="Picture 2">
+            <a:extLst>
+              <a:ext uri="{FF2B5EF4-FFF2-40B4-BE49-F238E27FC236}">
+                <a16:creationId xmlns:a16="http://schemas.microsoft.com/office/drawing/2014/main" id="{F563ED84-FAAA-70BF-7240-9FBB3D2E9BB9}"/>
+              </a:ext>
+            </a:extLst>
+          </p:cNvPr>
+          <p:cNvPicPr>
+            <a:picLocks noChangeAspect="1"/>
+          </p:cNvPicPr>
+          <p:nvPr/>
+        </p:nvPicPr>
+        <p:blipFill>
+          <a:blip r:embed="rId3">
+            <a:extLst>
+              <a:ext uri="{28A0092B-C50C-407E-A947-70E740481C1C}">
+                <a14:useLocalDpi xmlns:a14="http://schemas.microsoft.com/office/drawing/2010/main" val="0"/>
+              </a:ext>
+            </a:extLst>
+          </a:blip>
+          <a:stretch>
+            <a:fillRect/>
+          </a:stretch>
+        </p:blipFill>
+        <p:spPr>
+          <a:xfrm>
+            <a:off x="5144130" y="1089000"/>
+            <a:ext cx="1903739" cy="3069000"/>
+          </a:xfrm>
+          <a:prstGeom prst="rect">
+            <a:avLst/>
+          </a:prstGeom>
+        </p:spPr>
+      </p:pic>
+    </p:spTree>
+    <p:extLst>
+      <p:ext uri="{BB962C8B-B14F-4D97-AF65-F5344CB8AC3E}">
+        <p14:creationId xmlns:p14="http://schemas.microsoft.com/office/powerpoint/2010/main" val="882194472"/>
+      </p:ext>
+    </p:extLst>
+  </p:cSld>
+  <p:clrMapOvr>
+    <a:masterClrMapping/>
+  </p:clrMapOvr>
+  <mc:AlternateContent xmlns:mc="http://schemas.openxmlformats.org/markup-compatibility/2006" xmlns:p14="http://schemas.microsoft.com/office/powerpoint/2010/main">
+    <mc:Choice Requires="p14">
+      <p:transition spd="slow" p14:dur="2000" advClick="0" advTm="5000"/>
+    </mc:Choice>
+    <mc:Fallback xmlns="">
+      <p:transition spd="slow" advClick="0" advTm="5000"/>
+    </mc:Fallback>
+  </mc:AlternateContent>
+</p:sld>
+</file>
+
+<file path=ppt/slides/slide30.xml><?xml version="1.0" encoding="utf-8"?>
 <p:sld xmlns:a="http://schemas.openxmlformats.org/drawingml/2006/main" xmlns:r="http://schemas.openxmlformats.org/officeDocument/2006/relationships" xmlns:p="http://schemas.openxmlformats.org/presentationml/2006/main">
   <p:cSld>
     <p:spTree>
@@ -21960,7 +22965,7 @@
             <a:fld id="{2BF067CD-8E6B-4360-9AA8-C5DF2A48A6D1}" type="slidenum">
               <a:rPr lang="en-US" smtClean="0"/>
               <a:pPr/>
-              <a:t>29</a:t>
+              <a:t>30</a:t>
             </a:fld>
             <a:endParaRPr lang="en-US" dirty="0"/>
           </a:p>
@@ -22588,138 +23593,7 @@
 </p:sld>
 </file>
 
-<file path=ppt/slides/slide3.xml><?xml version="1.0" encoding="utf-8"?>
-<p:sld xmlns:a="http://schemas.openxmlformats.org/drawingml/2006/main" xmlns:r="http://schemas.openxmlformats.org/officeDocument/2006/relationships" xmlns:p="http://schemas.openxmlformats.org/presentationml/2006/main">
-  <p:cSld>
-    <p:spTree>
-      <p:nvGrpSpPr>
-        <p:cNvPr id="1" name=""/>
-        <p:cNvGrpSpPr/>
-        <p:nvPr/>
-      </p:nvGrpSpPr>
-      <p:grpSpPr>
-        <a:xfrm>
-          <a:off x="0" y="0"/>
-          <a:ext cx="0" cy="0"/>
-          <a:chOff x="0" y="0"/>
-          <a:chExt cx="0" cy="0"/>
-        </a:xfrm>
-      </p:grpSpPr>
-      <p:sp>
-        <p:nvSpPr>
-          <p:cNvPr id="4" name="Slide Subtitle">
-            <a:extLst>
-              <a:ext uri="{FF2B5EF4-FFF2-40B4-BE49-F238E27FC236}">
-                <a16:creationId xmlns:a16="http://schemas.microsoft.com/office/drawing/2014/main" id="{BEB5BB41-09D4-4E9F-8C80-EE8709171CB3}"/>
-              </a:ext>
-            </a:extLst>
-          </p:cNvPr>
-          <p:cNvSpPr>
-            <a:spLocks noGrp="1"/>
-          </p:cNvSpPr>
-          <p:nvPr>
-            <p:ph type="subTitle" sz="quarter" idx="11"/>
-          </p:nvPr>
-        </p:nvSpPr>
-        <p:spPr/>
-        <p:txBody>
-          <a:bodyPr/>
-          <a:lstStyle/>
-          <a:p>
-            <a:r>
-              <a:rPr lang="bg-BG" sz="4800" dirty="0"/>
-              <a:t>Основни етапи</a:t>
-            </a:r>
-          </a:p>
-        </p:txBody>
-      </p:sp>
-      <p:sp>
-        <p:nvSpPr>
-          <p:cNvPr id="6" name="Slide Title">
-            <a:extLst>
-              <a:ext uri="{FF2B5EF4-FFF2-40B4-BE49-F238E27FC236}">
-                <a16:creationId xmlns:a16="http://schemas.microsoft.com/office/drawing/2014/main" id="{028D9EA3-B5E0-4F17-9467-4BE3C280DA68}"/>
-              </a:ext>
-            </a:extLst>
-          </p:cNvPr>
-          <p:cNvSpPr>
-            <a:spLocks noGrp="1"/>
-          </p:cNvSpPr>
-          <p:nvPr>
-            <p:ph type="title" sz="quarter" idx="10"/>
-          </p:nvPr>
-        </p:nvSpPr>
-        <p:spPr/>
-        <p:txBody>
-          <a:bodyPr/>
-          <a:lstStyle/>
-          <a:p>
-            <a:r>
-              <a:rPr lang="bg-BG" sz="6000" dirty="0"/>
-              <a:t>Проектиране на уеб сайт</a:t>
-            </a:r>
-            <a:endParaRPr lang="en-US" sz="6000" dirty="0"/>
-          </a:p>
-        </p:txBody>
-      </p:sp>
-      <p:pic>
-        <p:nvPicPr>
-          <p:cNvPr id="3" name="Picture 2">
-            <a:extLst>
-              <a:ext uri="{FF2B5EF4-FFF2-40B4-BE49-F238E27FC236}">
-                <a16:creationId xmlns:a16="http://schemas.microsoft.com/office/drawing/2014/main" id="{F563ED84-FAAA-70BF-7240-9FBB3D2E9BB9}"/>
-              </a:ext>
-            </a:extLst>
-          </p:cNvPr>
-          <p:cNvPicPr>
-            <a:picLocks noChangeAspect="1"/>
-          </p:cNvPicPr>
-          <p:nvPr/>
-        </p:nvPicPr>
-        <p:blipFill>
-          <a:blip r:embed="rId3">
-            <a:extLst>
-              <a:ext uri="{28A0092B-C50C-407E-A947-70E740481C1C}">
-                <a14:useLocalDpi xmlns:a14="http://schemas.microsoft.com/office/drawing/2010/main" val="0"/>
-              </a:ext>
-            </a:extLst>
-          </a:blip>
-          <a:stretch>
-            <a:fillRect/>
-          </a:stretch>
-        </p:blipFill>
-        <p:spPr>
-          <a:xfrm>
-            <a:off x="5144130" y="1089000"/>
-            <a:ext cx="1903739" cy="3069000"/>
-          </a:xfrm>
-          <a:prstGeom prst="rect">
-            <a:avLst/>
-          </a:prstGeom>
-        </p:spPr>
-      </p:pic>
-    </p:spTree>
-    <p:extLst>
-      <p:ext uri="{BB962C8B-B14F-4D97-AF65-F5344CB8AC3E}">
-        <p14:creationId xmlns:p14="http://schemas.microsoft.com/office/powerpoint/2010/main" val="882194472"/>
-      </p:ext>
-    </p:extLst>
-  </p:cSld>
-  <p:clrMapOvr>
-    <a:masterClrMapping/>
-  </p:clrMapOvr>
-  <mc:AlternateContent xmlns:mc="http://schemas.openxmlformats.org/markup-compatibility/2006" xmlns:p14="http://schemas.microsoft.com/office/powerpoint/2010/main">
-    <mc:Choice Requires="p14">
-      <p:transition spd="slow" p14:dur="2000" advClick="0" advTm="5000"/>
-    </mc:Choice>
-    <mc:Fallback xmlns="">
-      <p:transition spd="slow" advClick="0" advTm="5000"/>
-    </mc:Fallback>
-  </mc:AlternateContent>
-</p:sld>
-</file>
-
-<file path=ppt/slides/slide30.xml><?xml version="1.0" encoding="utf-8"?>
+<file path=ppt/slides/slide31.xml><?xml version="1.0" encoding="utf-8"?>
 <p:sld xmlns:a="http://schemas.openxmlformats.org/drawingml/2006/main" xmlns:r="http://schemas.openxmlformats.org/officeDocument/2006/relationships" xmlns:p="http://schemas.openxmlformats.org/presentationml/2006/main">
   <p:cSld>
     <p:spTree>
@@ -22769,7 +23643,7 @@
             <a:fld id="{2BF067CD-8E6B-4360-9AA8-C5DF2A48A6D1}" type="slidenum">
               <a:rPr lang="en-US" smtClean="0"/>
               <a:pPr/>
-              <a:t>30</a:t>
+              <a:t>31</a:t>
             </a:fld>
             <a:endParaRPr lang="en-US" dirty="0"/>
           </a:p>
@@ -23463,7 +24337,7 @@
 </p:sld>
 </file>
 
-<file path=ppt/slides/slide31.xml><?xml version="1.0" encoding="utf-8"?>
+<file path=ppt/slides/slide32.xml><?xml version="1.0" encoding="utf-8"?>
 <p:sld xmlns:a="http://schemas.openxmlformats.org/drawingml/2006/main" xmlns:r="http://schemas.openxmlformats.org/officeDocument/2006/relationships" xmlns:p="http://schemas.openxmlformats.org/presentationml/2006/main">
   <p:cSld>
     <p:spTree>
@@ -23513,7 +24387,7 @@
             <a:fld id="{2BF067CD-8E6B-4360-9AA8-C5DF2A48A6D1}" type="slidenum">
               <a:rPr lang="en-US" smtClean="0"/>
               <a:pPr/>
-              <a:t>31</a:t>
+              <a:t>32</a:t>
             </a:fld>
             <a:endParaRPr lang="en-US" dirty="0"/>
           </a:p>
@@ -24310,7 +25184,7 @@
 </p:sld>
 </file>
 
-<file path=ppt/slides/slide32.xml><?xml version="1.0" encoding="utf-8"?>
+<file path=ppt/slides/slide33.xml><?xml version="1.0" encoding="utf-8"?>
 <p:sld xmlns:a="http://schemas.openxmlformats.org/drawingml/2006/main" xmlns:r="http://schemas.openxmlformats.org/officeDocument/2006/relationships" xmlns:p="http://schemas.openxmlformats.org/presentationml/2006/main">
   <p:cSld>
     <p:spTree>
@@ -24360,7 +25234,7 @@
             <a:fld id="{2BF067CD-8E6B-4360-9AA8-C5DF2A48A6D1}" type="slidenum">
               <a:rPr lang="en-US" smtClean="0"/>
               <a:pPr/>
-              <a:t>32</a:t>
+              <a:t>33</a:t>
             </a:fld>
             <a:endParaRPr lang="en-US" dirty="0"/>
           </a:p>
@@ -24502,7 +25376,7 @@
           <p:nvPr/>
         </p:nvPicPr>
         <p:blipFill>
-          <a:blip r:embed="rId3">
+          <a:blip r:embed="rId4">
             <a:extLst>
               <a:ext uri="{28A0092B-C50C-407E-A947-70E740481C1C}">
                 <a14:useLocalDpi xmlns:a14="http://schemas.microsoft.com/office/drawing/2010/main" val="0"/>
@@ -24545,7 +25419,7 @@
           <p:nvPr/>
         </p:nvPicPr>
         <p:blipFill>
-          <a:blip r:embed="rId4">
+          <a:blip r:embed="rId5">
             <a:extLst>
               <a:ext uri="{28A0092B-C50C-407E-A947-70E740481C1C}">
                 <a14:useLocalDpi xmlns:a14="http://schemas.microsoft.com/office/drawing/2010/main" val="0"/>
@@ -24760,10 +25634,15 @@
       </p:par>
     </p:tnLst>
   </p:timing>
+  <p:extLst>
+    <p:ext uri="{6950BFC3-D8DA-4A85-94F7-54DA5524770B}">
+      <p188:commentRel xmlns:p188="http://schemas.microsoft.com/office/powerpoint/2018/8/main" r:id="rId3"/>
+    </p:ext>
+  </p:extLst>
 </p:sld>
 </file>
 
-<file path=ppt/slides/slide33.xml><?xml version="1.0" encoding="utf-8"?>
+<file path=ppt/slides/slide34.xml><?xml version="1.0" encoding="utf-8"?>
 <p:sld xmlns:a="http://schemas.openxmlformats.org/drawingml/2006/main" xmlns:r="http://schemas.openxmlformats.org/officeDocument/2006/relationships" xmlns:p="http://schemas.openxmlformats.org/presentationml/2006/main">
   <p:cSld>
     <p:spTree>
@@ -24813,7 +25692,7 @@
             <a:fld id="{2BF067CD-8E6B-4360-9AA8-C5DF2A48A6D1}" type="slidenum">
               <a:rPr lang="en-US" smtClean="0"/>
               <a:pPr/>
-              <a:t>33</a:t>
+              <a:t>34</a:t>
             </a:fld>
             <a:endParaRPr lang="en-US" dirty="0"/>
           </a:p>
@@ -25317,7 +26196,7 @@
 </p:sld>
 </file>
 
-<file path=ppt/slides/slide34.xml><?xml version="1.0" encoding="utf-8"?>
+<file path=ppt/slides/slide35.xml><?xml version="1.0" encoding="utf-8"?>
 <p:sld xmlns:a="http://schemas.openxmlformats.org/drawingml/2006/main" xmlns:r="http://schemas.openxmlformats.org/officeDocument/2006/relationships" xmlns:p="http://schemas.openxmlformats.org/presentationml/2006/main">
   <p:cSld>
     <p:spTree>
@@ -25367,7 +26246,7 @@
             <a:fld id="{2BF067CD-8E6B-4360-9AA8-C5DF2A48A6D1}" type="slidenum">
               <a:rPr lang="en-US" smtClean="0"/>
               <a:pPr/>
-              <a:t>34</a:t>
+              <a:t>35</a:t>
             </a:fld>
             <a:endParaRPr lang="en-US" dirty="0"/>
           </a:p>
@@ -25463,7 +26342,7 @@
 </p:sld>
 </file>
 
-<file path=ppt/slides/slide35.xml><?xml version="1.0" encoding="utf-8"?>
+<file path=ppt/slides/slide36.xml><?xml version="1.0" encoding="utf-8"?>
 <p:sld xmlns:a="http://schemas.openxmlformats.org/drawingml/2006/main" xmlns:r="http://schemas.openxmlformats.org/officeDocument/2006/relationships" xmlns:p="http://schemas.openxmlformats.org/presentationml/2006/main">
   <p:cSld>
     <p:spTree>
@@ -26037,7 +26916,7 @@
             <a:fld id="{2BF067CD-8E6B-4360-9AA8-C5DF2A48A6D1}" type="slidenum">
               <a:rPr lang="en-US" noProof="0" smtClean="0"/>
               <a:pPr/>
-              <a:t>35</a:t>
+              <a:t>36</a:t>
             </a:fld>
             <a:endParaRPr lang="en-US" noProof="0" dirty="0"/>
           </a:p>
@@ -26290,7 +27169,7 @@
 </p:sld>
 </file>
 
-<file path=ppt/slides/slide36.xml><?xml version="1.0" encoding="utf-8"?>
+<file path=ppt/slides/slide37.xml><?xml version="1.0" encoding="utf-8"?>
 <p:sld xmlns:a="http://schemas.openxmlformats.org/drawingml/2006/main" xmlns:r="http://schemas.openxmlformats.org/officeDocument/2006/relationships" xmlns:p="http://schemas.openxmlformats.org/presentationml/2006/main">
   <p:cSld>
     <p:spTree>
@@ -26480,7 +27359,7 @@
 </p:sld>
 </file>
 
-<file path=ppt/slides/slide37.xml><?xml version="1.0" encoding="utf-8"?>
+<file path=ppt/slides/slide38.xml><?xml version="1.0" encoding="utf-8"?>
 <p:sld xmlns:a="http://schemas.openxmlformats.org/drawingml/2006/main" xmlns:r="http://schemas.openxmlformats.org/officeDocument/2006/relationships" xmlns:p="http://schemas.openxmlformats.org/presentationml/2006/main" show="0">
   <p:cSld>
     <p:spTree>
@@ -26533,7 +27412,7 @@
             <a:fld id="{2BF067CD-8E6B-4360-9AA8-C5DF2A48A6D1}" type="slidenum">
               <a:rPr lang="en-US" smtClean="0"/>
               <a:pPr/>
-              <a:t>37</a:t>
+              <a:t>38</a:t>
             </a:fld>
             <a:endParaRPr lang="en-US" dirty="0"/>
           </a:p>
@@ -27584,7 +28463,7 @@
           <p:nvPr/>
         </p:nvPicPr>
         <p:blipFill>
-          <a:blip r:embed="rId3">
+          <a:blip r:embed="rId4">
             <a:extLst>
               <a:ext uri="{28A0092B-C50C-407E-A947-70E740481C1C}">
                 <a14:useLocalDpi xmlns:a14="http://schemas.microsoft.com/office/drawing/2010/main" val="0"/>
@@ -27620,7 +28499,7 @@
           <p:nvPr/>
         </p:nvPicPr>
         <p:blipFill>
-          <a:blip r:embed="rId4">
+          <a:blip r:embed="rId5">
             <a:extLst>
               <a:ext uri="{28A0092B-C50C-407E-A947-70E740481C1C}">
                 <a14:useLocalDpi xmlns:a14="http://schemas.microsoft.com/office/drawing/2010/main" val="0"/>
@@ -27961,6 +28840,11 @@
       </p:par>
     </p:tnLst>
   </p:timing>
+  <p:extLst>
+    <p:ext uri="{6950BFC3-D8DA-4A85-94F7-54DA5524770B}">
+      <p188:commentRel xmlns:p188="http://schemas.microsoft.com/office/powerpoint/2018/8/main" r:id="rId3"/>
+    </p:ext>
+  </p:extLst>
 </p:sld>
 </file>
 

--- a/Courses/Software-Sciences/IT-Module-3-Web-Design/04-Website-Design/04-Website-Design.pptx
+++ b/Courses/Software-Sciences/IT-Module-3-Web-Design/04-Website-Design/04-Website-Design.pptx
@@ -5,10 +5,10 @@
     <p:sldMasterId id="2147483675" r:id="rId1"/>
   </p:sldMasterIdLst>
   <p:notesMasterIdLst>
-    <p:notesMasterId r:id="rId40"/>
+    <p:notesMasterId r:id="rId43"/>
   </p:notesMasterIdLst>
   <p:handoutMasterIdLst>
-    <p:handoutMasterId r:id="rId41"/>
+    <p:handoutMasterId r:id="rId44"/>
   </p:handoutMasterIdLst>
   <p:sldIdLst>
     <p:sldId id="503" r:id="rId2"/>
@@ -27,28 +27,31 @@
     <p:sldId id="830" r:id="rId15"/>
     <p:sldId id="820" r:id="rId16"/>
     <p:sldId id="826" r:id="rId17"/>
-    <p:sldId id="850" r:id="rId18"/>
-    <p:sldId id="851" r:id="rId19"/>
-    <p:sldId id="853" r:id="rId20"/>
-    <p:sldId id="852" r:id="rId21"/>
-    <p:sldId id="828" r:id="rId22"/>
-    <p:sldId id="838" r:id="rId23"/>
-    <p:sldId id="844" r:id="rId24"/>
-    <p:sldId id="845" r:id="rId25"/>
-    <p:sldId id="846" r:id="rId26"/>
-    <p:sldId id="849" r:id="rId27"/>
-    <p:sldId id="848" r:id="rId28"/>
-    <p:sldId id="847" r:id="rId29"/>
-    <p:sldId id="654" r:id="rId30"/>
-    <p:sldId id="817" r:id="rId31"/>
-    <p:sldId id="832" r:id="rId32"/>
-    <p:sldId id="837" r:id="rId33"/>
-    <p:sldId id="833" r:id="rId34"/>
-    <p:sldId id="835" r:id="rId35"/>
-    <p:sldId id="836" r:id="rId36"/>
-    <p:sldId id="633" r:id="rId37"/>
-    <p:sldId id="504" r:id="rId38"/>
-    <p:sldId id="505" r:id="rId39"/>
+    <p:sldId id="854" r:id="rId18"/>
+    <p:sldId id="850" r:id="rId19"/>
+    <p:sldId id="855" r:id="rId20"/>
+    <p:sldId id="851" r:id="rId21"/>
+    <p:sldId id="856" r:id="rId22"/>
+    <p:sldId id="852" r:id="rId23"/>
+    <p:sldId id="857" r:id="rId24"/>
+    <p:sldId id="828" r:id="rId25"/>
+    <p:sldId id="838" r:id="rId26"/>
+    <p:sldId id="844" r:id="rId27"/>
+    <p:sldId id="845" r:id="rId28"/>
+    <p:sldId id="846" r:id="rId29"/>
+    <p:sldId id="849" r:id="rId30"/>
+    <p:sldId id="848" r:id="rId31"/>
+    <p:sldId id="847" r:id="rId32"/>
+    <p:sldId id="654" r:id="rId33"/>
+    <p:sldId id="817" r:id="rId34"/>
+    <p:sldId id="832" r:id="rId35"/>
+    <p:sldId id="837" r:id="rId36"/>
+    <p:sldId id="833" r:id="rId37"/>
+    <p:sldId id="835" r:id="rId38"/>
+    <p:sldId id="836" r:id="rId39"/>
+    <p:sldId id="633" r:id="rId40"/>
+    <p:sldId id="504" r:id="rId41"/>
+    <p:sldId id="505" r:id="rId42"/>
   </p:sldIdLst>
   <p:sldSz cx="12192000" cy="6858000"/>
   <p:notesSz cx="6858000" cy="9144000"/>
@@ -180,10 +183,13 @@
             <p14:sldId id="830"/>
             <p14:sldId id="820"/>
             <p14:sldId id="826"/>
+            <p14:sldId id="854"/>
             <p14:sldId id="850"/>
+            <p14:sldId id="855"/>
             <p14:sldId id="851"/>
-            <p14:sldId id="853"/>
+            <p14:sldId id="856"/>
             <p14:sldId id="852"/>
+            <p14:sldId id="857"/>
             <p14:sldId id="828"/>
           </p14:sldIdLst>
         </p14:section>
@@ -264,119 +270,6 @@
 </p:cmAuthorLst>
 </file>
 
-<file path=ppt/comments/modernComment_332_A817F391.xml><?xml version="1.0" encoding="utf-8"?>
-<p188:cmLst xmlns:a="http://schemas.openxmlformats.org/drawingml/2006/main" xmlns:r="http://schemas.openxmlformats.org/officeDocument/2006/relationships" xmlns:p188="http://schemas.microsoft.com/office/powerpoint/2018/8/main">
-  <p188:cm id="{F00539E7-CC29-4E55-B08F-0C100A74BC89}" authorId="{CB4BF2F8-D32F-9387-A6CE-368ED6EFDCF0}" created="2025-11-21T10:04:55.984">
-    <ac:txMkLst xmlns:ac="http://schemas.microsoft.com/office/drawing/2013/main/command">
-      <pc:docMk xmlns:pc="http://schemas.microsoft.com/office/powerpoint/2013/main/command"/>
-      <pc:sldMk xmlns:pc="http://schemas.microsoft.com/office/powerpoint/2013/main/command" cId="2820141969" sldId="818"/>
-      <ac:spMk id="7" creationId="{320B2856-CE5E-4934-BD1C-1D81E68E529A}"/>
-      <ac:txMk cp="85" len="77">
-        <ac:context len="298" hash="3519757379"/>
-      </ac:txMk>
-    </ac:txMkLst>
-    <p188:pos x="8441969" y="2026046"/>
-    <p188:txBody>
-      <a:bodyPr/>
-      <a:lstStyle/>
-      <a:p>
-        <a:r>
-          <a:rPr lang="en-GB"/>
-          <a:t>Тука се припокрива с планирането на уебсайт. Трябва да се разграничат двата етапа</a:t>
-        </a:r>
-      </a:p>
-    </p188:txBody>
-  </p188:cm>
-</p188:cmLst>
-</file>
-
-<file path=ppt/comments/modernComment_33A_811F273E.xml><?xml version="1.0" encoding="utf-8"?>
-<p188:cmLst xmlns:a="http://schemas.openxmlformats.org/drawingml/2006/main" xmlns:r="http://schemas.openxmlformats.org/officeDocument/2006/relationships" xmlns:p188="http://schemas.microsoft.com/office/powerpoint/2018/8/main">
-  <p188:cm id="{4202DDCB-48FE-4670-972E-BFF6CFC8AF6F}" authorId="{CB4BF2F8-D32F-9387-A6CE-368ED6EFDCF0}" created="2025-11-21T10:12:35.684">
-    <ac:deMkLst xmlns:ac="http://schemas.microsoft.com/office/drawing/2013/main/command">
-      <pc:docMk xmlns:pc="http://schemas.microsoft.com/office/powerpoint/2013/main/command"/>
-      <pc:sldMk xmlns:pc="http://schemas.microsoft.com/office/powerpoint/2013/main/command" cId="2166302526" sldId="826"/>
-      <ac:picMk id="5" creationId="{58F914B5-5838-A7E6-2EDF-750F91A46A28}"/>
-    </ac:deMkLst>
-    <p188:txBody>
-      <a:bodyPr/>
-      <a:lstStyle/>
-      <a:p>
-        <a:r>
-          <a:rPr lang="en-GB"/>
-          <a:t>Ако използваме термина "пирамидална", нека снимката да бъде подходяща</a:t>
-        </a:r>
-      </a:p>
-    </p188:txBody>
-  </p188:cm>
-  <p188:cm id="{357E359F-E37A-44FB-9B1E-DAC0E89904D7}" authorId="{CB4BF2F8-D32F-9387-A6CE-368ED6EFDCF0}" created="2025-11-21T10:14:03.627">
-    <ac:txMkLst xmlns:ac="http://schemas.microsoft.com/office/drawing/2013/main/command">
-      <pc:docMk xmlns:pc="http://schemas.microsoft.com/office/powerpoint/2013/main/command"/>
-      <pc:sldMk xmlns:pc="http://schemas.microsoft.com/office/powerpoint/2013/main/command" cId="2166302526" sldId="826"/>
-      <ac:spMk id="8" creationId="{9CA50BB8-C95B-C726-A00E-EFF2B734CC77}"/>
-      <ac:txMk cp="182" len="31">
-        <ac:context len="214" hash="2834821172"/>
-      </ac:txMk>
-    </ac:txMkLst>
-    <p188:pos x="7693758" y="4869395"/>
-    <p188:txBody>
-      <a:bodyPr/>
-      <a:lstStyle/>
-      <a:p>
-        <a:r>
-          <a:rPr lang="en-GB"/>
-          <a:t>Да се направи йерархичен примера</a:t>
-        </a:r>
-      </a:p>
-    </p188:txBody>
-  </p188:cm>
-</p188:cmLst>
-</file>
-
-<file path=ppt/comments/modernComment_341_B721B6DE.xml><?xml version="1.0" encoding="utf-8"?>
-<p188:cmLst xmlns:a="http://schemas.openxmlformats.org/drawingml/2006/main" xmlns:r="http://schemas.openxmlformats.org/officeDocument/2006/relationships" xmlns:p188="http://schemas.microsoft.com/office/powerpoint/2018/8/main">
-  <p188:cm id="{298A081B-FAF1-4B7D-8DD3-F501AA85F60B}" authorId="{CB4BF2F8-D32F-9387-A6CE-368ED6EFDCF0}" created="2025-11-21T10:28:37.990">
-    <ac:deMkLst xmlns:ac="http://schemas.microsoft.com/office/drawing/2013/main/command">
-      <pc:docMk xmlns:pc="http://schemas.microsoft.com/office/powerpoint/2013/main/command"/>
-      <pc:sldMk xmlns:pc="http://schemas.microsoft.com/office/powerpoint/2013/main/command" cId="3072440030" sldId="833"/>
-      <ac:picMk id="5" creationId="{C7DFA9A7-DC63-1D3C-5F5F-24B8B33C97FE}"/>
-    </ac:deMkLst>
-    <p188:txBody>
-      <a:bodyPr/>
-      <a:lstStyle/>
-      <a:p>
-        <a:r>
-          <a:rPr lang="en-GB"/>
-          <a:t>Вместо да използваме отделни text boxes, може да кликнем в кутийките и да напишем текста вътре</a:t>
-        </a:r>
-      </a:p>
-    </p188:txBody>
-  </p188:cm>
-</p188:cmLst>
-</file>
-
-<file path=ppt/comments/modernComment_34E_1C49200C.xml><?xml version="1.0" encoding="utf-8"?>
-<p188:cmLst xmlns:a="http://schemas.openxmlformats.org/drawingml/2006/main" xmlns:r="http://schemas.openxmlformats.org/officeDocument/2006/relationships" xmlns:p188="http://schemas.microsoft.com/office/powerpoint/2018/8/main">
-  <p188:cm id="{4DE9618C-B1C5-41CD-BC8E-5CF8A5B1DBCA}" authorId="{CB4BF2F8-D32F-9387-A6CE-368ED6EFDCF0}" created="2025-11-21T10:22:19.607">
-    <ac:deMkLst xmlns:ac="http://schemas.microsoft.com/office/drawing/2013/main/command">
-      <pc:docMk xmlns:pc="http://schemas.microsoft.com/office/powerpoint/2013/main/command"/>
-      <pc:sldMk xmlns:pc="http://schemas.microsoft.com/office/powerpoint/2013/main/command" cId="474554380" sldId="846"/>
-      <ac:spMk id="7" creationId="{320B2856-CE5E-4934-BD1C-1D81E68E529A}"/>
-    </ac:deMkLst>
-    <p188:txBody>
-      <a:bodyPr/>
-      <a:lstStyle/>
-      <a:p>
-        <a:r>
-          <a:rPr lang="en-GB"/>
-          <a:t>Да се добавят снимки за отделните видове навигации</a:t>
-        </a:r>
-      </a:p>
-    </p188:txBody>
-  </p188:cm>
-</p188:cmLst>
-</file>
-
 <file path=ppt/handoutMasters/handoutMaster1.xml><?xml version="1.0" encoding="utf-8"?>
 <p:handoutMaster xmlns:a="http://schemas.openxmlformats.org/drawingml/2006/main" xmlns:r="http://schemas.openxmlformats.org/officeDocument/2006/relationships" xmlns:p="http://schemas.openxmlformats.org/presentationml/2006/main">
   <p:cSld>
@@ -471,7 +364,7 @@
           <a:p>
             <a:fld id="{4E087215-0C8F-4762-A664-737A353EC9A4}" type="datetimeFigureOut">
               <a:rPr lang="bg-BG" smtClean="0"/>
-              <a:t>21.11.2025 г.</a:t>
+              <a:t>26.11.25 г.</a:t>
             </a:fld>
             <a:endParaRPr lang="bg-BG"/>
           </a:p>
@@ -667,7 +560,7 @@
           <a:p>
             <a:fld id="{72D84649-876A-46C9-8472-14CB09C070D8}" type="datetimeFigureOut">
               <a:rPr lang="en-US" smtClean="0"/>
-              <a:t>11/21/2025</a:t>
+              <a:t>11/26/25</a:t>
             </a:fld>
             <a:endParaRPr lang="en-US"/>
           </a:p>
@@ -1618,7 +1511,7 @@
             <a:fld id="{3EBA5BD7-F043-4D1B-AA17-CD412FC534DE}" type="slidenum">
               <a:rPr lang="en-US" smtClean="0"/>
               <a:pPr/>
-              <a:t>22</a:t>
+              <a:t>25</a:t>
             </a:fld>
             <a:endParaRPr lang="en-US" dirty="0"/>
           </a:p>
@@ -1848,7 +1741,7 @@
             <a:fld id="{3EBA5BD7-F043-4D1B-AA17-CD412FC534DE}" type="slidenum">
               <a:rPr lang="en-US" smtClean="0"/>
               <a:pPr/>
-              <a:t>23</a:t>
+              <a:t>26</a:t>
             </a:fld>
             <a:endParaRPr lang="en-US" dirty="0"/>
           </a:p>
@@ -2078,7 +1971,7 @@
             <a:fld id="{3EBA5BD7-F043-4D1B-AA17-CD412FC534DE}" type="slidenum">
               <a:rPr lang="en-US" smtClean="0"/>
               <a:pPr/>
-              <a:t>24</a:t>
+              <a:t>27</a:t>
             </a:fld>
             <a:endParaRPr lang="en-US" dirty="0"/>
           </a:p>
@@ -2308,7 +2201,7 @@
             <a:fld id="{3EBA5BD7-F043-4D1B-AA17-CD412FC534DE}" type="slidenum">
               <a:rPr lang="en-US" smtClean="0"/>
               <a:pPr/>
-              <a:t>25</a:t>
+              <a:t>28</a:t>
             </a:fld>
             <a:endParaRPr lang="en-US" dirty="0"/>
           </a:p>
@@ -2538,7 +2431,7 @@
             <a:fld id="{3EBA5BD7-F043-4D1B-AA17-CD412FC534DE}" type="slidenum">
               <a:rPr lang="en-US" smtClean="0"/>
               <a:pPr/>
-              <a:t>26</a:t>
+              <a:t>29</a:t>
             </a:fld>
             <a:endParaRPr lang="en-US" dirty="0"/>
           </a:p>
@@ -2768,7 +2661,7 @@
             <a:fld id="{3EBA5BD7-F043-4D1B-AA17-CD412FC534DE}" type="slidenum">
               <a:rPr lang="en-US" smtClean="0"/>
               <a:pPr/>
-              <a:t>27</a:t>
+              <a:t>30</a:t>
             </a:fld>
             <a:endParaRPr lang="en-US" dirty="0"/>
           </a:p>
@@ -2998,7 +2891,7 @@
             <a:fld id="{3EBA5BD7-F043-4D1B-AA17-CD412FC534DE}" type="slidenum">
               <a:rPr lang="en-US" smtClean="0"/>
               <a:pPr/>
-              <a:t>29</a:t>
+              <a:t>32</a:t>
             </a:fld>
             <a:endParaRPr lang="en-US" dirty="0"/>
           </a:p>
@@ -3228,7 +3121,7 @@
             <a:fld id="{3EBA5BD7-F043-4D1B-AA17-CD412FC534DE}" type="slidenum">
               <a:rPr lang="en-US" smtClean="0"/>
               <a:pPr/>
-              <a:t>30</a:t>
+              <a:t>33</a:t>
             </a:fld>
             <a:endParaRPr lang="en-US" dirty="0"/>
           </a:p>
@@ -3700,7 +3593,7 @@
             <a:fld id="{3EBA5BD7-F043-4D1B-AA17-CD412FC534DE}" type="slidenum">
               <a:rPr lang="en-US" smtClean="0"/>
               <a:pPr/>
-              <a:t>31</a:t>
+              <a:t>34</a:t>
             </a:fld>
             <a:endParaRPr lang="en-US" dirty="0"/>
           </a:p>
@@ -3930,7 +3823,7 @@
             <a:fld id="{3EBA5BD7-F043-4D1B-AA17-CD412FC534DE}" type="slidenum">
               <a:rPr lang="en-US" smtClean="0"/>
               <a:pPr/>
-              <a:t>32</a:t>
+              <a:t>35</a:t>
             </a:fld>
             <a:endParaRPr lang="en-US" dirty="0"/>
           </a:p>
@@ -4160,7 +4053,7 @@
             <a:fld id="{3EBA5BD7-F043-4D1B-AA17-CD412FC534DE}" type="slidenum">
               <a:rPr lang="en-US" smtClean="0"/>
               <a:pPr/>
-              <a:t>33</a:t>
+              <a:t>36</a:t>
             </a:fld>
             <a:endParaRPr lang="en-US" dirty="0"/>
           </a:p>
@@ -4390,7 +4283,7 @@
             <a:fld id="{3EBA5BD7-F043-4D1B-AA17-CD412FC534DE}" type="slidenum">
               <a:rPr lang="en-US" smtClean="0"/>
               <a:pPr/>
-              <a:t>34</a:t>
+              <a:t>37</a:t>
             </a:fld>
             <a:endParaRPr lang="en-US" dirty="0"/>
           </a:p>
@@ -4620,7 +4513,7 @@
             <a:fld id="{3EBA5BD7-F043-4D1B-AA17-CD412FC534DE}" type="slidenum">
               <a:rPr lang="en-US" smtClean="0"/>
               <a:pPr/>
-              <a:t>35</a:t>
+              <a:t>38</a:t>
             </a:fld>
             <a:endParaRPr lang="en-US" dirty="0"/>
           </a:p>
@@ -4850,7 +4743,7 @@
             <a:fld id="{3EBA5BD7-F043-4D1B-AA17-CD412FC534DE}" type="slidenum">
               <a:rPr lang="en-US" smtClean="0"/>
               <a:pPr/>
-              <a:t>36</a:t>
+              <a:t>39</a:t>
             </a:fld>
             <a:endParaRPr lang="en-US" dirty="0"/>
           </a:p>
@@ -5096,7 +4989,7 @@
             <a:fld id="{3EBA5BD7-F043-4D1B-AA17-CD412FC534DE}" type="slidenum">
               <a:rPr lang="en-US" smtClean="0"/>
               <a:pPr/>
-              <a:t>37</a:t>
+              <a:t>40</a:t>
             </a:fld>
             <a:endParaRPr lang="en-US" dirty="0"/>
           </a:p>
@@ -5326,7 +5219,7 @@
             <a:fld id="{3EBA5BD7-F043-4D1B-AA17-CD412FC534DE}" type="slidenum">
               <a:rPr lang="en-US" smtClean="0"/>
               <a:pPr/>
-              <a:t>38</a:t>
+              <a:t>41</a:t>
             </a:fld>
             <a:endParaRPr lang="en-US" dirty="0"/>
           </a:p>
@@ -14664,7 +14557,7 @@
         <p:spPr>
           <a:xfrm>
             <a:off x="190402" y="1196125"/>
-            <a:ext cx="8335598" cy="5528766"/>
+            <a:ext cx="7660598" cy="5528766"/>
           </a:xfrm>
         </p:spPr>
         <p:txBody>
@@ -14797,40 +14690,6 @@
               <a:t>много страници</a:t>
             </a:r>
           </a:p>
-          <a:p>
-            <a:pPr lvl="1">
-              <a:buClr>
-                <a:schemeClr val="tx2"/>
-              </a:buClr>
-            </a:pPr>
-            <a:r>
-              <a:rPr lang="bg-BG" sz="3400" b="1" dirty="0"/>
-              <a:t>Пример</a:t>
-            </a:r>
-            <a:r>
-              <a:rPr lang="en-US" sz="3400" b="1" dirty="0"/>
-              <a:t>: </a:t>
-            </a:r>
-          </a:p>
-          <a:p>
-            <a:pPr lvl="2">
-              <a:buClr>
-                <a:schemeClr val="tx2"/>
-              </a:buClr>
-            </a:pPr>
-            <a:r>
-              <a:rPr lang="bg-BG" sz="3200" dirty="0"/>
-              <a:t>Начало →</a:t>
-            </a:r>
-            <a:r>
-              <a:rPr lang="en-US" sz="3200" dirty="0"/>
-              <a:t> </a:t>
-            </a:r>
-            <a:r>
-              <a:rPr lang="bg-BG" sz="3200" dirty="0"/>
-              <a:t>Продукти → Електроника</a:t>
-            </a:r>
-          </a:p>
         </p:txBody>
       </p:sp>
       <p:pic>
@@ -14848,21 +14707,20 @@
           <p:nvPr/>
         </p:nvPicPr>
         <p:blipFill>
-          <a:blip r:embed="rId4">
+          <a:blip r:embed="rId3">
             <a:extLst>
               <a:ext uri="{28A0092B-C50C-407E-A947-70E740481C1C}">
                 <a14:useLocalDpi xmlns:a14="http://schemas.microsoft.com/office/drawing/2010/main" val="0"/>
               </a:ext>
             </a:extLst>
           </a:blip>
-          <a:stretch>
-            <a:fillRect/>
-          </a:stretch>
+          <a:srcRect/>
+          <a:stretch/>
         </p:blipFill>
         <p:spPr>
           <a:xfrm>
-            <a:off x="7851000" y="2712961"/>
-            <a:ext cx="3902030" cy="4162166"/>
+            <a:off x="7041000" y="2660362"/>
+            <a:ext cx="4956058" cy="2478030"/>
           </a:xfrm>
           <a:prstGeom prst="rect">
             <a:avLst/>
@@ -15042,104 +14900,6 @@
                       </p:childTnLst>
                     </p:cTn>
                   </p:par>
-                  <p:par>
-                    <p:cTn id="15" fill="hold">
-                      <p:stCondLst>
-                        <p:cond delay="indefinite"/>
-                      </p:stCondLst>
-                      <p:childTnLst>
-                        <p:par>
-                          <p:cTn id="16" fill="hold">
-                            <p:stCondLst>
-                              <p:cond delay="0"/>
-                            </p:stCondLst>
-                            <p:childTnLst>
-                              <p:par>
-                                <p:cTn id="17" presetID="1" presetClass="entr" presetSubtype="0" fill="hold" nodeType="clickEffect">
-                                  <p:stCondLst>
-                                    <p:cond delay="0"/>
-                                  </p:stCondLst>
-                                  <p:childTnLst>
-                                    <p:set>
-                                      <p:cBhvr>
-                                        <p:cTn id="18" dur="1" fill="hold">
-                                          <p:stCondLst>
-                                            <p:cond delay="0"/>
-                                          </p:stCondLst>
-                                        </p:cTn>
-                                        <p:tgtEl>
-                                          <p:spTgt spid="8">
-                                            <p:txEl>
-                                              <p:pRg st="4" end="4"/>
-                                            </p:txEl>
-                                          </p:spTgt>
-                                        </p:tgtEl>
-                                        <p:attrNameLst>
-                                          <p:attrName>style.visibility</p:attrName>
-                                        </p:attrNameLst>
-                                      </p:cBhvr>
-                                      <p:to>
-                                        <p:strVal val="visible"/>
-                                      </p:to>
-                                    </p:set>
-                                  </p:childTnLst>
-                                </p:cTn>
-                              </p:par>
-                            </p:childTnLst>
-                          </p:cTn>
-                        </p:par>
-                      </p:childTnLst>
-                    </p:cTn>
-                  </p:par>
-                  <p:par>
-                    <p:cTn id="19" fill="hold">
-                      <p:stCondLst>
-                        <p:cond delay="indefinite"/>
-                      </p:stCondLst>
-                      <p:childTnLst>
-                        <p:par>
-                          <p:cTn id="20" fill="hold">
-                            <p:stCondLst>
-                              <p:cond delay="0"/>
-                            </p:stCondLst>
-                            <p:childTnLst>
-                              <p:par>
-                                <p:cTn id="21" presetID="1" presetClass="entr" presetSubtype="0" fill="hold" nodeType="clickEffect">
-                                  <p:stCondLst>
-                                    <p:cond delay="0"/>
-                                  </p:stCondLst>
-                                  <p:childTnLst>
-                                    <p:set>
-                                      <p:cBhvr>
-                                        <p:cTn id="22" dur="1" fill="hold">
-                                          <p:stCondLst>
-                                            <p:cond delay="0"/>
-                                          </p:stCondLst>
-                                        </p:cTn>
-                                        <p:tgtEl>
-                                          <p:spTgt spid="8">
-                                            <p:txEl>
-                                              <p:pRg st="5" end="5"/>
-                                            </p:txEl>
-                                          </p:spTgt>
-                                        </p:tgtEl>
-                                        <p:attrNameLst>
-                                          <p:attrName>style.visibility</p:attrName>
-                                        </p:attrNameLst>
-                                      </p:cBhvr>
-                                      <p:to>
-                                        <p:strVal val="visible"/>
-                                      </p:to>
-                                    </p:set>
-                                  </p:childTnLst>
-                                </p:cTn>
-                              </p:par>
-                            </p:childTnLst>
-                          </p:cTn>
-                        </p:par>
-                      </p:childTnLst>
-                    </p:cTn>
-                  </p:par>
                 </p:childTnLst>
               </p:cTn>
               <p:prevCondLst>
@@ -15162,11 +14922,6 @@
       </p:par>
     </p:tnLst>
   </p:timing>
-  <p:extLst>
-    <p:ext uri="{6950BFC3-D8DA-4A85-94F7-54DA5524770B}">
-      <p188:commentRel xmlns:p188="http://schemas.microsoft.com/office/powerpoint/2018/8/main" r:id="rId3"/>
-    </p:ext>
-  </p:extLst>
 </p:sld>
 </file>
 
@@ -15192,7 +14947,7 @@
           <p:cNvPr id="2" name="Slide Number Placeholder 1">
             <a:extLst>
               <a:ext uri="{FF2B5EF4-FFF2-40B4-BE49-F238E27FC236}">
-                <a16:creationId xmlns:a16="http://schemas.microsoft.com/office/drawing/2014/main" id="{CCAABC86-82E0-F099-701A-D4347B605385}"/>
+                <a16:creationId xmlns:a16="http://schemas.microsoft.com/office/drawing/2014/main" id="{4739990B-7FF9-1BB1-1F28-18E71DD15445}"/>
               </a:ext>
             </a:extLst>
           </p:cNvPr>
@@ -15212,6 +14967,149 @@
               <a:rPr lang="en-US" noProof="0" smtClean="0"/>
               <a:pPr/>
               <a:t>17</a:t>
+            </a:fld>
+            <a:endParaRPr lang="en-US" noProof="0" dirty="0"/>
+          </a:p>
+        </p:txBody>
+      </p:sp>
+      <p:sp>
+        <p:nvSpPr>
+          <p:cNvPr id="4" name="Title 3">
+            <a:extLst>
+              <a:ext uri="{FF2B5EF4-FFF2-40B4-BE49-F238E27FC236}">
+                <a16:creationId xmlns:a16="http://schemas.microsoft.com/office/drawing/2014/main" id="{194E9A48-444C-69CF-1EFC-6562719F5D52}"/>
+              </a:ext>
+            </a:extLst>
+          </p:cNvPr>
+          <p:cNvSpPr>
+            <a:spLocks noGrp="1"/>
+          </p:cNvSpPr>
+          <p:nvPr>
+            <p:ph type="title"/>
+          </p:nvPr>
+        </p:nvSpPr>
+        <p:spPr/>
+        <p:txBody>
+          <a:bodyPr>
+            <a:normAutofit/>
+          </a:bodyPr>
+          <a:lstStyle/>
+          <a:p>
+            <a:r>
+              <a:rPr lang="bg-BG" sz="4000" dirty="0"/>
+              <a:t>Йерархична (пирамидална</a:t>
+            </a:r>
+            <a:r>
+              <a:rPr lang="en-US" sz="4000" dirty="0"/>
+              <a:t>)</a:t>
+            </a:r>
+            <a:r>
+              <a:rPr lang="bg-BG" sz="4000" dirty="0"/>
+              <a:t> структура</a:t>
+            </a:r>
+            <a:endParaRPr lang="en-BG" dirty="0"/>
+          </a:p>
+        </p:txBody>
+      </p:sp>
+      <p:pic>
+        <p:nvPicPr>
+          <p:cNvPr id="6" name="Picture 5">
+            <a:extLst>
+              <a:ext uri="{FF2B5EF4-FFF2-40B4-BE49-F238E27FC236}">
+                <a16:creationId xmlns:a16="http://schemas.microsoft.com/office/drawing/2014/main" id="{EBEEA753-0CC5-E55F-73DF-D37F2429D6B7}"/>
+              </a:ext>
+            </a:extLst>
+          </p:cNvPr>
+          <p:cNvPicPr>
+            <a:picLocks noChangeAspect="1"/>
+          </p:cNvPicPr>
+          <p:nvPr/>
+        </p:nvPicPr>
+        <p:blipFill>
+          <a:blip r:embed="rId2">
+            <a:extLst>
+              <a:ext uri="{28A0092B-C50C-407E-A947-70E740481C1C}">
+                <a14:useLocalDpi xmlns:a14="http://schemas.microsoft.com/office/drawing/2010/main" val="0"/>
+              </a:ext>
+            </a:extLst>
+          </a:blip>
+          <a:stretch>
+            <a:fillRect/>
+          </a:stretch>
+        </p:blipFill>
+        <p:spPr>
+          <a:xfrm>
+            <a:off x="1719750" y="1224000"/>
+            <a:ext cx="8752500" cy="5409756"/>
+          </a:xfrm>
+          <a:prstGeom prst="rect">
+            <a:avLst/>
+          </a:prstGeom>
+        </p:spPr>
+      </p:pic>
+    </p:spTree>
+    <p:extLst>
+      <p:ext uri="{BB962C8B-B14F-4D97-AF65-F5344CB8AC3E}">
+        <p14:creationId xmlns:p14="http://schemas.microsoft.com/office/powerpoint/2010/main" val="1340452446"/>
+      </p:ext>
+    </p:extLst>
+  </p:cSld>
+  <p:clrMapOvr>
+    <a:masterClrMapping/>
+  </p:clrMapOvr>
+  <mc:AlternateContent xmlns:mc="http://schemas.openxmlformats.org/markup-compatibility/2006" xmlns:p14="http://schemas.microsoft.com/office/powerpoint/2010/main">
+    <mc:Choice Requires="p14">
+      <p:transition spd="slow" p14:dur="2000" advClick="0" advTm="5000"/>
+    </mc:Choice>
+    <mc:Fallback xmlns="">
+      <p:transition spd="slow" advClick="0" advTm="5000"/>
+    </mc:Fallback>
+  </mc:AlternateContent>
+</p:sld>
+</file>
+
+<file path=ppt/slides/slide18.xml><?xml version="1.0" encoding="utf-8"?>
+<p:sld xmlns:a="http://schemas.openxmlformats.org/drawingml/2006/main" xmlns:r="http://schemas.openxmlformats.org/officeDocument/2006/relationships" xmlns:p="http://schemas.openxmlformats.org/presentationml/2006/main">
+  <p:cSld>
+    <p:spTree>
+      <p:nvGrpSpPr>
+        <p:cNvPr id="1" name=""/>
+        <p:cNvGrpSpPr/>
+        <p:nvPr/>
+      </p:nvGrpSpPr>
+      <p:grpSpPr>
+        <a:xfrm>
+          <a:off x="0" y="0"/>
+          <a:ext cx="0" cy="0"/>
+          <a:chOff x="0" y="0"/>
+          <a:chExt cx="0" cy="0"/>
+        </a:xfrm>
+      </p:grpSpPr>
+      <p:sp>
+        <p:nvSpPr>
+          <p:cNvPr id="2" name="Slide Number Placeholder 1">
+            <a:extLst>
+              <a:ext uri="{FF2B5EF4-FFF2-40B4-BE49-F238E27FC236}">
+                <a16:creationId xmlns:a16="http://schemas.microsoft.com/office/drawing/2014/main" id="{CCAABC86-82E0-F099-701A-D4347B605385}"/>
+              </a:ext>
+            </a:extLst>
+          </p:cNvPr>
+          <p:cNvSpPr>
+            <a:spLocks noGrp="1"/>
+          </p:cNvSpPr>
+          <p:nvPr>
+            <p:ph type="sldNum" sz="quarter" idx="5"/>
+          </p:nvPr>
+        </p:nvSpPr>
+        <p:spPr/>
+        <p:txBody>
+          <a:bodyPr/>
+          <a:lstStyle/>
+          <a:p>
+            <a:fld id="{2BF067CD-8E6B-4360-9AA8-C5DF2A48A6D1}" type="slidenum">
+              <a:rPr lang="en-US" noProof="0" smtClean="0"/>
+              <a:pPr/>
+              <a:t>18</a:t>
             </a:fld>
             <a:endParaRPr lang="en-US" noProof="0" dirty="0"/>
           </a:p>
@@ -15347,37 +15245,6 @@
             <a:r>
               <a:rPr lang="bg-BG" sz="3600" b="1" dirty="0"/>
               <a:t>последователна навигация</a:t>
-            </a:r>
-          </a:p>
-          <a:p>
-            <a:pPr lvl="1">
-              <a:buClr>
-                <a:schemeClr val="tx2"/>
-              </a:buClr>
-            </a:pPr>
-            <a:r>
-              <a:rPr lang="bg-BG" sz="3600" b="1" dirty="0"/>
-              <a:t>Пример: </a:t>
-            </a:r>
-            <a:endParaRPr lang="en-US" sz="3600" b="1" dirty="0"/>
-          </a:p>
-          <a:p>
-            <a:pPr lvl="2">
-              <a:buClr>
-                <a:schemeClr val="tx2"/>
-              </a:buClr>
-            </a:pPr>
-            <a:r>
-              <a:rPr lang="bg-BG" sz="3400" dirty="0"/>
-              <a:t>Поръчка → Плащане →</a:t>
-            </a:r>
-            <a:r>
-              <a:rPr lang="en-US" sz="3400" dirty="0"/>
-              <a:t> Д</a:t>
-            </a:r>
-            <a:r>
-              <a:rPr lang="bg-BG" sz="3400" dirty="0"/>
-              <a:t>оставка → Готово</a:t>
             </a:r>
           </a:p>
         </p:txBody>
@@ -15542,696 +15409,6 @@
                       </p:childTnLst>
                     </p:cTn>
                   </p:par>
-                  <p:par>
-                    <p:cTn id="11" fill="hold">
-                      <p:stCondLst>
-                        <p:cond delay="indefinite"/>
-                      </p:stCondLst>
-                      <p:childTnLst>
-                        <p:par>
-                          <p:cTn id="12" fill="hold">
-                            <p:stCondLst>
-                              <p:cond delay="0"/>
-                            </p:stCondLst>
-                            <p:childTnLst>
-                              <p:par>
-                                <p:cTn id="13" presetID="1" presetClass="entr" presetSubtype="0" fill="hold" nodeType="clickEffect">
-                                  <p:stCondLst>
-                                    <p:cond delay="0"/>
-                                  </p:stCondLst>
-                                  <p:childTnLst>
-                                    <p:set>
-                                      <p:cBhvr>
-                                        <p:cTn id="14" dur="1" fill="hold">
-                                          <p:stCondLst>
-                                            <p:cond delay="0"/>
-                                          </p:stCondLst>
-                                        </p:cTn>
-                                        <p:tgtEl>
-                                          <p:spTgt spid="8">
-                                            <p:txEl>
-                                              <p:pRg st="3" end="3"/>
-                                            </p:txEl>
-                                          </p:spTgt>
-                                        </p:tgtEl>
-                                        <p:attrNameLst>
-                                          <p:attrName>style.visibility</p:attrName>
-                                        </p:attrNameLst>
-                                      </p:cBhvr>
-                                      <p:to>
-                                        <p:strVal val="visible"/>
-                                      </p:to>
-                                    </p:set>
-                                  </p:childTnLst>
-                                </p:cTn>
-                              </p:par>
-                            </p:childTnLst>
-                          </p:cTn>
-                        </p:par>
-                      </p:childTnLst>
-                    </p:cTn>
-                  </p:par>
-                  <p:par>
-                    <p:cTn id="15" fill="hold">
-                      <p:stCondLst>
-                        <p:cond delay="indefinite"/>
-                      </p:stCondLst>
-                      <p:childTnLst>
-                        <p:par>
-                          <p:cTn id="16" fill="hold">
-                            <p:stCondLst>
-                              <p:cond delay="0"/>
-                            </p:stCondLst>
-                            <p:childTnLst>
-                              <p:par>
-                                <p:cTn id="17" presetID="1" presetClass="entr" presetSubtype="0" fill="hold" nodeType="clickEffect">
-                                  <p:stCondLst>
-                                    <p:cond delay="0"/>
-                                  </p:stCondLst>
-                                  <p:childTnLst>
-                                    <p:set>
-                                      <p:cBhvr>
-                                        <p:cTn id="18" dur="1" fill="hold">
-                                          <p:stCondLst>
-                                            <p:cond delay="0"/>
-                                          </p:stCondLst>
-                                        </p:cTn>
-                                        <p:tgtEl>
-                                          <p:spTgt spid="8">
-                                            <p:txEl>
-                                              <p:pRg st="4" end="4"/>
-                                            </p:txEl>
-                                          </p:spTgt>
-                                        </p:tgtEl>
-                                        <p:attrNameLst>
-                                          <p:attrName>style.visibility</p:attrName>
-                                        </p:attrNameLst>
-                                      </p:cBhvr>
-                                      <p:to>
-                                        <p:strVal val="visible"/>
-                                      </p:to>
-                                    </p:set>
-                                  </p:childTnLst>
-                                </p:cTn>
-                              </p:par>
-                            </p:childTnLst>
-                          </p:cTn>
-                        </p:par>
-                      </p:childTnLst>
-                    </p:cTn>
-                  </p:par>
-                </p:childTnLst>
-              </p:cTn>
-              <p:prevCondLst>
-                <p:cond evt="onPrev" delay="0">
-                  <p:tgtEl>
-                    <p:sldTgt/>
-                  </p:tgtEl>
-                </p:cond>
-              </p:prevCondLst>
-              <p:nextCondLst>
-                <p:cond evt="onNext" delay="0">
-                  <p:tgtEl>
-                    <p:sldTgt/>
-                  </p:tgtEl>
-                </p:cond>
-              </p:nextCondLst>
-            </p:seq>
-          </p:childTnLst>
-        </p:cTn>
-      </p:par>
-    </p:tnLst>
-  </p:timing>
-</p:sld>
-</file>
-
-<file path=ppt/slides/slide18.xml><?xml version="1.0" encoding="utf-8"?>
-<p:sld xmlns:a="http://schemas.openxmlformats.org/drawingml/2006/main" xmlns:r="http://schemas.openxmlformats.org/officeDocument/2006/relationships" xmlns:p="http://schemas.openxmlformats.org/presentationml/2006/main">
-  <p:cSld>
-    <p:spTree>
-      <p:nvGrpSpPr>
-        <p:cNvPr id="1" name=""/>
-        <p:cNvGrpSpPr/>
-        <p:nvPr/>
-      </p:nvGrpSpPr>
-      <p:grpSpPr>
-        <a:xfrm>
-          <a:off x="0" y="0"/>
-          <a:ext cx="0" cy="0"/>
-          <a:chOff x="0" y="0"/>
-          <a:chExt cx="0" cy="0"/>
-        </a:xfrm>
-      </p:grpSpPr>
-      <p:sp>
-        <p:nvSpPr>
-          <p:cNvPr id="2" name="Slide Number Placeholder 1">
-            <a:extLst>
-              <a:ext uri="{FF2B5EF4-FFF2-40B4-BE49-F238E27FC236}">
-                <a16:creationId xmlns:a16="http://schemas.microsoft.com/office/drawing/2014/main" id="{CCAABC86-82E0-F099-701A-D4347B605385}"/>
-              </a:ext>
-            </a:extLst>
-          </p:cNvPr>
-          <p:cNvSpPr>
-            <a:spLocks noGrp="1"/>
-          </p:cNvSpPr>
-          <p:nvPr>
-            <p:ph type="sldNum" sz="quarter" idx="5"/>
-          </p:nvPr>
-        </p:nvSpPr>
-        <p:spPr/>
-        <p:txBody>
-          <a:bodyPr/>
-          <a:lstStyle/>
-          <a:p>
-            <a:fld id="{2BF067CD-8E6B-4360-9AA8-C5DF2A48A6D1}" type="slidenum">
-              <a:rPr lang="en-US" noProof="0" smtClean="0"/>
-              <a:pPr/>
-              <a:t>18</a:t>
-            </a:fld>
-            <a:endParaRPr lang="en-US" noProof="0" dirty="0"/>
-          </a:p>
-        </p:txBody>
-      </p:sp>
-      <p:sp>
-        <p:nvSpPr>
-          <p:cNvPr id="4" name="Title 3">
-            <a:extLst>
-              <a:ext uri="{FF2B5EF4-FFF2-40B4-BE49-F238E27FC236}">
-                <a16:creationId xmlns:a16="http://schemas.microsoft.com/office/drawing/2014/main" id="{67B6A643-676D-3506-B008-B24B36AA34F1}"/>
-              </a:ext>
-            </a:extLst>
-          </p:cNvPr>
-          <p:cNvSpPr>
-            <a:spLocks noGrp="1"/>
-          </p:cNvSpPr>
-          <p:nvPr>
-            <p:ph type="title"/>
-          </p:nvPr>
-        </p:nvSpPr>
-        <p:spPr/>
-        <p:txBody>
-          <a:bodyPr>
-            <a:normAutofit/>
-          </a:bodyPr>
-          <a:lstStyle/>
-          <a:p>
-            <a:r>
-              <a:rPr lang="bg-BG" dirty="0"/>
-              <a:t>Видове структури на уеб сайт</a:t>
-            </a:r>
-            <a:r>
-              <a:rPr lang="en-US" dirty="0"/>
-              <a:t> (</a:t>
-            </a:r>
-            <a:r>
-              <a:rPr lang="bg-BG" dirty="0"/>
-              <a:t>3</a:t>
-            </a:r>
-            <a:r>
-              <a:rPr lang="en-US" dirty="0"/>
-              <a:t>)</a:t>
-            </a:r>
-            <a:endParaRPr lang="en-BG" dirty="0"/>
-          </a:p>
-        </p:txBody>
-      </p:sp>
-      <p:sp>
-        <p:nvSpPr>
-          <p:cNvPr id="8" name="Text Placeholder 4">
-            <a:extLst>
-              <a:ext uri="{FF2B5EF4-FFF2-40B4-BE49-F238E27FC236}">
-                <a16:creationId xmlns:a16="http://schemas.microsoft.com/office/drawing/2014/main" id="{9CA50BB8-C95B-C726-A00E-EFF2B734CC77}"/>
-              </a:ext>
-            </a:extLst>
-          </p:cNvPr>
-          <p:cNvSpPr>
-            <a:spLocks noGrp="1"/>
-          </p:cNvSpPr>
-          <p:nvPr>
-            <p:ph type="body" sz="quarter" idx="10"/>
-          </p:nvPr>
-        </p:nvSpPr>
-        <p:spPr>
-          <a:xfrm>
-            <a:off x="190402" y="1196125"/>
-            <a:ext cx="9505598" cy="5528766"/>
-          </a:xfrm>
-        </p:spPr>
-        <p:txBody>
-          <a:bodyPr>
-            <a:normAutofit/>
-          </a:bodyPr>
-          <a:lstStyle/>
-          <a:p>
-            <a:pPr>
-              <a:buClr>
-                <a:schemeClr val="tx2"/>
-              </a:buClr>
-            </a:pPr>
-            <a:r>
-              <a:rPr lang="bg-BG" sz="3800" b="1" dirty="0">
-                <a:solidFill>
-                  <a:schemeClr val="bg1"/>
-                </a:solidFill>
-              </a:rPr>
-              <a:t>Мрежова структура</a:t>
-            </a:r>
-          </a:p>
-          <a:p>
-            <a:pPr lvl="1">
-              <a:buClr>
-                <a:schemeClr val="tx2"/>
-              </a:buClr>
-            </a:pPr>
-            <a:r>
-              <a:rPr lang="bg-BG" sz="3600" b="1" dirty="0"/>
-              <a:t>Всяка</a:t>
-            </a:r>
-            <a:r>
-              <a:rPr lang="bg-BG" sz="3600" dirty="0"/>
-              <a:t> </a:t>
-            </a:r>
-            <a:r>
-              <a:rPr lang="bg-BG" sz="3600" b="1" dirty="0"/>
-              <a:t>уеб страница </a:t>
-            </a:r>
-            <a:r>
-              <a:rPr lang="bg-BG" sz="3600" dirty="0"/>
-              <a:t>може да бъде </a:t>
-            </a:r>
-            <a:r>
-              <a:rPr lang="bg-BG" sz="3600" b="1" dirty="0"/>
-              <a:t>свързана</a:t>
-            </a:r>
-            <a:r>
-              <a:rPr lang="bg-BG" sz="3600" dirty="0"/>
-              <a:t> с </a:t>
-            </a:r>
-            <a:r>
-              <a:rPr lang="bg-BG" sz="3600" b="1" dirty="0"/>
-              <a:t>всяка друга</a:t>
-            </a:r>
-          </a:p>
-          <a:p>
-            <a:pPr lvl="1">
-              <a:buClr>
-                <a:schemeClr val="tx2"/>
-              </a:buClr>
-            </a:pPr>
-            <a:r>
-              <a:rPr lang="bg-BG" sz="3600" dirty="0"/>
-              <a:t>Подходяща за </a:t>
-            </a:r>
-            <a:r>
-              <a:rPr lang="bg-BG" sz="3600" b="1" dirty="0"/>
-              <a:t>големи проекти</a:t>
-            </a:r>
-            <a:r>
-              <a:rPr lang="bg-BG" sz="3600" dirty="0"/>
-              <a:t>, в които</a:t>
-            </a:r>
-            <a:endParaRPr lang="en-US" sz="3600" dirty="0"/>
-          </a:p>
-          <a:p>
-            <a:pPr marL="442912" lvl="1" indent="0">
-              <a:buClr>
-                <a:schemeClr val="tx2"/>
-              </a:buClr>
-              <a:buNone/>
-            </a:pPr>
-            <a:r>
-              <a:rPr lang="en-US" sz="3600" b="1" dirty="0"/>
-              <a:t>   </a:t>
-            </a:r>
-            <a:r>
-              <a:rPr lang="bg-BG" sz="3600" b="1" dirty="0"/>
-              <a:t>уеб страниците </a:t>
-            </a:r>
-            <a:r>
-              <a:rPr lang="bg-BG" sz="3600" dirty="0"/>
-              <a:t>са </a:t>
-            </a:r>
-            <a:r>
-              <a:rPr lang="bg-BG" sz="3600" b="1" dirty="0"/>
-              <a:t>силно свързани</a:t>
-            </a:r>
-          </a:p>
-          <a:p>
-            <a:pPr lvl="1">
-              <a:buClr>
-                <a:schemeClr val="tx2"/>
-              </a:buClr>
-            </a:pPr>
-            <a:r>
-              <a:rPr lang="bg-BG" sz="3600" b="1" dirty="0"/>
-              <a:t>Пример</a:t>
-            </a:r>
-            <a:r>
-              <a:rPr lang="en-US" sz="3600" b="1" dirty="0"/>
-              <a:t>: </a:t>
-            </a:r>
-          </a:p>
-          <a:p>
-            <a:pPr lvl="2">
-              <a:buClr>
-                <a:schemeClr val="tx2"/>
-              </a:buClr>
-            </a:pPr>
-            <a:r>
-              <a:rPr lang="bg-BG" sz="3400" dirty="0"/>
-              <a:t>Статия 1</a:t>
-            </a:r>
-            <a:r>
-              <a:rPr lang="bg-BG" sz="3400" b="1" dirty="0"/>
-              <a:t> </a:t>
-            </a:r>
-            <a:r>
-              <a:rPr lang="en-BG" sz="3400" dirty="0"/>
-              <a:t>↔</a:t>
-            </a:r>
-            <a:r>
-              <a:rPr lang="bg-BG" sz="3400" dirty="0"/>
-              <a:t> Статия 2 </a:t>
-            </a:r>
-            <a:r>
-              <a:rPr lang="en-BG" sz="3400" dirty="0"/>
-              <a:t>↔</a:t>
-            </a:r>
-            <a:r>
-              <a:rPr lang="bg-BG" sz="3400" dirty="0"/>
-              <a:t> Статия 3</a:t>
-            </a:r>
-            <a:endParaRPr lang="bg-BG" sz="3400" b="1" dirty="0"/>
-          </a:p>
-        </p:txBody>
-      </p:sp>
-      <p:pic>
-        <p:nvPicPr>
-          <p:cNvPr id="5" name="Picture 4">
-            <a:extLst>
-              <a:ext uri="{FF2B5EF4-FFF2-40B4-BE49-F238E27FC236}">
-                <a16:creationId xmlns:a16="http://schemas.microsoft.com/office/drawing/2014/main" id="{8AC0B51A-BAB8-2D67-93E8-E795C0BC1575}"/>
-              </a:ext>
-            </a:extLst>
-          </p:cNvPr>
-          <p:cNvPicPr>
-            <a:picLocks noChangeAspect="1"/>
-          </p:cNvPicPr>
-          <p:nvPr/>
-        </p:nvPicPr>
-        <p:blipFill>
-          <a:blip r:embed="rId2">
-            <a:extLst>
-              <a:ext uri="{28A0092B-C50C-407E-A947-70E740481C1C}">
-                <a14:useLocalDpi xmlns:a14="http://schemas.microsoft.com/office/drawing/2010/main" val="0"/>
-              </a:ext>
-            </a:extLst>
-          </a:blip>
-          <a:stretch>
-            <a:fillRect/>
-          </a:stretch>
-        </p:blipFill>
-        <p:spPr>
-          <a:xfrm>
-            <a:off x="8301000" y="1089000"/>
-            <a:ext cx="3896345" cy="3750232"/>
-          </a:xfrm>
-          <a:prstGeom prst="rect">
-            <a:avLst/>
-          </a:prstGeom>
-        </p:spPr>
-      </p:pic>
-    </p:spTree>
-    <p:extLst>
-      <p:ext uri="{BB962C8B-B14F-4D97-AF65-F5344CB8AC3E}">
-        <p14:creationId xmlns:p14="http://schemas.microsoft.com/office/powerpoint/2010/main" val="2550281671"/>
-      </p:ext>
-    </p:extLst>
-  </p:cSld>
-  <p:clrMapOvr>
-    <a:masterClrMapping/>
-  </p:clrMapOvr>
-  <mc:AlternateContent xmlns:mc="http://schemas.openxmlformats.org/markup-compatibility/2006" xmlns:p14="http://schemas.microsoft.com/office/powerpoint/2010/main">
-    <mc:Choice Requires="p14">
-      <p:transition spd="slow" p14:dur="2000" advClick="0" advTm="5000"/>
-    </mc:Choice>
-    <mc:Fallback xmlns="">
-      <p:transition spd="slow" advClick="0" advTm="5000"/>
-    </mc:Fallback>
-  </mc:AlternateContent>
-  <p:timing>
-    <p:tnLst>
-      <p:par>
-        <p:cTn id="1" dur="indefinite" restart="never" nodeType="tmRoot">
-          <p:childTnLst>
-            <p:seq concurrent="1" nextAc="seek">
-              <p:cTn id="2" dur="indefinite" nodeType="mainSeq">
-                <p:childTnLst>
-                  <p:par>
-                    <p:cTn id="3" fill="hold">
-                      <p:stCondLst>
-                        <p:cond delay="indefinite"/>
-                      </p:stCondLst>
-                      <p:childTnLst>
-                        <p:par>
-                          <p:cTn id="4" fill="hold">
-                            <p:stCondLst>
-                              <p:cond delay="0"/>
-                            </p:stCondLst>
-                            <p:childTnLst>
-                              <p:par>
-                                <p:cTn id="5" presetID="1" presetClass="entr" presetSubtype="0" fill="hold" nodeType="clickEffect">
-                                  <p:stCondLst>
-                                    <p:cond delay="0"/>
-                                  </p:stCondLst>
-                                  <p:childTnLst>
-                                    <p:set>
-                                      <p:cBhvr>
-                                        <p:cTn id="6" dur="1" fill="hold">
-                                          <p:stCondLst>
-                                            <p:cond delay="0"/>
-                                          </p:stCondLst>
-                                        </p:cTn>
-                                        <p:tgtEl>
-                                          <p:spTgt spid="8">
-                                            <p:txEl>
-                                              <p:pRg st="1" end="1"/>
-                                            </p:txEl>
-                                          </p:spTgt>
-                                        </p:tgtEl>
-                                        <p:attrNameLst>
-                                          <p:attrName>style.visibility</p:attrName>
-                                        </p:attrNameLst>
-                                      </p:cBhvr>
-                                      <p:to>
-                                        <p:strVal val="visible"/>
-                                      </p:to>
-                                    </p:set>
-                                  </p:childTnLst>
-                                </p:cTn>
-                              </p:par>
-                            </p:childTnLst>
-                          </p:cTn>
-                        </p:par>
-                      </p:childTnLst>
-                    </p:cTn>
-                  </p:par>
-                  <p:par>
-                    <p:cTn id="7" fill="hold">
-                      <p:stCondLst>
-                        <p:cond delay="indefinite"/>
-                      </p:stCondLst>
-                      <p:childTnLst>
-                        <p:par>
-                          <p:cTn id="8" fill="hold">
-                            <p:stCondLst>
-                              <p:cond delay="0"/>
-                            </p:stCondLst>
-                            <p:childTnLst>
-                              <p:par>
-                                <p:cTn id="9" presetID="1" presetClass="entr" presetSubtype="0" fill="hold" nodeType="clickEffect">
-                                  <p:stCondLst>
-                                    <p:cond delay="0"/>
-                                  </p:stCondLst>
-                                  <p:childTnLst>
-                                    <p:set>
-                                      <p:cBhvr>
-                                        <p:cTn id="10" dur="1" fill="hold">
-                                          <p:stCondLst>
-                                            <p:cond delay="0"/>
-                                          </p:stCondLst>
-                                        </p:cTn>
-                                        <p:tgtEl>
-                                          <p:spTgt spid="8">
-                                            <p:txEl>
-                                              <p:pRg st="2" end="2"/>
-                                            </p:txEl>
-                                          </p:spTgt>
-                                        </p:tgtEl>
-                                        <p:attrNameLst>
-                                          <p:attrName>style.visibility</p:attrName>
-                                        </p:attrNameLst>
-                                      </p:cBhvr>
-                                      <p:to>
-                                        <p:strVal val="visible"/>
-                                      </p:to>
-                                    </p:set>
-                                  </p:childTnLst>
-                                </p:cTn>
-                              </p:par>
-                            </p:childTnLst>
-                          </p:cTn>
-                        </p:par>
-                      </p:childTnLst>
-                    </p:cTn>
-                  </p:par>
-                  <p:par>
-                    <p:cTn id="11" fill="hold">
-                      <p:stCondLst>
-                        <p:cond delay="indefinite"/>
-                      </p:stCondLst>
-                      <p:childTnLst>
-                        <p:par>
-                          <p:cTn id="12" fill="hold">
-                            <p:stCondLst>
-                              <p:cond delay="0"/>
-                            </p:stCondLst>
-                            <p:childTnLst>
-                              <p:par>
-                                <p:cTn id="13" presetID="1" presetClass="entr" presetSubtype="0" fill="hold" nodeType="clickEffect">
-                                  <p:stCondLst>
-                                    <p:cond delay="0"/>
-                                  </p:stCondLst>
-                                  <p:childTnLst>
-                                    <p:set>
-                                      <p:cBhvr>
-                                        <p:cTn id="14" dur="1" fill="hold">
-                                          <p:stCondLst>
-                                            <p:cond delay="0"/>
-                                          </p:stCondLst>
-                                        </p:cTn>
-                                        <p:tgtEl>
-                                          <p:spTgt spid="8">
-                                            <p:txEl>
-                                              <p:pRg st="3" end="3"/>
-                                            </p:txEl>
-                                          </p:spTgt>
-                                        </p:tgtEl>
-                                        <p:attrNameLst>
-                                          <p:attrName>style.visibility</p:attrName>
-                                        </p:attrNameLst>
-                                      </p:cBhvr>
-                                      <p:to>
-                                        <p:strVal val="visible"/>
-                                      </p:to>
-                                    </p:set>
-                                  </p:childTnLst>
-                                </p:cTn>
-                              </p:par>
-                            </p:childTnLst>
-                          </p:cTn>
-                        </p:par>
-                      </p:childTnLst>
-                    </p:cTn>
-                  </p:par>
-                  <p:par>
-                    <p:cTn id="15" fill="hold">
-                      <p:stCondLst>
-                        <p:cond delay="indefinite"/>
-                      </p:stCondLst>
-                      <p:childTnLst>
-                        <p:par>
-                          <p:cTn id="16" fill="hold">
-                            <p:stCondLst>
-                              <p:cond delay="0"/>
-                            </p:stCondLst>
-                            <p:childTnLst>
-                              <p:par>
-                                <p:cTn id="17" presetID="1" presetClass="entr" presetSubtype="0" fill="hold" nodeType="clickEffect">
-                                  <p:stCondLst>
-                                    <p:cond delay="0"/>
-                                  </p:stCondLst>
-                                  <p:childTnLst>
-                                    <p:set>
-                                      <p:cBhvr>
-                                        <p:cTn id="18" dur="1" fill="hold">
-                                          <p:stCondLst>
-                                            <p:cond delay="0"/>
-                                          </p:stCondLst>
-                                        </p:cTn>
-                                        <p:tgtEl>
-                                          <p:spTgt spid="8">
-                                            <p:txEl>
-                                              <p:pRg st="4" end="4"/>
-                                            </p:txEl>
-                                          </p:spTgt>
-                                        </p:tgtEl>
-                                        <p:attrNameLst>
-                                          <p:attrName>style.visibility</p:attrName>
-                                        </p:attrNameLst>
-                                      </p:cBhvr>
-                                      <p:to>
-                                        <p:strVal val="visible"/>
-                                      </p:to>
-                                    </p:set>
-                                  </p:childTnLst>
-                                </p:cTn>
-                              </p:par>
-                            </p:childTnLst>
-                          </p:cTn>
-                        </p:par>
-                      </p:childTnLst>
-                    </p:cTn>
-                  </p:par>
-                  <p:par>
-                    <p:cTn id="19" fill="hold">
-                      <p:stCondLst>
-                        <p:cond delay="indefinite"/>
-                      </p:stCondLst>
-                      <p:childTnLst>
-                        <p:par>
-                          <p:cTn id="20" fill="hold">
-                            <p:stCondLst>
-                              <p:cond delay="0"/>
-                            </p:stCondLst>
-                            <p:childTnLst>
-                              <p:par>
-                                <p:cTn id="21" presetID="1" presetClass="entr" presetSubtype="0" fill="hold" nodeType="clickEffect">
-                                  <p:stCondLst>
-                                    <p:cond delay="0"/>
-                                  </p:stCondLst>
-                                  <p:childTnLst>
-                                    <p:set>
-                                      <p:cBhvr>
-                                        <p:cTn id="22" dur="1" fill="hold">
-                                          <p:stCondLst>
-                                            <p:cond delay="0"/>
-                                          </p:stCondLst>
-                                        </p:cTn>
-                                        <p:tgtEl>
-                                          <p:spTgt spid="8">
-                                            <p:txEl>
-                                              <p:pRg st="5" end="5"/>
-                                            </p:txEl>
-                                          </p:spTgt>
-                                        </p:tgtEl>
-                                        <p:attrNameLst>
-                                          <p:attrName>style.visibility</p:attrName>
-                                        </p:attrNameLst>
-                                      </p:cBhvr>
-                                      <p:to>
-                                        <p:strVal val="visible"/>
-                                      </p:to>
-                                    </p:set>
-                                  </p:childTnLst>
-                                </p:cTn>
-                              </p:par>
-                            </p:childTnLst>
-                          </p:cTn>
-                        </p:par>
-                      </p:childTnLst>
-                    </p:cTn>
-                  </p:par>
                 </p:childTnLst>
               </p:cTn>
               <p:prevCondLst>
@@ -16279,7 +15456,7 @@
           <p:cNvPr id="2" name="Slide Number Placeholder 1">
             <a:extLst>
               <a:ext uri="{FF2B5EF4-FFF2-40B4-BE49-F238E27FC236}">
-                <a16:creationId xmlns:a16="http://schemas.microsoft.com/office/drawing/2014/main" id="{622D7724-C1C9-5046-2099-4F78FC94767D}"/>
+                <a16:creationId xmlns:a16="http://schemas.microsoft.com/office/drawing/2014/main" id="{35C8B542-7D9E-EFD2-5477-DEBD34F816B2}"/>
               </a:ext>
             </a:extLst>
           </p:cNvPr>
@@ -16306,35 +15483,10 @@
       </p:sp>
       <p:sp>
         <p:nvSpPr>
-          <p:cNvPr id="3" name="Text Placeholder 2">
+          <p:cNvPr id="4" name="Title 3">
             <a:extLst>
               <a:ext uri="{FF2B5EF4-FFF2-40B4-BE49-F238E27FC236}">
-                <a16:creationId xmlns:a16="http://schemas.microsoft.com/office/drawing/2014/main" id="{015C4C76-1916-B121-5956-412255BAA74F}"/>
-              </a:ext>
-            </a:extLst>
-          </p:cNvPr>
-          <p:cNvSpPr>
-            <a:spLocks noGrp="1"/>
-          </p:cNvSpPr>
-          <p:nvPr>
-            <p:ph type="body" sz="quarter" idx="10"/>
-          </p:nvPr>
-        </p:nvSpPr>
-        <p:spPr/>
-        <p:txBody>
-          <a:bodyPr/>
-          <a:lstStyle/>
-          <a:p>
-            <a:endParaRPr lang="en-GB" dirty="0"/>
-          </a:p>
-        </p:txBody>
-      </p:sp>
-      <p:sp>
-        <p:nvSpPr>
-          <p:cNvPr id="4" name="Title 3">
-            <a:extLst>
-              <a:ext uri="{FF2B5EF4-FFF2-40B4-BE49-F238E27FC236}">
-                <a16:creationId xmlns:a16="http://schemas.microsoft.com/office/drawing/2014/main" id="{8042A756-213B-5235-3351-8D6C63A93DD8}"/>
+                <a16:creationId xmlns:a16="http://schemas.microsoft.com/office/drawing/2014/main" id="{9A484B4F-4D48-7BA1-2FFB-E02643B53A5C}"/>
               </a:ext>
             </a:extLst>
           </p:cNvPr>
@@ -16347,529 +15499,59 @@
         </p:nvSpPr>
         <p:spPr/>
         <p:txBody>
-          <a:bodyPr/>
+          <a:bodyPr>
+            <a:normAutofit/>
+          </a:bodyPr>
           <a:lstStyle/>
           <a:p>
             <a:r>
-              <a:rPr lang="bg-BG" dirty="0"/>
-              <a:t>Пример</a:t>
-            </a:r>
-            <a:endParaRPr lang="en-GB" dirty="0"/>
+              <a:rPr lang="bg-BG" sz="4000" dirty="0"/>
+              <a:t>Линейна (последователна) структура</a:t>
+            </a:r>
+            <a:endParaRPr lang="en-BG" dirty="0"/>
           </a:p>
         </p:txBody>
       </p:sp>
-      <p:sp>
-        <p:nvSpPr>
-          <p:cNvPr id="5" name="Oval 4">
+      <p:pic>
+        <p:nvPicPr>
+          <p:cNvPr id="6" name="Picture 5">
             <a:extLst>
               <a:ext uri="{FF2B5EF4-FFF2-40B4-BE49-F238E27FC236}">
-                <a16:creationId xmlns:a16="http://schemas.microsoft.com/office/drawing/2014/main" id="{41E7FC48-B60E-9DB4-894D-BC3DA7C5FA2F}"/>
+                <a16:creationId xmlns:a16="http://schemas.microsoft.com/office/drawing/2014/main" id="{3C80467A-19F0-D3A1-B40D-BED3EA369A8D}"/>
               </a:ext>
             </a:extLst>
           </p:cNvPr>
-          <p:cNvSpPr/>
+          <p:cNvPicPr>
+            <a:picLocks noChangeAspect="1"/>
+          </p:cNvPicPr>
           <p:nvPr/>
-        </p:nvSpPr>
-        <p:spPr bwMode="auto">
+        </p:nvPicPr>
+        <p:blipFill>
+          <a:blip r:embed="rId2">
+            <a:extLst>
+              <a:ext uri="{28A0092B-C50C-407E-A947-70E740481C1C}">
+                <a14:useLocalDpi xmlns:a14="http://schemas.microsoft.com/office/drawing/2010/main" val="0"/>
+              </a:ext>
+            </a:extLst>
+          </a:blip>
+          <a:stretch>
+            <a:fillRect/>
+          </a:stretch>
+        </p:blipFill>
+        <p:spPr>
           <a:xfrm>
-            <a:off x="3621000" y="4004778"/>
-            <a:ext cx="1260000" cy="1278000"/>
+            <a:off x="146707" y="3159000"/>
+            <a:ext cx="11898585" cy="1021964"/>
           </a:xfrm>
-          <a:prstGeom prst="ellipse">
+          <a:prstGeom prst="rect">
             <a:avLst/>
           </a:prstGeom>
-          <a:solidFill>
-            <a:schemeClr val="dk2">
-              <a:alpha val="80000"/>
-            </a:schemeClr>
-          </a:solidFill>
-          <a:ln w="19050">
-            <a:solidFill>
-              <a:schemeClr val="tx1">
-                <a:lumMod val="75000"/>
-                <a:alpha val="80000"/>
-              </a:schemeClr>
-            </a:solidFill>
-          </a:ln>
-          <a:effectLst/>
         </p:spPr>
-        <p:style>
-          <a:lnRef idx="2">
-            <a:schemeClr val="accent1">
-              <a:shade val="50000"/>
-            </a:schemeClr>
-          </a:lnRef>
-          <a:fillRef idx="1001">
-            <a:schemeClr val="dk2"/>
-          </a:fillRef>
-          <a:effectRef idx="0">
-            <a:schemeClr val="accent1"/>
-          </a:effectRef>
-          <a:fontRef idx="minor">
-            <a:schemeClr val="lt1"/>
-          </a:fontRef>
-        </p:style>
-        <p:txBody>
-          <a:bodyPr rot="0" spcFirstLastPara="0" vertOverflow="overflow" horzOverflow="overflow" vert="horz" wrap="square" lIns="91440" tIns="45720" rIns="91440" bIns="45720" numCol="1" spcCol="0" rtlCol="0" fromWordArt="0" anchor="ctr" anchorCtr="0" forceAA="0" compatLnSpc="1">
-            <a:prstTxWarp prst="textNoShape">
-              <a:avLst/>
-            </a:prstTxWarp>
-            <a:noAutofit/>
-          </a:bodyPr>
-          <a:lstStyle/>
-          <a:p>
-            <a:pPr algn="ctr"/>
-            <a:endParaRPr lang="en-GB" sz="2800" b="1" dirty="0">
-              <a:solidFill>
-                <a:srgbClr val="FFFFFF"/>
-              </a:solidFill>
-              <a:effectLst>
-                <a:outerShdw blurRad="38100" dist="38100" dir="2700000" algn="tl">
-                  <a:srgbClr val="000000">
-                    <a:alpha val="43137"/>
-                  </a:srgbClr>
-                </a:outerShdw>
-              </a:effectLst>
-            </a:endParaRPr>
-          </a:p>
-        </p:txBody>
-      </p:sp>
-      <p:sp>
-        <p:nvSpPr>
-          <p:cNvPr id="6" name="Oval 5">
-            <a:extLst>
-              <a:ext uri="{FF2B5EF4-FFF2-40B4-BE49-F238E27FC236}">
-                <a16:creationId xmlns:a16="http://schemas.microsoft.com/office/drawing/2014/main" id="{E566DBD4-75D5-45C0-3364-8E0FBCC3104C}"/>
-              </a:ext>
-            </a:extLst>
-          </p:cNvPr>
-          <p:cNvSpPr/>
-          <p:nvPr/>
-        </p:nvSpPr>
-        <p:spPr bwMode="auto">
-          <a:xfrm>
-            <a:off x="6611306" y="4936408"/>
-            <a:ext cx="2229694" cy="1278000"/>
-          </a:xfrm>
-          <a:prstGeom prst="ellipse">
-            <a:avLst/>
-          </a:prstGeom>
-          <a:solidFill>
-            <a:schemeClr val="dk2">
-              <a:alpha val="80000"/>
-            </a:schemeClr>
-          </a:solidFill>
-          <a:ln w="19050">
-            <a:solidFill>
-              <a:schemeClr val="tx1">
-                <a:lumMod val="75000"/>
-                <a:alpha val="80000"/>
-              </a:schemeClr>
-            </a:solidFill>
-          </a:ln>
-          <a:effectLst/>
-        </p:spPr>
-        <p:style>
-          <a:lnRef idx="2">
-            <a:schemeClr val="accent1">
-              <a:shade val="50000"/>
-            </a:schemeClr>
-          </a:lnRef>
-          <a:fillRef idx="1001">
-            <a:schemeClr val="dk2"/>
-          </a:fillRef>
-          <a:effectRef idx="0">
-            <a:schemeClr val="accent1"/>
-          </a:effectRef>
-          <a:fontRef idx="minor">
-            <a:schemeClr val="lt1"/>
-          </a:fontRef>
-        </p:style>
-        <p:txBody>
-          <a:bodyPr rot="0" spcFirstLastPara="0" vertOverflow="overflow" horzOverflow="overflow" vert="horz" wrap="square" lIns="91440" tIns="45720" rIns="91440" bIns="45720" numCol="1" spcCol="0" rtlCol="0" fromWordArt="0" anchor="ctr" anchorCtr="0" forceAA="0" compatLnSpc="1">
-            <a:prstTxWarp prst="textNoShape">
-              <a:avLst/>
-            </a:prstTxWarp>
-            <a:noAutofit/>
-          </a:bodyPr>
-          <a:lstStyle/>
-          <a:p>
-            <a:pPr algn="ctr"/>
-            <a:r>
-              <a:rPr lang="bg-BG" sz="2800" b="1" dirty="0">
-                <a:solidFill>
-                  <a:srgbClr val="FFFFFF"/>
-                </a:solidFill>
-                <a:effectLst>
-                  <a:outerShdw blurRad="38100" dist="38100" dir="2700000" algn="tl">
-                    <a:srgbClr val="000000">
-                      <a:alpha val="43137"/>
-                    </a:srgbClr>
-                  </a:outerShdw>
-                </a:effectLst>
-              </a:rPr>
-              <a:t>Статии</a:t>
-            </a:r>
-            <a:endParaRPr lang="en-GB" sz="2800" b="1" dirty="0">
-              <a:solidFill>
-                <a:srgbClr val="FFFFFF"/>
-              </a:solidFill>
-              <a:effectLst>
-                <a:outerShdw blurRad="38100" dist="38100" dir="2700000" algn="tl">
-                  <a:srgbClr val="000000">
-                    <a:alpha val="43137"/>
-                  </a:srgbClr>
-                </a:outerShdw>
-              </a:effectLst>
-            </a:endParaRPr>
-          </a:p>
-        </p:txBody>
-      </p:sp>
-      <p:sp>
-        <p:nvSpPr>
-          <p:cNvPr id="7" name="Oval 6">
-            <a:extLst>
-              <a:ext uri="{FF2B5EF4-FFF2-40B4-BE49-F238E27FC236}">
-                <a16:creationId xmlns:a16="http://schemas.microsoft.com/office/drawing/2014/main" id="{80E79A1A-B475-30EF-BDD0-B089C22209B9}"/>
-              </a:ext>
-            </a:extLst>
-          </p:cNvPr>
-          <p:cNvSpPr/>
-          <p:nvPr/>
-        </p:nvSpPr>
-        <p:spPr bwMode="auto">
-          <a:xfrm>
-            <a:off x="4881000" y="1973073"/>
-            <a:ext cx="1260000" cy="1278000"/>
-          </a:xfrm>
-          <a:prstGeom prst="ellipse">
-            <a:avLst/>
-          </a:prstGeom>
-          <a:solidFill>
-            <a:schemeClr val="dk2">
-              <a:alpha val="80000"/>
-            </a:schemeClr>
-          </a:solidFill>
-          <a:ln w="19050">
-            <a:solidFill>
-              <a:schemeClr val="tx1">
-                <a:lumMod val="75000"/>
-                <a:alpha val="80000"/>
-              </a:schemeClr>
-            </a:solidFill>
-          </a:ln>
-          <a:effectLst/>
-        </p:spPr>
-        <p:style>
-          <a:lnRef idx="2">
-            <a:schemeClr val="accent1">
-              <a:shade val="50000"/>
-            </a:schemeClr>
-          </a:lnRef>
-          <a:fillRef idx="1001">
-            <a:schemeClr val="dk2"/>
-          </a:fillRef>
-          <a:effectRef idx="0">
-            <a:schemeClr val="accent1"/>
-          </a:effectRef>
-          <a:fontRef idx="minor">
-            <a:schemeClr val="lt1"/>
-          </a:fontRef>
-        </p:style>
-        <p:txBody>
-          <a:bodyPr rot="0" spcFirstLastPara="0" vertOverflow="overflow" horzOverflow="overflow" vert="horz" wrap="square" lIns="91440" tIns="45720" rIns="91440" bIns="45720" numCol="1" spcCol="0" rtlCol="0" fromWordArt="0" anchor="ctr" anchorCtr="0" forceAA="0" compatLnSpc="1">
-            <a:prstTxWarp prst="textNoShape">
-              <a:avLst/>
-            </a:prstTxWarp>
-            <a:noAutofit/>
-          </a:bodyPr>
-          <a:lstStyle/>
-          <a:p>
-            <a:pPr algn="ctr"/>
-            <a:endParaRPr lang="en-GB" sz="2800" b="1" dirty="0">
-              <a:solidFill>
-                <a:srgbClr val="FFFFFF"/>
-              </a:solidFill>
-              <a:effectLst>
-                <a:outerShdw blurRad="38100" dist="38100" dir="2700000" algn="tl">
-                  <a:srgbClr val="000000">
-                    <a:alpha val="43137"/>
-                  </a:srgbClr>
-                </a:outerShdw>
-              </a:effectLst>
-            </a:endParaRPr>
-          </a:p>
-        </p:txBody>
-      </p:sp>
-      <p:sp>
-        <p:nvSpPr>
-          <p:cNvPr id="9" name="Oval 8">
-            <a:extLst>
-              <a:ext uri="{FF2B5EF4-FFF2-40B4-BE49-F238E27FC236}">
-                <a16:creationId xmlns:a16="http://schemas.microsoft.com/office/drawing/2014/main" id="{0D6D81F9-DD9B-068A-0B65-D1C2E3C57CD9}"/>
-              </a:ext>
-            </a:extLst>
-          </p:cNvPr>
-          <p:cNvSpPr/>
-          <p:nvPr/>
-        </p:nvSpPr>
-        <p:spPr bwMode="auto">
-          <a:xfrm>
-            <a:off x="7261368" y="3156345"/>
-            <a:ext cx="2310230" cy="1278000"/>
-          </a:xfrm>
-          <a:prstGeom prst="ellipse">
-            <a:avLst/>
-          </a:prstGeom>
-          <a:solidFill>
-            <a:schemeClr val="dk2">
-              <a:alpha val="80000"/>
-            </a:schemeClr>
-          </a:solidFill>
-          <a:ln w="19050">
-            <a:solidFill>
-              <a:schemeClr val="tx1">
-                <a:lumMod val="75000"/>
-                <a:alpha val="80000"/>
-              </a:schemeClr>
-            </a:solidFill>
-          </a:ln>
-          <a:effectLst/>
-        </p:spPr>
-        <p:style>
-          <a:lnRef idx="2">
-            <a:schemeClr val="accent1">
-              <a:shade val="50000"/>
-            </a:schemeClr>
-          </a:lnRef>
-          <a:fillRef idx="1001">
-            <a:schemeClr val="dk2"/>
-          </a:fillRef>
-          <a:effectRef idx="0">
-            <a:schemeClr val="accent1"/>
-          </a:effectRef>
-          <a:fontRef idx="minor">
-            <a:schemeClr val="lt1"/>
-          </a:fontRef>
-        </p:style>
-        <p:txBody>
-          <a:bodyPr rot="0" spcFirstLastPara="0" vertOverflow="overflow" horzOverflow="overflow" vert="horz" wrap="square" lIns="91440" tIns="45720" rIns="91440" bIns="45720" numCol="1" spcCol="0" rtlCol="0" fromWordArt="0" anchor="ctr" anchorCtr="0" forceAA="0" compatLnSpc="1">
-            <a:prstTxWarp prst="textNoShape">
-              <a:avLst/>
-            </a:prstTxWarp>
-            <a:noAutofit/>
-          </a:bodyPr>
-          <a:lstStyle/>
-          <a:p>
-            <a:pPr algn="ctr"/>
-            <a:r>
-              <a:rPr lang="bg-BG" sz="2800" b="1" dirty="0">
-                <a:solidFill>
-                  <a:srgbClr val="FFFFFF"/>
-                </a:solidFill>
-                <a:effectLst>
-                  <a:outerShdw blurRad="38100" dist="38100" dir="2700000" algn="tl">
-                    <a:srgbClr val="000000">
-                      <a:alpha val="43137"/>
-                    </a:srgbClr>
-                  </a:outerShdw>
-                </a:effectLst>
-              </a:rPr>
-              <a:t>Начало</a:t>
-            </a:r>
-            <a:endParaRPr lang="en-GB" sz="2800" b="1" dirty="0">
-              <a:solidFill>
-                <a:srgbClr val="FFFFFF"/>
-              </a:solidFill>
-              <a:effectLst>
-                <a:outerShdw blurRad="38100" dist="38100" dir="2700000" algn="tl">
-                  <a:srgbClr val="000000">
-                    <a:alpha val="43137"/>
-                  </a:srgbClr>
-                </a:outerShdw>
-              </a:effectLst>
-            </a:endParaRPr>
-          </a:p>
-        </p:txBody>
-      </p:sp>
-      <p:cxnSp>
-        <p:nvCxnSpPr>
-          <p:cNvPr id="10" name="Straight Arrow Connector 9">
-            <a:extLst>
-              <a:ext uri="{FF2B5EF4-FFF2-40B4-BE49-F238E27FC236}">
-                <a16:creationId xmlns:a16="http://schemas.microsoft.com/office/drawing/2014/main" id="{9C1FB92A-8D4A-3092-909A-B287F8367955}"/>
-              </a:ext>
-            </a:extLst>
-          </p:cNvPr>
-          <p:cNvCxnSpPr>
-            <a:endCxn id="7" idx="3"/>
-          </p:cNvCxnSpPr>
-          <p:nvPr/>
-        </p:nvCxnSpPr>
-        <p:spPr>
-          <a:xfrm flipV="1">
-            <a:off x="4251000" y="3063914"/>
-            <a:ext cx="814523" cy="905086"/>
-          </a:xfrm>
-          <a:prstGeom prst="straightConnector1">
-            <a:avLst/>
-          </a:prstGeom>
-          <a:ln>
-            <a:headEnd type="triangle"/>
-            <a:tailEnd type="triangle"/>
-          </a:ln>
-        </p:spPr>
-        <p:style>
-          <a:lnRef idx="1">
-            <a:schemeClr val="accent1"/>
-          </a:lnRef>
-          <a:fillRef idx="0">
-            <a:schemeClr val="accent1"/>
-          </a:fillRef>
-          <a:effectRef idx="0">
-            <a:schemeClr val="accent1"/>
-          </a:effectRef>
-          <a:fontRef idx="minor">
-            <a:schemeClr val="tx1"/>
-          </a:fontRef>
-        </p:style>
-      </p:cxnSp>
-      <p:cxnSp>
-        <p:nvCxnSpPr>
-          <p:cNvPr id="11" name="Straight Arrow Connector 10">
-            <a:extLst>
-              <a:ext uri="{FF2B5EF4-FFF2-40B4-BE49-F238E27FC236}">
-                <a16:creationId xmlns:a16="http://schemas.microsoft.com/office/drawing/2014/main" id="{2102E129-DDFB-9898-3C49-13681086C411}"/>
-              </a:ext>
-            </a:extLst>
-          </p:cNvPr>
-          <p:cNvCxnSpPr>
-            <a:cxnSpLocks/>
-            <a:stCxn id="6" idx="7"/>
-            <a:endCxn id="9" idx="4"/>
-          </p:cNvCxnSpPr>
-          <p:nvPr/>
-        </p:nvCxnSpPr>
-        <p:spPr>
-          <a:xfrm flipH="1" flipV="1">
-            <a:off x="8416483" y="4434345"/>
-            <a:ext cx="97986" cy="689222"/>
-          </a:xfrm>
-          <a:prstGeom prst="straightConnector1">
-            <a:avLst/>
-          </a:prstGeom>
-          <a:ln>
-            <a:headEnd type="triangle"/>
-            <a:tailEnd type="triangle"/>
-          </a:ln>
-        </p:spPr>
-        <p:style>
-          <a:lnRef idx="1">
-            <a:schemeClr val="accent1"/>
-          </a:lnRef>
-          <a:fillRef idx="0">
-            <a:schemeClr val="accent1"/>
-          </a:fillRef>
-          <a:effectRef idx="0">
-            <a:schemeClr val="accent1"/>
-          </a:effectRef>
-          <a:fontRef idx="minor">
-            <a:schemeClr val="tx1"/>
-          </a:fontRef>
-        </p:style>
-      </p:cxnSp>
-      <p:cxnSp>
-        <p:nvCxnSpPr>
-          <p:cNvPr id="12" name="Straight Arrow Connector 11">
-            <a:extLst>
-              <a:ext uri="{FF2B5EF4-FFF2-40B4-BE49-F238E27FC236}">
-                <a16:creationId xmlns:a16="http://schemas.microsoft.com/office/drawing/2014/main" id="{206318B2-9903-B715-8FC1-DC118DADF520}"/>
-              </a:ext>
-            </a:extLst>
-          </p:cNvPr>
-          <p:cNvCxnSpPr>
-            <a:cxnSpLocks/>
-            <a:stCxn id="9" idx="2"/>
-            <a:endCxn id="7" idx="5"/>
-          </p:cNvCxnSpPr>
-          <p:nvPr/>
-        </p:nvCxnSpPr>
-        <p:spPr>
-          <a:xfrm flipH="1" flipV="1">
-            <a:off x="5956477" y="3063914"/>
-            <a:ext cx="1304891" cy="731431"/>
-          </a:xfrm>
-          <a:prstGeom prst="straightConnector1">
-            <a:avLst/>
-          </a:prstGeom>
-          <a:ln>
-            <a:headEnd type="triangle"/>
-            <a:tailEnd type="triangle"/>
-          </a:ln>
-        </p:spPr>
-        <p:style>
-          <a:lnRef idx="1">
-            <a:schemeClr val="accent1"/>
-          </a:lnRef>
-          <a:fillRef idx="0">
-            <a:schemeClr val="accent1"/>
-          </a:fillRef>
-          <a:effectRef idx="0">
-            <a:schemeClr val="accent1"/>
-          </a:effectRef>
-          <a:fontRef idx="minor">
-            <a:schemeClr val="tx1"/>
-          </a:fontRef>
-        </p:style>
-      </p:cxnSp>
-      <p:cxnSp>
-        <p:nvCxnSpPr>
-          <p:cNvPr id="16" name="Straight Arrow Connector 15">
-            <a:extLst>
-              <a:ext uri="{FF2B5EF4-FFF2-40B4-BE49-F238E27FC236}">
-                <a16:creationId xmlns:a16="http://schemas.microsoft.com/office/drawing/2014/main" id="{81360D3F-89F4-57E6-65CE-AF85EE652DBD}"/>
-              </a:ext>
-            </a:extLst>
-          </p:cNvPr>
-          <p:cNvCxnSpPr>
-            <a:cxnSpLocks/>
-            <a:stCxn id="5" idx="5"/>
-            <a:endCxn id="6" idx="2"/>
-          </p:cNvCxnSpPr>
-          <p:nvPr/>
-        </p:nvCxnSpPr>
-        <p:spPr>
-          <a:xfrm>
-            <a:off x="4696477" y="5095619"/>
-            <a:ext cx="1914829" cy="479789"/>
-          </a:xfrm>
-          <a:prstGeom prst="straightConnector1">
-            <a:avLst/>
-          </a:prstGeom>
-          <a:ln>
-            <a:headEnd type="triangle"/>
-            <a:tailEnd type="triangle"/>
-          </a:ln>
-        </p:spPr>
-        <p:style>
-          <a:lnRef idx="1">
-            <a:schemeClr val="accent1"/>
-          </a:lnRef>
-          <a:fillRef idx="0">
-            <a:schemeClr val="accent1"/>
-          </a:fillRef>
-          <a:effectRef idx="0">
-            <a:schemeClr val="accent1"/>
-          </a:effectRef>
-          <a:fontRef idx="minor">
-            <a:schemeClr val="tx1"/>
-          </a:fontRef>
-        </p:style>
-      </p:cxnSp>
+      </p:pic>
     </p:spTree>
     <p:extLst>
       <p:ext uri="{BB962C8B-B14F-4D97-AF65-F5344CB8AC3E}">
-        <p14:creationId xmlns:p14="http://schemas.microsoft.com/office/powerpoint/2010/main" val="1819383803"/>
+        <p14:creationId xmlns:p14="http://schemas.microsoft.com/office/powerpoint/2010/main" val="3110847205"/>
       </p:ext>
     </p:extLst>
   </p:cSld>
@@ -17754,7 +16436,7 @@
             </a:r>
             <a:r>
               <a:rPr lang="bg-BG" dirty="0"/>
-              <a:t>4</a:t>
+              <a:t>3</a:t>
             </a:r>
             <a:r>
               <a:rPr lang="en-US" dirty="0"/>
@@ -17803,7 +16485,7 @@
                   <a:schemeClr val="bg1"/>
                 </a:solidFill>
               </a:rPr>
-              <a:t>Хибридна структура</a:t>
+              <a:t>Мрежова структура</a:t>
             </a:r>
           </a:p>
           <a:p>
@@ -17814,12 +16496,52 @@
             </a:pPr>
             <a:r>
               <a:rPr lang="bg-BG" sz="3600" b="1" dirty="0"/>
-              <a:t>Комбинира елементи </a:t>
+              <a:t>Всяка</a:t>
             </a:r>
             <a:r>
               <a:rPr lang="bg-BG" sz="3600" dirty="0"/>
-              <a:t>от другите </a:t>
-            </a:r>
+              <a:t> </a:t>
+            </a:r>
+            <a:r>
+              <a:rPr lang="bg-BG" sz="3600" b="1" dirty="0"/>
+              <a:t>уеб страница </a:t>
+            </a:r>
+            <a:r>
+              <a:rPr lang="bg-BG" sz="3600" dirty="0"/>
+              <a:t>може да бъде </a:t>
+            </a:r>
+            <a:r>
+              <a:rPr lang="bg-BG" sz="3600" b="1" dirty="0"/>
+              <a:t>свързана</a:t>
+            </a:r>
+            <a:r>
+              <a:rPr lang="bg-BG" sz="3600" dirty="0"/>
+              <a:t> с </a:t>
+            </a:r>
+            <a:r>
+              <a:rPr lang="bg-BG" sz="3600" b="1" dirty="0"/>
+              <a:t>всяка друга</a:t>
+            </a:r>
+          </a:p>
+          <a:p>
+            <a:pPr lvl="1">
+              <a:buClr>
+                <a:schemeClr val="tx2"/>
+              </a:buClr>
+            </a:pPr>
+            <a:r>
+              <a:rPr lang="bg-BG" sz="3600" dirty="0"/>
+              <a:t>Подходяща за </a:t>
+            </a:r>
+            <a:r>
+              <a:rPr lang="bg-BG" sz="3600" b="1" dirty="0"/>
+              <a:t>големи проекти</a:t>
+            </a:r>
+            <a:r>
+              <a:rPr lang="bg-BG" sz="3600" dirty="0"/>
+              <a:t>, в които</a:t>
+            </a:r>
+            <a:endParaRPr lang="en-US" sz="3600" dirty="0"/>
           </a:p>
           <a:p>
             <a:pPr marL="442912" lvl="1" indent="0">
@@ -17829,16 +16551,523 @@
               <a:buNone/>
             </a:pPr>
             <a:r>
+              <a:rPr lang="en-US" sz="3600" b="1" dirty="0"/>
+              <a:t>   </a:t>
+            </a:r>
+            <a:r>
               <a:rPr lang="bg-BG" sz="3600" b="1" dirty="0"/>
-              <a:t>    видове</a:t>
+              <a:t>уеб страниците </a:t>
             </a:r>
             <a:r>
               <a:rPr lang="bg-BG" sz="3600" dirty="0"/>
-              <a:t> </a:t>
+              <a:t>са </a:t>
             </a:r>
             <a:r>
               <a:rPr lang="bg-BG" sz="3600" b="1" dirty="0"/>
-              <a:t>структури</a:t>
+              <a:t>силно свързани</a:t>
+            </a:r>
+          </a:p>
+        </p:txBody>
+      </p:sp>
+      <p:pic>
+        <p:nvPicPr>
+          <p:cNvPr id="5" name="Picture 4">
+            <a:extLst>
+              <a:ext uri="{FF2B5EF4-FFF2-40B4-BE49-F238E27FC236}">
+                <a16:creationId xmlns:a16="http://schemas.microsoft.com/office/drawing/2014/main" id="{8AC0B51A-BAB8-2D67-93E8-E795C0BC1575}"/>
+              </a:ext>
+            </a:extLst>
+          </p:cNvPr>
+          <p:cNvPicPr>
+            <a:picLocks noChangeAspect="1"/>
+          </p:cNvPicPr>
+          <p:nvPr/>
+        </p:nvPicPr>
+        <p:blipFill>
+          <a:blip r:embed="rId2">
+            <a:extLst>
+              <a:ext uri="{28A0092B-C50C-407E-A947-70E740481C1C}">
+                <a14:useLocalDpi xmlns:a14="http://schemas.microsoft.com/office/drawing/2010/main" val="0"/>
+              </a:ext>
+            </a:extLst>
+          </a:blip>
+          <a:stretch>
+            <a:fillRect/>
+          </a:stretch>
+        </p:blipFill>
+        <p:spPr>
+          <a:xfrm>
+            <a:off x="8301000" y="1089000"/>
+            <a:ext cx="3896345" cy="3750232"/>
+          </a:xfrm>
+          <a:prstGeom prst="rect">
+            <a:avLst/>
+          </a:prstGeom>
+        </p:spPr>
+      </p:pic>
+    </p:spTree>
+    <p:extLst>
+      <p:ext uri="{BB962C8B-B14F-4D97-AF65-F5344CB8AC3E}">
+        <p14:creationId xmlns:p14="http://schemas.microsoft.com/office/powerpoint/2010/main" val="2550281671"/>
+      </p:ext>
+    </p:extLst>
+  </p:cSld>
+  <p:clrMapOvr>
+    <a:masterClrMapping/>
+  </p:clrMapOvr>
+  <mc:AlternateContent xmlns:mc="http://schemas.openxmlformats.org/markup-compatibility/2006" xmlns:p14="http://schemas.microsoft.com/office/powerpoint/2010/main">
+    <mc:Choice Requires="p14">
+      <p:transition spd="slow" p14:dur="2000" advClick="0" advTm="5000"/>
+    </mc:Choice>
+    <mc:Fallback xmlns="">
+      <p:transition spd="slow" advClick="0" advTm="5000"/>
+    </mc:Fallback>
+  </mc:AlternateContent>
+  <p:timing>
+    <p:tnLst>
+      <p:par>
+        <p:cTn id="1" dur="indefinite" restart="never" nodeType="tmRoot">
+          <p:childTnLst>
+            <p:seq concurrent="1" nextAc="seek">
+              <p:cTn id="2" dur="indefinite" nodeType="mainSeq">
+                <p:childTnLst>
+                  <p:par>
+                    <p:cTn id="3" fill="hold">
+                      <p:stCondLst>
+                        <p:cond delay="indefinite"/>
+                      </p:stCondLst>
+                      <p:childTnLst>
+                        <p:par>
+                          <p:cTn id="4" fill="hold">
+                            <p:stCondLst>
+                              <p:cond delay="0"/>
+                            </p:stCondLst>
+                            <p:childTnLst>
+                              <p:par>
+                                <p:cTn id="5" presetID="1" presetClass="entr" presetSubtype="0" fill="hold" nodeType="clickEffect">
+                                  <p:stCondLst>
+                                    <p:cond delay="0"/>
+                                  </p:stCondLst>
+                                  <p:childTnLst>
+                                    <p:set>
+                                      <p:cBhvr>
+                                        <p:cTn id="6" dur="1" fill="hold">
+                                          <p:stCondLst>
+                                            <p:cond delay="0"/>
+                                          </p:stCondLst>
+                                        </p:cTn>
+                                        <p:tgtEl>
+                                          <p:spTgt spid="8">
+                                            <p:txEl>
+                                              <p:pRg st="1" end="1"/>
+                                            </p:txEl>
+                                          </p:spTgt>
+                                        </p:tgtEl>
+                                        <p:attrNameLst>
+                                          <p:attrName>style.visibility</p:attrName>
+                                        </p:attrNameLst>
+                                      </p:cBhvr>
+                                      <p:to>
+                                        <p:strVal val="visible"/>
+                                      </p:to>
+                                    </p:set>
+                                  </p:childTnLst>
+                                </p:cTn>
+                              </p:par>
+                            </p:childTnLst>
+                          </p:cTn>
+                        </p:par>
+                      </p:childTnLst>
+                    </p:cTn>
+                  </p:par>
+                  <p:par>
+                    <p:cTn id="7" fill="hold">
+                      <p:stCondLst>
+                        <p:cond delay="indefinite"/>
+                      </p:stCondLst>
+                      <p:childTnLst>
+                        <p:par>
+                          <p:cTn id="8" fill="hold">
+                            <p:stCondLst>
+                              <p:cond delay="0"/>
+                            </p:stCondLst>
+                            <p:childTnLst>
+                              <p:par>
+                                <p:cTn id="9" presetID="1" presetClass="entr" presetSubtype="0" fill="hold" nodeType="clickEffect">
+                                  <p:stCondLst>
+                                    <p:cond delay="0"/>
+                                  </p:stCondLst>
+                                  <p:childTnLst>
+                                    <p:set>
+                                      <p:cBhvr>
+                                        <p:cTn id="10" dur="1" fill="hold">
+                                          <p:stCondLst>
+                                            <p:cond delay="0"/>
+                                          </p:stCondLst>
+                                        </p:cTn>
+                                        <p:tgtEl>
+                                          <p:spTgt spid="8">
+                                            <p:txEl>
+                                              <p:pRg st="2" end="2"/>
+                                            </p:txEl>
+                                          </p:spTgt>
+                                        </p:tgtEl>
+                                        <p:attrNameLst>
+                                          <p:attrName>style.visibility</p:attrName>
+                                        </p:attrNameLst>
+                                      </p:cBhvr>
+                                      <p:to>
+                                        <p:strVal val="visible"/>
+                                      </p:to>
+                                    </p:set>
+                                  </p:childTnLst>
+                                </p:cTn>
+                              </p:par>
+                            </p:childTnLst>
+                          </p:cTn>
+                        </p:par>
+                      </p:childTnLst>
+                    </p:cTn>
+                  </p:par>
+                  <p:par>
+                    <p:cTn id="11" fill="hold">
+                      <p:stCondLst>
+                        <p:cond delay="indefinite"/>
+                      </p:stCondLst>
+                      <p:childTnLst>
+                        <p:par>
+                          <p:cTn id="12" fill="hold">
+                            <p:stCondLst>
+                              <p:cond delay="0"/>
+                            </p:stCondLst>
+                            <p:childTnLst>
+                              <p:par>
+                                <p:cTn id="13" presetID="1" presetClass="entr" presetSubtype="0" fill="hold" nodeType="clickEffect">
+                                  <p:stCondLst>
+                                    <p:cond delay="0"/>
+                                  </p:stCondLst>
+                                  <p:childTnLst>
+                                    <p:set>
+                                      <p:cBhvr>
+                                        <p:cTn id="14" dur="1" fill="hold">
+                                          <p:stCondLst>
+                                            <p:cond delay="0"/>
+                                          </p:stCondLst>
+                                        </p:cTn>
+                                        <p:tgtEl>
+                                          <p:spTgt spid="8">
+                                            <p:txEl>
+                                              <p:pRg st="3" end="3"/>
+                                            </p:txEl>
+                                          </p:spTgt>
+                                        </p:tgtEl>
+                                        <p:attrNameLst>
+                                          <p:attrName>style.visibility</p:attrName>
+                                        </p:attrNameLst>
+                                      </p:cBhvr>
+                                      <p:to>
+                                        <p:strVal val="visible"/>
+                                      </p:to>
+                                    </p:set>
+                                  </p:childTnLst>
+                                </p:cTn>
+                              </p:par>
+                            </p:childTnLst>
+                          </p:cTn>
+                        </p:par>
+                      </p:childTnLst>
+                    </p:cTn>
+                  </p:par>
+                </p:childTnLst>
+              </p:cTn>
+              <p:prevCondLst>
+                <p:cond evt="onPrev" delay="0">
+                  <p:tgtEl>
+                    <p:sldTgt/>
+                  </p:tgtEl>
+                </p:cond>
+              </p:prevCondLst>
+              <p:nextCondLst>
+                <p:cond evt="onNext" delay="0">
+                  <p:tgtEl>
+                    <p:sldTgt/>
+                  </p:tgtEl>
+                </p:cond>
+              </p:nextCondLst>
+            </p:seq>
+          </p:childTnLst>
+        </p:cTn>
+      </p:par>
+    </p:tnLst>
+  </p:timing>
+</p:sld>
+</file>
+
+<file path=ppt/slides/slide21.xml><?xml version="1.0" encoding="utf-8"?>
+<p:sld xmlns:a="http://schemas.openxmlformats.org/drawingml/2006/main" xmlns:r="http://schemas.openxmlformats.org/officeDocument/2006/relationships" xmlns:p="http://schemas.openxmlformats.org/presentationml/2006/main">
+  <p:cSld>
+    <p:spTree>
+      <p:nvGrpSpPr>
+        <p:cNvPr id="1" name=""/>
+        <p:cNvGrpSpPr/>
+        <p:nvPr/>
+      </p:nvGrpSpPr>
+      <p:grpSpPr>
+        <a:xfrm>
+          <a:off x="0" y="0"/>
+          <a:ext cx="0" cy="0"/>
+          <a:chOff x="0" y="0"/>
+          <a:chExt cx="0" cy="0"/>
+        </a:xfrm>
+      </p:grpSpPr>
+      <p:sp>
+        <p:nvSpPr>
+          <p:cNvPr id="2" name="Slide Number Placeholder 1">
+            <a:extLst>
+              <a:ext uri="{FF2B5EF4-FFF2-40B4-BE49-F238E27FC236}">
+                <a16:creationId xmlns:a16="http://schemas.microsoft.com/office/drawing/2014/main" id="{694CFCAD-7EAB-4381-626E-656599C0384D}"/>
+              </a:ext>
+            </a:extLst>
+          </p:cNvPr>
+          <p:cNvSpPr>
+            <a:spLocks noGrp="1"/>
+          </p:cNvSpPr>
+          <p:nvPr>
+            <p:ph type="sldNum" sz="quarter" idx="5"/>
+          </p:nvPr>
+        </p:nvSpPr>
+        <p:spPr/>
+        <p:txBody>
+          <a:bodyPr/>
+          <a:lstStyle/>
+          <a:p>
+            <a:fld id="{2BF067CD-8E6B-4360-9AA8-C5DF2A48A6D1}" type="slidenum">
+              <a:rPr lang="en-US" noProof="0" smtClean="0"/>
+              <a:pPr/>
+              <a:t>21</a:t>
+            </a:fld>
+            <a:endParaRPr lang="en-US" noProof="0" dirty="0"/>
+          </a:p>
+        </p:txBody>
+      </p:sp>
+      <p:sp>
+        <p:nvSpPr>
+          <p:cNvPr id="4" name="Title 3">
+            <a:extLst>
+              <a:ext uri="{FF2B5EF4-FFF2-40B4-BE49-F238E27FC236}">
+                <a16:creationId xmlns:a16="http://schemas.microsoft.com/office/drawing/2014/main" id="{8FBC8A93-982E-44C5-3457-BF2EA282845A}"/>
+              </a:ext>
+            </a:extLst>
+          </p:cNvPr>
+          <p:cNvSpPr>
+            <a:spLocks noGrp="1"/>
+          </p:cNvSpPr>
+          <p:nvPr>
+            <p:ph type="title"/>
+          </p:nvPr>
+        </p:nvSpPr>
+        <p:spPr/>
+        <p:txBody>
+          <a:bodyPr>
+            <a:normAutofit/>
+          </a:bodyPr>
+          <a:lstStyle/>
+          <a:p>
+            <a:r>
+              <a:rPr lang="bg-BG" sz="4000" dirty="0"/>
+              <a:t>Мрежова структура</a:t>
+            </a:r>
+            <a:endParaRPr lang="en-BG" dirty="0"/>
+          </a:p>
+        </p:txBody>
+      </p:sp>
+      <p:pic>
+        <p:nvPicPr>
+          <p:cNvPr id="6" name="Picture 5">
+            <a:extLst>
+              <a:ext uri="{FF2B5EF4-FFF2-40B4-BE49-F238E27FC236}">
+                <a16:creationId xmlns:a16="http://schemas.microsoft.com/office/drawing/2014/main" id="{02063C69-FA90-3499-98CC-0DC2881C309E}"/>
+              </a:ext>
+            </a:extLst>
+          </p:cNvPr>
+          <p:cNvPicPr>
+            <a:picLocks noChangeAspect="1"/>
+          </p:cNvPicPr>
+          <p:nvPr/>
+        </p:nvPicPr>
+        <p:blipFill>
+          <a:blip r:embed="rId2">
+            <a:extLst>
+              <a:ext uri="{28A0092B-C50C-407E-A947-70E740481C1C}">
+                <a14:useLocalDpi xmlns:a14="http://schemas.microsoft.com/office/drawing/2010/main" val="0"/>
+              </a:ext>
+            </a:extLst>
+          </a:blip>
+          <a:stretch>
+            <a:fillRect/>
+          </a:stretch>
+        </p:blipFill>
+        <p:spPr>
+          <a:xfrm>
+            <a:off x="219749" y="3069000"/>
+            <a:ext cx="11752502" cy="1308950"/>
+          </a:xfrm>
+          <a:prstGeom prst="rect">
+            <a:avLst/>
+          </a:prstGeom>
+        </p:spPr>
+      </p:pic>
+    </p:spTree>
+    <p:extLst>
+      <p:ext uri="{BB962C8B-B14F-4D97-AF65-F5344CB8AC3E}">
+        <p14:creationId xmlns:p14="http://schemas.microsoft.com/office/powerpoint/2010/main" val="1225323323"/>
+      </p:ext>
+    </p:extLst>
+  </p:cSld>
+  <p:clrMapOvr>
+    <a:masterClrMapping/>
+  </p:clrMapOvr>
+  <mc:AlternateContent xmlns:mc="http://schemas.openxmlformats.org/markup-compatibility/2006" xmlns:p14="http://schemas.microsoft.com/office/powerpoint/2010/main">
+    <mc:Choice Requires="p14">
+      <p:transition spd="slow" p14:dur="2000" advClick="0" advTm="5000"/>
+    </mc:Choice>
+    <mc:Fallback xmlns="">
+      <p:transition spd="slow" advClick="0" advTm="5000"/>
+    </mc:Fallback>
+  </mc:AlternateContent>
+</p:sld>
+</file>
+
+<file path=ppt/slides/slide22.xml><?xml version="1.0" encoding="utf-8"?>
+<p:sld xmlns:a="http://schemas.openxmlformats.org/drawingml/2006/main" xmlns:r="http://schemas.openxmlformats.org/officeDocument/2006/relationships" xmlns:p="http://schemas.openxmlformats.org/presentationml/2006/main">
+  <p:cSld>
+    <p:spTree>
+      <p:nvGrpSpPr>
+        <p:cNvPr id="1" name=""/>
+        <p:cNvGrpSpPr/>
+        <p:nvPr/>
+      </p:nvGrpSpPr>
+      <p:grpSpPr>
+        <a:xfrm>
+          <a:off x="0" y="0"/>
+          <a:ext cx="0" cy="0"/>
+          <a:chOff x="0" y="0"/>
+          <a:chExt cx="0" cy="0"/>
+        </a:xfrm>
+      </p:grpSpPr>
+      <p:sp>
+        <p:nvSpPr>
+          <p:cNvPr id="2" name="Slide Number Placeholder 1">
+            <a:extLst>
+              <a:ext uri="{FF2B5EF4-FFF2-40B4-BE49-F238E27FC236}">
+                <a16:creationId xmlns:a16="http://schemas.microsoft.com/office/drawing/2014/main" id="{CCAABC86-82E0-F099-701A-D4347B605385}"/>
+              </a:ext>
+            </a:extLst>
+          </p:cNvPr>
+          <p:cNvSpPr>
+            <a:spLocks noGrp="1"/>
+          </p:cNvSpPr>
+          <p:nvPr>
+            <p:ph type="sldNum" sz="quarter" idx="5"/>
+          </p:nvPr>
+        </p:nvSpPr>
+        <p:spPr/>
+        <p:txBody>
+          <a:bodyPr/>
+          <a:lstStyle/>
+          <a:p>
+            <a:fld id="{2BF067CD-8E6B-4360-9AA8-C5DF2A48A6D1}" type="slidenum">
+              <a:rPr lang="en-US" noProof="0" smtClean="0"/>
+              <a:pPr/>
+              <a:t>22</a:t>
+            </a:fld>
+            <a:endParaRPr lang="en-US" noProof="0" dirty="0"/>
+          </a:p>
+        </p:txBody>
+      </p:sp>
+      <p:sp>
+        <p:nvSpPr>
+          <p:cNvPr id="4" name="Title 3">
+            <a:extLst>
+              <a:ext uri="{FF2B5EF4-FFF2-40B4-BE49-F238E27FC236}">
+                <a16:creationId xmlns:a16="http://schemas.microsoft.com/office/drawing/2014/main" id="{67B6A643-676D-3506-B008-B24B36AA34F1}"/>
+              </a:ext>
+            </a:extLst>
+          </p:cNvPr>
+          <p:cNvSpPr>
+            <a:spLocks noGrp="1"/>
+          </p:cNvSpPr>
+          <p:nvPr>
+            <p:ph type="title"/>
+          </p:nvPr>
+        </p:nvSpPr>
+        <p:spPr/>
+        <p:txBody>
+          <a:bodyPr>
+            <a:normAutofit/>
+          </a:bodyPr>
+          <a:lstStyle/>
+          <a:p>
+            <a:r>
+              <a:rPr lang="bg-BG" dirty="0"/>
+              <a:t>Видове структури на уеб сайт</a:t>
+            </a:r>
+            <a:r>
+              <a:rPr lang="en-US" dirty="0"/>
+              <a:t> (</a:t>
+            </a:r>
+            <a:r>
+              <a:rPr lang="bg-BG" dirty="0"/>
+              <a:t>4</a:t>
+            </a:r>
+            <a:r>
+              <a:rPr lang="en-US" dirty="0"/>
+              <a:t>)</a:t>
+            </a:r>
+            <a:endParaRPr lang="en-BG" dirty="0"/>
+          </a:p>
+        </p:txBody>
+      </p:sp>
+      <p:sp>
+        <p:nvSpPr>
+          <p:cNvPr id="8" name="Text Placeholder 4">
+            <a:extLst>
+              <a:ext uri="{FF2B5EF4-FFF2-40B4-BE49-F238E27FC236}">
+                <a16:creationId xmlns:a16="http://schemas.microsoft.com/office/drawing/2014/main" id="{9CA50BB8-C95B-C726-A00E-EFF2B734CC77}"/>
+              </a:ext>
+            </a:extLst>
+          </p:cNvPr>
+          <p:cNvSpPr>
+            <a:spLocks noGrp="1"/>
+          </p:cNvSpPr>
+          <p:nvPr>
+            <p:ph type="body" sz="quarter" idx="10"/>
+          </p:nvPr>
+        </p:nvSpPr>
+        <p:spPr>
+          <a:xfrm>
+            <a:off x="190402" y="1196125"/>
+            <a:ext cx="9505598" cy="5528766"/>
+          </a:xfrm>
+        </p:spPr>
+        <p:txBody>
+          <a:bodyPr>
+            <a:normAutofit/>
+          </a:bodyPr>
+          <a:lstStyle/>
+          <a:p>
+            <a:pPr>
+              <a:buClr>
+                <a:schemeClr val="tx2"/>
+              </a:buClr>
+            </a:pPr>
+            <a:r>
+              <a:rPr lang="bg-BG" sz="3800" b="1" dirty="0">
+                <a:solidFill>
+                  <a:schemeClr val="bg1"/>
+                </a:solidFill>
+              </a:rPr>
+              <a:t>Хибридна структура</a:t>
             </a:r>
           </a:p>
           <a:p>
@@ -17848,16 +17077,12 @@
               </a:buClr>
             </a:pPr>
             <a:r>
+              <a:rPr lang="bg-BG" sz="3600" b="1" dirty="0"/>
+              <a:t>Комбинира елементи </a:t>
+            </a:r>
+            <a:r>
               <a:rPr lang="bg-BG" sz="3600" dirty="0"/>
-              <a:t>Подходяща за </a:t>
-            </a:r>
-            <a:r>
-              <a:rPr lang="bg-BG" sz="3600" b="1" dirty="0"/>
-              <a:t>големи проекти</a:t>
-            </a:r>
-            <a:r>
-              <a:rPr lang="bg-BG" sz="3600" dirty="0"/>
-              <a:t>, </a:t>
+              <a:t>от другите </a:t>
             </a:r>
           </a:p>
           <a:p>
@@ -17868,12 +17093,16 @@
               <a:buNone/>
             </a:pPr>
             <a:r>
+              <a:rPr lang="bg-BG" sz="3600" b="1" dirty="0"/>
+              <a:t>    видове</a:t>
+            </a:r>
+            <a:r>
               <a:rPr lang="bg-BG" sz="3600" dirty="0"/>
-              <a:t>    които имат </a:t>
+              <a:t> </a:t>
             </a:r>
             <a:r>
               <a:rPr lang="bg-BG" sz="3600" b="1" dirty="0"/>
-              <a:t>много различни раздели</a:t>
+              <a:t>структури</a:t>
             </a:r>
           </a:p>
           <a:p>
@@ -17883,33 +17112,33 @@
               </a:buClr>
             </a:pPr>
             <a:r>
+              <a:rPr lang="bg-BG" sz="3600" dirty="0"/>
+              <a:t>Подходяща за </a:t>
+            </a:r>
+            <a:r>
               <a:rPr lang="bg-BG" sz="3600" b="1" dirty="0"/>
-              <a:t>Пример</a:t>
-            </a:r>
-            <a:r>
-              <a:rPr lang="en-US" sz="3600" b="1" dirty="0"/>
-              <a:t>: </a:t>
-            </a:r>
-          </a:p>
-          <a:p>
-            <a:pPr lvl="2">
+              <a:t>големи проекти</a:t>
+            </a:r>
+            <a:r>
+              <a:rPr lang="bg-BG" sz="3600" dirty="0"/>
+              <a:t>, </a:t>
+            </a:r>
+          </a:p>
+          <a:p>
+            <a:pPr marL="442912" lvl="1" indent="0">
               <a:buClr>
                 <a:schemeClr val="tx2"/>
               </a:buClr>
+              <a:buNone/>
             </a:pPr>
             <a:r>
-              <a:rPr lang="bg-BG" sz="3400" dirty="0"/>
-              <a:t>Начало → Учебен процес </a:t>
-            </a:r>
-            <a:r>
-              <a:rPr lang="en-BG" sz="3400" dirty="0"/>
-              <a:t>↔</a:t>
-            </a:r>
-            <a:r>
-              <a:rPr lang="bg-BG" sz="3400" dirty="0"/>
-              <a:t> Новини</a:t>
-            </a:r>
-            <a:endParaRPr lang="bg-BG" sz="3400" b="1" dirty="0"/>
+              <a:rPr lang="bg-BG" sz="3600" dirty="0"/>
+              <a:t>    които имат </a:t>
+            </a:r>
+            <a:r>
+              <a:rPr lang="bg-BG" sz="3600" b="1" dirty="0"/>
+              <a:t>много различни раздели</a:t>
+            </a:r>
           </a:p>
         </p:txBody>
       </p:sp>
@@ -18171,104 +17400,6 @@
                       </p:childTnLst>
                     </p:cTn>
                   </p:par>
-                  <p:par>
-                    <p:cTn id="19" fill="hold">
-                      <p:stCondLst>
-                        <p:cond delay="indefinite"/>
-                      </p:stCondLst>
-                      <p:childTnLst>
-                        <p:par>
-                          <p:cTn id="20" fill="hold">
-                            <p:stCondLst>
-                              <p:cond delay="0"/>
-                            </p:stCondLst>
-                            <p:childTnLst>
-                              <p:par>
-                                <p:cTn id="21" presetID="1" presetClass="entr" presetSubtype="0" fill="hold" nodeType="clickEffect">
-                                  <p:stCondLst>
-                                    <p:cond delay="0"/>
-                                  </p:stCondLst>
-                                  <p:childTnLst>
-                                    <p:set>
-                                      <p:cBhvr>
-                                        <p:cTn id="22" dur="1" fill="hold">
-                                          <p:stCondLst>
-                                            <p:cond delay="0"/>
-                                          </p:stCondLst>
-                                        </p:cTn>
-                                        <p:tgtEl>
-                                          <p:spTgt spid="8">
-                                            <p:txEl>
-                                              <p:pRg st="5" end="5"/>
-                                            </p:txEl>
-                                          </p:spTgt>
-                                        </p:tgtEl>
-                                        <p:attrNameLst>
-                                          <p:attrName>style.visibility</p:attrName>
-                                        </p:attrNameLst>
-                                      </p:cBhvr>
-                                      <p:to>
-                                        <p:strVal val="visible"/>
-                                      </p:to>
-                                    </p:set>
-                                  </p:childTnLst>
-                                </p:cTn>
-                              </p:par>
-                            </p:childTnLst>
-                          </p:cTn>
-                        </p:par>
-                      </p:childTnLst>
-                    </p:cTn>
-                  </p:par>
-                  <p:par>
-                    <p:cTn id="23" fill="hold">
-                      <p:stCondLst>
-                        <p:cond delay="indefinite"/>
-                      </p:stCondLst>
-                      <p:childTnLst>
-                        <p:par>
-                          <p:cTn id="24" fill="hold">
-                            <p:stCondLst>
-                              <p:cond delay="0"/>
-                            </p:stCondLst>
-                            <p:childTnLst>
-                              <p:par>
-                                <p:cTn id="25" presetID="1" presetClass="entr" presetSubtype="0" fill="hold" nodeType="clickEffect">
-                                  <p:stCondLst>
-                                    <p:cond delay="0"/>
-                                  </p:stCondLst>
-                                  <p:childTnLst>
-                                    <p:set>
-                                      <p:cBhvr>
-                                        <p:cTn id="26" dur="1" fill="hold">
-                                          <p:stCondLst>
-                                            <p:cond delay="0"/>
-                                          </p:stCondLst>
-                                        </p:cTn>
-                                        <p:tgtEl>
-                                          <p:spTgt spid="8">
-                                            <p:txEl>
-                                              <p:pRg st="6" end="6"/>
-                                            </p:txEl>
-                                          </p:spTgt>
-                                        </p:tgtEl>
-                                        <p:attrNameLst>
-                                          <p:attrName>style.visibility</p:attrName>
-                                        </p:attrNameLst>
-                                      </p:cBhvr>
-                                      <p:to>
-                                        <p:strVal val="visible"/>
-                                      </p:to>
-                                    </p:set>
-                                  </p:childTnLst>
-                                </p:cTn>
-                              </p:par>
-                            </p:childTnLst>
-                          </p:cTn>
-                        </p:par>
-                      </p:childTnLst>
-                    </p:cTn>
-                  </p:par>
                 </p:childTnLst>
               </p:cTn>
               <p:prevCondLst>
@@ -18294,7 +17425,7 @@
 </p:sld>
 </file>
 
-<file path=ppt/slides/slide21.xml><?xml version="1.0" encoding="utf-8"?>
+<file path=ppt/slides/slide23.xml><?xml version="1.0" encoding="utf-8"?>
 <p:sld xmlns:a="http://schemas.openxmlformats.org/drawingml/2006/main" xmlns:r="http://schemas.openxmlformats.org/officeDocument/2006/relationships" xmlns:p="http://schemas.openxmlformats.org/presentationml/2006/main">
   <p:cSld>
     <p:spTree>
@@ -18316,6 +17447,141 @@
           <p:cNvPr id="2" name="Slide Number Placeholder 1">
             <a:extLst>
               <a:ext uri="{FF2B5EF4-FFF2-40B4-BE49-F238E27FC236}">
+                <a16:creationId xmlns:a16="http://schemas.microsoft.com/office/drawing/2014/main" id="{F5EB66FD-AAC4-9C81-586A-586E4A922373}"/>
+              </a:ext>
+            </a:extLst>
+          </p:cNvPr>
+          <p:cNvSpPr>
+            <a:spLocks noGrp="1"/>
+          </p:cNvSpPr>
+          <p:nvPr>
+            <p:ph type="sldNum" sz="quarter" idx="5"/>
+          </p:nvPr>
+        </p:nvSpPr>
+        <p:spPr/>
+        <p:txBody>
+          <a:bodyPr/>
+          <a:lstStyle/>
+          <a:p>
+            <a:fld id="{2BF067CD-8E6B-4360-9AA8-C5DF2A48A6D1}" type="slidenum">
+              <a:rPr lang="en-US" noProof="0" smtClean="0"/>
+              <a:pPr/>
+              <a:t>23</a:t>
+            </a:fld>
+            <a:endParaRPr lang="en-US" noProof="0" dirty="0"/>
+          </a:p>
+        </p:txBody>
+      </p:sp>
+      <p:sp>
+        <p:nvSpPr>
+          <p:cNvPr id="4" name="Title 3">
+            <a:extLst>
+              <a:ext uri="{FF2B5EF4-FFF2-40B4-BE49-F238E27FC236}">
+                <a16:creationId xmlns:a16="http://schemas.microsoft.com/office/drawing/2014/main" id="{F6020D25-B056-E894-1814-985B4280B52F}"/>
+              </a:ext>
+            </a:extLst>
+          </p:cNvPr>
+          <p:cNvSpPr>
+            <a:spLocks noGrp="1"/>
+          </p:cNvSpPr>
+          <p:nvPr>
+            <p:ph type="title"/>
+          </p:nvPr>
+        </p:nvSpPr>
+        <p:spPr/>
+        <p:txBody>
+          <a:bodyPr>
+            <a:normAutofit/>
+          </a:bodyPr>
+          <a:lstStyle/>
+          <a:p>
+            <a:r>
+              <a:rPr lang="bg-BG" sz="4000" b="1" dirty="0"/>
+              <a:t>Хибридна структура</a:t>
+            </a:r>
+            <a:endParaRPr lang="en-BG" dirty="0"/>
+          </a:p>
+        </p:txBody>
+      </p:sp>
+      <p:pic>
+        <p:nvPicPr>
+          <p:cNvPr id="8" name="Picture 7">
+            <a:extLst>
+              <a:ext uri="{FF2B5EF4-FFF2-40B4-BE49-F238E27FC236}">
+                <a16:creationId xmlns:a16="http://schemas.microsoft.com/office/drawing/2014/main" id="{EA12FAAB-02BD-AA96-3047-1BCD134367B4}"/>
+              </a:ext>
+            </a:extLst>
+          </p:cNvPr>
+          <p:cNvPicPr>
+            <a:picLocks noChangeAspect="1"/>
+          </p:cNvPicPr>
+          <p:nvPr/>
+        </p:nvPicPr>
+        <p:blipFill>
+          <a:blip r:embed="rId2">
+            <a:extLst>
+              <a:ext uri="{28A0092B-C50C-407E-A947-70E740481C1C}">
+                <a14:useLocalDpi xmlns:a14="http://schemas.microsoft.com/office/drawing/2010/main" val="0"/>
+              </a:ext>
+            </a:extLst>
+          </a:blip>
+          <a:stretch>
+            <a:fillRect/>
+          </a:stretch>
+        </p:blipFill>
+        <p:spPr>
+          <a:xfrm>
+            <a:off x="1235800" y="1284158"/>
+            <a:ext cx="9720399" cy="5283000"/>
+          </a:xfrm>
+          <a:prstGeom prst="rect">
+            <a:avLst/>
+          </a:prstGeom>
+        </p:spPr>
+      </p:pic>
+    </p:spTree>
+    <p:extLst>
+      <p:ext uri="{BB962C8B-B14F-4D97-AF65-F5344CB8AC3E}">
+        <p14:creationId xmlns:p14="http://schemas.microsoft.com/office/powerpoint/2010/main" val="2972072971"/>
+      </p:ext>
+    </p:extLst>
+  </p:cSld>
+  <p:clrMapOvr>
+    <a:masterClrMapping/>
+  </p:clrMapOvr>
+  <mc:AlternateContent xmlns:mc="http://schemas.openxmlformats.org/markup-compatibility/2006" xmlns:p14="http://schemas.microsoft.com/office/powerpoint/2010/main">
+    <mc:Choice Requires="p14">
+      <p:transition spd="slow" p14:dur="2000" advClick="0" advTm="5000"/>
+    </mc:Choice>
+    <mc:Fallback xmlns="">
+      <p:transition spd="slow" advClick="0" advTm="5000"/>
+    </mc:Fallback>
+  </mc:AlternateContent>
+</p:sld>
+</file>
+
+<file path=ppt/slides/slide24.xml><?xml version="1.0" encoding="utf-8"?>
+<p:sld xmlns:a="http://schemas.openxmlformats.org/drawingml/2006/main" xmlns:r="http://schemas.openxmlformats.org/officeDocument/2006/relationships" xmlns:p="http://schemas.openxmlformats.org/presentationml/2006/main">
+  <p:cSld>
+    <p:spTree>
+      <p:nvGrpSpPr>
+        <p:cNvPr id="1" name=""/>
+        <p:cNvGrpSpPr/>
+        <p:nvPr/>
+      </p:nvGrpSpPr>
+      <p:grpSpPr>
+        <a:xfrm>
+          <a:off x="0" y="0"/>
+          <a:ext cx="0" cy="0"/>
+          <a:chOff x="0" y="0"/>
+          <a:chExt cx="0" cy="0"/>
+        </a:xfrm>
+      </p:grpSpPr>
+      <p:sp>
+        <p:nvSpPr>
+          <p:cNvPr id="2" name="Slide Number Placeholder 1">
+            <a:extLst>
+              <a:ext uri="{FF2B5EF4-FFF2-40B4-BE49-F238E27FC236}">
                 <a16:creationId xmlns:a16="http://schemas.microsoft.com/office/drawing/2014/main" id="{425B3741-5430-E1F0-3342-CACCE9F40C01}"/>
               </a:ext>
             </a:extLst>
@@ -18335,7 +17601,7 @@
             <a:fld id="{2BF067CD-8E6B-4360-9AA8-C5DF2A48A6D1}" type="slidenum">
               <a:rPr lang="en-US" noProof="0" smtClean="0"/>
               <a:pPr/>
-              <a:t>21</a:t>
+              <a:t>24</a:t>
             </a:fld>
             <a:endParaRPr lang="en-US" noProof="0" dirty="0"/>
           </a:p>
@@ -19044,7 +18310,7 @@
 </p:sld>
 </file>
 
-<file path=ppt/slides/slide22.xml><?xml version="1.0" encoding="utf-8"?>
+<file path=ppt/slides/slide25.xml><?xml version="1.0" encoding="utf-8"?>
 <p:sld xmlns:a="http://schemas.openxmlformats.org/drawingml/2006/main" xmlns:r="http://schemas.openxmlformats.org/officeDocument/2006/relationships" xmlns:p="http://schemas.openxmlformats.org/presentationml/2006/main">
   <p:cSld>
     <p:spTree>
@@ -19174,7 +18440,7 @@
 </p:sld>
 </file>
 
-<file path=ppt/slides/slide23.xml><?xml version="1.0" encoding="utf-8"?>
+<file path=ppt/slides/slide26.xml><?xml version="1.0" encoding="utf-8"?>
 <p:sld xmlns:a="http://schemas.openxmlformats.org/drawingml/2006/main" xmlns:r="http://schemas.openxmlformats.org/officeDocument/2006/relationships" xmlns:p="http://schemas.openxmlformats.org/presentationml/2006/main">
   <p:cSld>
     <p:spTree>
@@ -19224,7 +18490,7 @@
             <a:fld id="{2BF067CD-8E6B-4360-9AA8-C5DF2A48A6D1}" type="slidenum">
               <a:rPr lang="en-US" smtClean="0"/>
               <a:pPr/>
-              <a:t>23</a:t>
+              <a:t>26</a:t>
             </a:fld>
             <a:endParaRPr lang="en-US" dirty="0"/>
           </a:p>
@@ -19523,7 +18789,7 @@
 </p:sld>
 </file>
 
-<file path=ppt/slides/slide24.xml><?xml version="1.0" encoding="utf-8"?>
+<file path=ppt/slides/slide27.xml><?xml version="1.0" encoding="utf-8"?>
 <p:sld xmlns:a="http://schemas.openxmlformats.org/drawingml/2006/main" xmlns:r="http://schemas.openxmlformats.org/officeDocument/2006/relationships" xmlns:p="http://schemas.openxmlformats.org/presentationml/2006/main">
   <p:cSld>
     <p:spTree>
@@ -19573,7 +18839,7 @@
             <a:fld id="{2BF067CD-8E6B-4360-9AA8-C5DF2A48A6D1}" type="slidenum">
               <a:rPr lang="en-US" smtClean="0"/>
               <a:pPr/>
-              <a:t>24</a:t>
+              <a:t>27</a:t>
             </a:fld>
             <a:endParaRPr lang="en-US" dirty="0"/>
           </a:p>
@@ -20012,7 +19278,7 @@
 </p:sld>
 </file>
 
-<file path=ppt/slides/slide25.xml><?xml version="1.0" encoding="utf-8"?>
+<file path=ppt/slides/slide28.xml><?xml version="1.0" encoding="utf-8"?>
 <p:sld xmlns:a="http://schemas.openxmlformats.org/drawingml/2006/main" xmlns:r="http://schemas.openxmlformats.org/officeDocument/2006/relationships" xmlns:p="http://schemas.openxmlformats.org/presentationml/2006/main">
   <p:cSld>
     <p:spTree>
@@ -20062,7 +19328,7 @@
             <a:fld id="{2BF067CD-8E6B-4360-9AA8-C5DF2A48A6D1}" type="slidenum">
               <a:rPr lang="en-US" smtClean="0"/>
               <a:pPr/>
-              <a:t>25</a:t>
+              <a:t>28</a:t>
             </a:fld>
             <a:endParaRPr lang="en-US" dirty="0"/>
           </a:p>
@@ -20087,12 +19353,12 @@
         <p:spPr>
           <a:xfrm>
             <a:off x="190402" y="1196125"/>
-            <a:ext cx="11818096" cy="5528766"/>
+            <a:ext cx="6355598" cy="5528766"/>
           </a:xfrm>
         </p:spPr>
         <p:txBody>
           <a:bodyPr>
-            <a:normAutofit lnSpcReduction="10000"/>
+            <a:normAutofit fontScale="92500" lnSpcReduction="20000"/>
           </a:bodyPr>
           <a:lstStyle/>
           <a:p>
@@ -20169,61 +19435,57 @@
             </a:r>
           </a:p>
           <a:p>
+            <a:pPr>
+              <a:buClr>
+                <a:schemeClr val="tx2"/>
+              </a:buClr>
+            </a:pPr>
+            <a:r>
+              <a:rPr lang="bg-BG" sz="3600" b="1" dirty="0">
+                <a:solidFill>
+                  <a:schemeClr val="bg1"/>
+                </a:solidFill>
+              </a:rPr>
+              <a:t>Второстепенна </a:t>
+            </a:r>
+            <a:r>
+              <a:rPr lang="bg-BG" sz="3600" b="1" dirty="0"/>
+              <a:t>(вътрешна) </a:t>
+            </a:r>
+            <a:r>
+              <a:rPr lang="bg-BG" sz="3600" b="1" dirty="0">
+                <a:solidFill>
+                  <a:schemeClr val="bg1"/>
+                </a:solidFill>
+              </a:rPr>
+              <a:t>навигация</a:t>
+            </a:r>
+          </a:p>
+          <a:p>
             <a:pPr lvl="1">
               <a:buClr>
                 <a:schemeClr val="tx2"/>
               </a:buClr>
             </a:pPr>
             <a:r>
+              <a:rPr lang="bg-BG" sz="3400" dirty="0"/>
+              <a:t>Появява се в </a:t>
+            </a:r>
+            <a:r>
+              <a:rPr lang="bg-BG" sz="3400" b="1" dirty="0">
+                <a:solidFill>
+                  <a:schemeClr val="bg1"/>
+                </a:solidFill>
+              </a:rPr>
+              <a:t>рамките</a:t>
+            </a:r>
+            <a:r>
+              <a:rPr lang="bg-BG" sz="3400" dirty="0"/>
+              <a:t> на </a:t>
+            </a:r>
+            <a:r>
               <a:rPr lang="bg-BG" sz="3400" b="1" dirty="0"/>
-              <a:t>Пример: </a:t>
-            </a:r>
-            <a:r>
-              <a:rPr lang="bg-BG" sz="3400" dirty="0"/>
-              <a:t>Начало</a:t>
-            </a:r>
-            <a:r>
-              <a:rPr lang="en-US" sz="3400" dirty="0"/>
-              <a:t> | </a:t>
-            </a:r>
-            <a:r>
-              <a:rPr lang="bg-BG" sz="3400" dirty="0"/>
-              <a:t>Продукти </a:t>
-            </a:r>
-            <a:r>
-              <a:rPr lang="en-US" sz="3400" dirty="0"/>
-              <a:t>|</a:t>
-            </a:r>
-            <a:r>
-              <a:rPr lang="bg-BG" sz="3400" dirty="0"/>
-              <a:t> Контакти</a:t>
-            </a:r>
-          </a:p>
-          <a:p>
-            <a:pPr>
-              <a:buClr>
-                <a:schemeClr val="tx2"/>
-              </a:buClr>
-            </a:pPr>
-            <a:r>
-              <a:rPr lang="bg-BG" sz="3600" b="1" dirty="0">
-                <a:solidFill>
-                  <a:schemeClr val="bg1"/>
-                </a:solidFill>
-              </a:rPr>
-              <a:t>Второстепенна </a:t>
-            </a:r>
-            <a:r>
-              <a:rPr lang="bg-BG" sz="3600" b="1" dirty="0"/>
-              <a:t>(вътрешна) </a:t>
-            </a:r>
-            <a:r>
-              <a:rPr lang="bg-BG" sz="3600" b="1" dirty="0">
-                <a:solidFill>
-                  <a:schemeClr val="bg1"/>
-                </a:solidFill>
-              </a:rPr>
-              <a:t>навигация</a:t>
+              <a:t>конкретен раздел</a:t>
             </a:r>
           </a:p>
           <a:p>
@@ -20234,72 +19496,19 @@
             </a:pPr>
             <a:r>
               <a:rPr lang="bg-BG" sz="3400" dirty="0"/>
-              <a:t>Появява се в </a:t>
-            </a:r>
-            <a:r>
-              <a:rPr lang="bg-BG" sz="3400" b="1" dirty="0">
-                <a:solidFill>
-                  <a:schemeClr val="bg1"/>
-                </a:solidFill>
-              </a:rPr>
-              <a:t>рамките</a:t>
-            </a:r>
-            <a:r>
-              <a:rPr lang="bg-BG" sz="3400" dirty="0"/>
-              <a:t> на </a:t>
+              <a:t>Показва </a:t>
             </a:r>
             <a:r>
               <a:rPr lang="bg-BG" sz="3400" b="1" dirty="0"/>
-              <a:t>конкретен раздел</a:t>
-            </a:r>
-          </a:p>
-          <a:p>
-            <a:pPr lvl="1">
+              <a:t>вътрешните подстраници</a:t>
+            </a:r>
+          </a:p>
+          <a:p>
+            <a:pPr marL="0" indent="0">
               <a:buClr>
                 <a:schemeClr val="tx2"/>
               </a:buClr>
-            </a:pPr>
-            <a:r>
-              <a:rPr lang="bg-BG" sz="3400" dirty="0"/>
-              <a:t>Показва </a:t>
-            </a:r>
-            <a:r>
-              <a:rPr lang="bg-BG" sz="3400" b="1" dirty="0"/>
-              <a:t>вътрешните подстраници</a:t>
-            </a:r>
-          </a:p>
-          <a:p>
-            <a:pPr lvl="1">
-              <a:buClr>
-                <a:schemeClr val="tx2"/>
-              </a:buClr>
-            </a:pPr>
-            <a:r>
-              <a:rPr lang="bg-BG" sz="3400" b="1" dirty="0"/>
-              <a:t>Пример</a:t>
-            </a:r>
-            <a:r>
-              <a:rPr lang="en-US" sz="3400" b="1" dirty="0"/>
-              <a:t>: </a:t>
-            </a:r>
-            <a:r>
-              <a:rPr lang="bg-BG" sz="3400" dirty="0"/>
-              <a:t>Продукти → Сладкиши </a:t>
-            </a:r>
-            <a:r>
-              <a:rPr lang="en-US" sz="3400" dirty="0"/>
-              <a:t>| </a:t>
-            </a:r>
-            <a:r>
-              <a:rPr lang="bg-BG" sz="3400" dirty="0"/>
-              <a:t>Фрешове</a:t>
-            </a:r>
-          </a:p>
-          <a:p>
-            <a:pPr>
-              <a:buClr>
-                <a:schemeClr val="tx2"/>
-              </a:buClr>
+              <a:buNone/>
             </a:pPr>
             <a:endParaRPr lang="bg-BG" sz="3600" dirty="0"/>
           </a:p>
@@ -20335,6 +19544,92 @@
           </a:p>
         </p:txBody>
       </p:sp>
+      <p:pic>
+        <p:nvPicPr>
+          <p:cNvPr id="3" name="Picture 2">
+            <a:extLst>
+              <a:ext uri="{FF2B5EF4-FFF2-40B4-BE49-F238E27FC236}">
+                <a16:creationId xmlns:a16="http://schemas.microsoft.com/office/drawing/2014/main" id="{59858A35-4401-9AF6-BFC1-02E928280B93}"/>
+              </a:ext>
+            </a:extLst>
+          </p:cNvPr>
+          <p:cNvPicPr>
+            <a:picLocks noChangeAspect="1"/>
+          </p:cNvPicPr>
+          <p:nvPr/>
+        </p:nvPicPr>
+        <p:blipFill>
+          <a:blip r:embed="rId3">
+            <a:extLst>
+              <a:ext uri="{28A0092B-C50C-407E-A947-70E740481C1C}">
+                <a14:useLocalDpi xmlns:a14="http://schemas.microsoft.com/office/drawing/2010/main" val="0"/>
+              </a:ext>
+            </a:extLst>
+          </a:blip>
+          <a:stretch>
+            <a:fillRect/>
+          </a:stretch>
+        </p:blipFill>
+        <p:spPr>
+          <a:xfrm>
+            <a:off x="6177730" y="1989000"/>
+            <a:ext cx="5575300" cy="736600"/>
+          </a:xfrm>
+          <a:prstGeom prst="rect">
+            <a:avLst/>
+          </a:prstGeom>
+          <a:ln>
+            <a:solidFill>
+              <a:schemeClr val="bg2">
+                <a:lumMod val="75000"/>
+              </a:schemeClr>
+            </a:solidFill>
+          </a:ln>
+        </p:spPr>
+      </p:pic>
+      <p:pic>
+        <p:nvPicPr>
+          <p:cNvPr id="6" name="Picture 5">
+            <a:extLst>
+              <a:ext uri="{FF2B5EF4-FFF2-40B4-BE49-F238E27FC236}">
+                <a16:creationId xmlns:a16="http://schemas.microsoft.com/office/drawing/2014/main" id="{1A8B5774-2E3F-C9D1-7051-9DB46FF560D0}"/>
+              </a:ext>
+            </a:extLst>
+          </p:cNvPr>
+          <p:cNvPicPr>
+            <a:picLocks noChangeAspect="1"/>
+          </p:cNvPicPr>
+          <p:nvPr/>
+        </p:nvPicPr>
+        <p:blipFill>
+          <a:blip r:embed="rId4">
+            <a:extLst>
+              <a:ext uri="{28A0092B-C50C-407E-A947-70E740481C1C}">
+                <a14:useLocalDpi xmlns:a14="http://schemas.microsoft.com/office/drawing/2010/main" val="0"/>
+              </a:ext>
+            </a:extLst>
+          </a:blip>
+          <a:stretch>
+            <a:fillRect/>
+          </a:stretch>
+        </p:blipFill>
+        <p:spPr>
+          <a:xfrm>
+            <a:off x="7094151" y="3944213"/>
+            <a:ext cx="3742457" cy="2503400"/>
+          </a:xfrm>
+          <a:prstGeom prst="rect">
+            <a:avLst/>
+          </a:prstGeom>
+          <a:ln>
+            <a:solidFill>
+              <a:schemeClr val="bg2">
+                <a:lumMod val="75000"/>
+              </a:schemeClr>
+            </a:solidFill>
+          </a:ln>
+        </p:spPr>
+      </p:pic>
     </p:spTree>
     <p:extLst>
       <p:ext uri="{BB962C8B-B14F-4D97-AF65-F5344CB8AC3E}">
@@ -20502,6 +19797,33 @@
                                   </p:childTnLst>
                                 </p:cTn>
                               </p:par>
+                              <p:par>
+                                <p:cTn id="15" presetID="1" presetClass="entr" presetSubtype="0" fill="hold" nodeType="withEffect">
+                                  <p:stCondLst>
+                                    <p:cond delay="0"/>
+                                  </p:stCondLst>
+                                  <p:childTnLst>
+                                    <p:set>
+                                      <p:cBhvr>
+                                        <p:cTn id="16" dur="1" fill="hold">
+                                          <p:stCondLst>
+                                            <p:cond delay="0"/>
+                                          </p:stCondLst>
+                                        </p:cTn>
+                                        <p:tgtEl>
+                                          <p:spTgt spid="6"/>
+                                        </p:tgtEl>
+                                        <p:attrNameLst>
+                                          <p:attrName>style.visibility</p:attrName>
+                                        </p:attrNameLst>
+                                      </p:cBhvr>
+                                      <p:to>
+                                        <p:strVal val="visible"/>
+                                      </p:to>
+                                    </p:set>
+                                  </p:childTnLst>
+                                </p:cTn>
+                              </p:par>
                             </p:childTnLst>
                           </p:cTn>
                         </p:par>
@@ -20509,26 +19831,26 @@
                     </p:cTn>
                   </p:par>
                   <p:par>
-                    <p:cTn id="15" fill="hold">
+                    <p:cTn id="17" fill="hold">
                       <p:stCondLst>
                         <p:cond delay="indefinite"/>
                       </p:stCondLst>
                       <p:childTnLst>
                         <p:par>
-                          <p:cTn id="16" fill="hold">
+                          <p:cTn id="18" fill="hold">
                             <p:stCondLst>
                               <p:cond delay="0"/>
                             </p:stCondLst>
                             <p:childTnLst>
                               <p:par>
-                                <p:cTn id="17" presetID="1" presetClass="entr" presetSubtype="0" fill="hold" nodeType="clickEffect">
+                                <p:cTn id="19" presetID="1" presetClass="entr" presetSubtype="0" fill="hold" nodeType="clickEffect">
                                   <p:stCondLst>
                                     <p:cond delay="0"/>
                                   </p:stCondLst>
                                   <p:childTnLst>
                                     <p:set>
                                       <p:cBhvr>
-                                        <p:cTn id="18" dur="1" fill="hold">
+                                        <p:cTn id="20" dur="1" fill="hold">
                                           <p:stCondLst>
                                             <p:cond delay="0"/>
                                           </p:stCondLst>
@@ -20558,26 +19880,26 @@
                     </p:cTn>
                   </p:par>
                   <p:par>
-                    <p:cTn id="19" fill="hold">
+                    <p:cTn id="21" fill="hold">
                       <p:stCondLst>
                         <p:cond delay="indefinite"/>
                       </p:stCondLst>
                       <p:childTnLst>
                         <p:par>
-                          <p:cTn id="20" fill="hold">
+                          <p:cTn id="22" fill="hold">
                             <p:stCondLst>
                               <p:cond delay="0"/>
                             </p:stCondLst>
                             <p:childTnLst>
                               <p:par>
-                                <p:cTn id="21" presetID="1" presetClass="entr" presetSubtype="0" fill="hold" nodeType="clickEffect">
+                                <p:cTn id="23" presetID="1" presetClass="entr" presetSubtype="0" fill="hold" nodeType="clickEffect">
                                   <p:stCondLst>
                                     <p:cond delay="0"/>
                                   </p:stCondLst>
                                   <p:childTnLst>
                                     <p:set>
                                       <p:cBhvr>
-                                        <p:cTn id="22" dur="1" fill="hold">
+                                        <p:cTn id="24" dur="1" fill="hold">
                                           <p:stCondLst>
                                             <p:cond delay="0"/>
                                           </p:stCondLst>
@@ -20586,104 +19908,6 @@
                                           <p:spTgt spid="7">
                                             <p:txEl>
                                               <p:pRg st="5" end="5"/>
-                                            </p:txEl>
-                                          </p:spTgt>
-                                        </p:tgtEl>
-                                        <p:attrNameLst>
-                                          <p:attrName>style.visibility</p:attrName>
-                                        </p:attrNameLst>
-                                      </p:cBhvr>
-                                      <p:to>
-                                        <p:strVal val="visible"/>
-                                      </p:to>
-                                    </p:set>
-                                  </p:childTnLst>
-                                </p:cTn>
-                              </p:par>
-                            </p:childTnLst>
-                          </p:cTn>
-                        </p:par>
-                      </p:childTnLst>
-                    </p:cTn>
-                  </p:par>
-                  <p:par>
-                    <p:cTn id="23" fill="hold">
-                      <p:stCondLst>
-                        <p:cond delay="indefinite"/>
-                      </p:stCondLst>
-                      <p:childTnLst>
-                        <p:par>
-                          <p:cTn id="24" fill="hold">
-                            <p:stCondLst>
-                              <p:cond delay="0"/>
-                            </p:stCondLst>
-                            <p:childTnLst>
-                              <p:par>
-                                <p:cTn id="25" presetID="1" presetClass="entr" presetSubtype="0" fill="hold" nodeType="clickEffect">
-                                  <p:stCondLst>
-                                    <p:cond delay="0"/>
-                                  </p:stCondLst>
-                                  <p:childTnLst>
-                                    <p:set>
-                                      <p:cBhvr>
-                                        <p:cTn id="26" dur="1" fill="hold">
-                                          <p:stCondLst>
-                                            <p:cond delay="0"/>
-                                          </p:stCondLst>
-                                        </p:cTn>
-                                        <p:tgtEl>
-                                          <p:spTgt spid="7">
-                                            <p:txEl>
-                                              <p:pRg st="6" end="6"/>
-                                            </p:txEl>
-                                          </p:spTgt>
-                                        </p:tgtEl>
-                                        <p:attrNameLst>
-                                          <p:attrName>style.visibility</p:attrName>
-                                        </p:attrNameLst>
-                                      </p:cBhvr>
-                                      <p:to>
-                                        <p:strVal val="visible"/>
-                                      </p:to>
-                                    </p:set>
-                                  </p:childTnLst>
-                                </p:cTn>
-                              </p:par>
-                            </p:childTnLst>
-                          </p:cTn>
-                        </p:par>
-                      </p:childTnLst>
-                    </p:cTn>
-                  </p:par>
-                  <p:par>
-                    <p:cTn id="27" fill="hold">
-                      <p:stCondLst>
-                        <p:cond delay="indefinite"/>
-                      </p:stCondLst>
-                      <p:childTnLst>
-                        <p:par>
-                          <p:cTn id="28" fill="hold">
-                            <p:stCondLst>
-                              <p:cond delay="0"/>
-                            </p:stCondLst>
-                            <p:childTnLst>
-                              <p:par>
-                                <p:cTn id="29" presetID="1" presetClass="entr" presetSubtype="0" fill="hold" nodeType="clickEffect">
-                                  <p:stCondLst>
-                                    <p:cond delay="0"/>
-                                  </p:stCondLst>
-                                  <p:childTnLst>
-                                    <p:set>
-                                      <p:cBhvr>
-                                        <p:cTn id="30" dur="1" fill="hold">
-                                          <p:stCondLst>
-                                            <p:cond delay="0"/>
-                                          </p:stCondLst>
-                                        </p:cTn>
-                                        <p:tgtEl>
-                                          <p:spTgt spid="7">
-                                            <p:txEl>
-                                              <p:pRg st="7" end="7"/>
                                             </p:txEl>
                                           </p:spTgt>
                                         </p:tgtEl>
@@ -20726,15 +19950,10 @@
       </p:par>
     </p:tnLst>
   </p:timing>
-  <p:extLst>
-    <p:ext uri="{6950BFC3-D8DA-4A85-94F7-54DA5524770B}">
-      <p188:commentRel xmlns:p188="http://schemas.microsoft.com/office/powerpoint/2018/8/main" r:id="rId3"/>
-    </p:ext>
-  </p:extLst>
 </p:sld>
 </file>
 
-<file path=ppt/slides/slide26.xml><?xml version="1.0" encoding="utf-8"?>
+<file path=ppt/slides/slide29.xml><?xml version="1.0" encoding="utf-8"?>
 <p:sld xmlns:a="http://schemas.openxmlformats.org/drawingml/2006/main" xmlns:r="http://schemas.openxmlformats.org/officeDocument/2006/relationships" xmlns:p="http://schemas.openxmlformats.org/presentationml/2006/main">
   <p:cSld>
     <p:spTree>
@@ -20784,7 +20003,7 @@
             <a:fld id="{2BF067CD-8E6B-4360-9AA8-C5DF2A48A6D1}" type="slidenum">
               <a:rPr lang="en-US" smtClean="0"/>
               <a:pPr/>
-              <a:t>26</a:t>
+              <a:t>29</a:t>
             </a:fld>
             <a:endParaRPr lang="en-US" dirty="0"/>
           </a:p>
@@ -20809,7 +20028,7 @@
         <p:spPr>
           <a:xfrm>
             <a:off x="190402" y="1196125"/>
-            <a:ext cx="11818096" cy="5528766"/>
+            <a:ext cx="7525598" cy="5528766"/>
           </a:xfrm>
         </p:spPr>
         <p:txBody>
@@ -20896,49 +20115,53 @@
             </a:r>
           </a:p>
           <a:p>
+            <a:pPr>
+              <a:buClr>
+                <a:schemeClr val="tx2"/>
+              </a:buClr>
+            </a:pPr>
+            <a:r>
+              <a:rPr lang="bg-BG" sz="3600" b="1" dirty="0">
+                <a:solidFill>
+                  <a:schemeClr val="bg1"/>
+                </a:solidFill>
+              </a:rPr>
+              <a:t>Футър </a:t>
+            </a:r>
+            <a:r>
+              <a:rPr lang="bg-BG" sz="3600" b="1" dirty="0"/>
+              <a:t>(</a:t>
+            </a:r>
+            <a:r>
+              <a:rPr lang="en-US" sz="3600" b="1" dirty="0"/>
+              <a:t>Footer)</a:t>
+            </a:r>
+          </a:p>
+          <a:p>
             <a:pPr lvl="1">
               <a:buClr>
                 <a:schemeClr val="tx2"/>
               </a:buClr>
             </a:pPr>
             <a:r>
+              <a:rPr lang="bg-BG" sz="3400" dirty="0"/>
+              <a:t>Намира се в </a:t>
+            </a:r>
+            <a:r>
+              <a:rPr lang="bg-BG" sz="3400" b="1" dirty="0">
+                <a:solidFill>
+                  <a:schemeClr val="bg1"/>
+                </a:solidFill>
+              </a:rPr>
+              <a:t>долната част </a:t>
+            </a:r>
+            <a:r>
+              <a:rPr lang="bg-BG" sz="3400" dirty="0"/>
+              <a:t>на </a:t>
+            </a:r>
+            <a:r>
               <a:rPr lang="bg-BG" sz="3400" b="1" dirty="0"/>
-              <a:t>Пример: </a:t>
-            </a:r>
-            <a:r>
-              <a:rPr lang="bg-BG" sz="3400" dirty="0"/>
-              <a:t>Филтриране по вкус → Ванилия </a:t>
-            </a:r>
-            <a:r>
-              <a:rPr lang="en-US" sz="3400" dirty="0"/>
-              <a:t>|</a:t>
-            </a:r>
-            <a:r>
-              <a:rPr lang="bg-BG" sz="3400" dirty="0"/>
-              <a:t> Шоколад</a:t>
-            </a:r>
-          </a:p>
-          <a:p>
-            <a:pPr>
-              <a:buClr>
-                <a:schemeClr val="tx2"/>
-              </a:buClr>
-            </a:pPr>
-            <a:r>
-              <a:rPr lang="bg-BG" sz="3600" b="1" dirty="0">
-                <a:solidFill>
-                  <a:schemeClr val="bg1"/>
-                </a:solidFill>
-              </a:rPr>
-              <a:t>Футър </a:t>
-            </a:r>
-            <a:r>
-              <a:rPr lang="bg-BG" sz="3600" b="1" dirty="0"/>
-              <a:t>(</a:t>
-            </a:r>
-            <a:r>
-              <a:rPr lang="en-US" sz="3600" b="1" dirty="0"/>
-              <a:t>Footer)</a:t>
+              <a:t>уеб сайта</a:t>
             </a:r>
           </a:p>
           <a:p>
@@ -20949,70 +20172,12 @@
             </a:pPr>
             <a:r>
               <a:rPr lang="bg-BG" sz="3400" dirty="0"/>
-              <a:t>Намира се в </a:t>
-            </a:r>
-            <a:r>
-              <a:rPr lang="bg-BG" sz="3400" b="1" dirty="0">
-                <a:solidFill>
-                  <a:schemeClr val="bg1"/>
-                </a:solidFill>
-              </a:rPr>
-              <a:t>долната част </a:t>
-            </a:r>
-            <a:r>
-              <a:rPr lang="bg-BG" sz="3400" dirty="0"/>
-              <a:t>на </a:t>
-            </a:r>
-            <a:r>
-              <a:rPr lang="bg-BG" sz="3400" b="1" dirty="0"/>
-              <a:t>уеб сайта</a:t>
-            </a:r>
-          </a:p>
-          <a:p>
-            <a:pPr lvl="1">
-              <a:buClr>
-                <a:schemeClr val="tx2"/>
-              </a:buClr>
-            </a:pPr>
-            <a:r>
-              <a:rPr lang="bg-BG" sz="3400" dirty="0"/>
               <a:t>Съдържа </a:t>
             </a:r>
             <a:r>
               <a:rPr lang="bg-BG" sz="3400" b="1" dirty="0"/>
               <a:t>допълнителни връзки</a:t>
             </a:r>
-          </a:p>
-          <a:p>
-            <a:pPr lvl="1">
-              <a:buClr>
-                <a:schemeClr val="tx2"/>
-              </a:buClr>
-            </a:pPr>
-            <a:r>
-              <a:rPr lang="bg-BG" sz="3400" b="1" dirty="0"/>
-              <a:t>Пример: </a:t>
-            </a:r>
-            <a:r>
-              <a:rPr lang="bg-BG" sz="3400" dirty="0"/>
-              <a:t>Условия за ползване </a:t>
-            </a:r>
-            <a:r>
-              <a:rPr lang="en-US" sz="3400" dirty="0"/>
-              <a:t>|</a:t>
-            </a:r>
-            <a:r>
-              <a:rPr lang="bg-BG" sz="3400" dirty="0"/>
-              <a:t> Социални мрежи</a:t>
-            </a:r>
-          </a:p>
-          <a:p>
-            <a:pPr>
-              <a:buClr>
-                <a:schemeClr val="tx2"/>
-              </a:buClr>
-            </a:pPr>
-            <a:endParaRPr lang="bg-BG" sz="3600" dirty="0"/>
           </a:p>
         </p:txBody>
       </p:sp>
@@ -21046,6 +20211,91 @@
           </a:p>
         </p:txBody>
       </p:sp>
+      <p:pic>
+        <p:nvPicPr>
+          <p:cNvPr id="3" name="Picture 2">
+            <a:extLst>
+              <a:ext uri="{FF2B5EF4-FFF2-40B4-BE49-F238E27FC236}">
+                <a16:creationId xmlns:a16="http://schemas.microsoft.com/office/drawing/2014/main" id="{D1FE27B2-4B9A-DFF4-12CF-3A60CACAA2E7}"/>
+              </a:ext>
+            </a:extLst>
+          </p:cNvPr>
+          <p:cNvPicPr>
+            <a:picLocks noChangeAspect="1"/>
+          </p:cNvPicPr>
+          <p:nvPr/>
+        </p:nvPicPr>
+        <p:blipFill>
+          <a:blip r:embed="rId3">
+            <a:extLst>
+              <a:ext uri="{28A0092B-C50C-407E-A947-70E740481C1C}">
+                <a14:useLocalDpi xmlns:a14="http://schemas.microsoft.com/office/drawing/2010/main" val="0"/>
+              </a:ext>
+            </a:extLst>
+          </a:blip>
+          <a:stretch>
+            <a:fillRect/>
+          </a:stretch>
+        </p:blipFill>
+        <p:spPr>
+          <a:xfrm>
+            <a:off x="7806000" y="1494000"/>
+            <a:ext cx="3576775" cy="2880000"/>
+          </a:xfrm>
+          <a:prstGeom prst="rect">
+            <a:avLst/>
+          </a:prstGeom>
+          <a:ln>
+            <a:solidFill>
+              <a:schemeClr val="bg2">
+                <a:lumMod val="75000"/>
+              </a:schemeClr>
+            </a:solidFill>
+          </a:ln>
+        </p:spPr>
+      </p:pic>
+      <p:pic>
+        <p:nvPicPr>
+          <p:cNvPr id="6" name="Picture 5">
+            <a:extLst>
+              <a:ext uri="{FF2B5EF4-FFF2-40B4-BE49-F238E27FC236}">
+                <a16:creationId xmlns:a16="http://schemas.microsoft.com/office/drawing/2014/main" id="{05C41BC4-16A2-18FC-2912-404772C53FC6}"/>
+              </a:ext>
+            </a:extLst>
+          </p:cNvPr>
+          <p:cNvPicPr>
+            <a:picLocks noChangeAspect="1"/>
+          </p:cNvPicPr>
+          <p:nvPr/>
+        </p:nvPicPr>
+        <p:blipFill rotWithShape="1">
+          <a:blip r:embed="rId4">
+            <a:extLst>
+              <a:ext uri="{28A0092B-C50C-407E-A947-70E740481C1C}">
+                <a14:useLocalDpi xmlns:a14="http://schemas.microsoft.com/office/drawing/2010/main" val="0"/>
+              </a:ext>
+            </a:extLst>
+          </a:blip>
+          <a:srcRect t="-418" r="23575"/>
+          <a:stretch/>
+        </p:blipFill>
+        <p:spPr>
+          <a:xfrm>
+            <a:off x="7614387" y="5359263"/>
+            <a:ext cx="3960000" cy="522875"/>
+          </a:xfrm>
+          <a:prstGeom prst="rect">
+            <a:avLst/>
+          </a:prstGeom>
+          <a:ln>
+            <a:solidFill>
+              <a:schemeClr val="bg2">
+                <a:lumMod val="75000"/>
+              </a:schemeClr>
+            </a:solidFill>
+          </a:ln>
+        </p:spPr>
+      </p:pic>
     </p:spTree>
     <p:extLst>
       <p:ext uri="{BB962C8B-B14F-4D97-AF65-F5344CB8AC3E}">
@@ -21213,6 +20463,33 @@
                                   </p:childTnLst>
                                 </p:cTn>
                               </p:par>
+                              <p:par>
+                                <p:cTn id="15" presetID="1" presetClass="entr" presetSubtype="0" fill="hold" nodeType="withEffect">
+                                  <p:stCondLst>
+                                    <p:cond delay="0"/>
+                                  </p:stCondLst>
+                                  <p:childTnLst>
+                                    <p:set>
+                                      <p:cBhvr>
+                                        <p:cTn id="16" dur="1" fill="hold">
+                                          <p:stCondLst>
+                                            <p:cond delay="0"/>
+                                          </p:stCondLst>
+                                        </p:cTn>
+                                        <p:tgtEl>
+                                          <p:spTgt spid="6"/>
+                                        </p:tgtEl>
+                                        <p:attrNameLst>
+                                          <p:attrName>style.visibility</p:attrName>
+                                        </p:attrNameLst>
+                                      </p:cBhvr>
+                                      <p:to>
+                                        <p:strVal val="visible"/>
+                                      </p:to>
+                                    </p:set>
+                                  </p:childTnLst>
+                                </p:cTn>
+                              </p:par>
                             </p:childTnLst>
                           </p:cTn>
                         </p:par>
@@ -21220,26 +20497,26 @@
                     </p:cTn>
                   </p:par>
                   <p:par>
-                    <p:cTn id="15" fill="hold">
+                    <p:cTn id="17" fill="hold">
                       <p:stCondLst>
                         <p:cond delay="indefinite"/>
                       </p:stCondLst>
                       <p:childTnLst>
                         <p:par>
-                          <p:cTn id="16" fill="hold">
+                          <p:cTn id="18" fill="hold">
                             <p:stCondLst>
                               <p:cond delay="0"/>
                             </p:stCondLst>
                             <p:childTnLst>
                               <p:par>
-                                <p:cTn id="17" presetID="1" presetClass="entr" presetSubtype="0" fill="hold" nodeType="clickEffect">
+                                <p:cTn id="19" presetID="1" presetClass="entr" presetSubtype="0" fill="hold" nodeType="clickEffect">
                                   <p:stCondLst>
                                     <p:cond delay="0"/>
                                   </p:stCondLst>
                                   <p:childTnLst>
                                     <p:set>
                                       <p:cBhvr>
-                                        <p:cTn id="18" dur="1" fill="hold">
+                                        <p:cTn id="20" dur="1" fill="hold">
                                           <p:stCondLst>
                                             <p:cond delay="0"/>
                                           </p:stCondLst>
@@ -21269,26 +20546,26 @@
                     </p:cTn>
                   </p:par>
                   <p:par>
-                    <p:cTn id="19" fill="hold">
+                    <p:cTn id="21" fill="hold">
                       <p:stCondLst>
                         <p:cond delay="indefinite"/>
                       </p:stCondLst>
                       <p:childTnLst>
                         <p:par>
-                          <p:cTn id="20" fill="hold">
+                          <p:cTn id="22" fill="hold">
                             <p:stCondLst>
                               <p:cond delay="0"/>
                             </p:stCondLst>
                             <p:childTnLst>
                               <p:par>
-                                <p:cTn id="21" presetID="1" presetClass="entr" presetSubtype="0" fill="hold" nodeType="clickEffect">
+                                <p:cTn id="23" presetID="1" presetClass="entr" presetSubtype="0" fill="hold" nodeType="clickEffect">
                                   <p:stCondLst>
                                     <p:cond delay="0"/>
                                   </p:stCondLst>
                                   <p:childTnLst>
                                     <p:set>
                                       <p:cBhvr>
-                                        <p:cTn id="22" dur="1" fill="hold">
+                                        <p:cTn id="24" dur="1" fill="hold">
                                           <p:stCondLst>
                                             <p:cond delay="0"/>
                                           </p:stCondLst>
@@ -21297,104 +20574,6 @@
                                           <p:spTgt spid="7">
                                             <p:txEl>
                                               <p:pRg st="5" end="5"/>
-                                            </p:txEl>
-                                          </p:spTgt>
-                                        </p:tgtEl>
-                                        <p:attrNameLst>
-                                          <p:attrName>style.visibility</p:attrName>
-                                        </p:attrNameLst>
-                                      </p:cBhvr>
-                                      <p:to>
-                                        <p:strVal val="visible"/>
-                                      </p:to>
-                                    </p:set>
-                                  </p:childTnLst>
-                                </p:cTn>
-                              </p:par>
-                            </p:childTnLst>
-                          </p:cTn>
-                        </p:par>
-                      </p:childTnLst>
-                    </p:cTn>
-                  </p:par>
-                  <p:par>
-                    <p:cTn id="23" fill="hold">
-                      <p:stCondLst>
-                        <p:cond delay="indefinite"/>
-                      </p:stCondLst>
-                      <p:childTnLst>
-                        <p:par>
-                          <p:cTn id="24" fill="hold">
-                            <p:stCondLst>
-                              <p:cond delay="0"/>
-                            </p:stCondLst>
-                            <p:childTnLst>
-                              <p:par>
-                                <p:cTn id="25" presetID="1" presetClass="entr" presetSubtype="0" fill="hold" nodeType="clickEffect">
-                                  <p:stCondLst>
-                                    <p:cond delay="0"/>
-                                  </p:stCondLst>
-                                  <p:childTnLst>
-                                    <p:set>
-                                      <p:cBhvr>
-                                        <p:cTn id="26" dur="1" fill="hold">
-                                          <p:stCondLst>
-                                            <p:cond delay="0"/>
-                                          </p:stCondLst>
-                                        </p:cTn>
-                                        <p:tgtEl>
-                                          <p:spTgt spid="7">
-                                            <p:txEl>
-                                              <p:pRg st="6" end="6"/>
-                                            </p:txEl>
-                                          </p:spTgt>
-                                        </p:tgtEl>
-                                        <p:attrNameLst>
-                                          <p:attrName>style.visibility</p:attrName>
-                                        </p:attrNameLst>
-                                      </p:cBhvr>
-                                      <p:to>
-                                        <p:strVal val="visible"/>
-                                      </p:to>
-                                    </p:set>
-                                  </p:childTnLst>
-                                </p:cTn>
-                              </p:par>
-                            </p:childTnLst>
-                          </p:cTn>
-                        </p:par>
-                      </p:childTnLst>
-                    </p:cTn>
-                  </p:par>
-                  <p:par>
-                    <p:cTn id="27" fill="hold">
-                      <p:stCondLst>
-                        <p:cond delay="indefinite"/>
-                      </p:stCondLst>
-                      <p:childTnLst>
-                        <p:par>
-                          <p:cTn id="28" fill="hold">
-                            <p:stCondLst>
-                              <p:cond delay="0"/>
-                            </p:stCondLst>
-                            <p:childTnLst>
-                              <p:par>
-                                <p:cTn id="29" presetID="1" presetClass="entr" presetSubtype="0" fill="hold" nodeType="clickEffect">
-                                  <p:stCondLst>
-                                    <p:cond delay="0"/>
-                                  </p:stCondLst>
-                                  <p:childTnLst>
-                                    <p:set>
-                                      <p:cBhvr>
-                                        <p:cTn id="30" dur="1" fill="hold">
-                                          <p:stCondLst>
-                                            <p:cond delay="0"/>
-                                          </p:stCondLst>
-                                        </p:cTn>
-                                        <p:tgtEl>
-                                          <p:spTgt spid="7">
-                                            <p:txEl>
-                                              <p:pRg st="7" end="7"/>
                                             </p:txEl>
                                           </p:spTgt>
                                         </p:tgtEl>
@@ -21440,7 +20619,138 @@
 </p:sld>
 </file>
 
-<file path=ppt/slides/slide27.xml><?xml version="1.0" encoding="utf-8"?>
+<file path=ppt/slides/slide3.xml><?xml version="1.0" encoding="utf-8"?>
+<p:sld xmlns:a="http://schemas.openxmlformats.org/drawingml/2006/main" xmlns:r="http://schemas.openxmlformats.org/officeDocument/2006/relationships" xmlns:p="http://schemas.openxmlformats.org/presentationml/2006/main">
+  <p:cSld>
+    <p:spTree>
+      <p:nvGrpSpPr>
+        <p:cNvPr id="1" name=""/>
+        <p:cNvGrpSpPr/>
+        <p:nvPr/>
+      </p:nvGrpSpPr>
+      <p:grpSpPr>
+        <a:xfrm>
+          <a:off x="0" y="0"/>
+          <a:ext cx="0" cy="0"/>
+          <a:chOff x="0" y="0"/>
+          <a:chExt cx="0" cy="0"/>
+        </a:xfrm>
+      </p:grpSpPr>
+      <p:sp>
+        <p:nvSpPr>
+          <p:cNvPr id="4" name="Slide Subtitle">
+            <a:extLst>
+              <a:ext uri="{FF2B5EF4-FFF2-40B4-BE49-F238E27FC236}">
+                <a16:creationId xmlns:a16="http://schemas.microsoft.com/office/drawing/2014/main" id="{BEB5BB41-09D4-4E9F-8C80-EE8709171CB3}"/>
+              </a:ext>
+            </a:extLst>
+          </p:cNvPr>
+          <p:cNvSpPr>
+            <a:spLocks noGrp="1"/>
+          </p:cNvSpPr>
+          <p:nvPr>
+            <p:ph type="subTitle" sz="quarter" idx="11"/>
+          </p:nvPr>
+        </p:nvSpPr>
+        <p:spPr/>
+        <p:txBody>
+          <a:bodyPr/>
+          <a:lstStyle/>
+          <a:p>
+            <a:r>
+              <a:rPr lang="bg-BG" sz="4800" dirty="0"/>
+              <a:t>Основни етапи</a:t>
+            </a:r>
+          </a:p>
+        </p:txBody>
+      </p:sp>
+      <p:sp>
+        <p:nvSpPr>
+          <p:cNvPr id="6" name="Slide Title">
+            <a:extLst>
+              <a:ext uri="{FF2B5EF4-FFF2-40B4-BE49-F238E27FC236}">
+                <a16:creationId xmlns:a16="http://schemas.microsoft.com/office/drawing/2014/main" id="{028D9EA3-B5E0-4F17-9467-4BE3C280DA68}"/>
+              </a:ext>
+            </a:extLst>
+          </p:cNvPr>
+          <p:cNvSpPr>
+            <a:spLocks noGrp="1"/>
+          </p:cNvSpPr>
+          <p:nvPr>
+            <p:ph type="title" sz="quarter" idx="10"/>
+          </p:nvPr>
+        </p:nvSpPr>
+        <p:spPr/>
+        <p:txBody>
+          <a:bodyPr/>
+          <a:lstStyle/>
+          <a:p>
+            <a:r>
+              <a:rPr lang="bg-BG" sz="6000" dirty="0"/>
+              <a:t>Проектиране на уеб сайт</a:t>
+            </a:r>
+            <a:endParaRPr lang="en-US" sz="6000" dirty="0"/>
+          </a:p>
+        </p:txBody>
+      </p:sp>
+      <p:pic>
+        <p:nvPicPr>
+          <p:cNvPr id="3" name="Picture 2">
+            <a:extLst>
+              <a:ext uri="{FF2B5EF4-FFF2-40B4-BE49-F238E27FC236}">
+                <a16:creationId xmlns:a16="http://schemas.microsoft.com/office/drawing/2014/main" id="{F563ED84-FAAA-70BF-7240-9FBB3D2E9BB9}"/>
+              </a:ext>
+            </a:extLst>
+          </p:cNvPr>
+          <p:cNvPicPr>
+            <a:picLocks noChangeAspect="1"/>
+          </p:cNvPicPr>
+          <p:nvPr/>
+        </p:nvPicPr>
+        <p:blipFill>
+          <a:blip r:embed="rId3">
+            <a:extLst>
+              <a:ext uri="{28A0092B-C50C-407E-A947-70E740481C1C}">
+                <a14:useLocalDpi xmlns:a14="http://schemas.microsoft.com/office/drawing/2010/main" val="0"/>
+              </a:ext>
+            </a:extLst>
+          </a:blip>
+          <a:stretch>
+            <a:fillRect/>
+          </a:stretch>
+        </p:blipFill>
+        <p:spPr>
+          <a:xfrm>
+            <a:off x="5144130" y="1089000"/>
+            <a:ext cx="1903739" cy="3069000"/>
+          </a:xfrm>
+          <a:prstGeom prst="rect">
+            <a:avLst/>
+          </a:prstGeom>
+        </p:spPr>
+      </p:pic>
+    </p:spTree>
+    <p:extLst>
+      <p:ext uri="{BB962C8B-B14F-4D97-AF65-F5344CB8AC3E}">
+        <p14:creationId xmlns:p14="http://schemas.microsoft.com/office/powerpoint/2010/main" val="882194472"/>
+      </p:ext>
+    </p:extLst>
+  </p:cSld>
+  <p:clrMapOvr>
+    <a:masterClrMapping/>
+  </p:clrMapOvr>
+  <mc:AlternateContent xmlns:mc="http://schemas.openxmlformats.org/markup-compatibility/2006" xmlns:p14="http://schemas.microsoft.com/office/powerpoint/2010/main">
+    <mc:Choice Requires="p14">
+      <p:transition spd="slow" p14:dur="2000" advClick="0" advTm="5000"/>
+    </mc:Choice>
+    <mc:Fallback xmlns="">
+      <p:transition spd="slow" advClick="0" advTm="5000"/>
+    </mc:Fallback>
+  </mc:AlternateContent>
+</p:sld>
+</file>
+
+<file path=ppt/slides/slide30.xml><?xml version="1.0" encoding="utf-8"?>
 <p:sld xmlns:a="http://schemas.openxmlformats.org/drawingml/2006/main" xmlns:r="http://schemas.openxmlformats.org/officeDocument/2006/relationships" xmlns:p="http://schemas.openxmlformats.org/presentationml/2006/main">
   <p:cSld>
     <p:spTree>
@@ -21490,7 +20800,7 @@
             <a:fld id="{2BF067CD-8E6B-4360-9AA8-C5DF2A48A6D1}" type="slidenum">
               <a:rPr lang="en-US" smtClean="0"/>
               <a:pPr/>
-              <a:t>27</a:t>
+              <a:t>30</a:t>
             </a:fld>
             <a:endParaRPr lang="en-US" dirty="0"/>
           </a:p>
@@ -21520,7 +20830,7 @@
         </p:spPr>
         <p:txBody>
           <a:bodyPr>
-            <a:normAutofit fontScale="92500"/>
+            <a:normAutofit/>
           </a:bodyPr>
           <a:lstStyle/>
           <a:p>
@@ -21535,13 +20845,20 @@
                   <a:schemeClr val="bg1"/>
                 </a:solidFill>
               </a:rPr>
-              <a:t>Хлебни трохи </a:t>
-            </a:r>
-            <a:r>
-              <a:rPr lang="en-US" sz="3600" b="1" dirty="0"/>
-              <a:t>(Breadcrumbs)</a:t>
-            </a:r>
-            <a:endParaRPr lang="bg-BG" sz="3600" b="1" dirty="0"/>
+              <a:t>Бутонна</a:t>
+            </a:r>
+            <a:r>
+              <a:rPr lang="bg-BG" sz="3600" b="1" dirty="0"/>
+              <a:t>/</a:t>
+            </a:r>
+            <a:r>
+              <a:rPr lang="bg-BG" sz="3600" b="1" dirty="0">
+                <a:solidFill>
+                  <a:schemeClr val="bg1"/>
+                </a:solidFill>
+              </a:rPr>
+              <a:t>линкова</a:t>
+            </a:r>
           </a:p>
           <a:p>
             <a:pPr lvl="1">
@@ -21550,32 +20867,12 @@
               </a:buClr>
             </a:pPr>
             <a:r>
-              <a:rPr lang="bg-BG" sz="3400" dirty="0"/>
-              <a:t>Показват </a:t>
-            </a:r>
-            <a:r>
-              <a:rPr lang="bg-BG" sz="3400" b="1" dirty="0">
+              <a:rPr lang="bg-BG" sz="3200" b="1" dirty="0">
                 <a:solidFill>
                   <a:schemeClr val="bg1"/>
                 </a:solidFill>
               </a:rPr>
-              <a:t>пътя</a:t>
-            </a:r>
-            <a:r>
-              <a:rPr lang="bg-BG" sz="3400" dirty="0"/>
-              <a:t> на </a:t>
-            </a:r>
-            <a:r>
-              <a:rPr lang="bg-BG" sz="3400" b="1" dirty="0"/>
-              <a:t>потребителя </a:t>
-            </a:r>
-            <a:r>
-              <a:rPr lang="bg-BG" sz="3400" dirty="0"/>
-              <a:t>в </a:t>
-            </a:r>
-            <a:r>
-              <a:rPr lang="bg-BG" sz="3400" b="1" dirty="0"/>
-              <a:t>уеб сайта</a:t>
+              <a:t>Интерактивни елементи</a:t>
             </a:r>
           </a:p>
           <a:p>
@@ -21586,87 +20883,6 @@
             </a:pPr>
             <a:r>
               <a:rPr lang="bg-BG" sz="3400" dirty="0"/>
-              <a:t>Ориентират </a:t>
-            </a:r>
-            <a:r>
-              <a:rPr lang="bg-BG" sz="3400" b="1" dirty="0"/>
-              <a:t>къде се намираме</a:t>
-            </a:r>
-            <a:endParaRPr lang="en-US" sz="3400" b="1" dirty="0"/>
-          </a:p>
-          <a:p>
-            <a:pPr lvl="1">
-              <a:buClr>
-                <a:schemeClr val="tx2"/>
-              </a:buClr>
-            </a:pPr>
-            <a:r>
-              <a:rPr lang="bg-BG" sz="3400" b="1" dirty="0"/>
-              <a:t>Пример: </a:t>
-            </a:r>
-            <a:r>
-              <a:rPr lang="bg-BG" sz="3400" dirty="0"/>
-              <a:t>Начало → Продукти → Торти →</a:t>
-            </a:r>
-            <a:r>
-              <a:rPr lang="en-US" sz="3400" dirty="0"/>
-              <a:t> </a:t>
-            </a:r>
-            <a:r>
-              <a:rPr lang="bg-BG" sz="3400" dirty="0"/>
-              <a:t>Шоколадова торта</a:t>
-            </a:r>
-          </a:p>
-          <a:p>
-            <a:pPr>
-              <a:buClr>
-                <a:schemeClr val="tx2"/>
-              </a:buClr>
-            </a:pPr>
-            <a:r>
-              <a:rPr lang="bg-BG" sz="3600" b="1" dirty="0">
-                <a:solidFill>
-                  <a:schemeClr val="bg1"/>
-                </a:solidFill>
-              </a:rPr>
-              <a:t>Бутонна</a:t>
-            </a:r>
-            <a:r>
-              <a:rPr lang="bg-BG" sz="3600" b="1" dirty="0"/>
-              <a:t>/</a:t>
-            </a:r>
-            <a:r>
-              <a:rPr lang="bg-BG" sz="3600" b="1" dirty="0">
-                <a:solidFill>
-                  <a:schemeClr val="bg1"/>
-                </a:solidFill>
-              </a:rPr>
-              <a:t>линкова</a:t>
-            </a:r>
-          </a:p>
-          <a:p>
-            <a:pPr lvl="1">
-              <a:buClr>
-                <a:schemeClr val="tx2"/>
-              </a:buClr>
-            </a:pPr>
-            <a:r>
-              <a:rPr lang="bg-BG" sz="3200" b="1" dirty="0">
-                <a:solidFill>
-                  <a:schemeClr val="bg1"/>
-                </a:solidFill>
-              </a:rPr>
-              <a:t>Интерактивни елементи</a:t>
-            </a:r>
-          </a:p>
-          <a:p>
-            <a:pPr lvl="1">
-              <a:buClr>
-                <a:schemeClr val="tx2"/>
-              </a:buClr>
-            </a:pPr>
-            <a:r>
-              <a:rPr lang="bg-BG" sz="3400" dirty="0"/>
               <a:t>Насочват към </a:t>
             </a:r>
             <a:r>
@@ -21681,34 +20897,6 @@
               <a:rPr lang="bg-BG" sz="3400" b="1" dirty="0"/>
               <a:t>свързани теми</a:t>
             </a:r>
-          </a:p>
-          <a:p>
-            <a:pPr lvl="1">
-              <a:buClr>
-                <a:schemeClr val="tx2"/>
-              </a:buClr>
-            </a:pPr>
-            <a:r>
-              <a:rPr lang="bg-BG" sz="3400" b="1" dirty="0"/>
-              <a:t>Пример: </a:t>
-            </a:r>
-            <a:r>
-              <a:rPr lang="bg-BG" sz="3400" dirty="0"/>
-              <a:t>Бутон </a:t>
-            </a:r>
-            <a:r>
-              <a:rPr lang="bg-BG" sz="3600" dirty="0"/>
-              <a:t>"</a:t>
-            </a:r>
-            <a:r>
-              <a:rPr lang="bg-BG" sz="3400" dirty="0"/>
-              <a:t>Поръчай сега</a:t>
-            </a:r>
-            <a:r>
-              <a:rPr lang="bg-BG" sz="3600" dirty="0"/>
-              <a:t>"</a:t>
-            </a:r>
-            <a:endParaRPr lang="bg-BG" sz="3400" dirty="0"/>
           </a:p>
         </p:txBody>
       </p:sp>
@@ -21742,6 +20930,49 @@
           </a:p>
         </p:txBody>
       </p:sp>
+      <p:pic>
+        <p:nvPicPr>
+          <p:cNvPr id="3" name="Picture 2">
+            <a:extLst>
+              <a:ext uri="{FF2B5EF4-FFF2-40B4-BE49-F238E27FC236}">
+                <a16:creationId xmlns:a16="http://schemas.microsoft.com/office/drawing/2014/main" id="{8AE6F221-05C9-871B-9BC9-C19F487F2A0E}"/>
+              </a:ext>
+            </a:extLst>
+          </p:cNvPr>
+          <p:cNvPicPr>
+            <a:picLocks noChangeAspect="1"/>
+          </p:cNvPicPr>
+          <p:nvPr/>
+        </p:nvPicPr>
+        <p:blipFill>
+          <a:blip r:embed="rId3">
+            <a:extLst>
+              <a:ext uri="{28A0092B-C50C-407E-A947-70E740481C1C}">
+                <a14:useLocalDpi xmlns:a14="http://schemas.microsoft.com/office/drawing/2010/main" val="0"/>
+              </a:ext>
+            </a:extLst>
+          </a:blip>
+          <a:stretch>
+            <a:fillRect/>
+          </a:stretch>
+        </p:blipFill>
+        <p:spPr>
+          <a:xfrm>
+            <a:off x="3072105" y="3699000"/>
+            <a:ext cx="6047789" cy="2512501"/>
+          </a:xfrm>
+          <a:prstGeom prst="rect">
+            <a:avLst/>
+          </a:prstGeom>
+          <a:ln>
+            <a:solidFill>
+              <a:schemeClr val="bg2">
+                <a:lumMod val="75000"/>
+              </a:schemeClr>
+            </a:solidFill>
+          </a:ln>
+        </p:spPr>
+      </p:pic>
     </p:spTree>
     <p:extLst>
       <p:ext uri="{BB962C8B-B14F-4D97-AF65-F5344CB8AC3E}">
@@ -21866,251 +21097,6 @@
                       </p:childTnLst>
                     </p:cTn>
                   </p:par>
-                  <p:par>
-                    <p:cTn id="11" fill="hold">
-                      <p:stCondLst>
-                        <p:cond delay="indefinite"/>
-                      </p:stCondLst>
-                      <p:childTnLst>
-                        <p:par>
-                          <p:cTn id="12" fill="hold">
-                            <p:stCondLst>
-                              <p:cond delay="0"/>
-                            </p:stCondLst>
-                            <p:childTnLst>
-                              <p:par>
-                                <p:cTn id="13" presetID="1" presetClass="entr" presetSubtype="0" fill="hold" nodeType="clickEffect">
-                                  <p:stCondLst>
-                                    <p:cond delay="0"/>
-                                  </p:stCondLst>
-                                  <p:childTnLst>
-                                    <p:set>
-                                      <p:cBhvr>
-                                        <p:cTn id="14" dur="1" fill="hold">
-                                          <p:stCondLst>
-                                            <p:cond delay="0"/>
-                                          </p:stCondLst>
-                                        </p:cTn>
-                                        <p:tgtEl>
-                                          <p:spTgt spid="7">
-                                            <p:txEl>
-                                              <p:pRg st="3" end="3"/>
-                                            </p:txEl>
-                                          </p:spTgt>
-                                        </p:tgtEl>
-                                        <p:attrNameLst>
-                                          <p:attrName>style.visibility</p:attrName>
-                                        </p:attrNameLst>
-                                      </p:cBhvr>
-                                      <p:to>
-                                        <p:strVal val="visible"/>
-                                      </p:to>
-                                    </p:set>
-                                  </p:childTnLst>
-                                </p:cTn>
-                              </p:par>
-                            </p:childTnLst>
-                          </p:cTn>
-                        </p:par>
-                      </p:childTnLst>
-                    </p:cTn>
-                  </p:par>
-                  <p:par>
-                    <p:cTn id="15" fill="hold">
-                      <p:stCondLst>
-                        <p:cond delay="indefinite"/>
-                      </p:stCondLst>
-                      <p:childTnLst>
-                        <p:par>
-                          <p:cTn id="16" fill="hold">
-                            <p:stCondLst>
-                              <p:cond delay="0"/>
-                            </p:stCondLst>
-                            <p:childTnLst>
-                              <p:par>
-                                <p:cTn id="17" presetID="1" presetClass="entr" presetSubtype="0" fill="hold" nodeType="clickEffect">
-                                  <p:stCondLst>
-                                    <p:cond delay="0"/>
-                                  </p:stCondLst>
-                                  <p:childTnLst>
-                                    <p:set>
-                                      <p:cBhvr>
-                                        <p:cTn id="18" dur="1" fill="hold">
-                                          <p:stCondLst>
-                                            <p:cond delay="0"/>
-                                          </p:stCondLst>
-                                        </p:cTn>
-                                        <p:tgtEl>
-                                          <p:spTgt spid="7">
-                                            <p:txEl>
-                                              <p:pRg st="4" end="4"/>
-                                            </p:txEl>
-                                          </p:spTgt>
-                                        </p:tgtEl>
-                                        <p:attrNameLst>
-                                          <p:attrName>style.visibility</p:attrName>
-                                        </p:attrNameLst>
-                                      </p:cBhvr>
-                                      <p:to>
-                                        <p:strVal val="visible"/>
-                                      </p:to>
-                                    </p:set>
-                                  </p:childTnLst>
-                                </p:cTn>
-                              </p:par>
-                            </p:childTnLst>
-                          </p:cTn>
-                        </p:par>
-                      </p:childTnLst>
-                    </p:cTn>
-                  </p:par>
-                  <p:par>
-                    <p:cTn id="19" fill="hold">
-                      <p:stCondLst>
-                        <p:cond delay="indefinite"/>
-                      </p:stCondLst>
-                      <p:childTnLst>
-                        <p:par>
-                          <p:cTn id="20" fill="hold">
-                            <p:stCondLst>
-                              <p:cond delay="0"/>
-                            </p:stCondLst>
-                            <p:childTnLst>
-                              <p:par>
-                                <p:cTn id="21" presetID="1" presetClass="entr" presetSubtype="0" fill="hold" nodeType="clickEffect">
-                                  <p:stCondLst>
-                                    <p:cond delay="0"/>
-                                  </p:stCondLst>
-                                  <p:childTnLst>
-                                    <p:set>
-                                      <p:cBhvr>
-                                        <p:cTn id="22" dur="1" fill="hold">
-                                          <p:stCondLst>
-                                            <p:cond delay="0"/>
-                                          </p:stCondLst>
-                                        </p:cTn>
-                                        <p:tgtEl>
-                                          <p:spTgt spid="7">
-                                            <p:txEl>
-                                              <p:pRg st="5" end="5"/>
-                                            </p:txEl>
-                                          </p:spTgt>
-                                        </p:tgtEl>
-                                        <p:attrNameLst>
-                                          <p:attrName>style.visibility</p:attrName>
-                                        </p:attrNameLst>
-                                      </p:cBhvr>
-                                      <p:to>
-                                        <p:strVal val="visible"/>
-                                      </p:to>
-                                    </p:set>
-                                  </p:childTnLst>
-                                </p:cTn>
-                              </p:par>
-                            </p:childTnLst>
-                          </p:cTn>
-                        </p:par>
-                      </p:childTnLst>
-                    </p:cTn>
-                  </p:par>
-                  <p:par>
-                    <p:cTn id="23" fill="hold">
-                      <p:stCondLst>
-                        <p:cond delay="indefinite"/>
-                      </p:stCondLst>
-                      <p:childTnLst>
-                        <p:par>
-                          <p:cTn id="24" fill="hold">
-                            <p:stCondLst>
-                              <p:cond delay="0"/>
-                            </p:stCondLst>
-                            <p:childTnLst>
-                              <p:par>
-                                <p:cTn id="25" presetID="1" presetClass="entr" presetSubtype="0" fill="hold" nodeType="clickEffect">
-                                  <p:stCondLst>
-                                    <p:cond delay="0"/>
-                                  </p:stCondLst>
-                                  <p:childTnLst>
-                                    <p:set>
-                                      <p:cBhvr>
-                                        <p:cTn id="26" dur="1" fill="hold">
-                                          <p:stCondLst>
-                                            <p:cond delay="0"/>
-                                          </p:stCondLst>
-                                        </p:cTn>
-                                        <p:tgtEl>
-                                          <p:spTgt spid="7">
-                                            <p:txEl>
-                                              <p:pRg st="6" end="6"/>
-                                            </p:txEl>
-                                          </p:spTgt>
-                                        </p:tgtEl>
-                                        <p:attrNameLst>
-                                          <p:attrName>style.visibility</p:attrName>
-                                        </p:attrNameLst>
-                                      </p:cBhvr>
-                                      <p:to>
-                                        <p:strVal val="visible"/>
-                                      </p:to>
-                                    </p:set>
-                                  </p:childTnLst>
-                                </p:cTn>
-                              </p:par>
-                            </p:childTnLst>
-                          </p:cTn>
-                        </p:par>
-                      </p:childTnLst>
-                    </p:cTn>
-                  </p:par>
-                  <p:par>
-                    <p:cTn id="27" fill="hold">
-                      <p:stCondLst>
-                        <p:cond delay="indefinite"/>
-                      </p:stCondLst>
-                      <p:childTnLst>
-                        <p:par>
-                          <p:cTn id="28" fill="hold">
-                            <p:stCondLst>
-                              <p:cond delay="0"/>
-                            </p:stCondLst>
-                            <p:childTnLst>
-                              <p:par>
-                                <p:cTn id="29" presetID="1" presetClass="entr" presetSubtype="0" fill="hold" nodeType="clickEffect">
-                                  <p:stCondLst>
-                                    <p:cond delay="0"/>
-                                  </p:stCondLst>
-                                  <p:childTnLst>
-                                    <p:set>
-                                      <p:cBhvr>
-                                        <p:cTn id="30" dur="1" fill="hold">
-                                          <p:stCondLst>
-                                            <p:cond delay="0"/>
-                                          </p:stCondLst>
-                                        </p:cTn>
-                                        <p:tgtEl>
-                                          <p:spTgt spid="7">
-                                            <p:txEl>
-                                              <p:pRg st="7" end="7"/>
-                                            </p:txEl>
-                                          </p:spTgt>
-                                        </p:tgtEl>
-                                        <p:attrNameLst>
-                                          <p:attrName>style.visibility</p:attrName>
-                                        </p:attrNameLst>
-                                      </p:cBhvr>
-                                      <p:to>
-                                        <p:strVal val="visible"/>
-                                      </p:to>
-                                    </p:set>
-                                  </p:childTnLst>
-                                </p:cTn>
-                              </p:par>
-                            </p:childTnLst>
-                          </p:cTn>
-                        </p:par>
-                      </p:childTnLst>
-                    </p:cTn>
-                  </p:par>
                 </p:childTnLst>
               </p:cTn>
               <p:prevCondLst>
@@ -22136,7 +21122,7 @@
 </p:sld>
 </file>
 
-<file path=ppt/slides/slide28.xml><?xml version="1.0" encoding="utf-8"?>
+<file path=ppt/slides/slide31.xml><?xml version="1.0" encoding="utf-8"?>
 <p:sld xmlns:a="http://schemas.openxmlformats.org/drawingml/2006/main" xmlns:r="http://schemas.openxmlformats.org/officeDocument/2006/relationships" xmlns:p="http://schemas.openxmlformats.org/presentationml/2006/main">
   <p:cSld>
     <p:spTree>
@@ -22177,7 +21163,7 @@
             <a:fld id="{2BF067CD-8E6B-4360-9AA8-C5DF2A48A6D1}" type="slidenum">
               <a:rPr lang="en-US" noProof="0" smtClean="0"/>
               <a:pPr/>
-              <a:t>28</a:t>
+              <a:t>31</a:t>
             </a:fld>
             <a:endParaRPr lang="en-US" noProof="0" dirty="0"/>
           </a:p>
@@ -22653,7 +21639,7 @@
 </p:sld>
 </file>
 
-<file path=ppt/slides/slide29.xml><?xml version="1.0" encoding="utf-8"?>
+<file path=ppt/slides/slide32.xml><?xml version="1.0" encoding="utf-8"?>
 <p:sld xmlns:a="http://schemas.openxmlformats.org/drawingml/2006/main" xmlns:r="http://schemas.openxmlformats.org/officeDocument/2006/relationships" xmlns:p="http://schemas.openxmlformats.org/presentationml/2006/main">
   <p:cSld>
     <p:spTree>
@@ -22784,138 +21770,7 @@
 </p:sld>
 </file>
 
-<file path=ppt/slides/slide3.xml><?xml version="1.0" encoding="utf-8"?>
-<p:sld xmlns:a="http://schemas.openxmlformats.org/drawingml/2006/main" xmlns:r="http://schemas.openxmlformats.org/officeDocument/2006/relationships" xmlns:p="http://schemas.openxmlformats.org/presentationml/2006/main">
-  <p:cSld>
-    <p:spTree>
-      <p:nvGrpSpPr>
-        <p:cNvPr id="1" name=""/>
-        <p:cNvGrpSpPr/>
-        <p:nvPr/>
-      </p:nvGrpSpPr>
-      <p:grpSpPr>
-        <a:xfrm>
-          <a:off x="0" y="0"/>
-          <a:ext cx="0" cy="0"/>
-          <a:chOff x="0" y="0"/>
-          <a:chExt cx="0" cy="0"/>
-        </a:xfrm>
-      </p:grpSpPr>
-      <p:sp>
-        <p:nvSpPr>
-          <p:cNvPr id="4" name="Slide Subtitle">
-            <a:extLst>
-              <a:ext uri="{FF2B5EF4-FFF2-40B4-BE49-F238E27FC236}">
-                <a16:creationId xmlns:a16="http://schemas.microsoft.com/office/drawing/2014/main" id="{BEB5BB41-09D4-4E9F-8C80-EE8709171CB3}"/>
-              </a:ext>
-            </a:extLst>
-          </p:cNvPr>
-          <p:cNvSpPr>
-            <a:spLocks noGrp="1"/>
-          </p:cNvSpPr>
-          <p:nvPr>
-            <p:ph type="subTitle" sz="quarter" idx="11"/>
-          </p:nvPr>
-        </p:nvSpPr>
-        <p:spPr/>
-        <p:txBody>
-          <a:bodyPr/>
-          <a:lstStyle/>
-          <a:p>
-            <a:r>
-              <a:rPr lang="bg-BG" sz="4800" dirty="0"/>
-              <a:t>Основни етапи</a:t>
-            </a:r>
-          </a:p>
-        </p:txBody>
-      </p:sp>
-      <p:sp>
-        <p:nvSpPr>
-          <p:cNvPr id="6" name="Slide Title">
-            <a:extLst>
-              <a:ext uri="{FF2B5EF4-FFF2-40B4-BE49-F238E27FC236}">
-                <a16:creationId xmlns:a16="http://schemas.microsoft.com/office/drawing/2014/main" id="{028D9EA3-B5E0-4F17-9467-4BE3C280DA68}"/>
-              </a:ext>
-            </a:extLst>
-          </p:cNvPr>
-          <p:cNvSpPr>
-            <a:spLocks noGrp="1"/>
-          </p:cNvSpPr>
-          <p:nvPr>
-            <p:ph type="title" sz="quarter" idx="10"/>
-          </p:nvPr>
-        </p:nvSpPr>
-        <p:spPr/>
-        <p:txBody>
-          <a:bodyPr/>
-          <a:lstStyle/>
-          <a:p>
-            <a:r>
-              <a:rPr lang="bg-BG" sz="6000" dirty="0"/>
-              <a:t>Проектиране на уеб сайт</a:t>
-            </a:r>
-            <a:endParaRPr lang="en-US" sz="6000" dirty="0"/>
-          </a:p>
-        </p:txBody>
-      </p:sp>
-      <p:pic>
-        <p:nvPicPr>
-          <p:cNvPr id="3" name="Picture 2">
-            <a:extLst>
-              <a:ext uri="{FF2B5EF4-FFF2-40B4-BE49-F238E27FC236}">
-                <a16:creationId xmlns:a16="http://schemas.microsoft.com/office/drawing/2014/main" id="{F563ED84-FAAA-70BF-7240-9FBB3D2E9BB9}"/>
-              </a:ext>
-            </a:extLst>
-          </p:cNvPr>
-          <p:cNvPicPr>
-            <a:picLocks noChangeAspect="1"/>
-          </p:cNvPicPr>
-          <p:nvPr/>
-        </p:nvPicPr>
-        <p:blipFill>
-          <a:blip r:embed="rId3">
-            <a:extLst>
-              <a:ext uri="{28A0092B-C50C-407E-A947-70E740481C1C}">
-                <a14:useLocalDpi xmlns:a14="http://schemas.microsoft.com/office/drawing/2010/main" val="0"/>
-              </a:ext>
-            </a:extLst>
-          </a:blip>
-          <a:stretch>
-            <a:fillRect/>
-          </a:stretch>
-        </p:blipFill>
-        <p:spPr>
-          <a:xfrm>
-            <a:off x="5144130" y="1089000"/>
-            <a:ext cx="1903739" cy="3069000"/>
-          </a:xfrm>
-          <a:prstGeom prst="rect">
-            <a:avLst/>
-          </a:prstGeom>
-        </p:spPr>
-      </p:pic>
-    </p:spTree>
-    <p:extLst>
-      <p:ext uri="{BB962C8B-B14F-4D97-AF65-F5344CB8AC3E}">
-        <p14:creationId xmlns:p14="http://schemas.microsoft.com/office/powerpoint/2010/main" val="882194472"/>
-      </p:ext>
-    </p:extLst>
-  </p:cSld>
-  <p:clrMapOvr>
-    <a:masterClrMapping/>
-  </p:clrMapOvr>
-  <mc:AlternateContent xmlns:mc="http://schemas.openxmlformats.org/markup-compatibility/2006" xmlns:p14="http://schemas.microsoft.com/office/powerpoint/2010/main">
-    <mc:Choice Requires="p14">
-      <p:transition spd="slow" p14:dur="2000" advClick="0" advTm="5000"/>
-    </mc:Choice>
-    <mc:Fallback xmlns="">
-      <p:transition spd="slow" advClick="0" advTm="5000"/>
-    </mc:Fallback>
-  </mc:AlternateContent>
-</p:sld>
-</file>
-
-<file path=ppt/slides/slide30.xml><?xml version="1.0" encoding="utf-8"?>
+<file path=ppt/slides/slide33.xml><?xml version="1.0" encoding="utf-8"?>
 <p:sld xmlns:a="http://schemas.openxmlformats.org/drawingml/2006/main" xmlns:r="http://schemas.openxmlformats.org/officeDocument/2006/relationships" xmlns:p="http://schemas.openxmlformats.org/presentationml/2006/main">
   <p:cSld>
     <p:spTree>
@@ -22965,7 +21820,7 @@
             <a:fld id="{2BF067CD-8E6B-4360-9AA8-C5DF2A48A6D1}" type="slidenum">
               <a:rPr lang="en-US" smtClean="0"/>
               <a:pPr/>
-              <a:t>30</a:t>
+              <a:t>33</a:t>
             </a:fld>
             <a:endParaRPr lang="en-US" dirty="0"/>
           </a:p>
@@ -23593,7 +22448,7 @@
 </p:sld>
 </file>
 
-<file path=ppt/slides/slide31.xml><?xml version="1.0" encoding="utf-8"?>
+<file path=ppt/slides/slide34.xml><?xml version="1.0" encoding="utf-8"?>
 <p:sld xmlns:a="http://schemas.openxmlformats.org/drawingml/2006/main" xmlns:r="http://schemas.openxmlformats.org/officeDocument/2006/relationships" xmlns:p="http://schemas.openxmlformats.org/presentationml/2006/main">
   <p:cSld>
     <p:spTree>
@@ -23643,7 +22498,7 @@
             <a:fld id="{2BF067CD-8E6B-4360-9AA8-C5DF2A48A6D1}" type="slidenum">
               <a:rPr lang="en-US" smtClean="0"/>
               <a:pPr/>
-              <a:t>31</a:t>
+              <a:t>34</a:t>
             </a:fld>
             <a:endParaRPr lang="en-US" dirty="0"/>
           </a:p>
@@ -24337,7 +23192,7 @@
 </p:sld>
 </file>
 
-<file path=ppt/slides/slide32.xml><?xml version="1.0" encoding="utf-8"?>
+<file path=ppt/slides/slide35.xml><?xml version="1.0" encoding="utf-8"?>
 <p:sld xmlns:a="http://schemas.openxmlformats.org/drawingml/2006/main" xmlns:r="http://schemas.openxmlformats.org/officeDocument/2006/relationships" xmlns:p="http://schemas.openxmlformats.org/presentationml/2006/main">
   <p:cSld>
     <p:spTree>
@@ -24387,7 +23242,7 @@
             <a:fld id="{2BF067CD-8E6B-4360-9AA8-C5DF2A48A6D1}" type="slidenum">
               <a:rPr lang="en-US" smtClean="0"/>
               <a:pPr/>
-              <a:t>32</a:t>
+              <a:t>35</a:t>
             </a:fld>
             <a:endParaRPr lang="en-US" dirty="0"/>
           </a:p>
@@ -25184,7 +24039,7 @@
 </p:sld>
 </file>
 
-<file path=ppt/slides/slide33.xml><?xml version="1.0" encoding="utf-8"?>
+<file path=ppt/slides/slide36.xml><?xml version="1.0" encoding="utf-8"?>
 <p:sld xmlns:a="http://schemas.openxmlformats.org/drawingml/2006/main" xmlns:r="http://schemas.openxmlformats.org/officeDocument/2006/relationships" xmlns:p="http://schemas.openxmlformats.org/presentationml/2006/main">
   <p:cSld>
     <p:spTree>
@@ -25234,7 +24089,7 @@
             <a:fld id="{2BF067CD-8E6B-4360-9AA8-C5DF2A48A6D1}" type="slidenum">
               <a:rPr lang="en-US" smtClean="0"/>
               <a:pPr/>
-              <a:t>33</a:t>
+              <a:t>36</a:t>
             </a:fld>
             <a:endParaRPr lang="en-US" dirty="0"/>
           </a:p>
@@ -25276,7 +24131,23 @@
                   <a:schemeClr val="bg1"/>
                 </a:solidFill>
               </a:rPr>
-              <a:t>текстови полета</a:t>
+              <a:t>текст</a:t>
+            </a:r>
+            <a:r>
+              <a:rPr lang="bg-BG" sz="3200" dirty="0"/>
+              <a:t> като кликнем </a:t>
+            </a:r>
+            <a:r>
+              <a:rPr lang="bg-BG" sz="3200" b="1" dirty="0"/>
+              <a:t>два пъти </a:t>
+            </a:r>
+            <a:r>
+              <a:rPr lang="bg-BG" sz="3200" dirty="0"/>
+              <a:t>във всеки </a:t>
+            </a:r>
+            <a:r>
+              <a:rPr lang="bg-BG" sz="3200" b="1" dirty="0"/>
+              <a:t>правоъгълник</a:t>
             </a:r>
           </a:p>
           <a:p>
@@ -25363,10 +24234,10 @@
       </p:sp>
       <p:pic>
         <p:nvPicPr>
-          <p:cNvPr id="5" name="Picture 4">
+          <p:cNvPr id="7" name="Picture 6">
             <a:extLst>
               <a:ext uri="{FF2B5EF4-FFF2-40B4-BE49-F238E27FC236}">
-                <a16:creationId xmlns:a16="http://schemas.microsoft.com/office/drawing/2014/main" id="{C7DFA9A7-DC63-1D3C-5F5F-24B8B33C97FE}"/>
+                <a16:creationId xmlns:a16="http://schemas.microsoft.com/office/drawing/2014/main" id="{D07FEA3F-988D-766C-98F1-9A3FCFA71ED6}"/>
               </a:ext>
             </a:extLst>
           </p:cNvPr>
@@ -25376,7 +24247,7 @@
           <p:nvPr/>
         </p:nvPicPr>
         <p:blipFill>
-          <a:blip r:embed="rId4">
+          <a:blip r:embed="rId3">
             <a:extLst>
               <a:ext uri="{28A0092B-C50C-407E-A947-70E740481C1C}">
                 <a14:useLocalDpi xmlns:a14="http://schemas.microsoft.com/office/drawing/2010/main" val="0"/>
@@ -25389,8 +24260,8 @@
         </p:blipFill>
         <p:spPr>
           <a:xfrm>
-            <a:off x="648545" y="1989000"/>
-            <a:ext cx="5009727" cy="1755000"/>
+            <a:off x="631285" y="4626945"/>
+            <a:ext cx="8136818" cy="1215000"/>
           </a:xfrm>
           <a:prstGeom prst="rect">
             <a:avLst/>
@@ -25406,10 +24277,10 @@
       </p:pic>
       <p:pic>
         <p:nvPicPr>
-          <p:cNvPr id="7" name="Picture 6">
+          <p:cNvPr id="6" name="Picture 5">
             <a:extLst>
               <a:ext uri="{FF2B5EF4-FFF2-40B4-BE49-F238E27FC236}">
-                <a16:creationId xmlns:a16="http://schemas.microsoft.com/office/drawing/2014/main" id="{D07FEA3F-988D-766C-98F1-9A3FCFA71ED6}"/>
+                <a16:creationId xmlns:a16="http://schemas.microsoft.com/office/drawing/2014/main" id="{3CC90ED4-4E97-79B1-0CF5-E98E45F1612A}"/>
               </a:ext>
             </a:extLst>
           </p:cNvPr>
@@ -25419,7 +24290,7 @@
           <p:nvPr/>
         </p:nvPicPr>
         <p:blipFill>
-          <a:blip r:embed="rId5">
+          <a:blip r:embed="rId4">
             <a:extLst>
               <a:ext uri="{28A0092B-C50C-407E-A947-70E740481C1C}">
                 <a14:useLocalDpi xmlns:a14="http://schemas.microsoft.com/office/drawing/2010/main" val="0"/>
@@ -25432,8 +24303,8 @@
         </p:blipFill>
         <p:spPr>
           <a:xfrm>
-            <a:off x="631285" y="4626945"/>
-            <a:ext cx="8136818" cy="1215000"/>
+            <a:off x="631285" y="2034000"/>
+            <a:ext cx="2458335" cy="1543606"/>
           </a:xfrm>
           <a:prstGeom prst="rect">
             <a:avLst/>
@@ -25499,7 +24370,7 @@
                                           </p:stCondLst>
                                         </p:cTn>
                                         <p:tgtEl>
-                                          <p:spTgt spid="5"/>
+                                          <p:spTgt spid="6"/>
                                         </p:tgtEl>
                                         <p:attrNameLst>
                                           <p:attrName>style.visibility</p:attrName>
@@ -25634,15 +24505,10 @@
       </p:par>
     </p:tnLst>
   </p:timing>
-  <p:extLst>
-    <p:ext uri="{6950BFC3-D8DA-4A85-94F7-54DA5524770B}">
-      <p188:commentRel xmlns:p188="http://schemas.microsoft.com/office/powerpoint/2018/8/main" r:id="rId3"/>
-    </p:ext>
-  </p:extLst>
 </p:sld>
 </file>
 
-<file path=ppt/slides/slide34.xml><?xml version="1.0" encoding="utf-8"?>
+<file path=ppt/slides/slide37.xml><?xml version="1.0" encoding="utf-8"?>
 <p:sld xmlns:a="http://schemas.openxmlformats.org/drawingml/2006/main" xmlns:r="http://schemas.openxmlformats.org/officeDocument/2006/relationships" xmlns:p="http://schemas.openxmlformats.org/presentationml/2006/main">
   <p:cSld>
     <p:spTree>
@@ -25692,7 +24558,7 @@
             <a:fld id="{2BF067CD-8E6B-4360-9AA8-C5DF2A48A6D1}" type="slidenum">
               <a:rPr lang="en-US" smtClean="0"/>
               <a:pPr/>
-              <a:t>34</a:t>
+              <a:t>37</a:t>
             </a:fld>
             <a:endParaRPr lang="en-US" dirty="0"/>
           </a:p>
@@ -26196,7 +25062,7 @@
 </p:sld>
 </file>
 
-<file path=ppt/slides/slide35.xml><?xml version="1.0" encoding="utf-8"?>
+<file path=ppt/slides/slide38.xml><?xml version="1.0" encoding="utf-8"?>
 <p:sld xmlns:a="http://schemas.openxmlformats.org/drawingml/2006/main" xmlns:r="http://schemas.openxmlformats.org/officeDocument/2006/relationships" xmlns:p="http://schemas.openxmlformats.org/presentationml/2006/main">
   <p:cSld>
     <p:spTree>
@@ -26246,7 +25112,7 @@
             <a:fld id="{2BF067CD-8E6B-4360-9AA8-C5DF2A48A6D1}" type="slidenum">
               <a:rPr lang="en-US" smtClean="0"/>
               <a:pPr/>
-              <a:t>35</a:t>
+              <a:t>38</a:t>
             </a:fld>
             <a:endParaRPr lang="en-US" dirty="0"/>
           </a:p>
@@ -26342,7 +25208,7 @@
 </p:sld>
 </file>
 
-<file path=ppt/slides/slide36.xml><?xml version="1.0" encoding="utf-8"?>
+<file path=ppt/slides/slide39.xml><?xml version="1.0" encoding="utf-8"?>
 <p:sld xmlns:a="http://schemas.openxmlformats.org/drawingml/2006/main" xmlns:r="http://schemas.openxmlformats.org/officeDocument/2006/relationships" xmlns:p="http://schemas.openxmlformats.org/presentationml/2006/main">
   <p:cSld>
     <p:spTree>
@@ -26916,7 +25782,7 @@
             <a:fld id="{2BF067CD-8E6B-4360-9AA8-C5DF2A48A6D1}" type="slidenum">
               <a:rPr lang="en-US" noProof="0" smtClean="0"/>
               <a:pPr/>
-              <a:t>36</a:t>
+              <a:t>39</a:t>
             </a:fld>
             <a:endParaRPr lang="en-US" noProof="0" dirty="0"/>
           </a:p>
@@ -27169,579 +26035,6 @@
 </p:sld>
 </file>
 
-<file path=ppt/slides/slide37.xml><?xml version="1.0" encoding="utf-8"?>
-<p:sld xmlns:a="http://schemas.openxmlformats.org/drawingml/2006/main" xmlns:r="http://schemas.openxmlformats.org/officeDocument/2006/relationships" xmlns:p="http://schemas.openxmlformats.org/presentationml/2006/main">
-  <p:cSld>
-    <p:spTree>
-      <p:nvGrpSpPr>
-        <p:cNvPr id="1" name=""/>
-        <p:cNvGrpSpPr/>
-        <p:nvPr/>
-      </p:nvGrpSpPr>
-      <p:grpSpPr>
-        <a:xfrm>
-          <a:off x="0" y="0"/>
-          <a:ext cx="0" cy="0"/>
-          <a:chOff x="0" y="0"/>
-          <a:chExt cx="0" cy="0"/>
-        </a:xfrm>
-      </p:grpSpPr>
-      <p:sp>
-        <p:nvSpPr>
-          <p:cNvPr id="5" name="Slide Title">
-            <a:extLst>
-              <a:ext uri="{FF2B5EF4-FFF2-40B4-BE49-F238E27FC236}">
-                <a16:creationId xmlns:a16="http://schemas.microsoft.com/office/drawing/2014/main" id="{FA0703FC-0F8F-4C80-A615-E4B381EC0E0C}"/>
-              </a:ext>
-            </a:extLst>
-          </p:cNvPr>
-          <p:cNvSpPr>
-            <a:spLocks noGrp="1"/>
-          </p:cNvSpPr>
-          <p:nvPr>
-            <p:ph type="title"/>
-          </p:nvPr>
-        </p:nvSpPr>
-        <p:spPr/>
-        <p:txBody>
-          <a:bodyPr/>
-          <a:lstStyle/>
-          <a:p>
-            <a:r>
-              <a:rPr lang="bg-BG" dirty="0"/>
-              <a:t>Въпроси</a:t>
-            </a:r>
-            <a:r>
-              <a:rPr lang="en-US" dirty="0"/>
-              <a:t>?</a:t>
-            </a:r>
-          </a:p>
-        </p:txBody>
-      </p:sp>
-      <p:sp>
-        <p:nvSpPr>
-          <p:cNvPr id="2" name="Rectangle Bottom Copyright">
-            <a:extLst>
-              <a:ext uri="{FF2B5EF4-FFF2-40B4-BE49-F238E27FC236}">
-                <a16:creationId xmlns:a16="http://schemas.microsoft.com/office/drawing/2014/main" id="{664812A4-2991-44D1-BFE9-32E55AADF8A5}"/>
-              </a:ext>
-            </a:extLst>
-          </p:cNvPr>
-          <p:cNvSpPr/>
-          <p:nvPr/>
-        </p:nvSpPr>
-        <p:spPr>
-          <a:xfrm>
-            <a:off x="111000" y="6454758"/>
-            <a:ext cx="11970000" cy="304242"/>
-          </a:xfrm>
-          <a:prstGeom prst="rect">
-            <a:avLst/>
-          </a:prstGeom>
-        </p:spPr>
-        <p:txBody>
-          <a:bodyPr wrap="square">
-            <a:noAutofit/>
-          </a:bodyPr>
-          <a:lstStyle/>
-          <a:p>
-            <a:pPr algn="ctr">
-              <a:lnSpc>
-                <a:spcPct val="100000"/>
-              </a:lnSpc>
-              <a:spcBef>
-                <a:spcPts val="0"/>
-              </a:spcBef>
-              <a:spcAft>
-                <a:spcPts val="0"/>
-              </a:spcAft>
-            </a:pPr>
-            <a:r>
-              <a:rPr lang="bg-BG" sz="1600" dirty="0">
-                <a:solidFill>
-                  <a:schemeClr val="bg2"/>
-                </a:solidFill>
-                <a:effectLst/>
-                <a:latin typeface="Calibri" panose="020F0502020204030204" pitchFamily="34" charset="0"/>
-                <a:ea typeface="Calibri" panose="020F0502020204030204" pitchFamily="34" charset="0"/>
-                <a:cs typeface="Arial" panose="020B0604020202020204" pitchFamily="34" charset="0"/>
-              </a:rPr>
-              <a:t>Проект "</a:t>
-            </a:r>
-            <a:r>
-              <a:rPr lang="bg-BG" sz="1600" dirty="0">
-                <a:solidFill>
-                  <a:schemeClr val="bg1">
-                    <a:lumMod val="20000"/>
-                    <a:lumOff val="80000"/>
-                  </a:schemeClr>
-                </a:solidFill>
-                <a:effectLst/>
-                <a:latin typeface="Calibri" panose="020F0502020204030204" pitchFamily="34" charset="0"/>
-                <a:ea typeface="Calibri" panose="020F0502020204030204" pitchFamily="34" charset="0"/>
-                <a:cs typeface="Arial" panose="020B0604020202020204" pitchFamily="34" charset="0"/>
-                <a:hlinkClick r:id="rId3">
-                  <a:extLst>
-                    <a:ext uri="{A12FA001-AC4F-418D-AE19-62706E023703}">
-                      <ahyp:hlinkClr xmlns:ahyp="http://schemas.microsoft.com/office/drawing/2018/hyperlinkcolor" val="tx"/>
-                    </a:ext>
-                  </a:extLst>
-                </a:hlinkClick>
-              </a:rPr>
-              <a:t>Отворено учебно съдържание по програмиране и ИТ</a:t>
-            </a:r>
-            <a:r>
-              <a:rPr lang="bg-BG" sz="1600" dirty="0">
-                <a:solidFill>
-                  <a:schemeClr val="bg2"/>
-                </a:solidFill>
-                <a:effectLst/>
-                <a:latin typeface="Calibri" panose="020F0502020204030204" pitchFamily="34" charset="0"/>
-                <a:ea typeface="Calibri" panose="020F0502020204030204" pitchFamily="34" charset="0"/>
-                <a:cs typeface="Arial" panose="020B0604020202020204" pitchFamily="34" charset="0"/>
-              </a:rPr>
-              <a:t>", СофтУни Фондация (лиценз </a:t>
-            </a:r>
-            <a:r>
-              <a:rPr lang="en-US" sz="1600" dirty="0">
-                <a:solidFill>
-                  <a:schemeClr val="bg2"/>
-                </a:solidFill>
-                <a:effectLst/>
-                <a:latin typeface="Calibri" panose="020F0502020204030204" pitchFamily="34" charset="0"/>
-                <a:ea typeface="Calibri" panose="020F0502020204030204" pitchFamily="34" charset="0"/>
-                <a:cs typeface="Arial" panose="020B0604020202020204" pitchFamily="34" charset="0"/>
-              </a:rPr>
-              <a:t>CC-BY-NC-SA</a:t>
-            </a:r>
-            <a:r>
-              <a:rPr lang="bg-BG" sz="1600" dirty="0">
-                <a:solidFill>
-                  <a:schemeClr val="bg2"/>
-                </a:solidFill>
-                <a:effectLst/>
-                <a:latin typeface="Calibri" panose="020F0502020204030204" pitchFamily="34" charset="0"/>
-                <a:ea typeface="Calibri" panose="020F0502020204030204" pitchFamily="34" charset="0"/>
-                <a:cs typeface="Arial" panose="020B0604020202020204" pitchFamily="34" charset="0"/>
-              </a:rPr>
-              <a:t>)</a:t>
-            </a:r>
-            <a:endParaRPr lang="bg-BG" sz="2400" dirty="0">
-              <a:solidFill>
-                <a:schemeClr val="bg2"/>
-              </a:solidFill>
-              <a:effectLst/>
-              <a:latin typeface="Calibri" panose="020F0502020204030204" pitchFamily="34" charset="0"/>
-              <a:ea typeface="Calibri" panose="020F0502020204030204" pitchFamily="34" charset="0"/>
-              <a:cs typeface="Arial" panose="020B0604020202020204" pitchFamily="34" charset="0"/>
-            </a:endParaRPr>
-          </a:p>
-        </p:txBody>
-      </p:sp>
-    </p:spTree>
-    <p:extLst>
-      <p:ext uri="{BB962C8B-B14F-4D97-AF65-F5344CB8AC3E}">
-        <p14:creationId xmlns:p14="http://schemas.microsoft.com/office/powerpoint/2010/main" val="1472534970"/>
-      </p:ext>
-    </p:extLst>
-  </p:cSld>
-  <p:clrMapOvr>
-    <a:masterClrMapping/>
-  </p:clrMapOvr>
-  <mc:AlternateContent xmlns:mc="http://schemas.openxmlformats.org/markup-compatibility/2006" xmlns:p14="http://schemas.microsoft.com/office/powerpoint/2010/main">
-    <mc:Choice Requires="p14">
-      <p:transition spd="slow" p14:dur="2000" advClick="0" advTm="5000"/>
-    </mc:Choice>
-    <mc:Fallback xmlns="">
-      <p:transition spd="slow" advClick="0" advTm="5000"/>
-    </mc:Fallback>
-  </mc:AlternateContent>
-</p:sld>
-</file>
-
-<file path=ppt/slides/slide38.xml><?xml version="1.0" encoding="utf-8"?>
-<p:sld xmlns:a="http://schemas.openxmlformats.org/drawingml/2006/main" xmlns:r="http://schemas.openxmlformats.org/officeDocument/2006/relationships" xmlns:p="http://schemas.openxmlformats.org/presentationml/2006/main" show="0">
-  <p:cSld>
-    <p:spTree>
-      <p:nvGrpSpPr>
-        <p:cNvPr id="1" name=""/>
-        <p:cNvGrpSpPr/>
-        <p:nvPr/>
-      </p:nvGrpSpPr>
-      <p:grpSpPr>
-        <a:xfrm>
-          <a:off x="0" y="0"/>
-          <a:ext cx="0" cy="0"/>
-          <a:chOff x="0" y="0"/>
-          <a:chExt cx="0" cy="0"/>
-        </a:xfrm>
-      </p:grpSpPr>
-      <p:sp>
-        <p:nvSpPr>
-          <p:cNvPr id="5" name="Slide Number">
-            <a:extLst>
-              <a:ext uri="{FF2B5EF4-FFF2-40B4-BE49-F238E27FC236}">
-                <a16:creationId xmlns:a16="http://schemas.microsoft.com/office/drawing/2014/main" id="{F48C3C93-90A1-4D31-BEA6-B54D1106CE31}"/>
-              </a:ext>
-            </a:extLst>
-          </p:cNvPr>
-          <p:cNvSpPr>
-            <a:spLocks noGrp="1"/>
-          </p:cNvSpPr>
-          <p:nvPr>
-            <p:ph type="sldNum" sz="quarter" idx="5"/>
-          </p:nvPr>
-        </p:nvSpPr>
-        <p:spPr>
-          <a:xfrm>
-            <a:off x="11753030" y="6507000"/>
-            <a:ext cx="367414" cy="297000"/>
-          </a:xfrm>
-          <a:prstGeom prst="rect">
-            <a:avLst/>
-          </a:prstGeom>
-        </p:spPr>
-        <p:txBody>
-          <a:bodyPr vert="horz" lIns="91440" tIns="45720" rIns="91440" bIns="45720" rtlCol="0" anchor="b"/>
-          <a:lstStyle>
-            <a:lvl1pPr algn="r">
-              <a:defRPr sz="1000"/>
-            </a:lvl1pPr>
-          </a:lstStyle>
-          <a:p>
-            <a:fld id="{2BF067CD-8E6B-4360-9AA8-C5DF2A48A6D1}" type="slidenum">
-              <a:rPr lang="en-US" smtClean="0"/>
-              <a:pPr/>
-              <a:t>38</a:t>
-            </a:fld>
-            <a:endParaRPr lang="en-US" dirty="0"/>
-          </a:p>
-        </p:txBody>
-      </p:sp>
-      <p:sp>
-        <p:nvSpPr>
-          <p:cNvPr id="2" name="Slide Body">
-            <a:extLst>
-              <a:ext uri="{FF2B5EF4-FFF2-40B4-BE49-F238E27FC236}">
-                <a16:creationId xmlns:a16="http://schemas.microsoft.com/office/drawing/2014/main" id="{980F49B1-E4BE-4389-A747-7AB9B71AD920}"/>
-              </a:ext>
-            </a:extLst>
-          </p:cNvPr>
-          <p:cNvSpPr>
-            <a:spLocks noGrp="1"/>
-          </p:cNvSpPr>
-          <p:nvPr>
-            <p:ph type="body" sz="quarter" idx="10"/>
-          </p:nvPr>
-        </p:nvSpPr>
-        <p:spPr>
-          <a:xfrm>
-            <a:off x="190402" y="1269001"/>
-            <a:ext cx="9865598" cy="2474999"/>
-          </a:xfrm>
-        </p:spPr>
-        <p:txBody>
-          <a:bodyPr>
-            <a:normAutofit/>
-          </a:bodyPr>
-          <a:lstStyle/>
-          <a:p>
-            <a:pPr>
-              <a:lnSpc>
-                <a:spcPct val="120000"/>
-              </a:lnSpc>
-            </a:pPr>
-            <a:r>
-              <a:rPr lang="bg-BG" sz="3200" dirty="0"/>
-              <a:t>Този курс</a:t>
-            </a:r>
-            <a:r>
-              <a:rPr lang="en-US" sz="3200" dirty="0"/>
-              <a:t> (</a:t>
-            </a:r>
-            <a:r>
-              <a:rPr lang="bg-BG" sz="3200" dirty="0"/>
-              <a:t>презентации, примери, демонстрационен код, упражнения, домашни, видео и други активи</a:t>
-            </a:r>
-            <a:r>
-              <a:rPr lang="en-US" sz="3200" dirty="0"/>
-              <a:t>) </a:t>
-            </a:r>
-            <a:r>
-              <a:rPr lang="bg-BG" sz="3200" dirty="0"/>
-              <a:t>представлява</a:t>
-            </a:r>
-            <a:r>
-              <a:rPr lang="en-US" sz="3200" dirty="0"/>
-              <a:t> </a:t>
-            </a:r>
-            <a:r>
-              <a:rPr lang="bg-BG" sz="3200" b="1" dirty="0"/>
-              <a:t>свободно учебно съдържание </a:t>
-            </a:r>
-            <a:r>
-              <a:rPr lang="bg-BG" sz="3200" dirty="0"/>
-              <a:t>и се разпространява под свободен лиценз </a:t>
-            </a:r>
-            <a:r>
-              <a:rPr lang="en-US" sz="3200" b="1" dirty="0"/>
-              <a:t>CC-BY-NC-SA</a:t>
-            </a:r>
-            <a:endParaRPr lang="bg-BG" sz="3200" dirty="0"/>
-          </a:p>
-        </p:txBody>
-      </p:sp>
-      <p:pic>
-        <p:nvPicPr>
-          <p:cNvPr id="6" name="Picture License" descr="License">
-            <a:extLst>
-              <a:ext uri="{FF2B5EF4-FFF2-40B4-BE49-F238E27FC236}">
-                <a16:creationId xmlns:a16="http://schemas.microsoft.com/office/drawing/2014/main" id="{82BA520F-A037-4E01-AA18-27D9F1E930A6}"/>
-              </a:ext>
-            </a:extLst>
-          </p:cNvPr>
-          <p:cNvPicPr>
-            <a:picLocks noChangeAspect="1"/>
-          </p:cNvPicPr>
-          <p:nvPr/>
-        </p:nvPicPr>
-        <p:blipFill>
-          <a:blip r:embed="rId3">
-            <a:clrChange>
-              <a:clrFrom>
-                <a:srgbClr val="FFFFFF"/>
-              </a:clrFrom>
-              <a:clrTo>
-                <a:srgbClr val="FFFFFF">
-                  <a:alpha val="0"/>
-                </a:srgbClr>
-              </a:clrTo>
-            </a:clrChange>
-          </a:blip>
-          <a:stretch>
-            <a:fillRect/>
-          </a:stretch>
-        </p:blipFill>
-        <p:spPr>
-          <a:xfrm>
-            <a:off x="10226175" y="1440120"/>
-            <a:ext cx="1198986" cy="1268880"/>
-          </a:xfrm>
-          <a:prstGeom prst="rect">
-            <a:avLst/>
-          </a:prstGeom>
-        </p:spPr>
-      </p:pic>
-      <p:sp>
-        <p:nvSpPr>
-          <p:cNvPr id="3" name="Slide Title">
-            <a:extLst>
-              <a:ext uri="{FF2B5EF4-FFF2-40B4-BE49-F238E27FC236}">
-                <a16:creationId xmlns:a16="http://schemas.microsoft.com/office/drawing/2014/main" id="{E5F1FB41-80C3-4816-BC47-CCC50632E6E8}"/>
-              </a:ext>
-            </a:extLst>
-          </p:cNvPr>
-          <p:cNvSpPr>
-            <a:spLocks noGrp="1"/>
-          </p:cNvSpPr>
-          <p:nvPr>
-            <p:ph type="title"/>
-          </p:nvPr>
-        </p:nvSpPr>
-        <p:spPr/>
-        <p:txBody>
-          <a:bodyPr/>
-          <a:lstStyle/>
-          <a:p>
-            <a:r>
-              <a:rPr lang="bg-BG" dirty="0"/>
-              <a:t>Лиценз</a:t>
-            </a:r>
-          </a:p>
-        </p:txBody>
-      </p:sp>
-      <p:sp>
-        <p:nvSpPr>
-          <p:cNvPr id="11" name="TextBox 10">
-            <a:extLst>
-              <a:ext uri="{FF2B5EF4-FFF2-40B4-BE49-F238E27FC236}">
-                <a16:creationId xmlns:a16="http://schemas.microsoft.com/office/drawing/2014/main" id="{0C18DF19-B750-4C88-975B-661A6BF61F5E}"/>
-              </a:ext>
-            </a:extLst>
-          </p:cNvPr>
-          <p:cNvSpPr txBox="1"/>
-          <p:nvPr/>
-        </p:nvSpPr>
-        <p:spPr>
-          <a:xfrm>
-            <a:off x="190401" y="3927519"/>
-            <a:ext cx="11710599" cy="1979644"/>
-          </a:xfrm>
-          <a:prstGeom prst="rect">
-            <a:avLst/>
-          </a:prstGeom>
-          <a:noFill/>
-          <a:ln w="12700">
-            <a:noFill/>
-          </a:ln>
-        </p:spPr>
-        <p:txBody>
-          <a:bodyPr wrap="square">
-            <a:spAutoFit/>
-          </a:bodyPr>
-          <a:lstStyle/>
-          <a:p>
-            <a:pPr marL="360363" indent="-360363" defTabSz="1218438">
-              <a:lnSpc>
-                <a:spcPct val="120000"/>
-              </a:lnSpc>
-              <a:spcBef>
-                <a:spcPts val="600"/>
-              </a:spcBef>
-              <a:spcAft>
-                <a:spcPts val="600"/>
-              </a:spcAft>
-              <a:buFont typeface="Wingdings" panose="05000000000000000000" pitchFamily="2" charset="2"/>
-              <a:buChar char="§"/>
-              <a:defRPr/>
-            </a:pPr>
-            <a:r>
-              <a:rPr lang="bg-BG" sz="3200" dirty="0"/>
-              <a:t>Проект "</a:t>
-            </a:r>
-            <a:r>
-              <a:rPr lang="bg-BG" sz="3200" b="1" dirty="0"/>
-              <a:t>Отворено учебно съдържание по програмиране и ИТ</a:t>
-            </a:r>
-            <a:r>
-              <a:rPr lang="bg-BG" sz="3200" dirty="0"/>
-              <a:t>" към Фондация "Софтуерен университет"</a:t>
-            </a:r>
-            <a:r>
-              <a:rPr lang="en-US" sz="3200" dirty="0"/>
-              <a:t>:</a:t>
-            </a:r>
-            <a:endParaRPr lang="bg-BG" sz="3200" dirty="0"/>
-          </a:p>
-          <a:p>
-            <a:pPr marL="817563" lvl="1" indent="-360363" defTabSz="1218438">
-              <a:lnSpc>
-                <a:spcPct val="120000"/>
-              </a:lnSpc>
-              <a:spcBef>
-                <a:spcPts val="600"/>
-              </a:spcBef>
-              <a:spcAft>
-                <a:spcPts val="600"/>
-              </a:spcAft>
-              <a:buFont typeface="Wingdings" panose="05000000000000000000" pitchFamily="2" charset="2"/>
-              <a:buChar char="§"/>
-              <a:defRPr/>
-            </a:pPr>
-            <a:r>
-              <a:rPr kumimoji="0" lang="en-US" sz="3200" b="0" i="0" u="none" strike="noStrike" kern="1200" cap="none" spc="0" normalizeH="0" baseline="0" noProof="0" dirty="0">
-                <a:ln>
-                  <a:noFill/>
-                </a:ln>
-                <a:solidFill>
-                  <a:srgbClr val="234465"/>
-                </a:solidFill>
-                <a:effectLst/>
-                <a:uLnTx/>
-                <a:uFillTx/>
-                <a:latin typeface="Calibri"/>
-                <a:ea typeface="+mn-ea"/>
-                <a:cs typeface="+mn-cs"/>
-                <a:hlinkClick r:id="rId4"/>
-              </a:rPr>
-              <a:t>https://github.com/BG-IT-Edu</a:t>
-            </a:r>
-            <a:endParaRPr kumimoji="0" lang="bg-BG" sz="3200" b="0" i="0" u="none" strike="noStrike" kern="1200" cap="none" spc="0" normalizeH="0" baseline="0" noProof="0" dirty="0">
-              <a:ln>
-                <a:noFill/>
-              </a:ln>
-              <a:solidFill>
-                <a:srgbClr val="234465"/>
-              </a:solidFill>
-              <a:effectLst/>
-              <a:uLnTx/>
-              <a:uFillTx/>
-              <a:latin typeface="Calibri"/>
-              <a:ea typeface="+mn-ea"/>
-              <a:cs typeface="+mn-cs"/>
-            </a:endParaRPr>
-          </a:p>
-        </p:txBody>
-      </p:sp>
-      <p:pic>
-        <p:nvPicPr>
-          <p:cNvPr id="7" name="Picture 6" title="CC-BY-NC-SA License">
-            <a:hlinkClick r:id="rId5" tooltip="This work is licensed under the &quot;Creative Commons Attribution-NonCommercial-ShareAlike 4.0 International&quot; license"/>
-            <a:extLst>
-              <a:ext uri="{FF2B5EF4-FFF2-40B4-BE49-F238E27FC236}">
-                <a16:creationId xmlns:a16="http://schemas.microsoft.com/office/drawing/2014/main" id="{F6C77C47-F7D8-A176-5C69-7FDE5C7E8003}"/>
-              </a:ext>
-            </a:extLst>
-          </p:cNvPr>
-          <p:cNvPicPr>
-            <a:picLocks noChangeAspect="1" noChangeArrowheads="1"/>
-          </p:cNvPicPr>
-          <p:nvPr/>
-        </p:nvPicPr>
-        <p:blipFill>
-          <a:blip r:embed="rId6">
-            <a:extLst>
-              <a:ext uri="{28A0092B-C50C-407E-A947-70E740481C1C}">
-                <a14:useLocalDpi xmlns:a14="http://schemas.microsoft.com/office/drawing/2010/main"/>
-              </a:ext>
-            </a:extLst>
-          </a:blip>
-          <a:srcRect/>
-          <a:stretch>
-            <a:fillRect/>
-          </a:stretch>
-        </p:blipFill>
-        <p:spPr bwMode="auto">
-          <a:xfrm>
-            <a:off x="9831000" y="2908593"/>
-            <a:ext cx="1989336" cy="696022"/>
-          </a:xfrm>
-          <a:prstGeom prst="roundRect">
-            <a:avLst>
-              <a:gd name="adj" fmla="val 3940"/>
-            </a:avLst>
-          </a:prstGeom>
-          <a:solidFill>
-            <a:srgbClr val="231F20">
-              <a:alpha val="50000"/>
-            </a:srgbClr>
-          </a:solidFill>
-          <a:ln>
-            <a:noFill/>
-          </a:ln>
-        </p:spPr>
-      </p:pic>
-    </p:spTree>
-    <p:extLst>
-      <p:ext uri="{BB962C8B-B14F-4D97-AF65-F5344CB8AC3E}">
-        <p14:creationId xmlns:p14="http://schemas.microsoft.com/office/powerpoint/2010/main" val="3879276042"/>
-      </p:ext>
-    </p:extLst>
-  </p:cSld>
-  <p:clrMapOvr>
-    <a:masterClrMapping/>
-  </p:clrMapOvr>
-  <mc:AlternateContent xmlns:mc="http://schemas.openxmlformats.org/markup-compatibility/2006" xmlns:p14="http://schemas.microsoft.com/office/powerpoint/2010/main">
-    <mc:Choice Requires="p14">
-      <p:transition spd="slow" p14:dur="2000" advClick="0" advTm="5000"/>
-    </mc:Choice>
-    <mc:Fallback xmlns="">
-      <p:transition spd="slow" advClick="0" advTm="5000"/>
-    </mc:Fallback>
-  </mc:AlternateContent>
-</p:sld>
-</file>
-
 <file path=ppt/slides/slide4.xml><?xml version="1.0" encoding="utf-8"?>
 <p:sld xmlns:a="http://schemas.openxmlformats.org/drawingml/2006/main" xmlns:r="http://schemas.openxmlformats.org/officeDocument/2006/relationships" xmlns:p="http://schemas.openxmlformats.org/presentationml/2006/main">
   <p:cSld>
@@ -28144,6 +26437,579 @@
 </p:sld>
 </file>
 
+<file path=ppt/slides/slide40.xml><?xml version="1.0" encoding="utf-8"?>
+<p:sld xmlns:a="http://schemas.openxmlformats.org/drawingml/2006/main" xmlns:r="http://schemas.openxmlformats.org/officeDocument/2006/relationships" xmlns:p="http://schemas.openxmlformats.org/presentationml/2006/main">
+  <p:cSld>
+    <p:spTree>
+      <p:nvGrpSpPr>
+        <p:cNvPr id="1" name=""/>
+        <p:cNvGrpSpPr/>
+        <p:nvPr/>
+      </p:nvGrpSpPr>
+      <p:grpSpPr>
+        <a:xfrm>
+          <a:off x="0" y="0"/>
+          <a:ext cx="0" cy="0"/>
+          <a:chOff x="0" y="0"/>
+          <a:chExt cx="0" cy="0"/>
+        </a:xfrm>
+      </p:grpSpPr>
+      <p:sp>
+        <p:nvSpPr>
+          <p:cNvPr id="5" name="Slide Title">
+            <a:extLst>
+              <a:ext uri="{FF2B5EF4-FFF2-40B4-BE49-F238E27FC236}">
+                <a16:creationId xmlns:a16="http://schemas.microsoft.com/office/drawing/2014/main" id="{FA0703FC-0F8F-4C80-A615-E4B381EC0E0C}"/>
+              </a:ext>
+            </a:extLst>
+          </p:cNvPr>
+          <p:cNvSpPr>
+            <a:spLocks noGrp="1"/>
+          </p:cNvSpPr>
+          <p:nvPr>
+            <p:ph type="title"/>
+          </p:nvPr>
+        </p:nvSpPr>
+        <p:spPr/>
+        <p:txBody>
+          <a:bodyPr/>
+          <a:lstStyle/>
+          <a:p>
+            <a:r>
+              <a:rPr lang="bg-BG" dirty="0"/>
+              <a:t>Въпроси</a:t>
+            </a:r>
+            <a:r>
+              <a:rPr lang="en-US" dirty="0"/>
+              <a:t>?</a:t>
+            </a:r>
+          </a:p>
+        </p:txBody>
+      </p:sp>
+      <p:sp>
+        <p:nvSpPr>
+          <p:cNvPr id="2" name="Rectangle Bottom Copyright">
+            <a:extLst>
+              <a:ext uri="{FF2B5EF4-FFF2-40B4-BE49-F238E27FC236}">
+                <a16:creationId xmlns:a16="http://schemas.microsoft.com/office/drawing/2014/main" id="{664812A4-2991-44D1-BFE9-32E55AADF8A5}"/>
+              </a:ext>
+            </a:extLst>
+          </p:cNvPr>
+          <p:cNvSpPr/>
+          <p:nvPr/>
+        </p:nvSpPr>
+        <p:spPr>
+          <a:xfrm>
+            <a:off x="111000" y="6454758"/>
+            <a:ext cx="11970000" cy="304242"/>
+          </a:xfrm>
+          <a:prstGeom prst="rect">
+            <a:avLst/>
+          </a:prstGeom>
+        </p:spPr>
+        <p:txBody>
+          <a:bodyPr wrap="square">
+            <a:noAutofit/>
+          </a:bodyPr>
+          <a:lstStyle/>
+          <a:p>
+            <a:pPr algn="ctr">
+              <a:lnSpc>
+                <a:spcPct val="100000"/>
+              </a:lnSpc>
+              <a:spcBef>
+                <a:spcPts val="0"/>
+              </a:spcBef>
+              <a:spcAft>
+                <a:spcPts val="0"/>
+              </a:spcAft>
+            </a:pPr>
+            <a:r>
+              <a:rPr lang="bg-BG" sz="1600" dirty="0">
+                <a:solidFill>
+                  <a:schemeClr val="bg2"/>
+                </a:solidFill>
+                <a:effectLst/>
+                <a:latin typeface="Calibri" panose="020F0502020204030204" pitchFamily="34" charset="0"/>
+                <a:ea typeface="Calibri" panose="020F0502020204030204" pitchFamily="34" charset="0"/>
+                <a:cs typeface="Arial" panose="020B0604020202020204" pitchFamily="34" charset="0"/>
+              </a:rPr>
+              <a:t>Проект "</a:t>
+            </a:r>
+            <a:r>
+              <a:rPr lang="bg-BG" sz="1600" dirty="0">
+                <a:solidFill>
+                  <a:schemeClr val="bg1">
+                    <a:lumMod val="20000"/>
+                    <a:lumOff val="80000"/>
+                  </a:schemeClr>
+                </a:solidFill>
+                <a:effectLst/>
+                <a:latin typeface="Calibri" panose="020F0502020204030204" pitchFamily="34" charset="0"/>
+                <a:ea typeface="Calibri" panose="020F0502020204030204" pitchFamily="34" charset="0"/>
+                <a:cs typeface="Arial" panose="020B0604020202020204" pitchFamily="34" charset="0"/>
+                <a:hlinkClick r:id="rId3">
+                  <a:extLst>
+                    <a:ext uri="{A12FA001-AC4F-418D-AE19-62706E023703}">
+                      <ahyp:hlinkClr xmlns:ahyp="http://schemas.microsoft.com/office/drawing/2018/hyperlinkcolor" val="tx"/>
+                    </a:ext>
+                  </a:extLst>
+                </a:hlinkClick>
+              </a:rPr>
+              <a:t>Отворено учебно съдържание по програмиране и ИТ</a:t>
+            </a:r>
+            <a:r>
+              <a:rPr lang="bg-BG" sz="1600" dirty="0">
+                <a:solidFill>
+                  <a:schemeClr val="bg2"/>
+                </a:solidFill>
+                <a:effectLst/>
+                <a:latin typeface="Calibri" panose="020F0502020204030204" pitchFamily="34" charset="0"/>
+                <a:ea typeface="Calibri" panose="020F0502020204030204" pitchFamily="34" charset="0"/>
+                <a:cs typeface="Arial" panose="020B0604020202020204" pitchFamily="34" charset="0"/>
+              </a:rPr>
+              <a:t>", СофтУни Фондация (лиценз </a:t>
+            </a:r>
+            <a:r>
+              <a:rPr lang="en-US" sz="1600" dirty="0">
+                <a:solidFill>
+                  <a:schemeClr val="bg2"/>
+                </a:solidFill>
+                <a:effectLst/>
+                <a:latin typeface="Calibri" panose="020F0502020204030204" pitchFamily="34" charset="0"/>
+                <a:ea typeface="Calibri" panose="020F0502020204030204" pitchFamily="34" charset="0"/>
+                <a:cs typeface="Arial" panose="020B0604020202020204" pitchFamily="34" charset="0"/>
+              </a:rPr>
+              <a:t>CC-BY-NC-SA</a:t>
+            </a:r>
+            <a:r>
+              <a:rPr lang="bg-BG" sz="1600" dirty="0">
+                <a:solidFill>
+                  <a:schemeClr val="bg2"/>
+                </a:solidFill>
+                <a:effectLst/>
+                <a:latin typeface="Calibri" panose="020F0502020204030204" pitchFamily="34" charset="0"/>
+                <a:ea typeface="Calibri" panose="020F0502020204030204" pitchFamily="34" charset="0"/>
+                <a:cs typeface="Arial" panose="020B0604020202020204" pitchFamily="34" charset="0"/>
+              </a:rPr>
+              <a:t>)</a:t>
+            </a:r>
+            <a:endParaRPr lang="bg-BG" sz="2400" dirty="0">
+              <a:solidFill>
+                <a:schemeClr val="bg2"/>
+              </a:solidFill>
+              <a:effectLst/>
+              <a:latin typeface="Calibri" panose="020F0502020204030204" pitchFamily="34" charset="0"/>
+              <a:ea typeface="Calibri" panose="020F0502020204030204" pitchFamily="34" charset="0"/>
+              <a:cs typeface="Arial" panose="020B0604020202020204" pitchFamily="34" charset="0"/>
+            </a:endParaRPr>
+          </a:p>
+        </p:txBody>
+      </p:sp>
+    </p:spTree>
+    <p:extLst>
+      <p:ext uri="{BB962C8B-B14F-4D97-AF65-F5344CB8AC3E}">
+        <p14:creationId xmlns:p14="http://schemas.microsoft.com/office/powerpoint/2010/main" val="1472534970"/>
+      </p:ext>
+    </p:extLst>
+  </p:cSld>
+  <p:clrMapOvr>
+    <a:masterClrMapping/>
+  </p:clrMapOvr>
+  <mc:AlternateContent xmlns:mc="http://schemas.openxmlformats.org/markup-compatibility/2006" xmlns:p14="http://schemas.microsoft.com/office/powerpoint/2010/main">
+    <mc:Choice Requires="p14">
+      <p:transition spd="slow" p14:dur="2000" advClick="0" advTm="5000"/>
+    </mc:Choice>
+    <mc:Fallback xmlns="">
+      <p:transition spd="slow" advClick="0" advTm="5000"/>
+    </mc:Fallback>
+  </mc:AlternateContent>
+</p:sld>
+</file>
+
+<file path=ppt/slides/slide41.xml><?xml version="1.0" encoding="utf-8"?>
+<p:sld xmlns:a="http://schemas.openxmlformats.org/drawingml/2006/main" xmlns:r="http://schemas.openxmlformats.org/officeDocument/2006/relationships" xmlns:p="http://schemas.openxmlformats.org/presentationml/2006/main" show="0">
+  <p:cSld>
+    <p:spTree>
+      <p:nvGrpSpPr>
+        <p:cNvPr id="1" name=""/>
+        <p:cNvGrpSpPr/>
+        <p:nvPr/>
+      </p:nvGrpSpPr>
+      <p:grpSpPr>
+        <a:xfrm>
+          <a:off x="0" y="0"/>
+          <a:ext cx="0" cy="0"/>
+          <a:chOff x="0" y="0"/>
+          <a:chExt cx="0" cy="0"/>
+        </a:xfrm>
+      </p:grpSpPr>
+      <p:sp>
+        <p:nvSpPr>
+          <p:cNvPr id="5" name="Slide Number">
+            <a:extLst>
+              <a:ext uri="{FF2B5EF4-FFF2-40B4-BE49-F238E27FC236}">
+                <a16:creationId xmlns:a16="http://schemas.microsoft.com/office/drawing/2014/main" id="{F48C3C93-90A1-4D31-BEA6-B54D1106CE31}"/>
+              </a:ext>
+            </a:extLst>
+          </p:cNvPr>
+          <p:cNvSpPr>
+            <a:spLocks noGrp="1"/>
+          </p:cNvSpPr>
+          <p:nvPr>
+            <p:ph type="sldNum" sz="quarter" idx="5"/>
+          </p:nvPr>
+        </p:nvSpPr>
+        <p:spPr>
+          <a:xfrm>
+            <a:off x="11753030" y="6507000"/>
+            <a:ext cx="367414" cy="297000"/>
+          </a:xfrm>
+          <a:prstGeom prst="rect">
+            <a:avLst/>
+          </a:prstGeom>
+        </p:spPr>
+        <p:txBody>
+          <a:bodyPr vert="horz" lIns="91440" tIns="45720" rIns="91440" bIns="45720" rtlCol="0" anchor="b"/>
+          <a:lstStyle>
+            <a:lvl1pPr algn="r">
+              <a:defRPr sz="1000"/>
+            </a:lvl1pPr>
+          </a:lstStyle>
+          <a:p>
+            <a:fld id="{2BF067CD-8E6B-4360-9AA8-C5DF2A48A6D1}" type="slidenum">
+              <a:rPr lang="en-US" smtClean="0"/>
+              <a:pPr/>
+              <a:t>41</a:t>
+            </a:fld>
+            <a:endParaRPr lang="en-US" dirty="0"/>
+          </a:p>
+        </p:txBody>
+      </p:sp>
+      <p:sp>
+        <p:nvSpPr>
+          <p:cNvPr id="2" name="Slide Body">
+            <a:extLst>
+              <a:ext uri="{FF2B5EF4-FFF2-40B4-BE49-F238E27FC236}">
+                <a16:creationId xmlns:a16="http://schemas.microsoft.com/office/drawing/2014/main" id="{980F49B1-E4BE-4389-A747-7AB9B71AD920}"/>
+              </a:ext>
+            </a:extLst>
+          </p:cNvPr>
+          <p:cNvSpPr>
+            <a:spLocks noGrp="1"/>
+          </p:cNvSpPr>
+          <p:nvPr>
+            <p:ph type="body" sz="quarter" idx="10"/>
+          </p:nvPr>
+        </p:nvSpPr>
+        <p:spPr>
+          <a:xfrm>
+            <a:off x="190402" y="1269001"/>
+            <a:ext cx="9865598" cy="2474999"/>
+          </a:xfrm>
+        </p:spPr>
+        <p:txBody>
+          <a:bodyPr>
+            <a:normAutofit/>
+          </a:bodyPr>
+          <a:lstStyle/>
+          <a:p>
+            <a:pPr>
+              <a:lnSpc>
+                <a:spcPct val="120000"/>
+              </a:lnSpc>
+            </a:pPr>
+            <a:r>
+              <a:rPr lang="bg-BG" sz="3200" dirty="0"/>
+              <a:t>Този курс</a:t>
+            </a:r>
+            <a:r>
+              <a:rPr lang="en-US" sz="3200" dirty="0"/>
+              <a:t> (</a:t>
+            </a:r>
+            <a:r>
+              <a:rPr lang="bg-BG" sz="3200" dirty="0"/>
+              <a:t>презентации, примери, демонстрационен код, упражнения, домашни, видео и други активи</a:t>
+            </a:r>
+            <a:r>
+              <a:rPr lang="en-US" sz="3200" dirty="0"/>
+              <a:t>) </a:t>
+            </a:r>
+            <a:r>
+              <a:rPr lang="bg-BG" sz="3200" dirty="0"/>
+              <a:t>представлява</a:t>
+            </a:r>
+            <a:r>
+              <a:rPr lang="en-US" sz="3200" dirty="0"/>
+              <a:t> </a:t>
+            </a:r>
+            <a:r>
+              <a:rPr lang="bg-BG" sz="3200" b="1" dirty="0"/>
+              <a:t>свободно учебно съдържание </a:t>
+            </a:r>
+            <a:r>
+              <a:rPr lang="bg-BG" sz="3200" dirty="0"/>
+              <a:t>и се разпространява под свободен лиценз </a:t>
+            </a:r>
+            <a:r>
+              <a:rPr lang="en-US" sz="3200" b="1" dirty="0"/>
+              <a:t>CC-BY-NC-SA</a:t>
+            </a:r>
+            <a:endParaRPr lang="bg-BG" sz="3200" dirty="0"/>
+          </a:p>
+        </p:txBody>
+      </p:sp>
+      <p:pic>
+        <p:nvPicPr>
+          <p:cNvPr id="6" name="Picture License" descr="License">
+            <a:extLst>
+              <a:ext uri="{FF2B5EF4-FFF2-40B4-BE49-F238E27FC236}">
+                <a16:creationId xmlns:a16="http://schemas.microsoft.com/office/drawing/2014/main" id="{82BA520F-A037-4E01-AA18-27D9F1E930A6}"/>
+              </a:ext>
+            </a:extLst>
+          </p:cNvPr>
+          <p:cNvPicPr>
+            <a:picLocks noChangeAspect="1"/>
+          </p:cNvPicPr>
+          <p:nvPr/>
+        </p:nvPicPr>
+        <p:blipFill>
+          <a:blip r:embed="rId3">
+            <a:clrChange>
+              <a:clrFrom>
+                <a:srgbClr val="FFFFFF"/>
+              </a:clrFrom>
+              <a:clrTo>
+                <a:srgbClr val="FFFFFF">
+                  <a:alpha val="0"/>
+                </a:srgbClr>
+              </a:clrTo>
+            </a:clrChange>
+          </a:blip>
+          <a:stretch>
+            <a:fillRect/>
+          </a:stretch>
+        </p:blipFill>
+        <p:spPr>
+          <a:xfrm>
+            <a:off x="10226175" y="1440120"/>
+            <a:ext cx="1198986" cy="1268880"/>
+          </a:xfrm>
+          <a:prstGeom prst="rect">
+            <a:avLst/>
+          </a:prstGeom>
+        </p:spPr>
+      </p:pic>
+      <p:sp>
+        <p:nvSpPr>
+          <p:cNvPr id="3" name="Slide Title">
+            <a:extLst>
+              <a:ext uri="{FF2B5EF4-FFF2-40B4-BE49-F238E27FC236}">
+                <a16:creationId xmlns:a16="http://schemas.microsoft.com/office/drawing/2014/main" id="{E5F1FB41-80C3-4816-BC47-CCC50632E6E8}"/>
+              </a:ext>
+            </a:extLst>
+          </p:cNvPr>
+          <p:cNvSpPr>
+            <a:spLocks noGrp="1"/>
+          </p:cNvSpPr>
+          <p:nvPr>
+            <p:ph type="title"/>
+          </p:nvPr>
+        </p:nvSpPr>
+        <p:spPr/>
+        <p:txBody>
+          <a:bodyPr/>
+          <a:lstStyle/>
+          <a:p>
+            <a:r>
+              <a:rPr lang="bg-BG" dirty="0"/>
+              <a:t>Лиценз</a:t>
+            </a:r>
+          </a:p>
+        </p:txBody>
+      </p:sp>
+      <p:sp>
+        <p:nvSpPr>
+          <p:cNvPr id="11" name="TextBox 10">
+            <a:extLst>
+              <a:ext uri="{FF2B5EF4-FFF2-40B4-BE49-F238E27FC236}">
+                <a16:creationId xmlns:a16="http://schemas.microsoft.com/office/drawing/2014/main" id="{0C18DF19-B750-4C88-975B-661A6BF61F5E}"/>
+              </a:ext>
+            </a:extLst>
+          </p:cNvPr>
+          <p:cNvSpPr txBox="1"/>
+          <p:nvPr/>
+        </p:nvSpPr>
+        <p:spPr>
+          <a:xfrm>
+            <a:off x="190401" y="3927519"/>
+            <a:ext cx="11710599" cy="1979644"/>
+          </a:xfrm>
+          <a:prstGeom prst="rect">
+            <a:avLst/>
+          </a:prstGeom>
+          <a:noFill/>
+          <a:ln w="12700">
+            <a:noFill/>
+          </a:ln>
+        </p:spPr>
+        <p:txBody>
+          <a:bodyPr wrap="square">
+            <a:spAutoFit/>
+          </a:bodyPr>
+          <a:lstStyle/>
+          <a:p>
+            <a:pPr marL="360363" indent="-360363" defTabSz="1218438">
+              <a:lnSpc>
+                <a:spcPct val="120000"/>
+              </a:lnSpc>
+              <a:spcBef>
+                <a:spcPts val="600"/>
+              </a:spcBef>
+              <a:spcAft>
+                <a:spcPts val="600"/>
+              </a:spcAft>
+              <a:buFont typeface="Wingdings" panose="05000000000000000000" pitchFamily="2" charset="2"/>
+              <a:buChar char="§"/>
+              <a:defRPr/>
+            </a:pPr>
+            <a:r>
+              <a:rPr lang="bg-BG" sz="3200" dirty="0"/>
+              <a:t>Проект "</a:t>
+            </a:r>
+            <a:r>
+              <a:rPr lang="bg-BG" sz="3200" b="1" dirty="0"/>
+              <a:t>Отворено учебно съдържание по програмиране и ИТ</a:t>
+            </a:r>
+            <a:r>
+              <a:rPr lang="bg-BG" sz="3200" dirty="0"/>
+              <a:t>" към Фондация "Софтуерен университет"</a:t>
+            </a:r>
+            <a:r>
+              <a:rPr lang="en-US" sz="3200" dirty="0"/>
+              <a:t>:</a:t>
+            </a:r>
+            <a:endParaRPr lang="bg-BG" sz="3200" dirty="0"/>
+          </a:p>
+          <a:p>
+            <a:pPr marL="817563" lvl="1" indent="-360363" defTabSz="1218438">
+              <a:lnSpc>
+                <a:spcPct val="120000"/>
+              </a:lnSpc>
+              <a:spcBef>
+                <a:spcPts val="600"/>
+              </a:spcBef>
+              <a:spcAft>
+                <a:spcPts val="600"/>
+              </a:spcAft>
+              <a:buFont typeface="Wingdings" panose="05000000000000000000" pitchFamily="2" charset="2"/>
+              <a:buChar char="§"/>
+              <a:defRPr/>
+            </a:pPr>
+            <a:r>
+              <a:rPr kumimoji="0" lang="en-US" sz="3200" b="0" i="0" u="none" strike="noStrike" kern="1200" cap="none" spc="0" normalizeH="0" baseline="0" noProof="0" dirty="0">
+                <a:ln>
+                  <a:noFill/>
+                </a:ln>
+                <a:solidFill>
+                  <a:srgbClr val="234465"/>
+                </a:solidFill>
+                <a:effectLst/>
+                <a:uLnTx/>
+                <a:uFillTx/>
+                <a:latin typeface="Calibri"/>
+                <a:ea typeface="+mn-ea"/>
+                <a:cs typeface="+mn-cs"/>
+                <a:hlinkClick r:id="rId4"/>
+              </a:rPr>
+              <a:t>https://github.com/BG-IT-Edu</a:t>
+            </a:r>
+            <a:endParaRPr kumimoji="0" lang="bg-BG" sz="3200" b="0" i="0" u="none" strike="noStrike" kern="1200" cap="none" spc="0" normalizeH="0" baseline="0" noProof="0" dirty="0">
+              <a:ln>
+                <a:noFill/>
+              </a:ln>
+              <a:solidFill>
+                <a:srgbClr val="234465"/>
+              </a:solidFill>
+              <a:effectLst/>
+              <a:uLnTx/>
+              <a:uFillTx/>
+              <a:latin typeface="Calibri"/>
+              <a:ea typeface="+mn-ea"/>
+              <a:cs typeface="+mn-cs"/>
+            </a:endParaRPr>
+          </a:p>
+        </p:txBody>
+      </p:sp>
+      <p:pic>
+        <p:nvPicPr>
+          <p:cNvPr id="7" name="Picture 6" title="CC-BY-NC-SA License">
+            <a:hlinkClick r:id="rId5" tooltip="This work is licensed under the &quot;Creative Commons Attribution-NonCommercial-ShareAlike 4.0 International&quot; license"/>
+            <a:extLst>
+              <a:ext uri="{FF2B5EF4-FFF2-40B4-BE49-F238E27FC236}">
+                <a16:creationId xmlns:a16="http://schemas.microsoft.com/office/drawing/2014/main" id="{F6C77C47-F7D8-A176-5C69-7FDE5C7E8003}"/>
+              </a:ext>
+            </a:extLst>
+          </p:cNvPr>
+          <p:cNvPicPr>
+            <a:picLocks noChangeAspect="1" noChangeArrowheads="1"/>
+          </p:cNvPicPr>
+          <p:nvPr/>
+        </p:nvPicPr>
+        <p:blipFill>
+          <a:blip r:embed="rId6">
+            <a:extLst>
+              <a:ext uri="{28A0092B-C50C-407E-A947-70E740481C1C}">
+                <a14:useLocalDpi xmlns:a14="http://schemas.microsoft.com/office/drawing/2010/main"/>
+              </a:ext>
+            </a:extLst>
+          </a:blip>
+          <a:srcRect/>
+          <a:stretch>
+            <a:fillRect/>
+          </a:stretch>
+        </p:blipFill>
+        <p:spPr bwMode="auto">
+          <a:xfrm>
+            <a:off x="9831000" y="2908593"/>
+            <a:ext cx="1989336" cy="696022"/>
+          </a:xfrm>
+          <a:prstGeom prst="roundRect">
+            <a:avLst>
+              <a:gd name="adj" fmla="val 3940"/>
+            </a:avLst>
+          </a:prstGeom>
+          <a:solidFill>
+            <a:srgbClr val="231F20">
+              <a:alpha val="50000"/>
+            </a:srgbClr>
+          </a:solidFill>
+          <a:ln>
+            <a:noFill/>
+          </a:ln>
+        </p:spPr>
+      </p:pic>
+    </p:spTree>
+    <p:extLst>
+      <p:ext uri="{BB962C8B-B14F-4D97-AF65-F5344CB8AC3E}">
+        <p14:creationId xmlns:p14="http://schemas.microsoft.com/office/powerpoint/2010/main" val="3879276042"/>
+      </p:ext>
+    </p:extLst>
+  </p:cSld>
+  <p:clrMapOvr>
+    <a:masterClrMapping/>
+  </p:clrMapOvr>
+  <mc:AlternateContent xmlns:mc="http://schemas.openxmlformats.org/markup-compatibility/2006" xmlns:p14="http://schemas.microsoft.com/office/powerpoint/2010/main">
+    <mc:Choice Requires="p14">
+      <p:transition spd="slow" p14:dur="2000" advClick="0" advTm="5000"/>
+    </mc:Choice>
+    <mc:Fallback xmlns="">
+      <p:transition spd="slow" advClick="0" advTm="5000"/>
+    </mc:Fallback>
+  </mc:AlternateContent>
+</p:sld>
+</file>
+
 <file path=ppt/slides/slide5.xml><?xml version="1.0" encoding="utf-8"?>
 <p:sld xmlns:a="http://schemas.openxmlformats.org/drawingml/2006/main" xmlns:r="http://schemas.openxmlformats.org/officeDocument/2006/relationships" xmlns:p="http://schemas.openxmlformats.org/presentationml/2006/main">
   <p:cSld>
@@ -28224,7 +27090,7 @@
         </p:spPr>
         <p:txBody>
           <a:bodyPr>
-            <a:normAutofit fontScale="92500"/>
+            <a:normAutofit lnSpcReduction="10000"/>
           </a:bodyPr>
           <a:lstStyle/>
           <a:p>
@@ -28276,7 +27142,7 @@
             <a:pPr lvl="1"/>
             <a:r>
               <a:rPr lang="bg-BG" sz="3200" dirty="0"/>
-              <a:t>Решава се </a:t>
+              <a:t>Изгражда се </a:t>
             </a:r>
             <a:r>
               <a:rPr lang="bg-BG" sz="3200" b="1" dirty="0">
@@ -28284,43 +27150,15 @@
                   <a:schemeClr val="bg1"/>
                 </a:solidFill>
               </a:rPr>
-              <a:t>какви страници</a:t>
-            </a:r>
-            <a:r>
-              <a:rPr lang="bg-BG" sz="3200" dirty="0">
-                <a:solidFill>
-                  <a:schemeClr val="bg1"/>
-                </a:solidFill>
-              </a:rPr>
-              <a:t> </a:t>
+              <a:t>структурната рамка </a:t>
             </a:r>
             <a:r>
               <a:rPr lang="bg-BG" sz="3200" dirty="0"/>
-              <a:t>ще има </a:t>
+              <a:t>на </a:t>
             </a:r>
             <a:r>
               <a:rPr lang="bg-BG" sz="3200" b="1" dirty="0"/>
-              <a:t>уеб сайтът </a:t>
-            </a:r>
-            <a:r>
-              <a:rPr lang="bg-BG" sz="3200" dirty="0"/>
-              <a:t>и </a:t>
-            </a:r>
-            <a:r>
-              <a:rPr lang="bg-BG" sz="3200" b="1" dirty="0"/>
-              <a:t>как ще бъдат </a:t>
-            </a:r>
-            <a:r>
-              <a:rPr lang="bg-BG" sz="3200" b="1" dirty="0">
-                <a:solidFill>
-                  <a:schemeClr val="bg1"/>
-                </a:solidFill>
-              </a:rPr>
-              <a:t>свързани</a:t>
-            </a:r>
-            <a:r>
-              <a:rPr lang="bg-BG" sz="3200" dirty="0"/>
-              <a:t> помежду си</a:t>
+              <a:t>уеб сайта</a:t>
             </a:r>
           </a:p>
           <a:p>
@@ -28463,7 +27301,7 @@
           <p:nvPr/>
         </p:nvPicPr>
         <p:blipFill>
-          <a:blip r:embed="rId4">
+          <a:blip r:embed="rId3">
             <a:extLst>
               <a:ext uri="{28A0092B-C50C-407E-A947-70E740481C1C}">
                 <a14:useLocalDpi xmlns:a14="http://schemas.microsoft.com/office/drawing/2010/main" val="0"/>
@@ -28499,7 +27337,7 @@
           <p:nvPr/>
         </p:nvPicPr>
         <p:blipFill>
-          <a:blip r:embed="rId5">
+          <a:blip r:embed="rId4">
             <a:extLst>
               <a:ext uri="{28A0092B-C50C-407E-A947-70E740481C1C}">
                 <a14:useLocalDpi xmlns:a14="http://schemas.microsoft.com/office/drawing/2010/main" val="0"/>
@@ -28840,11 +27678,6 @@
       </p:par>
     </p:tnLst>
   </p:timing>
-  <p:extLst>
-    <p:ext uri="{6950BFC3-D8DA-4A85-94F7-54DA5524770B}">
-      <p188:commentRel xmlns:p188="http://schemas.microsoft.com/office/powerpoint/2018/8/main" r:id="rId3"/>
-    </p:ext>
-  </p:extLst>
 </p:sld>
 </file>
 
